--- a/Witch Ball mind map.pptx
+++ b/Witch Ball mind map.pptx
@@ -5,7 +5,7 @@
     <p:sldMasterId id="2147483648" r:id="rId1"/>
   </p:sldMasterIdLst>
   <p:notesMasterIdLst>
-    <p:notesMasterId r:id="rId9"/>
+    <p:notesMasterId r:id="rId11"/>
   </p:notesMasterIdLst>
   <p:sldIdLst>
     <p:sldId id="256" r:id="rId2"/>
@@ -15,6 +15,8 @@
     <p:sldId id="260" r:id="rId6"/>
     <p:sldId id="261" r:id="rId7"/>
     <p:sldId id="262" r:id="rId8"/>
+    <p:sldId id="263" r:id="rId9"/>
+    <p:sldId id="264" r:id="rId10"/>
   </p:sldIdLst>
   <p:sldSz cx="12192000" cy="6858000"/>
   <p:notesSz cx="6858000" cy="9144000"/>
@@ -203,7 +205,7 @@
           <a:p>
             <a:fld id="{432EB83A-2125-4C75-8665-EE86B460C6D7}" type="datetimeFigureOut">
               <a:rPr lang="en-US" smtClean="0"/>
-              <a:t>6/3/2019</a:t>
+              <a:t>7/9/2019</a:t>
             </a:fld>
             <a:endParaRPr lang="en-US"/>
           </a:p>
@@ -1063,6 +1065,90 @@
 </p:notes>
 </file>
 
+<file path=ppt/notesSlides/notesSlide3.xml><?xml version="1.0" encoding="utf-8"?>
+<p:notes xmlns:a="http://schemas.openxmlformats.org/drawingml/2006/main" xmlns:r="http://schemas.openxmlformats.org/officeDocument/2006/relationships" xmlns:p="http://schemas.openxmlformats.org/presentationml/2006/main">
+  <p:cSld>
+    <p:spTree>
+      <p:nvGrpSpPr>
+        <p:cNvPr id="1" name=""/>
+        <p:cNvGrpSpPr/>
+        <p:nvPr/>
+      </p:nvGrpSpPr>
+      <p:grpSpPr>
+        <a:xfrm>
+          <a:off x="0" y="0"/>
+          <a:ext cx="0" cy="0"/>
+          <a:chOff x="0" y="0"/>
+          <a:chExt cx="0" cy="0"/>
+        </a:xfrm>
+      </p:grpSpPr>
+      <p:sp>
+        <p:nvSpPr>
+          <p:cNvPr id="2" name="Slide Image Placeholder 1"/>
+          <p:cNvSpPr>
+            <a:spLocks noGrp="1" noRot="1" noChangeAspect="1"/>
+          </p:cNvSpPr>
+          <p:nvPr>
+            <p:ph type="sldImg"/>
+          </p:nvPr>
+        </p:nvSpPr>
+        <p:spPr/>
+      </p:sp>
+      <p:sp>
+        <p:nvSpPr>
+          <p:cNvPr id="3" name="Notes Placeholder 2"/>
+          <p:cNvSpPr>
+            <a:spLocks noGrp="1"/>
+          </p:cNvSpPr>
+          <p:nvPr>
+            <p:ph type="body" idx="1"/>
+          </p:nvPr>
+        </p:nvSpPr>
+        <p:spPr/>
+        <p:txBody>
+          <a:bodyPr/>
+          <a:lstStyle/>
+          <a:p>
+            <a:endParaRPr lang="en-US" dirty="0"/>
+          </a:p>
+        </p:txBody>
+      </p:sp>
+      <p:sp>
+        <p:nvSpPr>
+          <p:cNvPr id="4" name="Slide Number Placeholder 3"/>
+          <p:cNvSpPr>
+            <a:spLocks noGrp="1"/>
+          </p:cNvSpPr>
+          <p:nvPr>
+            <p:ph type="sldNum" sz="quarter" idx="10"/>
+          </p:nvPr>
+        </p:nvSpPr>
+        <p:spPr/>
+        <p:txBody>
+          <a:bodyPr/>
+          <a:lstStyle/>
+          <a:p>
+            <a:fld id="{83984052-76CB-4C46-A0C2-FEC3D4AB038D}" type="slidenum">
+              <a:rPr lang="en-US" smtClean="0"/>
+              <a:t>8</a:t>
+            </a:fld>
+            <a:endParaRPr lang="en-US"/>
+          </a:p>
+        </p:txBody>
+      </p:sp>
+    </p:spTree>
+    <p:extLst>
+      <p:ext uri="{BB962C8B-B14F-4D97-AF65-F5344CB8AC3E}">
+        <p14:creationId xmlns:p14="http://schemas.microsoft.com/office/powerpoint/2010/main" val="3791473547"/>
+      </p:ext>
+    </p:extLst>
+  </p:cSld>
+  <p:clrMapOvr>
+    <a:masterClrMapping/>
+  </p:clrMapOvr>
+</p:notes>
+</file>
+
 <file path=ppt/slideLayouts/slideLayout1.xml><?xml version="1.0" encoding="utf-8"?>
 <p:sldLayout xmlns:a="http://schemas.openxmlformats.org/drawingml/2006/main" xmlns:r="http://schemas.openxmlformats.org/officeDocument/2006/relationships" xmlns:p="http://schemas.openxmlformats.org/presentationml/2006/main" type="title" preserve="1">
   <p:cSld name="Title Slide">
@@ -1194,7 +1280,7 @@
           <a:p>
             <a:fld id="{2379F4E2-D73C-4C40-A6C8-9D172A2712F9}" type="datetimeFigureOut">
               <a:rPr lang="en-US" smtClean="0"/>
-              <a:t>6/3/2019</a:t>
+              <a:t>7/9/2019</a:t>
             </a:fld>
             <a:endParaRPr lang="en-US"/>
           </a:p>
@@ -1364,7 +1450,7 @@
           <a:p>
             <a:fld id="{2379F4E2-D73C-4C40-A6C8-9D172A2712F9}" type="datetimeFigureOut">
               <a:rPr lang="en-US" smtClean="0"/>
-              <a:t>6/3/2019</a:t>
+              <a:t>7/9/2019</a:t>
             </a:fld>
             <a:endParaRPr lang="en-US"/>
           </a:p>
@@ -1544,7 +1630,7 @@
           <a:p>
             <a:fld id="{2379F4E2-D73C-4C40-A6C8-9D172A2712F9}" type="datetimeFigureOut">
               <a:rPr lang="en-US" smtClean="0"/>
-              <a:t>6/3/2019</a:t>
+              <a:t>7/9/2019</a:t>
             </a:fld>
             <a:endParaRPr lang="en-US"/>
           </a:p>
@@ -1714,7 +1800,7 @@
           <a:p>
             <a:fld id="{2379F4E2-D73C-4C40-A6C8-9D172A2712F9}" type="datetimeFigureOut">
               <a:rPr lang="en-US" smtClean="0"/>
-              <a:t>6/3/2019</a:t>
+              <a:t>7/9/2019</a:t>
             </a:fld>
             <a:endParaRPr lang="en-US"/>
           </a:p>
@@ -1960,7 +2046,7 @@
           <a:p>
             <a:fld id="{2379F4E2-D73C-4C40-A6C8-9D172A2712F9}" type="datetimeFigureOut">
               <a:rPr lang="en-US" smtClean="0"/>
-              <a:t>6/3/2019</a:t>
+              <a:t>7/9/2019</a:t>
             </a:fld>
             <a:endParaRPr lang="en-US"/>
           </a:p>
@@ -2192,7 +2278,7 @@
           <a:p>
             <a:fld id="{2379F4E2-D73C-4C40-A6C8-9D172A2712F9}" type="datetimeFigureOut">
               <a:rPr lang="en-US" smtClean="0"/>
-              <a:t>6/3/2019</a:t>
+              <a:t>7/9/2019</a:t>
             </a:fld>
             <a:endParaRPr lang="en-US"/>
           </a:p>
@@ -2559,7 +2645,7 @@
           <a:p>
             <a:fld id="{2379F4E2-D73C-4C40-A6C8-9D172A2712F9}" type="datetimeFigureOut">
               <a:rPr lang="en-US" smtClean="0"/>
-              <a:t>6/3/2019</a:t>
+              <a:t>7/9/2019</a:t>
             </a:fld>
             <a:endParaRPr lang="en-US"/>
           </a:p>
@@ -2677,7 +2763,7 @@
           <a:p>
             <a:fld id="{2379F4E2-D73C-4C40-A6C8-9D172A2712F9}" type="datetimeFigureOut">
               <a:rPr lang="en-US" smtClean="0"/>
-              <a:t>6/3/2019</a:t>
+              <a:t>7/9/2019</a:t>
             </a:fld>
             <a:endParaRPr lang="en-US"/>
           </a:p>
@@ -2772,7 +2858,7 @@
           <a:p>
             <a:fld id="{2379F4E2-D73C-4C40-A6C8-9D172A2712F9}" type="datetimeFigureOut">
               <a:rPr lang="en-US" smtClean="0"/>
-              <a:t>6/3/2019</a:t>
+              <a:t>7/9/2019</a:t>
             </a:fld>
             <a:endParaRPr lang="en-US"/>
           </a:p>
@@ -3049,7 +3135,7 @@
           <a:p>
             <a:fld id="{2379F4E2-D73C-4C40-A6C8-9D172A2712F9}" type="datetimeFigureOut">
               <a:rPr lang="en-US" smtClean="0"/>
-              <a:t>6/3/2019</a:t>
+              <a:t>7/9/2019</a:t>
             </a:fld>
             <a:endParaRPr lang="en-US"/>
           </a:p>
@@ -3302,7 +3388,7 @@
           <a:p>
             <a:fld id="{2379F4E2-D73C-4C40-A6C8-9D172A2712F9}" type="datetimeFigureOut">
               <a:rPr lang="en-US" smtClean="0"/>
-              <a:t>6/3/2019</a:t>
+              <a:t>7/9/2019</a:t>
             </a:fld>
             <a:endParaRPr lang="en-US"/>
           </a:p>
@@ -3515,7 +3601,7 @@
           <a:p>
             <a:fld id="{2379F4E2-D73C-4C40-A6C8-9D172A2712F9}" type="datetimeFigureOut">
               <a:rPr lang="en-US" smtClean="0"/>
-              <a:t>6/3/2019</a:t>
+              <a:t>7/9/2019</a:t>
             </a:fld>
             <a:endParaRPr lang="en-US"/>
           </a:p>
@@ -3954,7 +4040,7 @@
           <a:bodyPr/>
           <a:lstStyle/>
           <a:p>
-            <a:endParaRPr lang="en-US"/>
+            <a:endParaRPr lang="en-US" dirty="0"/>
           </a:p>
         </p:txBody>
       </p:sp>
@@ -12406,6 +12492,4811 @@
   <p:clrMapOvr>
     <a:masterClrMapping/>
   </p:clrMapOvr>
+</p:sld>
+</file>
+
+<file path=ppt/slides/slide8.xml><?xml version="1.0" encoding="utf-8"?>
+<p:sld xmlns:a="http://schemas.openxmlformats.org/drawingml/2006/main" xmlns:r="http://schemas.openxmlformats.org/officeDocument/2006/relationships" xmlns:p="http://schemas.openxmlformats.org/presentationml/2006/main">
+  <p:cSld>
+    <p:spTree>
+      <p:nvGrpSpPr>
+        <p:cNvPr id="1" name=""/>
+        <p:cNvGrpSpPr/>
+        <p:nvPr/>
+      </p:nvGrpSpPr>
+      <p:grpSpPr>
+        <a:xfrm>
+          <a:off x="0" y="0"/>
+          <a:ext cx="0" cy="0"/>
+          <a:chOff x="0" y="0"/>
+          <a:chExt cx="0" cy="0"/>
+        </a:xfrm>
+      </p:grpSpPr>
+      <p:grpSp>
+        <p:nvGrpSpPr>
+          <p:cNvPr id="50" name="Group 49"/>
+          <p:cNvGrpSpPr/>
+          <p:nvPr/>
+        </p:nvGrpSpPr>
+        <p:grpSpPr>
+          <a:xfrm>
+            <a:off x="627336" y="1"/>
+            <a:ext cx="5470636" cy="3421381"/>
+            <a:chOff x="646386" y="1547383"/>
+            <a:chExt cx="5470636" cy="3421381"/>
+          </a:xfrm>
+        </p:grpSpPr>
+        <p:sp>
+          <p:nvSpPr>
+            <p:cNvPr id="4" name="Rectangle 3"/>
+            <p:cNvSpPr/>
+            <p:nvPr/>
+          </p:nvSpPr>
+          <p:spPr>
+            <a:xfrm>
+              <a:off x="646387" y="1547383"/>
+              <a:ext cx="5470635" cy="3421381"/>
+            </a:xfrm>
+            <a:prstGeom prst="rect">
+              <a:avLst/>
+            </a:prstGeom>
+            <a:ln>
+              <a:solidFill>
+                <a:schemeClr val="accent1"/>
+              </a:solidFill>
+            </a:ln>
+          </p:spPr>
+          <p:style>
+            <a:lnRef idx="2">
+              <a:schemeClr val="accent6"/>
+            </a:lnRef>
+            <a:fillRef idx="1">
+              <a:schemeClr val="lt1"/>
+            </a:fillRef>
+            <a:effectRef idx="0">
+              <a:schemeClr val="accent6"/>
+            </a:effectRef>
+            <a:fontRef idx="minor">
+              <a:schemeClr val="dk1"/>
+            </a:fontRef>
+          </p:style>
+          <p:txBody>
+            <a:bodyPr rtlCol="0" anchor="t"/>
+            <a:lstStyle/>
+            <a:p>
+              <a:pPr algn="ctr"/>
+              <a:r>
+                <a:rPr lang="en-US" dirty="0" smtClean="0"/>
+                <a:t>Intro</a:t>
+              </a:r>
+              <a:endParaRPr lang="en-US" dirty="0"/>
+            </a:p>
+          </p:txBody>
+        </p:sp>
+        <p:sp>
+          <p:nvSpPr>
+            <p:cNvPr id="6" name="Rectangle 5"/>
+            <p:cNvSpPr/>
+            <p:nvPr/>
+          </p:nvSpPr>
+          <p:spPr>
+            <a:xfrm>
+              <a:off x="646386" y="1547384"/>
+              <a:ext cx="5470635" cy="612492"/>
+            </a:xfrm>
+            <a:prstGeom prst="rect">
+              <a:avLst/>
+            </a:prstGeom>
+          </p:spPr>
+          <p:style>
+            <a:lnRef idx="2">
+              <a:schemeClr val="dk1">
+                <a:shade val="50000"/>
+              </a:schemeClr>
+            </a:lnRef>
+            <a:fillRef idx="1">
+              <a:schemeClr val="dk1"/>
+            </a:fillRef>
+            <a:effectRef idx="0">
+              <a:schemeClr val="dk1"/>
+            </a:effectRef>
+            <a:fontRef idx="minor">
+              <a:schemeClr val="lt1"/>
+            </a:fontRef>
+          </p:style>
+          <p:txBody>
+            <a:bodyPr rtlCol="0" anchor="ctr"/>
+            <a:lstStyle/>
+            <a:p>
+              <a:pPr algn="ctr"/>
+              <a:r>
+                <a:rPr lang="en-US" dirty="0" smtClean="0"/>
+                <a:t>Intro </a:t>
+              </a:r>
+              <a:r>
+                <a:rPr lang="en-US" dirty="0" err="1" smtClean="0"/>
+                <a:t>Cutscene</a:t>
+              </a:r>
+              <a:endParaRPr lang="en-US" dirty="0"/>
+            </a:p>
+          </p:txBody>
+        </p:sp>
+        <p:grpSp>
+          <p:nvGrpSpPr>
+            <p:cNvPr id="17" name="Group 16"/>
+            <p:cNvGrpSpPr/>
+            <p:nvPr/>
+          </p:nvGrpSpPr>
+          <p:grpSpPr>
+            <a:xfrm>
+              <a:off x="788275" y="3058510"/>
+              <a:ext cx="1255748" cy="1462815"/>
+              <a:chOff x="788275" y="3058510"/>
+              <a:chExt cx="1255748" cy="1462815"/>
+            </a:xfrm>
+          </p:grpSpPr>
+          <p:grpSp>
+            <p:nvGrpSpPr>
+              <p:cNvPr id="13" name="Group 12"/>
+              <p:cNvGrpSpPr/>
+              <p:nvPr/>
+            </p:nvGrpSpPr>
+            <p:grpSpPr>
+              <a:xfrm>
+                <a:off x="1206858" y="3058510"/>
+                <a:ext cx="837165" cy="1460161"/>
+                <a:chOff x="960104" y="2457873"/>
+                <a:chExt cx="691907" cy="1310089"/>
+              </a:xfrm>
+            </p:grpSpPr>
+            <p:sp>
+              <p:nvSpPr>
+                <p:cNvPr id="11" name="Rounded Rectangle 10"/>
+                <p:cNvSpPr/>
+                <p:nvPr/>
+              </p:nvSpPr>
+              <p:spPr>
+                <a:xfrm rot="5400000">
+                  <a:off x="979726" y="3199967"/>
+                  <a:ext cx="652662" cy="483327"/>
+                </a:xfrm>
+                <a:prstGeom prst="roundRect">
+                  <a:avLst/>
+                </a:prstGeom>
+              </p:spPr>
+              <p:style>
+                <a:lnRef idx="2">
+                  <a:schemeClr val="accent3">
+                    <a:shade val="50000"/>
+                  </a:schemeClr>
+                </a:lnRef>
+                <a:fillRef idx="1">
+                  <a:schemeClr val="accent3"/>
+                </a:fillRef>
+                <a:effectRef idx="0">
+                  <a:schemeClr val="accent3"/>
+                </a:effectRef>
+                <a:fontRef idx="minor">
+                  <a:schemeClr val="lt1"/>
+                </a:fontRef>
+              </p:style>
+              <p:txBody>
+                <a:bodyPr rtlCol="0" anchor="ctr"/>
+                <a:lstStyle/>
+                <a:p>
+                  <a:pPr algn="ctr"/>
+                  <a:endParaRPr lang="en-US" dirty="0"/>
+                </a:p>
+              </p:txBody>
+            </p:sp>
+            <p:sp>
+              <p:nvSpPr>
+                <p:cNvPr id="12" name="Oval 11"/>
+                <p:cNvSpPr/>
+                <p:nvPr/>
+              </p:nvSpPr>
+              <p:spPr>
+                <a:xfrm>
+                  <a:off x="960104" y="2457873"/>
+                  <a:ext cx="691907" cy="705393"/>
+                </a:xfrm>
+                <a:prstGeom prst="ellipse">
+                  <a:avLst/>
+                </a:prstGeom>
+              </p:spPr>
+              <p:style>
+                <a:lnRef idx="3">
+                  <a:schemeClr val="lt1"/>
+                </a:lnRef>
+                <a:fillRef idx="1">
+                  <a:schemeClr val="accent5"/>
+                </a:fillRef>
+                <a:effectRef idx="1">
+                  <a:schemeClr val="accent5"/>
+                </a:effectRef>
+                <a:fontRef idx="minor">
+                  <a:schemeClr val="lt1"/>
+                </a:fontRef>
+              </p:style>
+              <p:txBody>
+                <a:bodyPr rtlCol="0" anchor="ctr"/>
+                <a:lstStyle/>
+                <a:p>
+                  <a:pPr algn="ctr"/>
+                  <a:endParaRPr lang="en-US" dirty="0"/>
+                </a:p>
+              </p:txBody>
+            </p:sp>
+          </p:grpSp>
+          <p:grpSp>
+            <p:nvGrpSpPr>
+              <p:cNvPr id="14" name="Group 13"/>
+              <p:cNvGrpSpPr/>
+              <p:nvPr/>
+            </p:nvGrpSpPr>
+            <p:grpSpPr>
+              <a:xfrm>
+                <a:off x="788275" y="3061164"/>
+                <a:ext cx="837165" cy="1460161"/>
+                <a:chOff x="960104" y="2457873"/>
+                <a:chExt cx="691907" cy="1310089"/>
+              </a:xfrm>
+            </p:grpSpPr>
+            <p:sp>
+              <p:nvSpPr>
+                <p:cNvPr id="15" name="Rounded Rectangle 14"/>
+                <p:cNvSpPr/>
+                <p:nvPr/>
+              </p:nvSpPr>
+              <p:spPr>
+                <a:xfrm rot="5400000">
+                  <a:off x="979726" y="3199967"/>
+                  <a:ext cx="652662" cy="483327"/>
+                </a:xfrm>
+                <a:prstGeom prst="roundRect">
+                  <a:avLst/>
+                </a:prstGeom>
+              </p:spPr>
+              <p:style>
+                <a:lnRef idx="2">
+                  <a:schemeClr val="accent3">
+                    <a:shade val="50000"/>
+                  </a:schemeClr>
+                </a:lnRef>
+                <a:fillRef idx="1">
+                  <a:schemeClr val="accent3"/>
+                </a:fillRef>
+                <a:effectRef idx="0">
+                  <a:schemeClr val="accent3"/>
+                </a:effectRef>
+                <a:fontRef idx="minor">
+                  <a:schemeClr val="lt1"/>
+                </a:fontRef>
+              </p:style>
+              <p:txBody>
+                <a:bodyPr rtlCol="0" anchor="ctr"/>
+                <a:lstStyle/>
+                <a:p>
+                  <a:pPr algn="ctr"/>
+                  <a:endParaRPr lang="en-US" dirty="0"/>
+                </a:p>
+              </p:txBody>
+            </p:sp>
+            <p:sp>
+              <p:nvSpPr>
+                <p:cNvPr id="16" name="Oval 15"/>
+                <p:cNvSpPr/>
+                <p:nvPr/>
+              </p:nvSpPr>
+              <p:spPr>
+                <a:xfrm>
+                  <a:off x="960104" y="2457873"/>
+                  <a:ext cx="691907" cy="705393"/>
+                </a:xfrm>
+                <a:prstGeom prst="ellipse">
+                  <a:avLst/>
+                </a:prstGeom>
+              </p:spPr>
+              <p:style>
+                <a:lnRef idx="3">
+                  <a:schemeClr val="lt1"/>
+                </a:lnRef>
+                <a:fillRef idx="1">
+                  <a:schemeClr val="accent5"/>
+                </a:fillRef>
+                <a:effectRef idx="1">
+                  <a:schemeClr val="accent5"/>
+                </a:effectRef>
+                <a:fontRef idx="minor">
+                  <a:schemeClr val="lt1"/>
+                </a:fontRef>
+              </p:style>
+              <p:txBody>
+                <a:bodyPr rtlCol="0" anchor="ctr"/>
+                <a:lstStyle/>
+                <a:p>
+                  <a:pPr algn="ctr"/>
+                  <a:endParaRPr lang="en-US" dirty="0"/>
+                </a:p>
+              </p:txBody>
+            </p:sp>
+          </p:grpSp>
+        </p:grpSp>
+        <p:grpSp>
+          <p:nvGrpSpPr>
+            <p:cNvPr id="18" name="Group 17"/>
+            <p:cNvGrpSpPr/>
+            <p:nvPr/>
+          </p:nvGrpSpPr>
+          <p:grpSpPr>
+            <a:xfrm flipH="1">
+              <a:off x="4735089" y="3055856"/>
+              <a:ext cx="1255748" cy="1462815"/>
+              <a:chOff x="788275" y="3058510"/>
+              <a:chExt cx="1255748" cy="1462815"/>
+            </a:xfrm>
+          </p:grpSpPr>
+          <p:grpSp>
+            <p:nvGrpSpPr>
+              <p:cNvPr id="19" name="Group 18"/>
+              <p:cNvGrpSpPr/>
+              <p:nvPr/>
+            </p:nvGrpSpPr>
+            <p:grpSpPr>
+              <a:xfrm>
+                <a:off x="1206858" y="3058510"/>
+                <a:ext cx="837165" cy="1460161"/>
+                <a:chOff x="960104" y="2457873"/>
+                <a:chExt cx="691907" cy="1310089"/>
+              </a:xfrm>
+            </p:grpSpPr>
+            <p:sp>
+              <p:nvSpPr>
+                <p:cNvPr id="23" name="Rounded Rectangle 22"/>
+                <p:cNvSpPr/>
+                <p:nvPr/>
+              </p:nvSpPr>
+              <p:spPr>
+                <a:xfrm rot="5400000">
+                  <a:off x="979726" y="3199967"/>
+                  <a:ext cx="652662" cy="483327"/>
+                </a:xfrm>
+                <a:prstGeom prst="roundRect">
+                  <a:avLst/>
+                </a:prstGeom>
+              </p:spPr>
+              <p:style>
+                <a:lnRef idx="2">
+                  <a:schemeClr val="accent3">
+                    <a:shade val="50000"/>
+                  </a:schemeClr>
+                </a:lnRef>
+                <a:fillRef idx="1">
+                  <a:schemeClr val="accent3"/>
+                </a:fillRef>
+                <a:effectRef idx="0">
+                  <a:schemeClr val="accent3"/>
+                </a:effectRef>
+                <a:fontRef idx="minor">
+                  <a:schemeClr val="lt1"/>
+                </a:fontRef>
+              </p:style>
+              <p:txBody>
+                <a:bodyPr rtlCol="0" anchor="ctr"/>
+                <a:lstStyle/>
+                <a:p>
+                  <a:pPr algn="ctr"/>
+                  <a:endParaRPr lang="en-US" dirty="0"/>
+                </a:p>
+              </p:txBody>
+            </p:sp>
+            <p:sp>
+              <p:nvSpPr>
+                <p:cNvPr id="24" name="Oval 23"/>
+                <p:cNvSpPr/>
+                <p:nvPr/>
+              </p:nvSpPr>
+              <p:spPr>
+                <a:xfrm>
+                  <a:off x="960104" y="2457873"/>
+                  <a:ext cx="691907" cy="705393"/>
+                </a:xfrm>
+                <a:prstGeom prst="ellipse">
+                  <a:avLst/>
+                </a:prstGeom>
+              </p:spPr>
+              <p:style>
+                <a:lnRef idx="3">
+                  <a:schemeClr val="lt1"/>
+                </a:lnRef>
+                <a:fillRef idx="1">
+                  <a:schemeClr val="accent5"/>
+                </a:fillRef>
+                <a:effectRef idx="1">
+                  <a:schemeClr val="accent5"/>
+                </a:effectRef>
+                <a:fontRef idx="minor">
+                  <a:schemeClr val="lt1"/>
+                </a:fontRef>
+              </p:style>
+              <p:txBody>
+                <a:bodyPr rtlCol="0" anchor="ctr"/>
+                <a:lstStyle/>
+                <a:p>
+                  <a:pPr algn="ctr"/>
+                  <a:endParaRPr lang="en-US" dirty="0"/>
+                </a:p>
+              </p:txBody>
+            </p:sp>
+          </p:grpSp>
+          <p:grpSp>
+            <p:nvGrpSpPr>
+              <p:cNvPr id="20" name="Group 19"/>
+              <p:cNvGrpSpPr/>
+              <p:nvPr/>
+            </p:nvGrpSpPr>
+            <p:grpSpPr>
+              <a:xfrm>
+                <a:off x="788275" y="3061164"/>
+                <a:ext cx="837165" cy="1460161"/>
+                <a:chOff x="960104" y="2457873"/>
+                <a:chExt cx="691907" cy="1310089"/>
+              </a:xfrm>
+            </p:grpSpPr>
+            <p:sp>
+              <p:nvSpPr>
+                <p:cNvPr id="21" name="Rounded Rectangle 20"/>
+                <p:cNvSpPr/>
+                <p:nvPr/>
+              </p:nvSpPr>
+              <p:spPr>
+                <a:xfrm rot="5400000">
+                  <a:off x="979726" y="3199967"/>
+                  <a:ext cx="652662" cy="483327"/>
+                </a:xfrm>
+                <a:prstGeom prst="roundRect">
+                  <a:avLst/>
+                </a:prstGeom>
+              </p:spPr>
+              <p:style>
+                <a:lnRef idx="2">
+                  <a:schemeClr val="accent3">
+                    <a:shade val="50000"/>
+                  </a:schemeClr>
+                </a:lnRef>
+                <a:fillRef idx="1">
+                  <a:schemeClr val="accent3"/>
+                </a:fillRef>
+                <a:effectRef idx="0">
+                  <a:schemeClr val="accent3"/>
+                </a:effectRef>
+                <a:fontRef idx="minor">
+                  <a:schemeClr val="lt1"/>
+                </a:fontRef>
+              </p:style>
+              <p:txBody>
+                <a:bodyPr rtlCol="0" anchor="ctr"/>
+                <a:lstStyle/>
+                <a:p>
+                  <a:pPr algn="ctr"/>
+                  <a:endParaRPr lang="en-US" dirty="0"/>
+                </a:p>
+              </p:txBody>
+            </p:sp>
+            <p:sp>
+              <p:nvSpPr>
+                <p:cNvPr id="22" name="Oval 21"/>
+                <p:cNvSpPr/>
+                <p:nvPr/>
+              </p:nvSpPr>
+              <p:spPr>
+                <a:xfrm>
+                  <a:off x="960104" y="2457873"/>
+                  <a:ext cx="691907" cy="705393"/>
+                </a:xfrm>
+                <a:prstGeom prst="ellipse">
+                  <a:avLst/>
+                </a:prstGeom>
+              </p:spPr>
+              <p:style>
+                <a:lnRef idx="3">
+                  <a:schemeClr val="lt1"/>
+                </a:lnRef>
+                <a:fillRef idx="1">
+                  <a:schemeClr val="accent5"/>
+                </a:fillRef>
+                <a:effectRef idx="1">
+                  <a:schemeClr val="accent5"/>
+                </a:effectRef>
+                <a:fontRef idx="minor">
+                  <a:schemeClr val="lt1"/>
+                </a:fontRef>
+              </p:style>
+              <p:txBody>
+                <a:bodyPr rtlCol="0" anchor="ctr"/>
+                <a:lstStyle/>
+                <a:p>
+                  <a:pPr algn="ctr"/>
+                  <a:endParaRPr lang="en-US" dirty="0"/>
+                </a:p>
+              </p:txBody>
+            </p:sp>
+          </p:grpSp>
+        </p:grpSp>
+        <p:sp>
+          <p:nvSpPr>
+            <p:cNvPr id="7" name="Rectangle 6"/>
+            <p:cNvSpPr/>
+            <p:nvPr/>
+          </p:nvSpPr>
+          <p:spPr>
+            <a:xfrm>
+              <a:off x="646386" y="4356272"/>
+              <a:ext cx="5470635" cy="612492"/>
+            </a:xfrm>
+            <a:prstGeom prst="rect">
+              <a:avLst/>
+            </a:prstGeom>
+          </p:spPr>
+          <p:style>
+            <a:lnRef idx="2">
+              <a:schemeClr val="dk1">
+                <a:shade val="50000"/>
+              </a:schemeClr>
+            </a:lnRef>
+            <a:fillRef idx="1">
+              <a:schemeClr val="dk1"/>
+            </a:fillRef>
+            <a:effectRef idx="0">
+              <a:schemeClr val="dk1"/>
+            </a:effectRef>
+            <a:fontRef idx="minor">
+              <a:schemeClr val="lt1"/>
+            </a:fontRef>
+          </p:style>
+          <p:txBody>
+            <a:bodyPr rtlCol="0" anchor="ctr"/>
+            <a:lstStyle/>
+            <a:p>
+              <a:pPr algn="ctr"/>
+              <a:endParaRPr lang="en-US" dirty="0"/>
+            </a:p>
+          </p:txBody>
+        </p:sp>
+        <p:sp>
+          <p:nvSpPr>
+            <p:cNvPr id="26" name="Content Placeholder 2"/>
+            <p:cNvSpPr txBox="1">
+              <a:spLocks/>
+            </p:cNvSpPr>
+            <p:nvPr/>
+          </p:nvSpPr>
+          <p:spPr>
+            <a:xfrm>
+              <a:off x="646386" y="2258464"/>
+              <a:ext cx="1514712" cy="699906"/>
+            </a:xfrm>
+            <a:prstGeom prst="rect">
+              <a:avLst/>
+            </a:prstGeom>
+          </p:spPr>
+          <p:txBody>
+            <a:bodyPr vert="horz" lIns="91440" tIns="45720" rIns="91440" bIns="45720" rtlCol="0" anchor="ctr">
+              <a:normAutofit/>
+            </a:bodyPr>
+            <a:lstStyle>
+              <a:lvl1pPr marL="228600" indent="-228600" algn="l" defTabSz="914400" rtl="0" eaLnBrk="1" latinLnBrk="0" hangingPunct="1">
+                <a:lnSpc>
+                  <a:spcPct val="90000"/>
+                </a:lnSpc>
+                <a:spcBef>
+                  <a:spcPts val="1000"/>
+                </a:spcBef>
+                <a:buFont typeface="Arial" panose="020B0604020202020204" pitchFamily="34" charset="0"/>
+                <a:buChar char="•"/>
+                <a:defRPr sz="2800" kern="1200">
+                  <a:solidFill>
+                    <a:schemeClr val="tx1"/>
+                  </a:solidFill>
+                  <a:latin typeface="+mn-lt"/>
+                  <a:ea typeface="+mn-ea"/>
+                  <a:cs typeface="+mn-cs"/>
+                </a:defRPr>
+              </a:lvl1pPr>
+              <a:lvl2pPr marL="685800" indent="-228600" algn="l" defTabSz="914400" rtl="0" eaLnBrk="1" latinLnBrk="0" hangingPunct="1">
+                <a:lnSpc>
+                  <a:spcPct val="90000"/>
+                </a:lnSpc>
+                <a:spcBef>
+                  <a:spcPts val="500"/>
+                </a:spcBef>
+                <a:buFont typeface="Arial" panose="020B0604020202020204" pitchFamily="34" charset="0"/>
+                <a:buChar char="•"/>
+                <a:defRPr sz="2400" kern="1200">
+                  <a:solidFill>
+                    <a:schemeClr val="tx1"/>
+                  </a:solidFill>
+                  <a:latin typeface="+mn-lt"/>
+                  <a:ea typeface="+mn-ea"/>
+                  <a:cs typeface="+mn-cs"/>
+                </a:defRPr>
+              </a:lvl2pPr>
+              <a:lvl3pPr marL="1143000" indent="-228600" algn="l" defTabSz="914400" rtl="0" eaLnBrk="1" latinLnBrk="0" hangingPunct="1">
+                <a:lnSpc>
+                  <a:spcPct val="90000"/>
+                </a:lnSpc>
+                <a:spcBef>
+                  <a:spcPts val="500"/>
+                </a:spcBef>
+                <a:buFont typeface="Arial" panose="020B0604020202020204" pitchFamily="34" charset="0"/>
+                <a:buChar char="•"/>
+                <a:defRPr sz="2000" kern="1200">
+                  <a:solidFill>
+                    <a:schemeClr val="tx1"/>
+                  </a:solidFill>
+                  <a:latin typeface="+mn-lt"/>
+                  <a:ea typeface="+mn-ea"/>
+                  <a:cs typeface="+mn-cs"/>
+                </a:defRPr>
+              </a:lvl3pPr>
+              <a:lvl4pPr marL="1600200" indent="-228600" algn="l" defTabSz="914400" rtl="0" eaLnBrk="1" latinLnBrk="0" hangingPunct="1">
+                <a:lnSpc>
+                  <a:spcPct val="90000"/>
+                </a:lnSpc>
+                <a:spcBef>
+                  <a:spcPts val="500"/>
+                </a:spcBef>
+                <a:buFont typeface="Arial" panose="020B0604020202020204" pitchFamily="34" charset="0"/>
+                <a:buChar char="•"/>
+                <a:defRPr sz="1800" kern="1200">
+                  <a:solidFill>
+                    <a:schemeClr val="tx1"/>
+                  </a:solidFill>
+                  <a:latin typeface="+mn-lt"/>
+                  <a:ea typeface="+mn-ea"/>
+                  <a:cs typeface="+mn-cs"/>
+                </a:defRPr>
+              </a:lvl4pPr>
+              <a:lvl5pPr marL="2057400" indent="-228600" algn="l" defTabSz="914400" rtl="0" eaLnBrk="1" latinLnBrk="0" hangingPunct="1">
+                <a:lnSpc>
+                  <a:spcPct val="90000"/>
+                </a:lnSpc>
+                <a:spcBef>
+                  <a:spcPts val="500"/>
+                </a:spcBef>
+                <a:buFont typeface="Arial" panose="020B0604020202020204" pitchFamily="34" charset="0"/>
+                <a:buChar char="•"/>
+                <a:defRPr sz="1800" kern="1200">
+                  <a:solidFill>
+                    <a:schemeClr val="tx1"/>
+                  </a:solidFill>
+                  <a:latin typeface="+mn-lt"/>
+                  <a:ea typeface="+mn-ea"/>
+                  <a:cs typeface="+mn-cs"/>
+                </a:defRPr>
+              </a:lvl5pPr>
+              <a:lvl6pPr marL="2514600" indent="-228600" algn="l" defTabSz="914400" rtl="0" eaLnBrk="1" latinLnBrk="0" hangingPunct="1">
+                <a:lnSpc>
+                  <a:spcPct val="90000"/>
+                </a:lnSpc>
+                <a:spcBef>
+                  <a:spcPts val="500"/>
+                </a:spcBef>
+                <a:buFont typeface="Arial" panose="020B0604020202020204" pitchFamily="34" charset="0"/>
+                <a:buChar char="•"/>
+                <a:defRPr sz="1800" kern="1200">
+                  <a:solidFill>
+                    <a:schemeClr val="tx1"/>
+                  </a:solidFill>
+                  <a:latin typeface="+mn-lt"/>
+                  <a:ea typeface="+mn-ea"/>
+                  <a:cs typeface="+mn-cs"/>
+                </a:defRPr>
+              </a:lvl6pPr>
+              <a:lvl7pPr marL="2971800" indent="-228600" algn="l" defTabSz="914400" rtl="0" eaLnBrk="1" latinLnBrk="0" hangingPunct="1">
+                <a:lnSpc>
+                  <a:spcPct val="90000"/>
+                </a:lnSpc>
+                <a:spcBef>
+                  <a:spcPts val="500"/>
+                </a:spcBef>
+                <a:buFont typeface="Arial" panose="020B0604020202020204" pitchFamily="34" charset="0"/>
+                <a:buChar char="•"/>
+                <a:defRPr sz="1800" kern="1200">
+                  <a:solidFill>
+                    <a:schemeClr val="tx1"/>
+                  </a:solidFill>
+                  <a:latin typeface="+mn-lt"/>
+                  <a:ea typeface="+mn-ea"/>
+                  <a:cs typeface="+mn-cs"/>
+                </a:defRPr>
+              </a:lvl7pPr>
+              <a:lvl8pPr marL="3429000" indent="-228600" algn="l" defTabSz="914400" rtl="0" eaLnBrk="1" latinLnBrk="0" hangingPunct="1">
+                <a:lnSpc>
+                  <a:spcPct val="90000"/>
+                </a:lnSpc>
+                <a:spcBef>
+                  <a:spcPts val="500"/>
+                </a:spcBef>
+                <a:buFont typeface="Arial" panose="020B0604020202020204" pitchFamily="34" charset="0"/>
+                <a:buChar char="•"/>
+                <a:defRPr sz="1800" kern="1200">
+                  <a:solidFill>
+                    <a:schemeClr val="tx1"/>
+                  </a:solidFill>
+                  <a:latin typeface="+mn-lt"/>
+                  <a:ea typeface="+mn-ea"/>
+                  <a:cs typeface="+mn-cs"/>
+                </a:defRPr>
+              </a:lvl8pPr>
+              <a:lvl9pPr marL="3886200" indent="-228600" algn="l" defTabSz="914400" rtl="0" eaLnBrk="1" latinLnBrk="0" hangingPunct="1">
+                <a:lnSpc>
+                  <a:spcPct val="90000"/>
+                </a:lnSpc>
+                <a:spcBef>
+                  <a:spcPts val="500"/>
+                </a:spcBef>
+                <a:buFont typeface="Arial" panose="020B0604020202020204" pitchFamily="34" charset="0"/>
+                <a:buChar char="•"/>
+                <a:defRPr sz="1800" kern="1200">
+                  <a:solidFill>
+                    <a:schemeClr val="tx1"/>
+                  </a:solidFill>
+                  <a:latin typeface="+mn-lt"/>
+                  <a:ea typeface="+mn-ea"/>
+                  <a:cs typeface="+mn-cs"/>
+                </a:defRPr>
+              </a:lvl9pPr>
+            </a:lstStyle>
+            <a:p>
+              <a:pPr marL="0" indent="0" algn="ctr">
+                <a:buFont typeface="Arial" panose="020B0604020202020204" pitchFamily="34" charset="0"/>
+                <a:buNone/>
+              </a:pPr>
+              <a:r>
+                <a:rPr lang="en-US" dirty="0" smtClean="0"/>
+                <a:t>STATS</a:t>
+              </a:r>
+              <a:endParaRPr lang="en-US" dirty="0"/>
+            </a:p>
+          </p:txBody>
+        </p:sp>
+        <p:sp>
+          <p:nvSpPr>
+            <p:cNvPr id="27" name="Content Placeholder 2"/>
+            <p:cNvSpPr txBox="1">
+              <a:spLocks/>
+            </p:cNvSpPr>
+            <p:nvPr/>
+          </p:nvSpPr>
+          <p:spPr>
+            <a:xfrm>
+              <a:off x="4602309" y="2339536"/>
+              <a:ext cx="1514712" cy="699906"/>
+            </a:xfrm>
+            <a:prstGeom prst="rect">
+              <a:avLst/>
+            </a:prstGeom>
+          </p:spPr>
+          <p:txBody>
+            <a:bodyPr vert="horz" lIns="91440" tIns="45720" rIns="91440" bIns="45720" rtlCol="0" anchor="ctr">
+              <a:normAutofit/>
+            </a:bodyPr>
+            <a:lstStyle>
+              <a:lvl1pPr marL="228600" indent="-228600" algn="l" defTabSz="914400" rtl="0" eaLnBrk="1" latinLnBrk="0" hangingPunct="1">
+                <a:lnSpc>
+                  <a:spcPct val="90000"/>
+                </a:lnSpc>
+                <a:spcBef>
+                  <a:spcPts val="1000"/>
+                </a:spcBef>
+                <a:buFont typeface="Arial" panose="020B0604020202020204" pitchFamily="34" charset="0"/>
+                <a:buChar char="•"/>
+                <a:defRPr sz="2800" kern="1200">
+                  <a:solidFill>
+                    <a:schemeClr val="tx1"/>
+                  </a:solidFill>
+                  <a:latin typeface="+mn-lt"/>
+                  <a:ea typeface="+mn-ea"/>
+                  <a:cs typeface="+mn-cs"/>
+                </a:defRPr>
+              </a:lvl1pPr>
+              <a:lvl2pPr marL="685800" indent="-228600" algn="l" defTabSz="914400" rtl="0" eaLnBrk="1" latinLnBrk="0" hangingPunct="1">
+                <a:lnSpc>
+                  <a:spcPct val="90000"/>
+                </a:lnSpc>
+                <a:spcBef>
+                  <a:spcPts val="500"/>
+                </a:spcBef>
+                <a:buFont typeface="Arial" panose="020B0604020202020204" pitchFamily="34" charset="0"/>
+                <a:buChar char="•"/>
+                <a:defRPr sz="2400" kern="1200">
+                  <a:solidFill>
+                    <a:schemeClr val="tx1"/>
+                  </a:solidFill>
+                  <a:latin typeface="+mn-lt"/>
+                  <a:ea typeface="+mn-ea"/>
+                  <a:cs typeface="+mn-cs"/>
+                </a:defRPr>
+              </a:lvl2pPr>
+              <a:lvl3pPr marL="1143000" indent="-228600" algn="l" defTabSz="914400" rtl="0" eaLnBrk="1" latinLnBrk="0" hangingPunct="1">
+                <a:lnSpc>
+                  <a:spcPct val="90000"/>
+                </a:lnSpc>
+                <a:spcBef>
+                  <a:spcPts val="500"/>
+                </a:spcBef>
+                <a:buFont typeface="Arial" panose="020B0604020202020204" pitchFamily="34" charset="0"/>
+                <a:buChar char="•"/>
+                <a:defRPr sz="2000" kern="1200">
+                  <a:solidFill>
+                    <a:schemeClr val="tx1"/>
+                  </a:solidFill>
+                  <a:latin typeface="+mn-lt"/>
+                  <a:ea typeface="+mn-ea"/>
+                  <a:cs typeface="+mn-cs"/>
+                </a:defRPr>
+              </a:lvl3pPr>
+              <a:lvl4pPr marL="1600200" indent="-228600" algn="l" defTabSz="914400" rtl="0" eaLnBrk="1" latinLnBrk="0" hangingPunct="1">
+                <a:lnSpc>
+                  <a:spcPct val="90000"/>
+                </a:lnSpc>
+                <a:spcBef>
+                  <a:spcPts val="500"/>
+                </a:spcBef>
+                <a:buFont typeface="Arial" panose="020B0604020202020204" pitchFamily="34" charset="0"/>
+                <a:buChar char="•"/>
+                <a:defRPr sz="1800" kern="1200">
+                  <a:solidFill>
+                    <a:schemeClr val="tx1"/>
+                  </a:solidFill>
+                  <a:latin typeface="+mn-lt"/>
+                  <a:ea typeface="+mn-ea"/>
+                  <a:cs typeface="+mn-cs"/>
+                </a:defRPr>
+              </a:lvl4pPr>
+              <a:lvl5pPr marL="2057400" indent="-228600" algn="l" defTabSz="914400" rtl="0" eaLnBrk="1" latinLnBrk="0" hangingPunct="1">
+                <a:lnSpc>
+                  <a:spcPct val="90000"/>
+                </a:lnSpc>
+                <a:spcBef>
+                  <a:spcPts val="500"/>
+                </a:spcBef>
+                <a:buFont typeface="Arial" panose="020B0604020202020204" pitchFamily="34" charset="0"/>
+                <a:buChar char="•"/>
+                <a:defRPr sz="1800" kern="1200">
+                  <a:solidFill>
+                    <a:schemeClr val="tx1"/>
+                  </a:solidFill>
+                  <a:latin typeface="+mn-lt"/>
+                  <a:ea typeface="+mn-ea"/>
+                  <a:cs typeface="+mn-cs"/>
+                </a:defRPr>
+              </a:lvl5pPr>
+              <a:lvl6pPr marL="2514600" indent="-228600" algn="l" defTabSz="914400" rtl="0" eaLnBrk="1" latinLnBrk="0" hangingPunct="1">
+                <a:lnSpc>
+                  <a:spcPct val="90000"/>
+                </a:lnSpc>
+                <a:spcBef>
+                  <a:spcPts val="500"/>
+                </a:spcBef>
+                <a:buFont typeface="Arial" panose="020B0604020202020204" pitchFamily="34" charset="0"/>
+                <a:buChar char="•"/>
+                <a:defRPr sz="1800" kern="1200">
+                  <a:solidFill>
+                    <a:schemeClr val="tx1"/>
+                  </a:solidFill>
+                  <a:latin typeface="+mn-lt"/>
+                  <a:ea typeface="+mn-ea"/>
+                  <a:cs typeface="+mn-cs"/>
+                </a:defRPr>
+              </a:lvl6pPr>
+              <a:lvl7pPr marL="2971800" indent="-228600" algn="l" defTabSz="914400" rtl="0" eaLnBrk="1" latinLnBrk="0" hangingPunct="1">
+                <a:lnSpc>
+                  <a:spcPct val="90000"/>
+                </a:lnSpc>
+                <a:spcBef>
+                  <a:spcPts val="500"/>
+                </a:spcBef>
+                <a:buFont typeface="Arial" panose="020B0604020202020204" pitchFamily="34" charset="0"/>
+                <a:buChar char="•"/>
+                <a:defRPr sz="1800" kern="1200">
+                  <a:solidFill>
+                    <a:schemeClr val="tx1"/>
+                  </a:solidFill>
+                  <a:latin typeface="+mn-lt"/>
+                  <a:ea typeface="+mn-ea"/>
+                  <a:cs typeface="+mn-cs"/>
+                </a:defRPr>
+              </a:lvl7pPr>
+              <a:lvl8pPr marL="3429000" indent="-228600" algn="l" defTabSz="914400" rtl="0" eaLnBrk="1" latinLnBrk="0" hangingPunct="1">
+                <a:lnSpc>
+                  <a:spcPct val="90000"/>
+                </a:lnSpc>
+                <a:spcBef>
+                  <a:spcPts val="500"/>
+                </a:spcBef>
+                <a:buFont typeface="Arial" panose="020B0604020202020204" pitchFamily="34" charset="0"/>
+                <a:buChar char="•"/>
+                <a:defRPr sz="1800" kern="1200">
+                  <a:solidFill>
+                    <a:schemeClr val="tx1"/>
+                  </a:solidFill>
+                  <a:latin typeface="+mn-lt"/>
+                  <a:ea typeface="+mn-ea"/>
+                  <a:cs typeface="+mn-cs"/>
+                </a:defRPr>
+              </a:lvl8pPr>
+              <a:lvl9pPr marL="3886200" indent="-228600" algn="l" defTabSz="914400" rtl="0" eaLnBrk="1" latinLnBrk="0" hangingPunct="1">
+                <a:lnSpc>
+                  <a:spcPct val="90000"/>
+                </a:lnSpc>
+                <a:spcBef>
+                  <a:spcPts val="500"/>
+                </a:spcBef>
+                <a:buFont typeface="Arial" panose="020B0604020202020204" pitchFamily="34" charset="0"/>
+                <a:buChar char="•"/>
+                <a:defRPr sz="1800" kern="1200">
+                  <a:solidFill>
+                    <a:schemeClr val="tx1"/>
+                  </a:solidFill>
+                  <a:latin typeface="+mn-lt"/>
+                  <a:ea typeface="+mn-ea"/>
+                  <a:cs typeface="+mn-cs"/>
+                </a:defRPr>
+              </a:lvl9pPr>
+            </a:lstStyle>
+            <a:p>
+              <a:pPr marL="0" indent="0" algn="ctr">
+                <a:buFont typeface="Arial" panose="020B0604020202020204" pitchFamily="34" charset="0"/>
+                <a:buNone/>
+              </a:pPr>
+              <a:r>
+                <a:rPr lang="en-US" dirty="0" smtClean="0"/>
+                <a:t>STATS</a:t>
+              </a:r>
+              <a:endParaRPr lang="en-US" dirty="0"/>
+            </a:p>
+          </p:txBody>
+        </p:sp>
+        <p:sp>
+          <p:nvSpPr>
+            <p:cNvPr id="51" name="Content Placeholder 2"/>
+            <p:cNvSpPr txBox="1">
+              <a:spLocks/>
+            </p:cNvSpPr>
+            <p:nvPr/>
+          </p:nvSpPr>
+          <p:spPr>
+            <a:xfrm>
+              <a:off x="2657692" y="3142146"/>
+              <a:ext cx="1514712" cy="699906"/>
+            </a:xfrm>
+            <a:prstGeom prst="rect">
+              <a:avLst/>
+            </a:prstGeom>
+          </p:spPr>
+          <p:txBody>
+            <a:bodyPr vert="horz" lIns="91440" tIns="45720" rIns="91440" bIns="45720" rtlCol="0" anchor="ctr">
+              <a:normAutofit/>
+            </a:bodyPr>
+            <a:lstStyle>
+              <a:lvl1pPr marL="228600" indent="-228600" algn="l" defTabSz="914400" rtl="0" eaLnBrk="1" latinLnBrk="0" hangingPunct="1">
+                <a:lnSpc>
+                  <a:spcPct val="90000"/>
+                </a:lnSpc>
+                <a:spcBef>
+                  <a:spcPts val="1000"/>
+                </a:spcBef>
+                <a:buFont typeface="Arial" panose="020B0604020202020204" pitchFamily="34" charset="0"/>
+                <a:buChar char="•"/>
+                <a:defRPr sz="2800" kern="1200">
+                  <a:solidFill>
+                    <a:schemeClr val="tx1"/>
+                  </a:solidFill>
+                  <a:latin typeface="+mn-lt"/>
+                  <a:ea typeface="+mn-ea"/>
+                  <a:cs typeface="+mn-cs"/>
+                </a:defRPr>
+              </a:lvl1pPr>
+              <a:lvl2pPr marL="685800" indent="-228600" algn="l" defTabSz="914400" rtl="0" eaLnBrk="1" latinLnBrk="0" hangingPunct="1">
+                <a:lnSpc>
+                  <a:spcPct val="90000"/>
+                </a:lnSpc>
+                <a:spcBef>
+                  <a:spcPts val="500"/>
+                </a:spcBef>
+                <a:buFont typeface="Arial" panose="020B0604020202020204" pitchFamily="34" charset="0"/>
+                <a:buChar char="•"/>
+                <a:defRPr sz="2400" kern="1200">
+                  <a:solidFill>
+                    <a:schemeClr val="tx1"/>
+                  </a:solidFill>
+                  <a:latin typeface="+mn-lt"/>
+                  <a:ea typeface="+mn-ea"/>
+                  <a:cs typeface="+mn-cs"/>
+                </a:defRPr>
+              </a:lvl2pPr>
+              <a:lvl3pPr marL="1143000" indent="-228600" algn="l" defTabSz="914400" rtl="0" eaLnBrk="1" latinLnBrk="0" hangingPunct="1">
+                <a:lnSpc>
+                  <a:spcPct val="90000"/>
+                </a:lnSpc>
+                <a:spcBef>
+                  <a:spcPts val="500"/>
+                </a:spcBef>
+                <a:buFont typeface="Arial" panose="020B0604020202020204" pitchFamily="34" charset="0"/>
+                <a:buChar char="•"/>
+                <a:defRPr sz="2000" kern="1200">
+                  <a:solidFill>
+                    <a:schemeClr val="tx1"/>
+                  </a:solidFill>
+                  <a:latin typeface="+mn-lt"/>
+                  <a:ea typeface="+mn-ea"/>
+                  <a:cs typeface="+mn-cs"/>
+                </a:defRPr>
+              </a:lvl3pPr>
+              <a:lvl4pPr marL="1600200" indent="-228600" algn="l" defTabSz="914400" rtl="0" eaLnBrk="1" latinLnBrk="0" hangingPunct="1">
+                <a:lnSpc>
+                  <a:spcPct val="90000"/>
+                </a:lnSpc>
+                <a:spcBef>
+                  <a:spcPts val="500"/>
+                </a:spcBef>
+                <a:buFont typeface="Arial" panose="020B0604020202020204" pitchFamily="34" charset="0"/>
+                <a:buChar char="•"/>
+                <a:defRPr sz="1800" kern="1200">
+                  <a:solidFill>
+                    <a:schemeClr val="tx1"/>
+                  </a:solidFill>
+                  <a:latin typeface="+mn-lt"/>
+                  <a:ea typeface="+mn-ea"/>
+                  <a:cs typeface="+mn-cs"/>
+                </a:defRPr>
+              </a:lvl4pPr>
+              <a:lvl5pPr marL="2057400" indent="-228600" algn="l" defTabSz="914400" rtl="0" eaLnBrk="1" latinLnBrk="0" hangingPunct="1">
+                <a:lnSpc>
+                  <a:spcPct val="90000"/>
+                </a:lnSpc>
+                <a:spcBef>
+                  <a:spcPts val="500"/>
+                </a:spcBef>
+                <a:buFont typeface="Arial" panose="020B0604020202020204" pitchFamily="34" charset="0"/>
+                <a:buChar char="•"/>
+                <a:defRPr sz="1800" kern="1200">
+                  <a:solidFill>
+                    <a:schemeClr val="tx1"/>
+                  </a:solidFill>
+                  <a:latin typeface="+mn-lt"/>
+                  <a:ea typeface="+mn-ea"/>
+                  <a:cs typeface="+mn-cs"/>
+                </a:defRPr>
+              </a:lvl5pPr>
+              <a:lvl6pPr marL="2514600" indent="-228600" algn="l" defTabSz="914400" rtl="0" eaLnBrk="1" latinLnBrk="0" hangingPunct="1">
+                <a:lnSpc>
+                  <a:spcPct val="90000"/>
+                </a:lnSpc>
+                <a:spcBef>
+                  <a:spcPts val="500"/>
+                </a:spcBef>
+                <a:buFont typeface="Arial" panose="020B0604020202020204" pitchFamily="34" charset="0"/>
+                <a:buChar char="•"/>
+                <a:defRPr sz="1800" kern="1200">
+                  <a:solidFill>
+                    <a:schemeClr val="tx1"/>
+                  </a:solidFill>
+                  <a:latin typeface="+mn-lt"/>
+                  <a:ea typeface="+mn-ea"/>
+                  <a:cs typeface="+mn-cs"/>
+                </a:defRPr>
+              </a:lvl6pPr>
+              <a:lvl7pPr marL="2971800" indent="-228600" algn="l" defTabSz="914400" rtl="0" eaLnBrk="1" latinLnBrk="0" hangingPunct="1">
+                <a:lnSpc>
+                  <a:spcPct val="90000"/>
+                </a:lnSpc>
+                <a:spcBef>
+                  <a:spcPts val="500"/>
+                </a:spcBef>
+                <a:buFont typeface="Arial" panose="020B0604020202020204" pitchFamily="34" charset="0"/>
+                <a:buChar char="•"/>
+                <a:defRPr sz="1800" kern="1200">
+                  <a:solidFill>
+                    <a:schemeClr val="tx1"/>
+                  </a:solidFill>
+                  <a:latin typeface="+mn-lt"/>
+                  <a:ea typeface="+mn-ea"/>
+                  <a:cs typeface="+mn-cs"/>
+                </a:defRPr>
+              </a:lvl7pPr>
+              <a:lvl8pPr marL="3429000" indent="-228600" algn="l" defTabSz="914400" rtl="0" eaLnBrk="1" latinLnBrk="0" hangingPunct="1">
+                <a:lnSpc>
+                  <a:spcPct val="90000"/>
+                </a:lnSpc>
+                <a:spcBef>
+                  <a:spcPts val="500"/>
+                </a:spcBef>
+                <a:buFont typeface="Arial" panose="020B0604020202020204" pitchFamily="34" charset="0"/>
+                <a:buChar char="•"/>
+                <a:defRPr sz="1800" kern="1200">
+                  <a:solidFill>
+                    <a:schemeClr val="tx1"/>
+                  </a:solidFill>
+                  <a:latin typeface="+mn-lt"/>
+                  <a:ea typeface="+mn-ea"/>
+                  <a:cs typeface="+mn-cs"/>
+                </a:defRPr>
+              </a:lvl8pPr>
+              <a:lvl9pPr marL="3886200" indent="-228600" algn="l" defTabSz="914400" rtl="0" eaLnBrk="1" latinLnBrk="0" hangingPunct="1">
+                <a:lnSpc>
+                  <a:spcPct val="90000"/>
+                </a:lnSpc>
+                <a:spcBef>
+                  <a:spcPts val="500"/>
+                </a:spcBef>
+                <a:buFont typeface="Arial" panose="020B0604020202020204" pitchFamily="34" charset="0"/>
+                <a:buChar char="•"/>
+                <a:defRPr sz="1800" kern="1200">
+                  <a:solidFill>
+                    <a:schemeClr val="tx1"/>
+                  </a:solidFill>
+                  <a:latin typeface="+mn-lt"/>
+                  <a:ea typeface="+mn-ea"/>
+                  <a:cs typeface="+mn-cs"/>
+                </a:defRPr>
+              </a:lvl9pPr>
+            </a:lstStyle>
+            <a:p>
+              <a:pPr marL="0" indent="0" algn="ctr">
+                <a:buFont typeface="Arial" panose="020B0604020202020204" pitchFamily="34" charset="0"/>
+                <a:buNone/>
+              </a:pPr>
+              <a:r>
+                <a:rPr lang="en-US" dirty="0" smtClean="0"/>
+                <a:t>VS</a:t>
+              </a:r>
+              <a:endParaRPr lang="en-US" dirty="0"/>
+            </a:p>
+          </p:txBody>
+        </p:sp>
+      </p:grpSp>
+      <p:grpSp>
+        <p:nvGrpSpPr>
+          <p:cNvPr id="49" name="Group 48"/>
+          <p:cNvGrpSpPr/>
+          <p:nvPr/>
+        </p:nvGrpSpPr>
+        <p:grpSpPr>
+          <a:xfrm>
+            <a:off x="6113675" y="0"/>
+            <a:ext cx="5470636" cy="3421381"/>
+            <a:chOff x="6132725" y="1547382"/>
+            <a:chExt cx="5470636" cy="3421381"/>
+          </a:xfrm>
+        </p:grpSpPr>
+        <p:sp>
+          <p:nvSpPr>
+            <p:cNvPr id="28" name="Rectangle 27"/>
+            <p:cNvSpPr/>
+            <p:nvPr/>
+          </p:nvSpPr>
+          <p:spPr>
+            <a:xfrm>
+              <a:off x="6132726" y="1547382"/>
+              <a:ext cx="5470635" cy="3421381"/>
+            </a:xfrm>
+            <a:prstGeom prst="rect">
+              <a:avLst/>
+            </a:prstGeom>
+            <a:ln>
+              <a:solidFill>
+                <a:schemeClr val="accent1"/>
+              </a:solidFill>
+            </a:ln>
+          </p:spPr>
+          <p:style>
+            <a:lnRef idx="2">
+              <a:schemeClr val="accent6"/>
+            </a:lnRef>
+            <a:fillRef idx="1">
+              <a:schemeClr val="lt1"/>
+            </a:fillRef>
+            <a:effectRef idx="0">
+              <a:schemeClr val="accent6"/>
+            </a:effectRef>
+            <a:fontRef idx="minor">
+              <a:schemeClr val="dk1"/>
+            </a:fontRef>
+          </p:style>
+          <p:txBody>
+            <a:bodyPr rtlCol="0" anchor="t"/>
+            <a:lstStyle/>
+            <a:p>
+              <a:pPr algn="ctr"/>
+              <a:r>
+                <a:rPr lang="en-US" dirty="0" smtClean="0"/>
+                <a:t>Intro</a:t>
+              </a:r>
+              <a:endParaRPr lang="en-US" dirty="0"/>
+            </a:p>
+          </p:txBody>
+        </p:sp>
+        <p:sp>
+          <p:nvSpPr>
+            <p:cNvPr id="29" name="Rectangle 28"/>
+            <p:cNvSpPr/>
+            <p:nvPr/>
+          </p:nvSpPr>
+          <p:spPr>
+            <a:xfrm>
+              <a:off x="6132725" y="1547383"/>
+              <a:ext cx="5470635" cy="612492"/>
+            </a:xfrm>
+            <a:prstGeom prst="rect">
+              <a:avLst/>
+            </a:prstGeom>
+          </p:spPr>
+          <p:style>
+            <a:lnRef idx="2">
+              <a:schemeClr val="dk1">
+                <a:shade val="50000"/>
+              </a:schemeClr>
+            </a:lnRef>
+            <a:fillRef idx="1">
+              <a:schemeClr val="dk1"/>
+            </a:fillRef>
+            <a:effectRef idx="0">
+              <a:schemeClr val="dk1"/>
+            </a:effectRef>
+            <a:fontRef idx="minor">
+              <a:schemeClr val="lt1"/>
+            </a:fontRef>
+          </p:style>
+          <p:txBody>
+            <a:bodyPr rtlCol="0" anchor="ctr"/>
+            <a:lstStyle/>
+            <a:p>
+              <a:pPr algn="ctr"/>
+              <a:r>
+                <a:rPr lang="en-US" dirty="0" smtClean="0"/>
+                <a:t>Post Match </a:t>
+              </a:r>
+              <a:r>
+                <a:rPr lang="en-US" dirty="0" err="1" smtClean="0"/>
+                <a:t>Cutscene</a:t>
+              </a:r>
+              <a:endParaRPr lang="en-US" dirty="0"/>
+            </a:p>
+          </p:txBody>
+        </p:sp>
+        <p:grpSp>
+          <p:nvGrpSpPr>
+            <p:cNvPr id="30" name="Group 29"/>
+            <p:cNvGrpSpPr/>
+            <p:nvPr/>
+          </p:nvGrpSpPr>
+          <p:grpSpPr>
+            <a:xfrm>
+              <a:off x="9699628" y="3491021"/>
+              <a:ext cx="939405" cy="1094309"/>
+              <a:chOff x="788275" y="3058510"/>
+              <a:chExt cx="1255748" cy="1462815"/>
+            </a:xfrm>
+          </p:grpSpPr>
+          <p:grpSp>
+            <p:nvGrpSpPr>
+              <p:cNvPr id="31" name="Group 30"/>
+              <p:cNvGrpSpPr/>
+              <p:nvPr/>
+            </p:nvGrpSpPr>
+            <p:grpSpPr>
+              <a:xfrm>
+                <a:off x="1206858" y="3058510"/>
+                <a:ext cx="837165" cy="1460161"/>
+                <a:chOff x="960104" y="2457873"/>
+                <a:chExt cx="691907" cy="1310089"/>
+              </a:xfrm>
+            </p:grpSpPr>
+            <p:sp>
+              <p:nvSpPr>
+                <p:cNvPr id="35" name="Rounded Rectangle 34"/>
+                <p:cNvSpPr/>
+                <p:nvPr/>
+              </p:nvSpPr>
+              <p:spPr>
+                <a:xfrm rot="5400000">
+                  <a:off x="979726" y="3199967"/>
+                  <a:ext cx="652662" cy="483327"/>
+                </a:xfrm>
+                <a:prstGeom prst="roundRect">
+                  <a:avLst/>
+                </a:prstGeom>
+              </p:spPr>
+              <p:style>
+                <a:lnRef idx="2">
+                  <a:schemeClr val="accent3">
+                    <a:shade val="50000"/>
+                  </a:schemeClr>
+                </a:lnRef>
+                <a:fillRef idx="1">
+                  <a:schemeClr val="accent3"/>
+                </a:fillRef>
+                <a:effectRef idx="0">
+                  <a:schemeClr val="accent3"/>
+                </a:effectRef>
+                <a:fontRef idx="minor">
+                  <a:schemeClr val="lt1"/>
+                </a:fontRef>
+              </p:style>
+              <p:txBody>
+                <a:bodyPr rtlCol="0" anchor="ctr"/>
+                <a:lstStyle/>
+                <a:p>
+                  <a:pPr algn="ctr"/>
+                  <a:endParaRPr lang="en-US" dirty="0"/>
+                </a:p>
+              </p:txBody>
+            </p:sp>
+            <p:sp>
+              <p:nvSpPr>
+                <p:cNvPr id="36" name="Oval 35"/>
+                <p:cNvSpPr/>
+                <p:nvPr/>
+              </p:nvSpPr>
+              <p:spPr>
+                <a:xfrm>
+                  <a:off x="960104" y="2457873"/>
+                  <a:ext cx="691907" cy="705393"/>
+                </a:xfrm>
+                <a:prstGeom prst="ellipse">
+                  <a:avLst/>
+                </a:prstGeom>
+              </p:spPr>
+              <p:style>
+                <a:lnRef idx="3">
+                  <a:schemeClr val="lt1"/>
+                </a:lnRef>
+                <a:fillRef idx="1">
+                  <a:schemeClr val="accent5"/>
+                </a:fillRef>
+                <a:effectRef idx="1">
+                  <a:schemeClr val="accent5"/>
+                </a:effectRef>
+                <a:fontRef idx="minor">
+                  <a:schemeClr val="lt1"/>
+                </a:fontRef>
+              </p:style>
+              <p:txBody>
+                <a:bodyPr rtlCol="0" anchor="ctr"/>
+                <a:lstStyle/>
+                <a:p>
+                  <a:pPr algn="ctr"/>
+                  <a:endParaRPr lang="en-US" dirty="0"/>
+                </a:p>
+              </p:txBody>
+            </p:sp>
+          </p:grpSp>
+          <p:grpSp>
+            <p:nvGrpSpPr>
+              <p:cNvPr id="32" name="Group 31"/>
+              <p:cNvGrpSpPr/>
+              <p:nvPr/>
+            </p:nvGrpSpPr>
+            <p:grpSpPr>
+              <a:xfrm>
+                <a:off x="788275" y="3061164"/>
+                <a:ext cx="837165" cy="1460161"/>
+                <a:chOff x="960104" y="2457873"/>
+                <a:chExt cx="691907" cy="1310089"/>
+              </a:xfrm>
+            </p:grpSpPr>
+            <p:sp>
+              <p:nvSpPr>
+                <p:cNvPr id="33" name="Rounded Rectangle 32"/>
+                <p:cNvSpPr/>
+                <p:nvPr/>
+              </p:nvSpPr>
+              <p:spPr>
+                <a:xfrm rot="5400000">
+                  <a:off x="979726" y="3199967"/>
+                  <a:ext cx="652662" cy="483327"/>
+                </a:xfrm>
+                <a:prstGeom prst="roundRect">
+                  <a:avLst/>
+                </a:prstGeom>
+              </p:spPr>
+              <p:style>
+                <a:lnRef idx="2">
+                  <a:schemeClr val="accent3">
+                    <a:shade val="50000"/>
+                  </a:schemeClr>
+                </a:lnRef>
+                <a:fillRef idx="1">
+                  <a:schemeClr val="accent3"/>
+                </a:fillRef>
+                <a:effectRef idx="0">
+                  <a:schemeClr val="accent3"/>
+                </a:effectRef>
+                <a:fontRef idx="minor">
+                  <a:schemeClr val="lt1"/>
+                </a:fontRef>
+              </p:style>
+              <p:txBody>
+                <a:bodyPr rtlCol="0" anchor="ctr"/>
+                <a:lstStyle/>
+                <a:p>
+                  <a:pPr algn="ctr"/>
+                  <a:endParaRPr lang="en-US" dirty="0"/>
+                </a:p>
+              </p:txBody>
+            </p:sp>
+            <p:sp>
+              <p:nvSpPr>
+                <p:cNvPr id="34" name="Oval 33"/>
+                <p:cNvSpPr/>
+                <p:nvPr/>
+              </p:nvSpPr>
+              <p:spPr>
+                <a:xfrm>
+                  <a:off x="960104" y="2457873"/>
+                  <a:ext cx="691907" cy="705393"/>
+                </a:xfrm>
+                <a:prstGeom prst="ellipse">
+                  <a:avLst/>
+                </a:prstGeom>
+              </p:spPr>
+              <p:style>
+                <a:lnRef idx="3">
+                  <a:schemeClr val="lt1"/>
+                </a:lnRef>
+                <a:fillRef idx="1">
+                  <a:schemeClr val="accent5"/>
+                </a:fillRef>
+                <a:effectRef idx="1">
+                  <a:schemeClr val="accent5"/>
+                </a:effectRef>
+                <a:fontRef idx="minor">
+                  <a:schemeClr val="lt1"/>
+                </a:fontRef>
+              </p:style>
+              <p:txBody>
+                <a:bodyPr rtlCol="0" anchor="ctr"/>
+                <a:lstStyle/>
+                <a:p>
+                  <a:pPr algn="ctr"/>
+                  <a:endParaRPr lang="en-US" dirty="0"/>
+                </a:p>
+              </p:txBody>
+            </p:sp>
+          </p:grpSp>
+        </p:grpSp>
+        <p:grpSp>
+          <p:nvGrpSpPr>
+            <p:cNvPr id="37" name="Group 36"/>
+            <p:cNvGrpSpPr/>
+            <p:nvPr/>
+          </p:nvGrpSpPr>
+          <p:grpSpPr>
+            <a:xfrm flipH="1">
+              <a:off x="7118009" y="2858568"/>
+              <a:ext cx="1529135" cy="1781282"/>
+              <a:chOff x="788275" y="3058510"/>
+              <a:chExt cx="1255748" cy="1462815"/>
+            </a:xfrm>
+          </p:grpSpPr>
+          <p:grpSp>
+            <p:nvGrpSpPr>
+              <p:cNvPr id="38" name="Group 37"/>
+              <p:cNvGrpSpPr/>
+              <p:nvPr/>
+            </p:nvGrpSpPr>
+            <p:grpSpPr>
+              <a:xfrm>
+                <a:off x="1206858" y="3058510"/>
+                <a:ext cx="837165" cy="1460161"/>
+                <a:chOff x="960104" y="2457873"/>
+                <a:chExt cx="691907" cy="1310089"/>
+              </a:xfrm>
+            </p:grpSpPr>
+            <p:sp>
+              <p:nvSpPr>
+                <p:cNvPr id="42" name="Rounded Rectangle 41"/>
+                <p:cNvSpPr/>
+                <p:nvPr/>
+              </p:nvSpPr>
+              <p:spPr>
+                <a:xfrm rot="5400000">
+                  <a:off x="979726" y="3199967"/>
+                  <a:ext cx="652662" cy="483327"/>
+                </a:xfrm>
+                <a:prstGeom prst="roundRect">
+                  <a:avLst/>
+                </a:prstGeom>
+              </p:spPr>
+              <p:style>
+                <a:lnRef idx="2">
+                  <a:schemeClr val="accent3">
+                    <a:shade val="50000"/>
+                  </a:schemeClr>
+                </a:lnRef>
+                <a:fillRef idx="1">
+                  <a:schemeClr val="accent3"/>
+                </a:fillRef>
+                <a:effectRef idx="0">
+                  <a:schemeClr val="accent3"/>
+                </a:effectRef>
+                <a:fontRef idx="minor">
+                  <a:schemeClr val="lt1"/>
+                </a:fontRef>
+              </p:style>
+              <p:txBody>
+                <a:bodyPr rtlCol="0" anchor="ctr"/>
+                <a:lstStyle/>
+                <a:p>
+                  <a:pPr algn="ctr"/>
+                  <a:endParaRPr lang="en-US" dirty="0"/>
+                </a:p>
+              </p:txBody>
+            </p:sp>
+            <p:sp>
+              <p:nvSpPr>
+                <p:cNvPr id="43" name="Oval 42"/>
+                <p:cNvSpPr/>
+                <p:nvPr/>
+              </p:nvSpPr>
+              <p:spPr>
+                <a:xfrm>
+                  <a:off x="960104" y="2457873"/>
+                  <a:ext cx="691907" cy="705393"/>
+                </a:xfrm>
+                <a:prstGeom prst="ellipse">
+                  <a:avLst/>
+                </a:prstGeom>
+              </p:spPr>
+              <p:style>
+                <a:lnRef idx="3">
+                  <a:schemeClr val="lt1"/>
+                </a:lnRef>
+                <a:fillRef idx="1">
+                  <a:schemeClr val="accent5"/>
+                </a:fillRef>
+                <a:effectRef idx="1">
+                  <a:schemeClr val="accent5"/>
+                </a:effectRef>
+                <a:fontRef idx="minor">
+                  <a:schemeClr val="lt1"/>
+                </a:fontRef>
+              </p:style>
+              <p:txBody>
+                <a:bodyPr rtlCol="0" anchor="ctr"/>
+                <a:lstStyle/>
+                <a:p>
+                  <a:pPr algn="ctr"/>
+                  <a:endParaRPr lang="en-US" dirty="0"/>
+                </a:p>
+              </p:txBody>
+            </p:sp>
+          </p:grpSp>
+          <p:grpSp>
+            <p:nvGrpSpPr>
+              <p:cNvPr id="39" name="Group 38"/>
+              <p:cNvGrpSpPr/>
+              <p:nvPr/>
+            </p:nvGrpSpPr>
+            <p:grpSpPr>
+              <a:xfrm>
+                <a:off x="788275" y="3061164"/>
+                <a:ext cx="837165" cy="1460161"/>
+                <a:chOff x="960104" y="2457873"/>
+                <a:chExt cx="691907" cy="1310089"/>
+              </a:xfrm>
+            </p:grpSpPr>
+            <p:sp>
+              <p:nvSpPr>
+                <p:cNvPr id="40" name="Rounded Rectangle 39"/>
+                <p:cNvSpPr/>
+                <p:nvPr/>
+              </p:nvSpPr>
+              <p:spPr>
+                <a:xfrm rot="5400000">
+                  <a:off x="979726" y="3199967"/>
+                  <a:ext cx="652662" cy="483327"/>
+                </a:xfrm>
+                <a:prstGeom prst="roundRect">
+                  <a:avLst/>
+                </a:prstGeom>
+              </p:spPr>
+              <p:style>
+                <a:lnRef idx="2">
+                  <a:schemeClr val="accent3">
+                    <a:shade val="50000"/>
+                  </a:schemeClr>
+                </a:lnRef>
+                <a:fillRef idx="1">
+                  <a:schemeClr val="accent3"/>
+                </a:fillRef>
+                <a:effectRef idx="0">
+                  <a:schemeClr val="accent3"/>
+                </a:effectRef>
+                <a:fontRef idx="minor">
+                  <a:schemeClr val="lt1"/>
+                </a:fontRef>
+              </p:style>
+              <p:txBody>
+                <a:bodyPr rtlCol="0" anchor="ctr"/>
+                <a:lstStyle/>
+                <a:p>
+                  <a:pPr algn="ctr"/>
+                  <a:endParaRPr lang="en-US" dirty="0"/>
+                </a:p>
+              </p:txBody>
+            </p:sp>
+            <p:sp>
+              <p:nvSpPr>
+                <p:cNvPr id="41" name="Oval 40"/>
+                <p:cNvSpPr/>
+                <p:nvPr/>
+              </p:nvSpPr>
+              <p:spPr>
+                <a:xfrm>
+                  <a:off x="960104" y="2457873"/>
+                  <a:ext cx="691907" cy="705393"/>
+                </a:xfrm>
+                <a:prstGeom prst="ellipse">
+                  <a:avLst/>
+                </a:prstGeom>
+              </p:spPr>
+              <p:style>
+                <a:lnRef idx="3">
+                  <a:schemeClr val="lt1"/>
+                </a:lnRef>
+                <a:fillRef idx="1">
+                  <a:schemeClr val="accent5"/>
+                </a:fillRef>
+                <a:effectRef idx="1">
+                  <a:schemeClr val="accent5"/>
+                </a:effectRef>
+                <a:fontRef idx="minor">
+                  <a:schemeClr val="lt1"/>
+                </a:fontRef>
+              </p:style>
+              <p:txBody>
+                <a:bodyPr rtlCol="0" anchor="ctr"/>
+                <a:lstStyle/>
+                <a:p>
+                  <a:pPr algn="ctr"/>
+                  <a:endParaRPr lang="en-US" dirty="0"/>
+                </a:p>
+              </p:txBody>
+            </p:sp>
+          </p:grpSp>
+        </p:grpSp>
+        <p:sp>
+          <p:nvSpPr>
+            <p:cNvPr id="44" name="Rectangle 43"/>
+            <p:cNvSpPr/>
+            <p:nvPr/>
+          </p:nvSpPr>
+          <p:spPr>
+            <a:xfrm>
+              <a:off x="6132725" y="4356271"/>
+              <a:ext cx="5470635" cy="612492"/>
+            </a:xfrm>
+            <a:prstGeom prst="rect">
+              <a:avLst/>
+            </a:prstGeom>
+          </p:spPr>
+          <p:style>
+            <a:lnRef idx="2">
+              <a:schemeClr val="dk1">
+                <a:shade val="50000"/>
+              </a:schemeClr>
+            </a:lnRef>
+            <a:fillRef idx="1">
+              <a:schemeClr val="dk1"/>
+            </a:fillRef>
+            <a:effectRef idx="0">
+              <a:schemeClr val="dk1"/>
+            </a:effectRef>
+            <a:fontRef idx="minor">
+              <a:schemeClr val="lt1"/>
+            </a:fontRef>
+          </p:style>
+          <p:txBody>
+            <a:bodyPr rtlCol="0" anchor="ctr"/>
+            <a:lstStyle/>
+            <a:p>
+              <a:pPr algn="ctr"/>
+              <a:endParaRPr lang="en-US" dirty="0"/>
+            </a:p>
+          </p:txBody>
+        </p:sp>
+        <p:sp>
+          <p:nvSpPr>
+            <p:cNvPr id="46" name="Content Placeholder 2"/>
+            <p:cNvSpPr txBox="1">
+              <a:spLocks/>
+            </p:cNvSpPr>
+            <p:nvPr/>
+          </p:nvSpPr>
+          <p:spPr>
+            <a:xfrm>
+              <a:off x="9479040" y="3012555"/>
+              <a:ext cx="1514712" cy="423789"/>
+            </a:xfrm>
+            <a:prstGeom prst="rect">
+              <a:avLst/>
+            </a:prstGeom>
+          </p:spPr>
+          <p:txBody>
+            <a:bodyPr vert="horz" lIns="91440" tIns="45720" rIns="91440" bIns="45720" rtlCol="0" anchor="ctr">
+              <a:noAutofit/>
+            </a:bodyPr>
+            <a:lstStyle>
+              <a:lvl1pPr marL="228600" indent="-228600" algn="l" defTabSz="914400" rtl="0" eaLnBrk="1" latinLnBrk="0" hangingPunct="1">
+                <a:lnSpc>
+                  <a:spcPct val="90000"/>
+                </a:lnSpc>
+                <a:spcBef>
+                  <a:spcPts val="1000"/>
+                </a:spcBef>
+                <a:buFont typeface="Arial" panose="020B0604020202020204" pitchFamily="34" charset="0"/>
+                <a:buChar char="•"/>
+                <a:defRPr sz="2800" kern="1200">
+                  <a:solidFill>
+                    <a:schemeClr val="tx1"/>
+                  </a:solidFill>
+                  <a:latin typeface="+mn-lt"/>
+                  <a:ea typeface="+mn-ea"/>
+                  <a:cs typeface="+mn-cs"/>
+                </a:defRPr>
+              </a:lvl1pPr>
+              <a:lvl2pPr marL="685800" indent="-228600" algn="l" defTabSz="914400" rtl="0" eaLnBrk="1" latinLnBrk="0" hangingPunct="1">
+                <a:lnSpc>
+                  <a:spcPct val="90000"/>
+                </a:lnSpc>
+                <a:spcBef>
+                  <a:spcPts val="500"/>
+                </a:spcBef>
+                <a:buFont typeface="Arial" panose="020B0604020202020204" pitchFamily="34" charset="0"/>
+                <a:buChar char="•"/>
+                <a:defRPr sz="2400" kern="1200">
+                  <a:solidFill>
+                    <a:schemeClr val="tx1"/>
+                  </a:solidFill>
+                  <a:latin typeface="+mn-lt"/>
+                  <a:ea typeface="+mn-ea"/>
+                  <a:cs typeface="+mn-cs"/>
+                </a:defRPr>
+              </a:lvl2pPr>
+              <a:lvl3pPr marL="1143000" indent="-228600" algn="l" defTabSz="914400" rtl="0" eaLnBrk="1" latinLnBrk="0" hangingPunct="1">
+                <a:lnSpc>
+                  <a:spcPct val="90000"/>
+                </a:lnSpc>
+                <a:spcBef>
+                  <a:spcPts val="500"/>
+                </a:spcBef>
+                <a:buFont typeface="Arial" panose="020B0604020202020204" pitchFamily="34" charset="0"/>
+                <a:buChar char="•"/>
+                <a:defRPr sz="2000" kern="1200">
+                  <a:solidFill>
+                    <a:schemeClr val="tx1"/>
+                  </a:solidFill>
+                  <a:latin typeface="+mn-lt"/>
+                  <a:ea typeface="+mn-ea"/>
+                  <a:cs typeface="+mn-cs"/>
+                </a:defRPr>
+              </a:lvl3pPr>
+              <a:lvl4pPr marL="1600200" indent="-228600" algn="l" defTabSz="914400" rtl="0" eaLnBrk="1" latinLnBrk="0" hangingPunct="1">
+                <a:lnSpc>
+                  <a:spcPct val="90000"/>
+                </a:lnSpc>
+                <a:spcBef>
+                  <a:spcPts val="500"/>
+                </a:spcBef>
+                <a:buFont typeface="Arial" panose="020B0604020202020204" pitchFamily="34" charset="0"/>
+                <a:buChar char="•"/>
+                <a:defRPr sz="1800" kern="1200">
+                  <a:solidFill>
+                    <a:schemeClr val="tx1"/>
+                  </a:solidFill>
+                  <a:latin typeface="+mn-lt"/>
+                  <a:ea typeface="+mn-ea"/>
+                  <a:cs typeface="+mn-cs"/>
+                </a:defRPr>
+              </a:lvl4pPr>
+              <a:lvl5pPr marL="2057400" indent="-228600" algn="l" defTabSz="914400" rtl="0" eaLnBrk="1" latinLnBrk="0" hangingPunct="1">
+                <a:lnSpc>
+                  <a:spcPct val="90000"/>
+                </a:lnSpc>
+                <a:spcBef>
+                  <a:spcPts val="500"/>
+                </a:spcBef>
+                <a:buFont typeface="Arial" panose="020B0604020202020204" pitchFamily="34" charset="0"/>
+                <a:buChar char="•"/>
+                <a:defRPr sz="1800" kern="1200">
+                  <a:solidFill>
+                    <a:schemeClr val="tx1"/>
+                  </a:solidFill>
+                  <a:latin typeface="+mn-lt"/>
+                  <a:ea typeface="+mn-ea"/>
+                  <a:cs typeface="+mn-cs"/>
+                </a:defRPr>
+              </a:lvl5pPr>
+              <a:lvl6pPr marL="2514600" indent="-228600" algn="l" defTabSz="914400" rtl="0" eaLnBrk="1" latinLnBrk="0" hangingPunct="1">
+                <a:lnSpc>
+                  <a:spcPct val="90000"/>
+                </a:lnSpc>
+                <a:spcBef>
+                  <a:spcPts val="500"/>
+                </a:spcBef>
+                <a:buFont typeface="Arial" panose="020B0604020202020204" pitchFamily="34" charset="0"/>
+                <a:buChar char="•"/>
+                <a:defRPr sz="1800" kern="1200">
+                  <a:solidFill>
+                    <a:schemeClr val="tx1"/>
+                  </a:solidFill>
+                  <a:latin typeface="+mn-lt"/>
+                  <a:ea typeface="+mn-ea"/>
+                  <a:cs typeface="+mn-cs"/>
+                </a:defRPr>
+              </a:lvl6pPr>
+              <a:lvl7pPr marL="2971800" indent="-228600" algn="l" defTabSz="914400" rtl="0" eaLnBrk="1" latinLnBrk="0" hangingPunct="1">
+                <a:lnSpc>
+                  <a:spcPct val="90000"/>
+                </a:lnSpc>
+                <a:spcBef>
+                  <a:spcPts val="500"/>
+                </a:spcBef>
+                <a:buFont typeface="Arial" panose="020B0604020202020204" pitchFamily="34" charset="0"/>
+                <a:buChar char="•"/>
+                <a:defRPr sz="1800" kern="1200">
+                  <a:solidFill>
+                    <a:schemeClr val="tx1"/>
+                  </a:solidFill>
+                  <a:latin typeface="+mn-lt"/>
+                  <a:ea typeface="+mn-ea"/>
+                  <a:cs typeface="+mn-cs"/>
+                </a:defRPr>
+              </a:lvl7pPr>
+              <a:lvl8pPr marL="3429000" indent="-228600" algn="l" defTabSz="914400" rtl="0" eaLnBrk="1" latinLnBrk="0" hangingPunct="1">
+                <a:lnSpc>
+                  <a:spcPct val="90000"/>
+                </a:lnSpc>
+                <a:spcBef>
+                  <a:spcPts val="500"/>
+                </a:spcBef>
+                <a:buFont typeface="Arial" panose="020B0604020202020204" pitchFamily="34" charset="0"/>
+                <a:buChar char="•"/>
+                <a:defRPr sz="1800" kern="1200">
+                  <a:solidFill>
+                    <a:schemeClr val="tx1"/>
+                  </a:solidFill>
+                  <a:latin typeface="+mn-lt"/>
+                  <a:ea typeface="+mn-ea"/>
+                  <a:cs typeface="+mn-cs"/>
+                </a:defRPr>
+              </a:lvl8pPr>
+              <a:lvl9pPr marL="3886200" indent="-228600" algn="l" defTabSz="914400" rtl="0" eaLnBrk="1" latinLnBrk="0" hangingPunct="1">
+                <a:lnSpc>
+                  <a:spcPct val="90000"/>
+                </a:lnSpc>
+                <a:spcBef>
+                  <a:spcPts val="500"/>
+                </a:spcBef>
+                <a:buFont typeface="Arial" panose="020B0604020202020204" pitchFamily="34" charset="0"/>
+                <a:buChar char="•"/>
+                <a:defRPr sz="1800" kern="1200">
+                  <a:solidFill>
+                    <a:schemeClr val="tx1"/>
+                  </a:solidFill>
+                  <a:latin typeface="+mn-lt"/>
+                  <a:ea typeface="+mn-ea"/>
+                  <a:cs typeface="+mn-cs"/>
+                </a:defRPr>
+              </a:lvl9pPr>
+            </a:lstStyle>
+            <a:p>
+              <a:pPr marL="0" indent="0" algn="ctr">
+                <a:buFont typeface="Arial" panose="020B0604020202020204" pitchFamily="34" charset="0"/>
+                <a:buNone/>
+              </a:pPr>
+              <a:r>
+                <a:rPr lang="en-US" sz="1800" dirty="0" smtClean="0"/>
+                <a:t>Win next time</a:t>
+              </a:r>
+              <a:endParaRPr lang="en-US" sz="1800" dirty="0"/>
+            </a:p>
+          </p:txBody>
+        </p:sp>
+        <p:sp>
+          <p:nvSpPr>
+            <p:cNvPr id="48" name="Content Placeholder 2"/>
+            <p:cNvSpPr txBox="1">
+              <a:spLocks/>
+            </p:cNvSpPr>
+            <p:nvPr/>
+          </p:nvSpPr>
+          <p:spPr>
+            <a:xfrm>
+              <a:off x="7165709" y="2240535"/>
+              <a:ext cx="1514712" cy="580745"/>
+            </a:xfrm>
+            <a:prstGeom prst="rect">
+              <a:avLst/>
+            </a:prstGeom>
+          </p:spPr>
+          <p:txBody>
+            <a:bodyPr vert="horz" lIns="91440" tIns="45720" rIns="91440" bIns="45720" rtlCol="0" anchor="ctr">
+              <a:normAutofit/>
+            </a:bodyPr>
+            <a:lstStyle>
+              <a:lvl1pPr marL="228600" indent="-228600" algn="l" defTabSz="914400" rtl="0" eaLnBrk="1" latinLnBrk="0" hangingPunct="1">
+                <a:lnSpc>
+                  <a:spcPct val="90000"/>
+                </a:lnSpc>
+                <a:spcBef>
+                  <a:spcPts val="1000"/>
+                </a:spcBef>
+                <a:buFont typeface="Arial" panose="020B0604020202020204" pitchFamily="34" charset="0"/>
+                <a:buChar char="•"/>
+                <a:defRPr sz="2800" kern="1200">
+                  <a:solidFill>
+                    <a:schemeClr val="tx1"/>
+                  </a:solidFill>
+                  <a:latin typeface="+mn-lt"/>
+                  <a:ea typeface="+mn-ea"/>
+                  <a:cs typeface="+mn-cs"/>
+                </a:defRPr>
+              </a:lvl1pPr>
+              <a:lvl2pPr marL="685800" indent="-228600" algn="l" defTabSz="914400" rtl="0" eaLnBrk="1" latinLnBrk="0" hangingPunct="1">
+                <a:lnSpc>
+                  <a:spcPct val="90000"/>
+                </a:lnSpc>
+                <a:spcBef>
+                  <a:spcPts val="500"/>
+                </a:spcBef>
+                <a:buFont typeface="Arial" panose="020B0604020202020204" pitchFamily="34" charset="0"/>
+                <a:buChar char="•"/>
+                <a:defRPr sz="2400" kern="1200">
+                  <a:solidFill>
+                    <a:schemeClr val="tx1"/>
+                  </a:solidFill>
+                  <a:latin typeface="+mn-lt"/>
+                  <a:ea typeface="+mn-ea"/>
+                  <a:cs typeface="+mn-cs"/>
+                </a:defRPr>
+              </a:lvl2pPr>
+              <a:lvl3pPr marL="1143000" indent="-228600" algn="l" defTabSz="914400" rtl="0" eaLnBrk="1" latinLnBrk="0" hangingPunct="1">
+                <a:lnSpc>
+                  <a:spcPct val="90000"/>
+                </a:lnSpc>
+                <a:spcBef>
+                  <a:spcPts val="500"/>
+                </a:spcBef>
+                <a:buFont typeface="Arial" panose="020B0604020202020204" pitchFamily="34" charset="0"/>
+                <a:buChar char="•"/>
+                <a:defRPr sz="2000" kern="1200">
+                  <a:solidFill>
+                    <a:schemeClr val="tx1"/>
+                  </a:solidFill>
+                  <a:latin typeface="+mn-lt"/>
+                  <a:ea typeface="+mn-ea"/>
+                  <a:cs typeface="+mn-cs"/>
+                </a:defRPr>
+              </a:lvl3pPr>
+              <a:lvl4pPr marL="1600200" indent="-228600" algn="l" defTabSz="914400" rtl="0" eaLnBrk="1" latinLnBrk="0" hangingPunct="1">
+                <a:lnSpc>
+                  <a:spcPct val="90000"/>
+                </a:lnSpc>
+                <a:spcBef>
+                  <a:spcPts val="500"/>
+                </a:spcBef>
+                <a:buFont typeface="Arial" panose="020B0604020202020204" pitchFamily="34" charset="0"/>
+                <a:buChar char="•"/>
+                <a:defRPr sz="1800" kern="1200">
+                  <a:solidFill>
+                    <a:schemeClr val="tx1"/>
+                  </a:solidFill>
+                  <a:latin typeface="+mn-lt"/>
+                  <a:ea typeface="+mn-ea"/>
+                  <a:cs typeface="+mn-cs"/>
+                </a:defRPr>
+              </a:lvl4pPr>
+              <a:lvl5pPr marL="2057400" indent="-228600" algn="l" defTabSz="914400" rtl="0" eaLnBrk="1" latinLnBrk="0" hangingPunct="1">
+                <a:lnSpc>
+                  <a:spcPct val="90000"/>
+                </a:lnSpc>
+                <a:spcBef>
+                  <a:spcPts val="500"/>
+                </a:spcBef>
+                <a:buFont typeface="Arial" panose="020B0604020202020204" pitchFamily="34" charset="0"/>
+                <a:buChar char="•"/>
+                <a:defRPr sz="1800" kern="1200">
+                  <a:solidFill>
+                    <a:schemeClr val="tx1"/>
+                  </a:solidFill>
+                  <a:latin typeface="+mn-lt"/>
+                  <a:ea typeface="+mn-ea"/>
+                  <a:cs typeface="+mn-cs"/>
+                </a:defRPr>
+              </a:lvl5pPr>
+              <a:lvl6pPr marL="2514600" indent="-228600" algn="l" defTabSz="914400" rtl="0" eaLnBrk="1" latinLnBrk="0" hangingPunct="1">
+                <a:lnSpc>
+                  <a:spcPct val="90000"/>
+                </a:lnSpc>
+                <a:spcBef>
+                  <a:spcPts val="500"/>
+                </a:spcBef>
+                <a:buFont typeface="Arial" panose="020B0604020202020204" pitchFamily="34" charset="0"/>
+                <a:buChar char="•"/>
+                <a:defRPr sz="1800" kern="1200">
+                  <a:solidFill>
+                    <a:schemeClr val="tx1"/>
+                  </a:solidFill>
+                  <a:latin typeface="+mn-lt"/>
+                  <a:ea typeface="+mn-ea"/>
+                  <a:cs typeface="+mn-cs"/>
+                </a:defRPr>
+              </a:lvl6pPr>
+              <a:lvl7pPr marL="2971800" indent="-228600" algn="l" defTabSz="914400" rtl="0" eaLnBrk="1" latinLnBrk="0" hangingPunct="1">
+                <a:lnSpc>
+                  <a:spcPct val="90000"/>
+                </a:lnSpc>
+                <a:spcBef>
+                  <a:spcPts val="500"/>
+                </a:spcBef>
+                <a:buFont typeface="Arial" panose="020B0604020202020204" pitchFamily="34" charset="0"/>
+                <a:buChar char="•"/>
+                <a:defRPr sz="1800" kern="1200">
+                  <a:solidFill>
+                    <a:schemeClr val="tx1"/>
+                  </a:solidFill>
+                  <a:latin typeface="+mn-lt"/>
+                  <a:ea typeface="+mn-ea"/>
+                  <a:cs typeface="+mn-cs"/>
+                </a:defRPr>
+              </a:lvl7pPr>
+              <a:lvl8pPr marL="3429000" indent="-228600" algn="l" defTabSz="914400" rtl="0" eaLnBrk="1" latinLnBrk="0" hangingPunct="1">
+                <a:lnSpc>
+                  <a:spcPct val="90000"/>
+                </a:lnSpc>
+                <a:spcBef>
+                  <a:spcPts val="500"/>
+                </a:spcBef>
+                <a:buFont typeface="Arial" panose="020B0604020202020204" pitchFamily="34" charset="0"/>
+                <a:buChar char="•"/>
+                <a:defRPr sz="1800" kern="1200">
+                  <a:solidFill>
+                    <a:schemeClr val="tx1"/>
+                  </a:solidFill>
+                  <a:latin typeface="+mn-lt"/>
+                  <a:ea typeface="+mn-ea"/>
+                  <a:cs typeface="+mn-cs"/>
+                </a:defRPr>
+              </a:lvl8pPr>
+              <a:lvl9pPr marL="3886200" indent="-228600" algn="l" defTabSz="914400" rtl="0" eaLnBrk="1" latinLnBrk="0" hangingPunct="1">
+                <a:lnSpc>
+                  <a:spcPct val="90000"/>
+                </a:lnSpc>
+                <a:spcBef>
+                  <a:spcPts val="500"/>
+                </a:spcBef>
+                <a:buFont typeface="Arial" panose="020B0604020202020204" pitchFamily="34" charset="0"/>
+                <a:buChar char="•"/>
+                <a:defRPr sz="1800" kern="1200">
+                  <a:solidFill>
+                    <a:schemeClr val="tx1"/>
+                  </a:solidFill>
+                  <a:latin typeface="+mn-lt"/>
+                  <a:ea typeface="+mn-ea"/>
+                  <a:cs typeface="+mn-cs"/>
+                </a:defRPr>
+              </a:lvl9pPr>
+            </a:lstStyle>
+            <a:p>
+              <a:pPr marL="0" indent="0" algn="ctr">
+                <a:buFont typeface="Arial" panose="020B0604020202020204" pitchFamily="34" charset="0"/>
+                <a:buNone/>
+              </a:pPr>
+              <a:r>
+                <a:rPr lang="en-US" dirty="0" smtClean="0"/>
+                <a:t>WIN</a:t>
+              </a:r>
+              <a:endParaRPr lang="en-US" dirty="0"/>
+            </a:p>
+          </p:txBody>
+        </p:sp>
+      </p:grpSp>
+      <p:grpSp>
+        <p:nvGrpSpPr>
+          <p:cNvPr id="94" name="Group 93"/>
+          <p:cNvGrpSpPr/>
+          <p:nvPr/>
+        </p:nvGrpSpPr>
+        <p:grpSpPr>
+          <a:xfrm>
+            <a:off x="627335" y="3437796"/>
+            <a:ext cx="5470636" cy="3421381"/>
+            <a:chOff x="627335" y="3437796"/>
+            <a:chExt cx="5470636" cy="3421381"/>
+          </a:xfrm>
+        </p:grpSpPr>
+        <p:sp>
+          <p:nvSpPr>
+            <p:cNvPr id="54" name="Rectangle 53"/>
+            <p:cNvSpPr/>
+            <p:nvPr/>
+          </p:nvSpPr>
+          <p:spPr>
+            <a:xfrm>
+              <a:off x="627336" y="3437796"/>
+              <a:ext cx="5470635" cy="3421381"/>
+            </a:xfrm>
+            <a:prstGeom prst="rect">
+              <a:avLst/>
+            </a:prstGeom>
+            <a:ln>
+              <a:solidFill>
+                <a:schemeClr val="accent1"/>
+              </a:solidFill>
+            </a:ln>
+          </p:spPr>
+          <p:style>
+            <a:lnRef idx="2">
+              <a:schemeClr val="accent6"/>
+            </a:lnRef>
+            <a:fillRef idx="1">
+              <a:schemeClr val="lt1"/>
+            </a:fillRef>
+            <a:effectRef idx="0">
+              <a:schemeClr val="accent6"/>
+            </a:effectRef>
+            <a:fontRef idx="minor">
+              <a:schemeClr val="dk1"/>
+            </a:fontRef>
+          </p:style>
+          <p:txBody>
+            <a:bodyPr rtlCol="0" anchor="t"/>
+            <a:lstStyle/>
+            <a:p>
+              <a:pPr algn="ctr"/>
+              <a:r>
+                <a:rPr lang="en-US" dirty="0" smtClean="0"/>
+                <a:t>Intro</a:t>
+              </a:r>
+              <a:endParaRPr lang="en-US" dirty="0"/>
+            </a:p>
+          </p:txBody>
+        </p:sp>
+        <p:sp>
+          <p:nvSpPr>
+            <p:cNvPr id="55" name="Rectangle 54"/>
+            <p:cNvSpPr/>
+            <p:nvPr/>
+          </p:nvSpPr>
+          <p:spPr>
+            <a:xfrm>
+              <a:off x="627335" y="3437797"/>
+              <a:ext cx="5470635" cy="612492"/>
+            </a:xfrm>
+            <a:prstGeom prst="rect">
+              <a:avLst/>
+            </a:prstGeom>
+          </p:spPr>
+          <p:style>
+            <a:lnRef idx="2">
+              <a:schemeClr val="dk1">
+                <a:shade val="50000"/>
+              </a:schemeClr>
+            </a:lnRef>
+            <a:fillRef idx="1">
+              <a:schemeClr val="dk1"/>
+            </a:fillRef>
+            <a:effectRef idx="0">
+              <a:schemeClr val="dk1"/>
+            </a:effectRef>
+            <a:fontRef idx="minor">
+              <a:schemeClr val="lt1"/>
+            </a:fontRef>
+          </p:style>
+          <p:txBody>
+            <a:bodyPr rtlCol="0" anchor="ctr"/>
+            <a:lstStyle/>
+            <a:p>
+              <a:pPr algn="ctr"/>
+              <a:r>
+                <a:rPr lang="en-US" dirty="0" smtClean="0"/>
+                <a:t>Skill </a:t>
+              </a:r>
+              <a:r>
+                <a:rPr lang="en-US" dirty="0" err="1" smtClean="0"/>
+                <a:t>Cutscene</a:t>
+              </a:r>
+              <a:endParaRPr lang="en-US" dirty="0"/>
+            </a:p>
+          </p:txBody>
+        </p:sp>
+        <p:sp>
+          <p:nvSpPr>
+            <p:cNvPr id="58" name="Rectangle 57"/>
+            <p:cNvSpPr/>
+            <p:nvPr/>
+          </p:nvSpPr>
+          <p:spPr>
+            <a:xfrm>
+              <a:off x="627335" y="6246685"/>
+              <a:ext cx="5470635" cy="612492"/>
+            </a:xfrm>
+            <a:prstGeom prst="rect">
+              <a:avLst/>
+            </a:prstGeom>
+          </p:spPr>
+          <p:style>
+            <a:lnRef idx="2">
+              <a:schemeClr val="dk1">
+                <a:shade val="50000"/>
+              </a:schemeClr>
+            </a:lnRef>
+            <a:fillRef idx="1">
+              <a:schemeClr val="dk1"/>
+            </a:fillRef>
+            <a:effectRef idx="0">
+              <a:schemeClr val="dk1"/>
+            </a:effectRef>
+            <a:fontRef idx="minor">
+              <a:schemeClr val="lt1"/>
+            </a:fontRef>
+          </p:style>
+          <p:txBody>
+            <a:bodyPr rtlCol="0" anchor="ctr"/>
+            <a:lstStyle/>
+            <a:p>
+              <a:pPr algn="ctr"/>
+              <a:endParaRPr lang="en-US" dirty="0"/>
+            </a:p>
+          </p:txBody>
+        </p:sp>
+        <p:grpSp>
+          <p:nvGrpSpPr>
+            <p:cNvPr id="79" name="Group 78"/>
+            <p:cNvGrpSpPr/>
+            <p:nvPr/>
+          </p:nvGrpSpPr>
+          <p:grpSpPr>
+            <a:xfrm>
+              <a:off x="769225" y="4643391"/>
+              <a:ext cx="2041864" cy="1010191"/>
+              <a:chOff x="6838950" y="4151463"/>
+              <a:chExt cx="2621040" cy="1296732"/>
+            </a:xfrm>
+          </p:grpSpPr>
+          <p:sp>
+            <p:nvSpPr>
+              <p:cNvPr id="75" name="Parallelogram 74"/>
+              <p:cNvSpPr/>
+              <p:nvPr/>
+            </p:nvSpPr>
+            <p:spPr>
+              <a:xfrm>
+                <a:off x="6838950" y="4151463"/>
+                <a:ext cx="2621040" cy="1296728"/>
+              </a:xfrm>
+              <a:prstGeom prst="parallelogram">
+                <a:avLst/>
+              </a:prstGeom>
+            </p:spPr>
+            <p:style>
+              <a:lnRef idx="2">
+                <a:schemeClr val="accent1">
+                  <a:shade val="50000"/>
+                </a:schemeClr>
+              </a:lnRef>
+              <a:fillRef idx="1">
+                <a:schemeClr val="accent1"/>
+              </a:fillRef>
+              <a:effectRef idx="0">
+                <a:schemeClr val="accent1"/>
+              </a:effectRef>
+              <a:fontRef idx="minor">
+                <a:schemeClr val="lt1"/>
+              </a:fontRef>
+            </p:style>
+            <p:txBody>
+              <a:bodyPr rtlCol="0" anchor="ctr"/>
+              <a:lstStyle/>
+              <a:p>
+                <a:pPr algn="ctr"/>
+                <a:endParaRPr lang="en-US"/>
+              </a:p>
+            </p:txBody>
+          </p:sp>
+          <p:grpSp>
+            <p:nvGrpSpPr>
+              <p:cNvPr id="76" name="Group 75"/>
+              <p:cNvGrpSpPr/>
+              <p:nvPr/>
+            </p:nvGrpSpPr>
+            <p:grpSpPr>
+              <a:xfrm>
+                <a:off x="7699799" y="4157617"/>
+                <a:ext cx="837165" cy="1290578"/>
+                <a:chOff x="960104" y="2457873"/>
+                <a:chExt cx="691907" cy="1157935"/>
+              </a:xfrm>
+            </p:grpSpPr>
+            <p:sp>
+              <p:nvSpPr>
+                <p:cNvPr id="77" name="Rounded Rectangle 76"/>
+                <p:cNvSpPr/>
+                <p:nvPr/>
+              </p:nvSpPr>
+              <p:spPr>
+                <a:xfrm rot="5400000">
+                  <a:off x="1055803" y="3123891"/>
+                  <a:ext cx="500507" cy="483327"/>
+                </a:xfrm>
+                <a:prstGeom prst="roundRect">
+                  <a:avLst/>
+                </a:prstGeom>
+              </p:spPr>
+              <p:style>
+                <a:lnRef idx="2">
+                  <a:schemeClr val="accent3">
+                    <a:shade val="50000"/>
+                  </a:schemeClr>
+                </a:lnRef>
+                <a:fillRef idx="1">
+                  <a:schemeClr val="accent3"/>
+                </a:fillRef>
+                <a:effectRef idx="0">
+                  <a:schemeClr val="accent3"/>
+                </a:effectRef>
+                <a:fontRef idx="minor">
+                  <a:schemeClr val="lt1"/>
+                </a:fontRef>
+              </p:style>
+              <p:txBody>
+                <a:bodyPr rtlCol="0" anchor="ctr"/>
+                <a:lstStyle/>
+                <a:p>
+                  <a:pPr algn="ctr"/>
+                  <a:endParaRPr lang="en-US" dirty="0"/>
+                </a:p>
+              </p:txBody>
+            </p:sp>
+            <p:sp>
+              <p:nvSpPr>
+                <p:cNvPr id="78" name="Oval 77"/>
+                <p:cNvSpPr/>
+                <p:nvPr/>
+              </p:nvSpPr>
+              <p:spPr>
+                <a:xfrm>
+                  <a:off x="960104" y="2457873"/>
+                  <a:ext cx="691907" cy="705393"/>
+                </a:xfrm>
+                <a:prstGeom prst="ellipse">
+                  <a:avLst/>
+                </a:prstGeom>
+              </p:spPr>
+              <p:style>
+                <a:lnRef idx="3">
+                  <a:schemeClr val="lt1"/>
+                </a:lnRef>
+                <a:fillRef idx="1">
+                  <a:schemeClr val="accent5"/>
+                </a:fillRef>
+                <a:effectRef idx="1">
+                  <a:schemeClr val="accent5"/>
+                </a:effectRef>
+                <a:fontRef idx="minor">
+                  <a:schemeClr val="lt1"/>
+                </a:fontRef>
+              </p:style>
+              <p:txBody>
+                <a:bodyPr rtlCol="0" anchor="ctr"/>
+                <a:lstStyle/>
+                <a:p>
+                  <a:pPr algn="ctr"/>
+                  <a:endParaRPr lang="en-US" dirty="0"/>
+                </a:p>
+              </p:txBody>
+            </p:sp>
+          </p:grpSp>
+        </p:grpSp>
+        <p:cxnSp>
+          <p:nvCxnSpPr>
+            <p:cNvPr id="81" name="Straight Connector 80"/>
+            <p:cNvCxnSpPr/>
+            <p:nvPr/>
+          </p:nvCxnSpPr>
+          <p:spPr>
+            <a:xfrm>
+              <a:off x="2403040" y="4324133"/>
+              <a:ext cx="3023981" cy="495150"/>
+            </a:xfrm>
+            <a:prstGeom prst="line">
+              <a:avLst/>
+            </a:prstGeom>
+          </p:spPr>
+          <p:style>
+            <a:lnRef idx="1">
+              <a:schemeClr val="accent1"/>
+            </a:lnRef>
+            <a:fillRef idx="0">
+              <a:schemeClr val="accent1"/>
+            </a:fillRef>
+            <a:effectRef idx="0">
+              <a:schemeClr val="accent1"/>
+            </a:effectRef>
+            <a:fontRef idx="minor">
+              <a:schemeClr val="tx1"/>
+            </a:fontRef>
+          </p:style>
+        </p:cxnSp>
+        <p:cxnSp>
+          <p:nvCxnSpPr>
+            <p:cNvPr id="84" name="Straight Connector 83"/>
+            <p:cNvCxnSpPr/>
+            <p:nvPr/>
+          </p:nvCxnSpPr>
+          <p:spPr>
+            <a:xfrm>
+              <a:off x="2555440" y="4476533"/>
+              <a:ext cx="3023981" cy="495150"/>
+            </a:xfrm>
+            <a:prstGeom prst="line">
+              <a:avLst/>
+            </a:prstGeom>
+          </p:spPr>
+          <p:style>
+            <a:lnRef idx="1">
+              <a:schemeClr val="accent1"/>
+            </a:lnRef>
+            <a:fillRef idx="0">
+              <a:schemeClr val="accent1"/>
+            </a:fillRef>
+            <a:effectRef idx="0">
+              <a:schemeClr val="accent1"/>
+            </a:effectRef>
+            <a:fontRef idx="minor">
+              <a:schemeClr val="tx1"/>
+            </a:fontRef>
+          </p:style>
+        </p:cxnSp>
+        <p:cxnSp>
+          <p:nvCxnSpPr>
+            <p:cNvPr id="85" name="Straight Connector 84"/>
+            <p:cNvCxnSpPr/>
+            <p:nvPr/>
+          </p:nvCxnSpPr>
+          <p:spPr>
+            <a:xfrm>
+              <a:off x="2607065" y="4900912"/>
+              <a:ext cx="3124756" cy="223171"/>
+            </a:xfrm>
+            <a:prstGeom prst="line">
+              <a:avLst/>
+            </a:prstGeom>
+          </p:spPr>
+          <p:style>
+            <a:lnRef idx="1">
+              <a:schemeClr val="accent1"/>
+            </a:lnRef>
+            <a:fillRef idx="0">
+              <a:schemeClr val="accent1"/>
+            </a:fillRef>
+            <a:effectRef idx="0">
+              <a:schemeClr val="accent1"/>
+            </a:effectRef>
+            <a:fontRef idx="minor">
+              <a:schemeClr val="tx1"/>
+            </a:fontRef>
+          </p:style>
+        </p:cxnSp>
+        <p:cxnSp>
+          <p:nvCxnSpPr>
+            <p:cNvPr id="86" name="Straight Connector 85"/>
+            <p:cNvCxnSpPr/>
+            <p:nvPr/>
+          </p:nvCxnSpPr>
+          <p:spPr>
+            <a:xfrm flipV="1">
+              <a:off x="2555440" y="5276483"/>
+              <a:ext cx="3328781" cy="228987"/>
+            </a:xfrm>
+            <a:prstGeom prst="line">
+              <a:avLst/>
+            </a:prstGeom>
+          </p:spPr>
+          <p:style>
+            <a:lnRef idx="1">
+              <a:schemeClr val="accent1"/>
+            </a:lnRef>
+            <a:fillRef idx="0">
+              <a:schemeClr val="accent1"/>
+            </a:fillRef>
+            <a:effectRef idx="0">
+              <a:schemeClr val="accent1"/>
+            </a:effectRef>
+            <a:fontRef idx="minor">
+              <a:schemeClr val="tx1"/>
+            </a:fontRef>
+          </p:style>
+        </p:cxnSp>
+        <p:cxnSp>
+          <p:nvCxnSpPr>
+            <p:cNvPr id="87" name="Straight Connector 86"/>
+            <p:cNvCxnSpPr/>
+            <p:nvPr/>
+          </p:nvCxnSpPr>
+          <p:spPr>
+            <a:xfrm flipV="1">
+              <a:off x="1707781" y="5428883"/>
+              <a:ext cx="4328840" cy="360602"/>
+            </a:xfrm>
+            <a:prstGeom prst="line">
+              <a:avLst/>
+            </a:prstGeom>
+          </p:spPr>
+          <p:style>
+            <a:lnRef idx="1">
+              <a:schemeClr val="accent1"/>
+            </a:lnRef>
+            <a:fillRef idx="0">
+              <a:schemeClr val="accent1"/>
+            </a:fillRef>
+            <a:effectRef idx="0">
+              <a:schemeClr val="accent1"/>
+            </a:effectRef>
+            <a:fontRef idx="minor">
+              <a:schemeClr val="tx1"/>
+            </a:fontRef>
+          </p:style>
+        </p:cxnSp>
+        <p:cxnSp>
+          <p:nvCxnSpPr>
+            <p:cNvPr id="88" name="Straight Connector 87"/>
+            <p:cNvCxnSpPr/>
+            <p:nvPr/>
+          </p:nvCxnSpPr>
+          <p:spPr>
+            <a:xfrm flipV="1">
+              <a:off x="2403040" y="5676458"/>
+              <a:ext cx="3453823" cy="265427"/>
+            </a:xfrm>
+            <a:prstGeom prst="line">
+              <a:avLst/>
+            </a:prstGeom>
+          </p:spPr>
+          <p:style>
+            <a:lnRef idx="1">
+              <a:schemeClr val="accent1"/>
+            </a:lnRef>
+            <a:fillRef idx="0">
+              <a:schemeClr val="accent1"/>
+            </a:fillRef>
+            <a:effectRef idx="0">
+              <a:schemeClr val="accent1"/>
+            </a:effectRef>
+            <a:fontRef idx="minor">
+              <a:schemeClr val="tx1"/>
+            </a:fontRef>
+          </p:style>
+        </p:cxnSp>
+      </p:grpSp>
+      <p:grpSp>
+        <p:nvGrpSpPr>
+          <p:cNvPr id="95" name="Group 94"/>
+          <p:cNvGrpSpPr/>
+          <p:nvPr/>
+        </p:nvGrpSpPr>
+        <p:grpSpPr>
+          <a:xfrm>
+            <a:off x="6088246" y="3441319"/>
+            <a:ext cx="5470636" cy="3421381"/>
+            <a:chOff x="627335" y="3437796"/>
+            <a:chExt cx="5470636" cy="3421381"/>
+          </a:xfrm>
+        </p:grpSpPr>
+        <p:sp>
+          <p:nvSpPr>
+            <p:cNvPr id="96" name="Rectangle 95"/>
+            <p:cNvSpPr/>
+            <p:nvPr/>
+          </p:nvSpPr>
+          <p:spPr>
+            <a:xfrm>
+              <a:off x="627336" y="3437796"/>
+              <a:ext cx="5470635" cy="3421381"/>
+            </a:xfrm>
+            <a:prstGeom prst="rect">
+              <a:avLst/>
+            </a:prstGeom>
+            <a:ln>
+              <a:solidFill>
+                <a:schemeClr val="accent1"/>
+              </a:solidFill>
+            </a:ln>
+          </p:spPr>
+          <p:style>
+            <a:lnRef idx="2">
+              <a:schemeClr val="accent6"/>
+            </a:lnRef>
+            <a:fillRef idx="1">
+              <a:schemeClr val="lt1"/>
+            </a:fillRef>
+            <a:effectRef idx="0">
+              <a:schemeClr val="accent6"/>
+            </a:effectRef>
+            <a:fontRef idx="minor">
+              <a:schemeClr val="dk1"/>
+            </a:fontRef>
+          </p:style>
+          <p:txBody>
+            <a:bodyPr rtlCol="0" anchor="t"/>
+            <a:lstStyle/>
+            <a:p>
+              <a:pPr algn="ctr"/>
+              <a:r>
+                <a:rPr lang="en-US" dirty="0" smtClean="0"/>
+                <a:t>Intro</a:t>
+              </a:r>
+              <a:endParaRPr lang="en-US" dirty="0"/>
+            </a:p>
+          </p:txBody>
+        </p:sp>
+        <p:sp>
+          <p:nvSpPr>
+            <p:cNvPr id="97" name="Rectangle 96"/>
+            <p:cNvSpPr/>
+            <p:nvPr/>
+          </p:nvSpPr>
+          <p:spPr>
+            <a:xfrm>
+              <a:off x="627335" y="3437797"/>
+              <a:ext cx="5470635" cy="612492"/>
+            </a:xfrm>
+            <a:prstGeom prst="rect">
+              <a:avLst/>
+            </a:prstGeom>
+          </p:spPr>
+          <p:style>
+            <a:lnRef idx="2">
+              <a:schemeClr val="dk1">
+                <a:shade val="50000"/>
+              </a:schemeClr>
+            </a:lnRef>
+            <a:fillRef idx="1">
+              <a:schemeClr val="dk1"/>
+            </a:fillRef>
+            <a:effectRef idx="0">
+              <a:schemeClr val="dk1"/>
+            </a:effectRef>
+            <a:fontRef idx="minor">
+              <a:schemeClr val="lt1"/>
+            </a:fontRef>
+          </p:style>
+          <p:txBody>
+            <a:bodyPr rtlCol="0" anchor="ctr"/>
+            <a:lstStyle/>
+            <a:p>
+              <a:pPr algn="ctr"/>
+              <a:r>
+                <a:rPr lang="en-US" dirty="0" smtClean="0"/>
+                <a:t>Goal </a:t>
+              </a:r>
+              <a:r>
+                <a:rPr lang="en-US" dirty="0" err="1" smtClean="0"/>
+                <a:t>Cutscene</a:t>
+              </a:r>
+              <a:endParaRPr lang="en-US" dirty="0"/>
+            </a:p>
+          </p:txBody>
+        </p:sp>
+        <p:sp>
+          <p:nvSpPr>
+            <p:cNvPr id="98" name="Rectangle 97"/>
+            <p:cNvSpPr/>
+            <p:nvPr/>
+          </p:nvSpPr>
+          <p:spPr>
+            <a:xfrm>
+              <a:off x="627335" y="6246685"/>
+              <a:ext cx="5470635" cy="612492"/>
+            </a:xfrm>
+            <a:prstGeom prst="rect">
+              <a:avLst/>
+            </a:prstGeom>
+          </p:spPr>
+          <p:style>
+            <a:lnRef idx="2">
+              <a:schemeClr val="dk1">
+                <a:shade val="50000"/>
+              </a:schemeClr>
+            </a:lnRef>
+            <a:fillRef idx="1">
+              <a:schemeClr val="dk1"/>
+            </a:fillRef>
+            <a:effectRef idx="0">
+              <a:schemeClr val="dk1"/>
+            </a:effectRef>
+            <a:fontRef idx="minor">
+              <a:schemeClr val="lt1"/>
+            </a:fontRef>
+          </p:style>
+          <p:txBody>
+            <a:bodyPr rtlCol="0" anchor="ctr"/>
+            <a:lstStyle/>
+            <a:p>
+              <a:pPr algn="ctr"/>
+              <a:endParaRPr lang="en-US" dirty="0"/>
+            </a:p>
+          </p:txBody>
+        </p:sp>
+        <p:grpSp>
+          <p:nvGrpSpPr>
+            <p:cNvPr id="99" name="Group 98"/>
+            <p:cNvGrpSpPr/>
+            <p:nvPr/>
+          </p:nvGrpSpPr>
+          <p:grpSpPr>
+            <a:xfrm>
+              <a:off x="769225" y="4643391"/>
+              <a:ext cx="2041864" cy="1010191"/>
+              <a:chOff x="6838950" y="4151463"/>
+              <a:chExt cx="2621040" cy="1296732"/>
+            </a:xfrm>
+          </p:grpSpPr>
+          <p:sp>
+            <p:nvSpPr>
+              <p:cNvPr id="106" name="Parallelogram 105"/>
+              <p:cNvSpPr/>
+              <p:nvPr/>
+            </p:nvSpPr>
+            <p:spPr>
+              <a:xfrm>
+                <a:off x="6838950" y="4151463"/>
+                <a:ext cx="2621040" cy="1296728"/>
+              </a:xfrm>
+              <a:prstGeom prst="parallelogram">
+                <a:avLst/>
+              </a:prstGeom>
+            </p:spPr>
+            <p:style>
+              <a:lnRef idx="2">
+                <a:schemeClr val="accent1">
+                  <a:shade val="50000"/>
+                </a:schemeClr>
+              </a:lnRef>
+              <a:fillRef idx="1">
+                <a:schemeClr val="accent1"/>
+              </a:fillRef>
+              <a:effectRef idx="0">
+                <a:schemeClr val="accent1"/>
+              </a:effectRef>
+              <a:fontRef idx="minor">
+                <a:schemeClr val="lt1"/>
+              </a:fontRef>
+            </p:style>
+            <p:txBody>
+              <a:bodyPr rtlCol="0" anchor="ctr"/>
+              <a:lstStyle/>
+              <a:p>
+                <a:pPr algn="ctr"/>
+                <a:endParaRPr lang="en-US"/>
+              </a:p>
+            </p:txBody>
+          </p:sp>
+          <p:grpSp>
+            <p:nvGrpSpPr>
+              <p:cNvPr id="107" name="Group 106"/>
+              <p:cNvGrpSpPr/>
+              <p:nvPr/>
+            </p:nvGrpSpPr>
+            <p:grpSpPr>
+              <a:xfrm>
+                <a:off x="7699799" y="4157617"/>
+                <a:ext cx="837165" cy="1290578"/>
+                <a:chOff x="960104" y="2457873"/>
+                <a:chExt cx="691907" cy="1157935"/>
+              </a:xfrm>
+            </p:grpSpPr>
+            <p:sp>
+              <p:nvSpPr>
+                <p:cNvPr id="108" name="Rounded Rectangle 107"/>
+                <p:cNvSpPr/>
+                <p:nvPr/>
+              </p:nvSpPr>
+              <p:spPr>
+                <a:xfrm rot="5400000">
+                  <a:off x="1055803" y="3123891"/>
+                  <a:ext cx="500507" cy="483327"/>
+                </a:xfrm>
+                <a:prstGeom prst="roundRect">
+                  <a:avLst/>
+                </a:prstGeom>
+              </p:spPr>
+              <p:style>
+                <a:lnRef idx="2">
+                  <a:schemeClr val="accent3">
+                    <a:shade val="50000"/>
+                  </a:schemeClr>
+                </a:lnRef>
+                <a:fillRef idx="1">
+                  <a:schemeClr val="accent3"/>
+                </a:fillRef>
+                <a:effectRef idx="0">
+                  <a:schemeClr val="accent3"/>
+                </a:effectRef>
+                <a:fontRef idx="minor">
+                  <a:schemeClr val="lt1"/>
+                </a:fontRef>
+              </p:style>
+              <p:txBody>
+                <a:bodyPr rtlCol="0" anchor="ctr"/>
+                <a:lstStyle/>
+                <a:p>
+                  <a:pPr algn="ctr"/>
+                  <a:endParaRPr lang="en-US" dirty="0"/>
+                </a:p>
+              </p:txBody>
+            </p:sp>
+            <p:sp>
+              <p:nvSpPr>
+                <p:cNvPr id="109" name="Oval 108"/>
+                <p:cNvSpPr/>
+                <p:nvPr/>
+              </p:nvSpPr>
+              <p:spPr>
+                <a:xfrm>
+                  <a:off x="960104" y="2457873"/>
+                  <a:ext cx="691907" cy="705393"/>
+                </a:xfrm>
+                <a:prstGeom prst="ellipse">
+                  <a:avLst/>
+                </a:prstGeom>
+              </p:spPr>
+              <p:style>
+                <a:lnRef idx="3">
+                  <a:schemeClr val="lt1"/>
+                </a:lnRef>
+                <a:fillRef idx="1">
+                  <a:schemeClr val="accent5"/>
+                </a:fillRef>
+                <a:effectRef idx="1">
+                  <a:schemeClr val="accent5"/>
+                </a:effectRef>
+                <a:fontRef idx="minor">
+                  <a:schemeClr val="lt1"/>
+                </a:fontRef>
+              </p:style>
+              <p:txBody>
+                <a:bodyPr rtlCol="0" anchor="ctr"/>
+                <a:lstStyle/>
+                <a:p>
+                  <a:pPr algn="ctr"/>
+                  <a:endParaRPr lang="en-US" dirty="0"/>
+                </a:p>
+              </p:txBody>
+            </p:sp>
+          </p:grpSp>
+        </p:grpSp>
+        <p:cxnSp>
+          <p:nvCxnSpPr>
+            <p:cNvPr id="100" name="Straight Connector 99"/>
+            <p:cNvCxnSpPr/>
+            <p:nvPr/>
+          </p:nvCxnSpPr>
+          <p:spPr>
+            <a:xfrm>
+              <a:off x="2403040" y="4324133"/>
+              <a:ext cx="3023981" cy="495150"/>
+            </a:xfrm>
+            <a:prstGeom prst="line">
+              <a:avLst/>
+            </a:prstGeom>
+          </p:spPr>
+          <p:style>
+            <a:lnRef idx="1">
+              <a:schemeClr val="accent1"/>
+            </a:lnRef>
+            <a:fillRef idx="0">
+              <a:schemeClr val="accent1"/>
+            </a:fillRef>
+            <a:effectRef idx="0">
+              <a:schemeClr val="accent1"/>
+            </a:effectRef>
+            <a:fontRef idx="minor">
+              <a:schemeClr val="tx1"/>
+            </a:fontRef>
+          </p:style>
+        </p:cxnSp>
+        <p:cxnSp>
+          <p:nvCxnSpPr>
+            <p:cNvPr id="101" name="Straight Connector 100"/>
+            <p:cNvCxnSpPr/>
+            <p:nvPr/>
+          </p:nvCxnSpPr>
+          <p:spPr>
+            <a:xfrm>
+              <a:off x="2555440" y="4476533"/>
+              <a:ext cx="3023981" cy="495150"/>
+            </a:xfrm>
+            <a:prstGeom prst="line">
+              <a:avLst/>
+            </a:prstGeom>
+          </p:spPr>
+          <p:style>
+            <a:lnRef idx="1">
+              <a:schemeClr val="accent1"/>
+            </a:lnRef>
+            <a:fillRef idx="0">
+              <a:schemeClr val="accent1"/>
+            </a:fillRef>
+            <a:effectRef idx="0">
+              <a:schemeClr val="accent1"/>
+            </a:effectRef>
+            <a:fontRef idx="minor">
+              <a:schemeClr val="tx1"/>
+            </a:fontRef>
+          </p:style>
+        </p:cxnSp>
+        <p:cxnSp>
+          <p:nvCxnSpPr>
+            <p:cNvPr id="102" name="Straight Connector 101"/>
+            <p:cNvCxnSpPr/>
+            <p:nvPr/>
+          </p:nvCxnSpPr>
+          <p:spPr>
+            <a:xfrm>
+              <a:off x="2607065" y="4900912"/>
+              <a:ext cx="3124756" cy="223171"/>
+            </a:xfrm>
+            <a:prstGeom prst="line">
+              <a:avLst/>
+            </a:prstGeom>
+          </p:spPr>
+          <p:style>
+            <a:lnRef idx="1">
+              <a:schemeClr val="accent1"/>
+            </a:lnRef>
+            <a:fillRef idx="0">
+              <a:schemeClr val="accent1"/>
+            </a:fillRef>
+            <a:effectRef idx="0">
+              <a:schemeClr val="accent1"/>
+            </a:effectRef>
+            <a:fontRef idx="minor">
+              <a:schemeClr val="tx1"/>
+            </a:fontRef>
+          </p:style>
+        </p:cxnSp>
+        <p:cxnSp>
+          <p:nvCxnSpPr>
+            <p:cNvPr id="103" name="Straight Connector 102"/>
+            <p:cNvCxnSpPr/>
+            <p:nvPr/>
+          </p:nvCxnSpPr>
+          <p:spPr>
+            <a:xfrm flipV="1">
+              <a:off x="2555440" y="5276483"/>
+              <a:ext cx="3328781" cy="228987"/>
+            </a:xfrm>
+            <a:prstGeom prst="line">
+              <a:avLst/>
+            </a:prstGeom>
+          </p:spPr>
+          <p:style>
+            <a:lnRef idx="1">
+              <a:schemeClr val="accent1"/>
+            </a:lnRef>
+            <a:fillRef idx="0">
+              <a:schemeClr val="accent1"/>
+            </a:fillRef>
+            <a:effectRef idx="0">
+              <a:schemeClr val="accent1"/>
+            </a:effectRef>
+            <a:fontRef idx="minor">
+              <a:schemeClr val="tx1"/>
+            </a:fontRef>
+          </p:style>
+        </p:cxnSp>
+        <p:cxnSp>
+          <p:nvCxnSpPr>
+            <p:cNvPr id="104" name="Straight Connector 103"/>
+            <p:cNvCxnSpPr/>
+            <p:nvPr/>
+          </p:nvCxnSpPr>
+          <p:spPr>
+            <a:xfrm flipV="1">
+              <a:off x="1707781" y="5428883"/>
+              <a:ext cx="4328840" cy="360602"/>
+            </a:xfrm>
+            <a:prstGeom prst="line">
+              <a:avLst/>
+            </a:prstGeom>
+          </p:spPr>
+          <p:style>
+            <a:lnRef idx="1">
+              <a:schemeClr val="accent1"/>
+            </a:lnRef>
+            <a:fillRef idx="0">
+              <a:schemeClr val="accent1"/>
+            </a:fillRef>
+            <a:effectRef idx="0">
+              <a:schemeClr val="accent1"/>
+            </a:effectRef>
+            <a:fontRef idx="minor">
+              <a:schemeClr val="tx1"/>
+            </a:fontRef>
+          </p:style>
+        </p:cxnSp>
+        <p:cxnSp>
+          <p:nvCxnSpPr>
+            <p:cNvPr id="105" name="Straight Connector 104"/>
+            <p:cNvCxnSpPr/>
+            <p:nvPr/>
+          </p:nvCxnSpPr>
+          <p:spPr>
+            <a:xfrm flipV="1">
+              <a:off x="2403040" y="5676458"/>
+              <a:ext cx="3453823" cy="265427"/>
+            </a:xfrm>
+            <a:prstGeom prst="line">
+              <a:avLst/>
+            </a:prstGeom>
+          </p:spPr>
+          <p:style>
+            <a:lnRef idx="1">
+              <a:schemeClr val="accent1"/>
+            </a:lnRef>
+            <a:fillRef idx="0">
+              <a:schemeClr val="accent1"/>
+            </a:fillRef>
+            <a:effectRef idx="0">
+              <a:schemeClr val="accent1"/>
+            </a:effectRef>
+            <a:fontRef idx="minor">
+              <a:schemeClr val="tx1"/>
+            </a:fontRef>
+          </p:style>
+        </p:cxnSp>
+      </p:grpSp>
+    </p:spTree>
+    <p:extLst>
+      <p:ext uri="{BB962C8B-B14F-4D97-AF65-F5344CB8AC3E}">
+        <p14:creationId xmlns:p14="http://schemas.microsoft.com/office/powerpoint/2010/main" val="282899919"/>
+      </p:ext>
+    </p:extLst>
+  </p:cSld>
+  <p:clrMapOvr>
+    <a:masterClrMapping/>
+  </p:clrMapOvr>
+</p:sld>
+</file>
+
+<file path=ppt/slides/slide9.xml><?xml version="1.0" encoding="utf-8"?>
+<p:sld xmlns:a="http://schemas.openxmlformats.org/drawingml/2006/main" xmlns:r="http://schemas.openxmlformats.org/officeDocument/2006/relationships" xmlns:p="http://schemas.openxmlformats.org/presentationml/2006/main">
+  <p:cSld>
+    <p:spTree>
+      <p:nvGrpSpPr>
+        <p:cNvPr id="1" name=""/>
+        <p:cNvGrpSpPr/>
+        <p:nvPr/>
+      </p:nvGrpSpPr>
+      <p:grpSpPr>
+        <a:xfrm>
+          <a:off x="0" y="0"/>
+          <a:ext cx="0" cy="0"/>
+          <a:chOff x="0" y="0"/>
+          <a:chExt cx="0" cy="0"/>
+        </a:xfrm>
+      </p:grpSpPr>
+      <p:grpSp>
+        <p:nvGrpSpPr>
+          <p:cNvPr id="27" name="Group 26"/>
+          <p:cNvGrpSpPr/>
+          <p:nvPr/>
+        </p:nvGrpSpPr>
+        <p:grpSpPr>
+          <a:xfrm>
+            <a:off x="152400" y="152400"/>
+            <a:ext cx="5470636" cy="3421381"/>
+            <a:chOff x="0" y="0"/>
+            <a:chExt cx="5470636" cy="3421381"/>
+          </a:xfrm>
+        </p:grpSpPr>
+        <p:sp>
+          <p:nvSpPr>
+            <p:cNvPr id="28" name="Rectangle 27"/>
+            <p:cNvSpPr/>
+            <p:nvPr/>
+          </p:nvSpPr>
+          <p:spPr>
+            <a:xfrm>
+              <a:off x="1" y="0"/>
+              <a:ext cx="5470635" cy="3421381"/>
+            </a:xfrm>
+            <a:prstGeom prst="rect">
+              <a:avLst/>
+            </a:prstGeom>
+            <a:ln>
+              <a:solidFill>
+                <a:schemeClr val="accent1"/>
+              </a:solidFill>
+            </a:ln>
+          </p:spPr>
+          <p:style>
+            <a:lnRef idx="2">
+              <a:schemeClr val="accent6"/>
+            </a:lnRef>
+            <a:fillRef idx="1">
+              <a:schemeClr val="lt1"/>
+            </a:fillRef>
+            <a:effectRef idx="0">
+              <a:schemeClr val="accent6"/>
+            </a:effectRef>
+            <a:fontRef idx="minor">
+              <a:schemeClr val="dk1"/>
+            </a:fontRef>
+          </p:style>
+          <p:txBody>
+            <a:bodyPr rtlCol="0" anchor="t"/>
+            <a:lstStyle/>
+            <a:p>
+              <a:pPr algn="ctr"/>
+              <a:r>
+                <a:rPr lang="en-US" dirty="0" smtClean="0"/>
+                <a:t>Match</a:t>
+              </a:r>
+              <a:endParaRPr lang="en-US" dirty="0"/>
+            </a:p>
+          </p:txBody>
+        </p:sp>
+        <p:sp>
+          <p:nvSpPr>
+            <p:cNvPr id="29" name="Oval 28"/>
+            <p:cNvSpPr/>
+            <p:nvPr/>
+          </p:nvSpPr>
+          <p:spPr>
+            <a:xfrm>
+              <a:off x="221966" y="2658697"/>
+              <a:ext cx="652175" cy="612470"/>
+            </a:xfrm>
+            <a:prstGeom prst="ellipse">
+              <a:avLst/>
+            </a:prstGeom>
+          </p:spPr>
+          <p:style>
+            <a:lnRef idx="3">
+              <a:schemeClr val="lt1"/>
+            </a:lnRef>
+            <a:fillRef idx="1">
+              <a:schemeClr val="accent5"/>
+            </a:fillRef>
+            <a:effectRef idx="1">
+              <a:schemeClr val="accent5"/>
+            </a:effectRef>
+            <a:fontRef idx="minor">
+              <a:schemeClr val="lt1"/>
+            </a:fontRef>
+          </p:style>
+          <p:txBody>
+            <a:bodyPr rtlCol="0" anchor="ctr"/>
+            <a:lstStyle/>
+            <a:p>
+              <a:pPr algn="ctr"/>
+              <a:endParaRPr lang="en-US" dirty="0"/>
+            </a:p>
+          </p:txBody>
+        </p:sp>
+        <p:sp>
+          <p:nvSpPr>
+            <p:cNvPr id="30" name="Content Placeholder 2"/>
+            <p:cNvSpPr txBox="1">
+              <a:spLocks/>
+            </p:cNvSpPr>
+            <p:nvPr/>
+          </p:nvSpPr>
+          <p:spPr>
+            <a:xfrm>
+              <a:off x="1977962" y="158632"/>
+              <a:ext cx="1514712" cy="699906"/>
+            </a:xfrm>
+            <a:prstGeom prst="rect">
+              <a:avLst/>
+            </a:prstGeom>
+          </p:spPr>
+          <p:txBody>
+            <a:bodyPr vert="horz" lIns="91440" tIns="45720" rIns="91440" bIns="45720" rtlCol="0" anchor="ctr">
+              <a:normAutofit/>
+            </a:bodyPr>
+            <a:lstStyle>
+              <a:lvl1pPr marL="228600" indent="-228600" algn="l" defTabSz="914400" rtl="0" eaLnBrk="1" latinLnBrk="0" hangingPunct="1">
+                <a:lnSpc>
+                  <a:spcPct val="90000"/>
+                </a:lnSpc>
+                <a:spcBef>
+                  <a:spcPts val="1000"/>
+                </a:spcBef>
+                <a:buFont typeface="Arial" panose="020B0604020202020204" pitchFamily="34" charset="0"/>
+                <a:buChar char="•"/>
+                <a:defRPr sz="2800" kern="1200">
+                  <a:solidFill>
+                    <a:schemeClr val="tx1"/>
+                  </a:solidFill>
+                  <a:latin typeface="+mn-lt"/>
+                  <a:ea typeface="+mn-ea"/>
+                  <a:cs typeface="+mn-cs"/>
+                </a:defRPr>
+              </a:lvl1pPr>
+              <a:lvl2pPr marL="685800" indent="-228600" algn="l" defTabSz="914400" rtl="0" eaLnBrk="1" latinLnBrk="0" hangingPunct="1">
+                <a:lnSpc>
+                  <a:spcPct val="90000"/>
+                </a:lnSpc>
+                <a:spcBef>
+                  <a:spcPts val="500"/>
+                </a:spcBef>
+                <a:buFont typeface="Arial" panose="020B0604020202020204" pitchFamily="34" charset="0"/>
+                <a:buChar char="•"/>
+                <a:defRPr sz="2400" kern="1200">
+                  <a:solidFill>
+                    <a:schemeClr val="tx1"/>
+                  </a:solidFill>
+                  <a:latin typeface="+mn-lt"/>
+                  <a:ea typeface="+mn-ea"/>
+                  <a:cs typeface="+mn-cs"/>
+                </a:defRPr>
+              </a:lvl2pPr>
+              <a:lvl3pPr marL="1143000" indent="-228600" algn="l" defTabSz="914400" rtl="0" eaLnBrk="1" latinLnBrk="0" hangingPunct="1">
+                <a:lnSpc>
+                  <a:spcPct val="90000"/>
+                </a:lnSpc>
+                <a:spcBef>
+                  <a:spcPts val="500"/>
+                </a:spcBef>
+                <a:buFont typeface="Arial" panose="020B0604020202020204" pitchFamily="34" charset="0"/>
+                <a:buChar char="•"/>
+                <a:defRPr sz="2000" kern="1200">
+                  <a:solidFill>
+                    <a:schemeClr val="tx1"/>
+                  </a:solidFill>
+                  <a:latin typeface="+mn-lt"/>
+                  <a:ea typeface="+mn-ea"/>
+                  <a:cs typeface="+mn-cs"/>
+                </a:defRPr>
+              </a:lvl3pPr>
+              <a:lvl4pPr marL="1600200" indent="-228600" algn="l" defTabSz="914400" rtl="0" eaLnBrk="1" latinLnBrk="0" hangingPunct="1">
+                <a:lnSpc>
+                  <a:spcPct val="90000"/>
+                </a:lnSpc>
+                <a:spcBef>
+                  <a:spcPts val="500"/>
+                </a:spcBef>
+                <a:buFont typeface="Arial" panose="020B0604020202020204" pitchFamily="34" charset="0"/>
+                <a:buChar char="•"/>
+                <a:defRPr sz="1800" kern="1200">
+                  <a:solidFill>
+                    <a:schemeClr val="tx1"/>
+                  </a:solidFill>
+                  <a:latin typeface="+mn-lt"/>
+                  <a:ea typeface="+mn-ea"/>
+                  <a:cs typeface="+mn-cs"/>
+                </a:defRPr>
+              </a:lvl4pPr>
+              <a:lvl5pPr marL="2057400" indent="-228600" algn="l" defTabSz="914400" rtl="0" eaLnBrk="1" latinLnBrk="0" hangingPunct="1">
+                <a:lnSpc>
+                  <a:spcPct val="90000"/>
+                </a:lnSpc>
+                <a:spcBef>
+                  <a:spcPts val="500"/>
+                </a:spcBef>
+                <a:buFont typeface="Arial" panose="020B0604020202020204" pitchFamily="34" charset="0"/>
+                <a:buChar char="•"/>
+                <a:defRPr sz="1800" kern="1200">
+                  <a:solidFill>
+                    <a:schemeClr val="tx1"/>
+                  </a:solidFill>
+                  <a:latin typeface="+mn-lt"/>
+                  <a:ea typeface="+mn-ea"/>
+                  <a:cs typeface="+mn-cs"/>
+                </a:defRPr>
+              </a:lvl5pPr>
+              <a:lvl6pPr marL="2514600" indent="-228600" algn="l" defTabSz="914400" rtl="0" eaLnBrk="1" latinLnBrk="0" hangingPunct="1">
+                <a:lnSpc>
+                  <a:spcPct val="90000"/>
+                </a:lnSpc>
+                <a:spcBef>
+                  <a:spcPts val="500"/>
+                </a:spcBef>
+                <a:buFont typeface="Arial" panose="020B0604020202020204" pitchFamily="34" charset="0"/>
+                <a:buChar char="•"/>
+                <a:defRPr sz="1800" kern="1200">
+                  <a:solidFill>
+                    <a:schemeClr val="tx1"/>
+                  </a:solidFill>
+                  <a:latin typeface="+mn-lt"/>
+                  <a:ea typeface="+mn-ea"/>
+                  <a:cs typeface="+mn-cs"/>
+                </a:defRPr>
+              </a:lvl6pPr>
+              <a:lvl7pPr marL="2971800" indent="-228600" algn="l" defTabSz="914400" rtl="0" eaLnBrk="1" latinLnBrk="0" hangingPunct="1">
+                <a:lnSpc>
+                  <a:spcPct val="90000"/>
+                </a:lnSpc>
+                <a:spcBef>
+                  <a:spcPts val="500"/>
+                </a:spcBef>
+                <a:buFont typeface="Arial" panose="020B0604020202020204" pitchFamily="34" charset="0"/>
+                <a:buChar char="•"/>
+                <a:defRPr sz="1800" kern="1200">
+                  <a:solidFill>
+                    <a:schemeClr val="tx1"/>
+                  </a:solidFill>
+                  <a:latin typeface="+mn-lt"/>
+                  <a:ea typeface="+mn-ea"/>
+                  <a:cs typeface="+mn-cs"/>
+                </a:defRPr>
+              </a:lvl7pPr>
+              <a:lvl8pPr marL="3429000" indent="-228600" algn="l" defTabSz="914400" rtl="0" eaLnBrk="1" latinLnBrk="0" hangingPunct="1">
+                <a:lnSpc>
+                  <a:spcPct val="90000"/>
+                </a:lnSpc>
+                <a:spcBef>
+                  <a:spcPts val="500"/>
+                </a:spcBef>
+                <a:buFont typeface="Arial" panose="020B0604020202020204" pitchFamily="34" charset="0"/>
+                <a:buChar char="•"/>
+                <a:defRPr sz="1800" kern="1200">
+                  <a:solidFill>
+                    <a:schemeClr val="tx1"/>
+                  </a:solidFill>
+                  <a:latin typeface="+mn-lt"/>
+                  <a:ea typeface="+mn-ea"/>
+                  <a:cs typeface="+mn-cs"/>
+                </a:defRPr>
+              </a:lvl8pPr>
+              <a:lvl9pPr marL="3886200" indent="-228600" algn="l" defTabSz="914400" rtl="0" eaLnBrk="1" latinLnBrk="0" hangingPunct="1">
+                <a:lnSpc>
+                  <a:spcPct val="90000"/>
+                </a:lnSpc>
+                <a:spcBef>
+                  <a:spcPts val="500"/>
+                </a:spcBef>
+                <a:buFont typeface="Arial" panose="020B0604020202020204" pitchFamily="34" charset="0"/>
+                <a:buChar char="•"/>
+                <a:defRPr sz="1800" kern="1200">
+                  <a:solidFill>
+                    <a:schemeClr val="tx1"/>
+                  </a:solidFill>
+                  <a:latin typeface="+mn-lt"/>
+                  <a:ea typeface="+mn-ea"/>
+                  <a:cs typeface="+mn-cs"/>
+                </a:defRPr>
+              </a:lvl9pPr>
+            </a:lstStyle>
+            <a:p>
+              <a:pPr marL="0" indent="0" algn="ctr">
+                <a:buFont typeface="Arial" panose="020B0604020202020204" pitchFamily="34" charset="0"/>
+                <a:buNone/>
+              </a:pPr>
+              <a:r>
+                <a:rPr lang="en-US" sz="2400" dirty="0" smtClean="0"/>
+                <a:t>Timer</a:t>
+              </a:r>
+              <a:endParaRPr lang="en-US" sz="2400" dirty="0"/>
+            </a:p>
+          </p:txBody>
+        </p:sp>
+        <p:sp>
+          <p:nvSpPr>
+            <p:cNvPr id="31" name="Oval 30"/>
+            <p:cNvSpPr/>
+            <p:nvPr/>
+          </p:nvSpPr>
+          <p:spPr>
+            <a:xfrm>
+              <a:off x="874141" y="2658697"/>
+              <a:ext cx="652175" cy="612470"/>
+            </a:xfrm>
+            <a:prstGeom prst="ellipse">
+              <a:avLst/>
+            </a:prstGeom>
+          </p:spPr>
+          <p:style>
+            <a:lnRef idx="3">
+              <a:schemeClr val="lt1"/>
+            </a:lnRef>
+            <a:fillRef idx="1">
+              <a:schemeClr val="accent5"/>
+            </a:fillRef>
+            <a:effectRef idx="1">
+              <a:schemeClr val="accent5"/>
+            </a:effectRef>
+            <a:fontRef idx="minor">
+              <a:schemeClr val="lt1"/>
+            </a:fontRef>
+          </p:style>
+          <p:txBody>
+            <a:bodyPr rtlCol="0" anchor="ctr"/>
+            <a:lstStyle/>
+            <a:p>
+              <a:pPr algn="ctr"/>
+              <a:endParaRPr lang="en-US" dirty="0"/>
+            </a:p>
+          </p:txBody>
+        </p:sp>
+        <p:sp>
+          <p:nvSpPr>
+            <p:cNvPr id="32" name="Oval 31"/>
+            <p:cNvSpPr/>
+            <p:nvPr/>
+          </p:nvSpPr>
+          <p:spPr>
+            <a:xfrm>
+              <a:off x="3933290" y="2658697"/>
+              <a:ext cx="652175" cy="612470"/>
+            </a:xfrm>
+            <a:prstGeom prst="ellipse">
+              <a:avLst/>
+            </a:prstGeom>
+          </p:spPr>
+          <p:style>
+            <a:lnRef idx="3">
+              <a:schemeClr val="lt1"/>
+            </a:lnRef>
+            <a:fillRef idx="1">
+              <a:schemeClr val="accent5"/>
+            </a:fillRef>
+            <a:effectRef idx="1">
+              <a:schemeClr val="accent5"/>
+            </a:effectRef>
+            <a:fontRef idx="minor">
+              <a:schemeClr val="lt1"/>
+            </a:fontRef>
+          </p:style>
+          <p:txBody>
+            <a:bodyPr rtlCol="0" anchor="ctr"/>
+            <a:lstStyle/>
+            <a:p>
+              <a:pPr algn="ctr"/>
+              <a:endParaRPr lang="en-US" dirty="0"/>
+            </a:p>
+          </p:txBody>
+        </p:sp>
+        <p:sp>
+          <p:nvSpPr>
+            <p:cNvPr id="33" name="Oval 32"/>
+            <p:cNvSpPr/>
+            <p:nvPr/>
+          </p:nvSpPr>
+          <p:spPr>
+            <a:xfrm>
+              <a:off x="4585465" y="2658697"/>
+              <a:ext cx="652175" cy="612470"/>
+            </a:xfrm>
+            <a:prstGeom prst="ellipse">
+              <a:avLst/>
+            </a:prstGeom>
+          </p:spPr>
+          <p:style>
+            <a:lnRef idx="3">
+              <a:schemeClr val="lt1"/>
+            </a:lnRef>
+            <a:fillRef idx="1">
+              <a:schemeClr val="accent5"/>
+            </a:fillRef>
+            <a:effectRef idx="1">
+              <a:schemeClr val="accent5"/>
+            </a:effectRef>
+            <a:fontRef idx="minor">
+              <a:schemeClr val="lt1"/>
+            </a:fontRef>
+          </p:style>
+          <p:txBody>
+            <a:bodyPr rtlCol="0" anchor="ctr"/>
+            <a:lstStyle/>
+            <a:p>
+              <a:pPr algn="ctr"/>
+              <a:endParaRPr lang="en-US" dirty="0"/>
+            </a:p>
+          </p:txBody>
+        </p:sp>
+        <p:sp>
+          <p:nvSpPr>
+            <p:cNvPr id="34" name="Content Placeholder 2"/>
+            <p:cNvSpPr txBox="1">
+              <a:spLocks/>
+            </p:cNvSpPr>
+            <p:nvPr/>
+          </p:nvSpPr>
+          <p:spPr>
+            <a:xfrm>
+              <a:off x="0" y="158632"/>
+              <a:ext cx="874141" cy="699906"/>
+            </a:xfrm>
+            <a:prstGeom prst="rect">
+              <a:avLst/>
+            </a:prstGeom>
+          </p:spPr>
+          <p:txBody>
+            <a:bodyPr vert="horz" lIns="91440" tIns="45720" rIns="91440" bIns="45720" rtlCol="0" anchor="ctr">
+              <a:normAutofit/>
+            </a:bodyPr>
+            <a:lstStyle>
+              <a:lvl1pPr marL="228600" indent="-228600" algn="l" defTabSz="914400" rtl="0" eaLnBrk="1" latinLnBrk="0" hangingPunct="1">
+                <a:lnSpc>
+                  <a:spcPct val="90000"/>
+                </a:lnSpc>
+                <a:spcBef>
+                  <a:spcPts val="1000"/>
+                </a:spcBef>
+                <a:buFont typeface="Arial" panose="020B0604020202020204" pitchFamily="34" charset="0"/>
+                <a:buChar char="•"/>
+                <a:defRPr sz="2800" kern="1200">
+                  <a:solidFill>
+                    <a:schemeClr val="tx1"/>
+                  </a:solidFill>
+                  <a:latin typeface="+mn-lt"/>
+                  <a:ea typeface="+mn-ea"/>
+                  <a:cs typeface="+mn-cs"/>
+                </a:defRPr>
+              </a:lvl1pPr>
+              <a:lvl2pPr marL="685800" indent="-228600" algn="l" defTabSz="914400" rtl="0" eaLnBrk="1" latinLnBrk="0" hangingPunct="1">
+                <a:lnSpc>
+                  <a:spcPct val="90000"/>
+                </a:lnSpc>
+                <a:spcBef>
+                  <a:spcPts val="500"/>
+                </a:spcBef>
+                <a:buFont typeface="Arial" panose="020B0604020202020204" pitchFamily="34" charset="0"/>
+                <a:buChar char="•"/>
+                <a:defRPr sz="2400" kern="1200">
+                  <a:solidFill>
+                    <a:schemeClr val="tx1"/>
+                  </a:solidFill>
+                  <a:latin typeface="+mn-lt"/>
+                  <a:ea typeface="+mn-ea"/>
+                  <a:cs typeface="+mn-cs"/>
+                </a:defRPr>
+              </a:lvl2pPr>
+              <a:lvl3pPr marL="1143000" indent="-228600" algn="l" defTabSz="914400" rtl="0" eaLnBrk="1" latinLnBrk="0" hangingPunct="1">
+                <a:lnSpc>
+                  <a:spcPct val="90000"/>
+                </a:lnSpc>
+                <a:spcBef>
+                  <a:spcPts val="500"/>
+                </a:spcBef>
+                <a:buFont typeface="Arial" panose="020B0604020202020204" pitchFamily="34" charset="0"/>
+                <a:buChar char="•"/>
+                <a:defRPr sz="2000" kern="1200">
+                  <a:solidFill>
+                    <a:schemeClr val="tx1"/>
+                  </a:solidFill>
+                  <a:latin typeface="+mn-lt"/>
+                  <a:ea typeface="+mn-ea"/>
+                  <a:cs typeface="+mn-cs"/>
+                </a:defRPr>
+              </a:lvl3pPr>
+              <a:lvl4pPr marL="1600200" indent="-228600" algn="l" defTabSz="914400" rtl="0" eaLnBrk="1" latinLnBrk="0" hangingPunct="1">
+                <a:lnSpc>
+                  <a:spcPct val="90000"/>
+                </a:lnSpc>
+                <a:spcBef>
+                  <a:spcPts val="500"/>
+                </a:spcBef>
+                <a:buFont typeface="Arial" panose="020B0604020202020204" pitchFamily="34" charset="0"/>
+                <a:buChar char="•"/>
+                <a:defRPr sz="1800" kern="1200">
+                  <a:solidFill>
+                    <a:schemeClr val="tx1"/>
+                  </a:solidFill>
+                  <a:latin typeface="+mn-lt"/>
+                  <a:ea typeface="+mn-ea"/>
+                  <a:cs typeface="+mn-cs"/>
+                </a:defRPr>
+              </a:lvl4pPr>
+              <a:lvl5pPr marL="2057400" indent="-228600" algn="l" defTabSz="914400" rtl="0" eaLnBrk="1" latinLnBrk="0" hangingPunct="1">
+                <a:lnSpc>
+                  <a:spcPct val="90000"/>
+                </a:lnSpc>
+                <a:spcBef>
+                  <a:spcPts val="500"/>
+                </a:spcBef>
+                <a:buFont typeface="Arial" panose="020B0604020202020204" pitchFamily="34" charset="0"/>
+                <a:buChar char="•"/>
+                <a:defRPr sz="1800" kern="1200">
+                  <a:solidFill>
+                    <a:schemeClr val="tx1"/>
+                  </a:solidFill>
+                  <a:latin typeface="+mn-lt"/>
+                  <a:ea typeface="+mn-ea"/>
+                  <a:cs typeface="+mn-cs"/>
+                </a:defRPr>
+              </a:lvl5pPr>
+              <a:lvl6pPr marL="2514600" indent="-228600" algn="l" defTabSz="914400" rtl="0" eaLnBrk="1" latinLnBrk="0" hangingPunct="1">
+                <a:lnSpc>
+                  <a:spcPct val="90000"/>
+                </a:lnSpc>
+                <a:spcBef>
+                  <a:spcPts val="500"/>
+                </a:spcBef>
+                <a:buFont typeface="Arial" panose="020B0604020202020204" pitchFamily="34" charset="0"/>
+                <a:buChar char="•"/>
+                <a:defRPr sz="1800" kern="1200">
+                  <a:solidFill>
+                    <a:schemeClr val="tx1"/>
+                  </a:solidFill>
+                  <a:latin typeface="+mn-lt"/>
+                  <a:ea typeface="+mn-ea"/>
+                  <a:cs typeface="+mn-cs"/>
+                </a:defRPr>
+              </a:lvl6pPr>
+              <a:lvl7pPr marL="2971800" indent="-228600" algn="l" defTabSz="914400" rtl="0" eaLnBrk="1" latinLnBrk="0" hangingPunct="1">
+                <a:lnSpc>
+                  <a:spcPct val="90000"/>
+                </a:lnSpc>
+                <a:spcBef>
+                  <a:spcPts val="500"/>
+                </a:spcBef>
+                <a:buFont typeface="Arial" panose="020B0604020202020204" pitchFamily="34" charset="0"/>
+                <a:buChar char="•"/>
+                <a:defRPr sz="1800" kern="1200">
+                  <a:solidFill>
+                    <a:schemeClr val="tx1"/>
+                  </a:solidFill>
+                  <a:latin typeface="+mn-lt"/>
+                  <a:ea typeface="+mn-ea"/>
+                  <a:cs typeface="+mn-cs"/>
+                </a:defRPr>
+              </a:lvl7pPr>
+              <a:lvl8pPr marL="3429000" indent="-228600" algn="l" defTabSz="914400" rtl="0" eaLnBrk="1" latinLnBrk="0" hangingPunct="1">
+                <a:lnSpc>
+                  <a:spcPct val="90000"/>
+                </a:lnSpc>
+                <a:spcBef>
+                  <a:spcPts val="500"/>
+                </a:spcBef>
+                <a:buFont typeface="Arial" panose="020B0604020202020204" pitchFamily="34" charset="0"/>
+                <a:buChar char="•"/>
+                <a:defRPr sz="1800" kern="1200">
+                  <a:solidFill>
+                    <a:schemeClr val="tx1"/>
+                  </a:solidFill>
+                  <a:latin typeface="+mn-lt"/>
+                  <a:ea typeface="+mn-ea"/>
+                  <a:cs typeface="+mn-cs"/>
+                </a:defRPr>
+              </a:lvl8pPr>
+              <a:lvl9pPr marL="3886200" indent="-228600" algn="l" defTabSz="914400" rtl="0" eaLnBrk="1" latinLnBrk="0" hangingPunct="1">
+                <a:lnSpc>
+                  <a:spcPct val="90000"/>
+                </a:lnSpc>
+                <a:spcBef>
+                  <a:spcPts val="500"/>
+                </a:spcBef>
+                <a:buFont typeface="Arial" panose="020B0604020202020204" pitchFamily="34" charset="0"/>
+                <a:buChar char="•"/>
+                <a:defRPr sz="1800" kern="1200">
+                  <a:solidFill>
+                    <a:schemeClr val="tx1"/>
+                  </a:solidFill>
+                  <a:latin typeface="+mn-lt"/>
+                  <a:ea typeface="+mn-ea"/>
+                  <a:cs typeface="+mn-cs"/>
+                </a:defRPr>
+              </a:lvl9pPr>
+            </a:lstStyle>
+            <a:p>
+              <a:pPr marL="0" indent="0" algn="ctr">
+                <a:buFont typeface="Arial" panose="020B0604020202020204" pitchFamily="34" charset="0"/>
+                <a:buNone/>
+              </a:pPr>
+              <a:r>
+                <a:rPr lang="en-US" sz="2400" dirty="0" smtClean="0"/>
+                <a:t>Score</a:t>
+              </a:r>
+              <a:endParaRPr lang="en-US" sz="2400" dirty="0"/>
+            </a:p>
+          </p:txBody>
+        </p:sp>
+        <p:sp>
+          <p:nvSpPr>
+            <p:cNvPr id="35" name="Content Placeholder 2"/>
+            <p:cNvSpPr txBox="1">
+              <a:spLocks/>
+            </p:cNvSpPr>
+            <p:nvPr/>
+          </p:nvSpPr>
+          <p:spPr>
+            <a:xfrm>
+              <a:off x="4596495" y="158632"/>
+              <a:ext cx="874141" cy="699906"/>
+            </a:xfrm>
+            <a:prstGeom prst="rect">
+              <a:avLst/>
+            </a:prstGeom>
+          </p:spPr>
+          <p:txBody>
+            <a:bodyPr vert="horz" lIns="91440" tIns="45720" rIns="91440" bIns="45720" rtlCol="0" anchor="ctr">
+              <a:normAutofit/>
+            </a:bodyPr>
+            <a:lstStyle>
+              <a:lvl1pPr marL="228600" indent="-228600" algn="l" defTabSz="914400" rtl="0" eaLnBrk="1" latinLnBrk="0" hangingPunct="1">
+                <a:lnSpc>
+                  <a:spcPct val="90000"/>
+                </a:lnSpc>
+                <a:spcBef>
+                  <a:spcPts val="1000"/>
+                </a:spcBef>
+                <a:buFont typeface="Arial" panose="020B0604020202020204" pitchFamily="34" charset="0"/>
+                <a:buChar char="•"/>
+                <a:defRPr sz="2800" kern="1200">
+                  <a:solidFill>
+                    <a:schemeClr val="tx1"/>
+                  </a:solidFill>
+                  <a:latin typeface="+mn-lt"/>
+                  <a:ea typeface="+mn-ea"/>
+                  <a:cs typeface="+mn-cs"/>
+                </a:defRPr>
+              </a:lvl1pPr>
+              <a:lvl2pPr marL="685800" indent="-228600" algn="l" defTabSz="914400" rtl="0" eaLnBrk="1" latinLnBrk="0" hangingPunct="1">
+                <a:lnSpc>
+                  <a:spcPct val="90000"/>
+                </a:lnSpc>
+                <a:spcBef>
+                  <a:spcPts val="500"/>
+                </a:spcBef>
+                <a:buFont typeface="Arial" panose="020B0604020202020204" pitchFamily="34" charset="0"/>
+                <a:buChar char="•"/>
+                <a:defRPr sz="2400" kern="1200">
+                  <a:solidFill>
+                    <a:schemeClr val="tx1"/>
+                  </a:solidFill>
+                  <a:latin typeface="+mn-lt"/>
+                  <a:ea typeface="+mn-ea"/>
+                  <a:cs typeface="+mn-cs"/>
+                </a:defRPr>
+              </a:lvl2pPr>
+              <a:lvl3pPr marL="1143000" indent="-228600" algn="l" defTabSz="914400" rtl="0" eaLnBrk="1" latinLnBrk="0" hangingPunct="1">
+                <a:lnSpc>
+                  <a:spcPct val="90000"/>
+                </a:lnSpc>
+                <a:spcBef>
+                  <a:spcPts val="500"/>
+                </a:spcBef>
+                <a:buFont typeface="Arial" panose="020B0604020202020204" pitchFamily="34" charset="0"/>
+                <a:buChar char="•"/>
+                <a:defRPr sz="2000" kern="1200">
+                  <a:solidFill>
+                    <a:schemeClr val="tx1"/>
+                  </a:solidFill>
+                  <a:latin typeface="+mn-lt"/>
+                  <a:ea typeface="+mn-ea"/>
+                  <a:cs typeface="+mn-cs"/>
+                </a:defRPr>
+              </a:lvl3pPr>
+              <a:lvl4pPr marL="1600200" indent="-228600" algn="l" defTabSz="914400" rtl="0" eaLnBrk="1" latinLnBrk="0" hangingPunct="1">
+                <a:lnSpc>
+                  <a:spcPct val="90000"/>
+                </a:lnSpc>
+                <a:spcBef>
+                  <a:spcPts val="500"/>
+                </a:spcBef>
+                <a:buFont typeface="Arial" panose="020B0604020202020204" pitchFamily="34" charset="0"/>
+                <a:buChar char="•"/>
+                <a:defRPr sz="1800" kern="1200">
+                  <a:solidFill>
+                    <a:schemeClr val="tx1"/>
+                  </a:solidFill>
+                  <a:latin typeface="+mn-lt"/>
+                  <a:ea typeface="+mn-ea"/>
+                  <a:cs typeface="+mn-cs"/>
+                </a:defRPr>
+              </a:lvl4pPr>
+              <a:lvl5pPr marL="2057400" indent="-228600" algn="l" defTabSz="914400" rtl="0" eaLnBrk="1" latinLnBrk="0" hangingPunct="1">
+                <a:lnSpc>
+                  <a:spcPct val="90000"/>
+                </a:lnSpc>
+                <a:spcBef>
+                  <a:spcPts val="500"/>
+                </a:spcBef>
+                <a:buFont typeface="Arial" panose="020B0604020202020204" pitchFamily="34" charset="0"/>
+                <a:buChar char="•"/>
+                <a:defRPr sz="1800" kern="1200">
+                  <a:solidFill>
+                    <a:schemeClr val="tx1"/>
+                  </a:solidFill>
+                  <a:latin typeface="+mn-lt"/>
+                  <a:ea typeface="+mn-ea"/>
+                  <a:cs typeface="+mn-cs"/>
+                </a:defRPr>
+              </a:lvl5pPr>
+              <a:lvl6pPr marL="2514600" indent="-228600" algn="l" defTabSz="914400" rtl="0" eaLnBrk="1" latinLnBrk="0" hangingPunct="1">
+                <a:lnSpc>
+                  <a:spcPct val="90000"/>
+                </a:lnSpc>
+                <a:spcBef>
+                  <a:spcPts val="500"/>
+                </a:spcBef>
+                <a:buFont typeface="Arial" panose="020B0604020202020204" pitchFamily="34" charset="0"/>
+                <a:buChar char="•"/>
+                <a:defRPr sz="1800" kern="1200">
+                  <a:solidFill>
+                    <a:schemeClr val="tx1"/>
+                  </a:solidFill>
+                  <a:latin typeface="+mn-lt"/>
+                  <a:ea typeface="+mn-ea"/>
+                  <a:cs typeface="+mn-cs"/>
+                </a:defRPr>
+              </a:lvl6pPr>
+              <a:lvl7pPr marL="2971800" indent="-228600" algn="l" defTabSz="914400" rtl="0" eaLnBrk="1" latinLnBrk="0" hangingPunct="1">
+                <a:lnSpc>
+                  <a:spcPct val="90000"/>
+                </a:lnSpc>
+                <a:spcBef>
+                  <a:spcPts val="500"/>
+                </a:spcBef>
+                <a:buFont typeface="Arial" panose="020B0604020202020204" pitchFamily="34" charset="0"/>
+                <a:buChar char="•"/>
+                <a:defRPr sz="1800" kern="1200">
+                  <a:solidFill>
+                    <a:schemeClr val="tx1"/>
+                  </a:solidFill>
+                  <a:latin typeface="+mn-lt"/>
+                  <a:ea typeface="+mn-ea"/>
+                  <a:cs typeface="+mn-cs"/>
+                </a:defRPr>
+              </a:lvl7pPr>
+              <a:lvl8pPr marL="3429000" indent="-228600" algn="l" defTabSz="914400" rtl="0" eaLnBrk="1" latinLnBrk="0" hangingPunct="1">
+                <a:lnSpc>
+                  <a:spcPct val="90000"/>
+                </a:lnSpc>
+                <a:spcBef>
+                  <a:spcPts val="500"/>
+                </a:spcBef>
+                <a:buFont typeface="Arial" panose="020B0604020202020204" pitchFamily="34" charset="0"/>
+                <a:buChar char="•"/>
+                <a:defRPr sz="1800" kern="1200">
+                  <a:solidFill>
+                    <a:schemeClr val="tx1"/>
+                  </a:solidFill>
+                  <a:latin typeface="+mn-lt"/>
+                  <a:ea typeface="+mn-ea"/>
+                  <a:cs typeface="+mn-cs"/>
+                </a:defRPr>
+              </a:lvl8pPr>
+              <a:lvl9pPr marL="3886200" indent="-228600" algn="l" defTabSz="914400" rtl="0" eaLnBrk="1" latinLnBrk="0" hangingPunct="1">
+                <a:lnSpc>
+                  <a:spcPct val="90000"/>
+                </a:lnSpc>
+                <a:spcBef>
+                  <a:spcPts val="500"/>
+                </a:spcBef>
+                <a:buFont typeface="Arial" panose="020B0604020202020204" pitchFamily="34" charset="0"/>
+                <a:buChar char="•"/>
+                <a:defRPr sz="1800" kern="1200">
+                  <a:solidFill>
+                    <a:schemeClr val="tx1"/>
+                  </a:solidFill>
+                  <a:latin typeface="+mn-lt"/>
+                  <a:ea typeface="+mn-ea"/>
+                  <a:cs typeface="+mn-cs"/>
+                </a:defRPr>
+              </a:lvl9pPr>
+            </a:lstStyle>
+            <a:p>
+              <a:pPr marL="0" indent="0" algn="ctr">
+                <a:buFont typeface="Arial" panose="020B0604020202020204" pitchFamily="34" charset="0"/>
+                <a:buNone/>
+              </a:pPr>
+              <a:r>
+                <a:rPr lang="en-US" sz="2400" dirty="0" smtClean="0"/>
+                <a:t>Score</a:t>
+              </a:r>
+              <a:endParaRPr lang="en-US" sz="2400" dirty="0"/>
+            </a:p>
+          </p:txBody>
+        </p:sp>
+      </p:grpSp>
+      <p:grpSp>
+        <p:nvGrpSpPr>
+          <p:cNvPr id="46" name="Group 45"/>
+          <p:cNvGrpSpPr/>
+          <p:nvPr/>
+        </p:nvGrpSpPr>
+        <p:grpSpPr>
+          <a:xfrm>
+            <a:off x="5634263" y="153314"/>
+            <a:ext cx="5481864" cy="3445749"/>
+            <a:chOff x="5634263" y="153314"/>
+            <a:chExt cx="5481864" cy="3445749"/>
+          </a:xfrm>
+        </p:grpSpPr>
+        <p:grpSp>
+          <p:nvGrpSpPr>
+            <p:cNvPr id="26" name="Group 25"/>
+            <p:cNvGrpSpPr/>
+            <p:nvPr/>
+          </p:nvGrpSpPr>
+          <p:grpSpPr>
+            <a:xfrm>
+              <a:off x="5634263" y="177682"/>
+              <a:ext cx="5470636" cy="3421381"/>
+              <a:chOff x="0" y="0"/>
+              <a:chExt cx="5470636" cy="3421381"/>
+            </a:xfrm>
+          </p:grpSpPr>
+          <p:sp>
+            <p:nvSpPr>
+              <p:cNvPr id="5" name="Rectangle 4"/>
+              <p:cNvSpPr/>
+              <p:nvPr/>
+            </p:nvSpPr>
+            <p:spPr>
+              <a:xfrm>
+                <a:off x="1" y="0"/>
+                <a:ext cx="5470635" cy="3421381"/>
+              </a:xfrm>
+              <a:prstGeom prst="rect">
+                <a:avLst/>
+              </a:prstGeom>
+              <a:ln>
+                <a:solidFill>
+                  <a:schemeClr val="accent1"/>
+                </a:solidFill>
+              </a:ln>
+            </p:spPr>
+            <p:style>
+              <a:lnRef idx="2">
+                <a:schemeClr val="accent6"/>
+              </a:lnRef>
+              <a:fillRef idx="1">
+                <a:schemeClr val="lt1"/>
+              </a:fillRef>
+              <a:effectRef idx="0">
+                <a:schemeClr val="accent6"/>
+              </a:effectRef>
+              <a:fontRef idx="minor">
+                <a:schemeClr val="dk1"/>
+              </a:fontRef>
+            </p:style>
+            <p:txBody>
+              <a:bodyPr rtlCol="0" anchor="t"/>
+              <a:lstStyle/>
+              <a:p>
+                <a:pPr algn="ctr"/>
+                <a:r>
+                  <a:rPr lang="en-US" dirty="0" smtClean="0"/>
+                  <a:t>Pause</a:t>
+                </a:r>
+                <a:endParaRPr lang="en-US" dirty="0"/>
+              </a:p>
+            </p:txBody>
+          </p:sp>
+          <p:sp>
+            <p:nvSpPr>
+              <p:cNvPr id="18" name="Oval 17"/>
+              <p:cNvSpPr/>
+              <p:nvPr/>
+            </p:nvSpPr>
+            <p:spPr>
+              <a:xfrm>
+                <a:off x="221966" y="2658697"/>
+                <a:ext cx="652175" cy="612470"/>
+              </a:xfrm>
+              <a:prstGeom prst="ellipse">
+                <a:avLst/>
+              </a:prstGeom>
+            </p:spPr>
+            <p:style>
+              <a:lnRef idx="3">
+                <a:schemeClr val="lt1"/>
+              </a:lnRef>
+              <a:fillRef idx="1">
+                <a:schemeClr val="accent5"/>
+              </a:fillRef>
+              <a:effectRef idx="1">
+                <a:schemeClr val="accent5"/>
+              </a:effectRef>
+              <a:fontRef idx="minor">
+                <a:schemeClr val="lt1"/>
+              </a:fontRef>
+            </p:style>
+            <p:txBody>
+              <a:bodyPr rtlCol="0" anchor="ctr"/>
+              <a:lstStyle/>
+              <a:p>
+                <a:pPr algn="ctr"/>
+                <a:endParaRPr lang="en-US" dirty="0"/>
+              </a:p>
+            </p:txBody>
+          </p:sp>
+          <p:sp>
+            <p:nvSpPr>
+              <p:cNvPr id="20" name="Oval 19"/>
+              <p:cNvSpPr/>
+              <p:nvPr/>
+            </p:nvSpPr>
+            <p:spPr>
+              <a:xfrm>
+                <a:off x="874141" y="2658697"/>
+                <a:ext cx="652175" cy="612470"/>
+              </a:xfrm>
+              <a:prstGeom prst="ellipse">
+                <a:avLst/>
+              </a:prstGeom>
+            </p:spPr>
+            <p:style>
+              <a:lnRef idx="3">
+                <a:schemeClr val="lt1"/>
+              </a:lnRef>
+              <a:fillRef idx="1">
+                <a:schemeClr val="accent5"/>
+              </a:fillRef>
+              <a:effectRef idx="1">
+                <a:schemeClr val="accent5"/>
+              </a:effectRef>
+              <a:fontRef idx="minor">
+                <a:schemeClr val="lt1"/>
+              </a:fontRef>
+            </p:style>
+            <p:txBody>
+              <a:bodyPr rtlCol="0" anchor="ctr"/>
+              <a:lstStyle/>
+              <a:p>
+                <a:pPr algn="ctr"/>
+                <a:endParaRPr lang="en-US" dirty="0"/>
+              </a:p>
+            </p:txBody>
+          </p:sp>
+          <p:sp>
+            <p:nvSpPr>
+              <p:cNvPr id="22" name="Oval 21"/>
+              <p:cNvSpPr/>
+              <p:nvPr/>
+            </p:nvSpPr>
+            <p:spPr>
+              <a:xfrm>
+                <a:off x="3933290" y="2658697"/>
+                <a:ext cx="652175" cy="612470"/>
+              </a:xfrm>
+              <a:prstGeom prst="ellipse">
+                <a:avLst/>
+              </a:prstGeom>
+            </p:spPr>
+            <p:style>
+              <a:lnRef idx="3">
+                <a:schemeClr val="lt1"/>
+              </a:lnRef>
+              <a:fillRef idx="1">
+                <a:schemeClr val="accent5"/>
+              </a:fillRef>
+              <a:effectRef idx="1">
+                <a:schemeClr val="accent5"/>
+              </a:effectRef>
+              <a:fontRef idx="minor">
+                <a:schemeClr val="lt1"/>
+              </a:fontRef>
+            </p:style>
+            <p:txBody>
+              <a:bodyPr rtlCol="0" anchor="ctr"/>
+              <a:lstStyle/>
+              <a:p>
+                <a:pPr algn="ctr"/>
+                <a:endParaRPr lang="en-US" dirty="0"/>
+              </a:p>
+            </p:txBody>
+          </p:sp>
+          <p:sp>
+            <p:nvSpPr>
+              <p:cNvPr id="23" name="Oval 22"/>
+              <p:cNvSpPr/>
+              <p:nvPr/>
+            </p:nvSpPr>
+            <p:spPr>
+              <a:xfrm>
+                <a:off x="4585465" y="2658697"/>
+                <a:ext cx="652175" cy="612470"/>
+              </a:xfrm>
+              <a:prstGeom prst="ellipse">
+                <a:avLst/>
+              </a:prstGeom>
+            </p:spPr>
+            <p:style>
+              <a:lnRef idx="3">
+                <a:schemeClr val="lt1"/>
+              </a:lnRef>
+              <a:fillRef idx="1">
+                <a:schemeClr val="accent5"/>
+              </a:fillRef>
+              <a:effectRef idx="1">
+                <a:schemeClr val="accent5"/>
+              </a:effectRef>
+              <a:fontRef idx="minor">
+                <a:schemeClr val="lt1"/>
+              </a:fontRef>
+            </p:style>
+            <p:txBody>
+              <a:bodyPr rtlCol="0" anchor="ctr"/>
+              <a:lstStyle/>
+              <a:p>
+                <a:pPr algn="ctr"/>
+                <a:endParaRPr lang="en-US" dirty="0"/>
+              </a:p>
+            </p:txBody>
+          </p:sp>
+          <p:sp>
+            <p:nvSpPr>
+              <p:cNvPr id="24" name="Content Placeholder 2"/>
+              <p:cNvSpPr txBox="1">
+                <a:spLocks/>
+              </p:cNvSpPr>
+              <p:nvPr/>
+            </p:nvSpPr>
+            <p:spPr>
+              <a:xfrm>
+                <a:off x="0" y="158632"/>
+                <a:ext cx="874141" cy="699906"/>
+              </a:xfrm>
+              <a:prstGeom prst="rect">
+                <a:avLst/>
+              </a:prstGeom>
+            </p:spPr>
+            <p:txBody>
+              <a:bodyPr vert="horz" lIns="91440" tIns="45720" rIns="91440" bIns="45720" rtlCol="0" anchor="ctr">
+                <a:normAutofit/>
+              </a:bodyPr>
+              <a:lstStyle>
+                <a:lvl1pPr marL="228600" indent="-228600" algn="l" defTabSz="914400" rtl="0" eaLnBrk="1" latinLnBrk="0" hangingPunct="1">
+                  <a:lnSpc>
+                    <a:spcPct val="90000"/>
+                  </a:lnSpc>
+                  <a:spcBef>
+                    <a:spcPts val="1000"/>
+                  </a:spcBef>
+                  <a:buFont typeface="Arial" panose="020B0604020202020204" pitchFamily="34" charset="0"/>
+                  <a:buChar char="•"/>
+                  <a:defRPr sz="2800" kern="1200">
+                    <a:solidFill>
+                      <a:schemeClr val="tx1"/>
+                    </a:solidFill>
+                    <a:latin typeface="+mn-lt"/>
+                    <a:ea typeface="+mn-ea"/>
+                    <a:cs typeface="+mn-cs"/>
+                  </a:defRPr>
+                </a:lvl1pPr>
+                <a:lvl2pPr marL="685800" indent="-228600" algn="l" defTabSz="914400" rtl="0" eaLnBrk="1" latinLnBrk="0" hangingPunct="1">
+                  <a:lnSpc>
+                    <a:spcPct val="90000"/>
+                  </a:lnSpc>
+                  <a:spcBef>
+                    <a:spcPts val="500"/>
+                  </a:spcBef>
+                  <a:buFont typeface="Arial" panose="020B0604020202020204" pitchFamily="34" charset="0"/>
+                  <a:buChar char="•"/>
+                  <a:defRPr sz="2400" kern="1200">
+                    <a:solidFill>
+                      <a:schemeClr val="tx1"/>
+                    </a:solidFill>
+                    <a:latin typeface="+mn-lt"/>
+                    <a:ea typeface="+mn-ea"/>
+                    <a:cs typeface="+mn-cs"/>
+                  </a:defRPr>
+                </a:lvl2pPr>
+                <a:lvl3pPr marL="1143000" indent="-228600" algn="l" defTabSz="914400" rtl="0" eaLnBrk="1" latinLnBrk="0" hangingPunct="1">
+                  <a:lnSpc>
+                    <a:spcPct val="90000"/>
+                  </a:lnSpc>
+                  <a:spcBef>
+                    <a:spcPts val="500"/>
+                  </a:spcBef>
+                  <a:buFont typeface="Arial" panose="020B0604020202020204" pitchFamily="34" charset="0"/>
+                  <a:buChar char="•"/>
+                  <a:defRPr sz="2000" kern="1200">
+                    <a:solidFill>
+                      <a:schemeClr val="tx1"/>
+                    </a:solidFill>
+                    <a:latin typeface="+mn-lt"/>
+                    <a:ea typeface="+mn-ea"/>
+                    <a:cs typeface="+mn-cs"/>
+                  </a:defRPr>
+                </a:lvl3pPr>
+                <a:lvl4pPr marL="1600200" indent="-228600" algn="l" defTabSz="914400" rtl="0" eaLnBrk="1" latinLnBrk="0" hangingPunct="1">
+                  <a:lnSpc>
+                    <a:spcPct val="90000"/>
+                  </a:lnSpc>
+                  <a:spcBef>
+                    <a:spcPts val="500"/>
+                  </a:spcBef>
+                  <a:buFont typeface="Arial" panose="020B0604020202020204" pitchFamily="34" charset="0"/>
+                  <a:buChar char="•"/>
+                  <a:defRPr sz="1800" kern="1200">
+                    <a:solidFill>
+                      <a:schemeClr val="tx1"/>
+                    </a:solidFill>
+                    <a:latin typeface="+mn-lt"/>
+                    <a:ea typeface="+mn-ea"/>
+                    <a:cs typeface="+mn-cs"/>
+                  </a:defRPr>
+                </a:lvl4pPr>
+                <a:lvl5pPr marL="2057400" indent="-228600" algn="l" defTabSz="914400" rtl="0" eaLnBrk="1" latinLnBrk="0" hangingPunct="1">
+                  <a:lnSpc>
+                    <a:spcPct val="90000"/>
+                  </a:lnSpc>
+                  <a:spcBef>
+                    <a:spcPts val="500"/>
+                  </a:spcBef>
+                  <a:buFont typeface="Arial" panose="020B0604020202020204" pitchFamily="34" charset="0"/>
+                  <a:buChar char="•"/>
+                  <a:defRPr sz="1800" kern="1200">
+                    <a:solidFill>
+                      <a:schemeClr val="tx1"/>
+                    </a:solidFill>
+                    <a:latin typeface="+mn-lt"/>
+                    <a:ea typeface="+mn-ea"/>
+                    <a:cs typeface="+mn-cs"/>
+                  </a:defRPr>
+                </a:lvl5pPr>
+                <a:lvl6pPr marL="2514600" indent="-228600" algn="l" defTabSz="914400" rtl="0" eaLnBrk="1" latinLnBrk="0" hangingPunct="1">
+                  <a:lnSpc>
+                    <a:spcPct val="90000"/>
+                  </a:lnSpc>
+                  <a:spcBef>
+                    <a:spcPts val="500"/>
+                  </a:spcBef>
+                  <a:buFont typeface="Arial" panose="020B0604020202020204" pitchFamily="34" charset="0"/>
+                  <a:buChar char="•"/>
+                  <a:defRPr sz="1800" kern="1200">
+                    <a:solidFill>
+                      <a:schemeClr val="tx1"/>
+                    </a:solidFill>
+                    <a:latin typeface="+mn-lt"/>
+                    <a:ea typeface="+mn-ea"/>
+                    <a:cs typeface="+mn-cs"/>
+                  </a:defRPr>
+                </a:lvl6pPr>
+                <a:lvl7pPr marL="2971800" indent="-228600" algn="l" defTabSz="914400" rtl="0" eaLnBrk="1" latinLnBrk="0" hangingPunct="1">
+                  <a:lnSpc>
+                    <a:spcPct val="90000"/>
+                  </a:lnSpc>
+                  <a:spcBef>
+                    <a:spcPts val="500"/>
+                  </a:spcBef>
+                  <a:buFont typeface="Arial" panose="020B0604020202020204" pitchFamily="34" charset="0"/>
+                  <a:buChar char="•"/>
+                  <a:defRPr sz="1800" kern="1200">
+                    <a:solidFill>
+                      <a:schemeClr val="tx1"/>
+                    </a:solidFill>
+                    <a:latin typeface="+mn-lt"/>
+                    <a:ea typeface="+mn-ea"/>
+                    <a:cs typeface="+mn-cs"/>
+                  </a:defRPr>
+                </a:lvl7pPr>
+                <a:lvl8pPr marL="3429000" indent="-228600" algn="l" defTabSz="914400" rtl="0" eaLnBrk="1" latinLnBrk="0" hangingPunct="1">
+                  <a:lnSpc>
+                    <a:spcPct val="90000"/>
+                  </a:lnSpc>
+                  <a:spcBef>
+                    <a:spcPts val="500"/>
+                  </a:spcBef>
+                  <a:buFont typeface="Arial" panose="020B0604020202020204" pitchFamily="34" charset="0"/>
+                  <a:buChar char="•"/>
+                  <a:defRPr sz="1800" kern="1200">
+                    <a:solidFill>
+                      <a:schemeClr val="tx1"/>
+                    </a:solidFill>
+                    <a:latin typeface="+mn-lt"/>
+                    <a:ea typeface="+mn-ea"/>
+                    <a:cs typeface="+mn-cs"/>
+                  </a:defRPr>
+                </a:lvl8pPr>
+                <a:lvl9pPr marL="3886200" indent="-228600" algn="l" defTabSz="914400" rtl="0" eaLnBrk="1" latinLnBrk="0" hangingPunct="1">
+                  <a:lnSpc>
+                    <a:spcPct val="90000"/>
+                  </a:lnSpc>
+                  <a:spcBef>
+                    <a:spcPts val="500"/>
+                  </a:spcBef>
+                  <a:buFont typeface="Arial" panose="020B0604020202020204" pitchFamily="34" charset="0"/>
+                  <a:buChar char="•"/>
+                  <a:defRPr sz="1800" kern="1200">
+                    <a:solidFill>
+                      <a:schemeClr val="tx1"/>
+                    </a:solidFill>
+                    <a:latin typeface="+mn-lt"/>
+                    <a:ea typeface="+mn-ea"/>
+                    <a:cs typeface="+mn-cs"/>
+                  </a:defRPr>
+                </a:lvl9pPr>
+              </a:lstStyle>
+              <a:p>
+                <a:pPr marL="0" indent="0" algn="ctr">
+                  <a:buFont typeface="Arial" panose="020B0604020202020204" pitchFamily="34" charset="0"/>
+                  <a:buNone/>
+                </a:pPr>
+                <a:r>
+                  <a:rPr lang="en-US" sz="2400" dirty="0" smtClean="0"/>
+                  <a:t>Score</a:t>
+                </a:r>
+                <a:endParaRPr lang="en-US" sz="2400" dirty="0"/>
+              </a:p>
+            </p:txBody>
+          </p:sp>
+          <p:sp>
+            <p:nvSpPr>
+              <p:cNvPr id="25" name="Content Placeholder 2"/>
+              <p:cNvSpPr txBox="1">
+                <a:spLocks/>
+              </p:cNvSpPr>
+              <p:nvPr/>
+            </p:nvSpPr>
+            <p:spPr>
+              <a:xfrm>
+                <a:off x="4596495" y="158632"/>
+                <a:ext cx="874141" cy="699906"/>
+              </a:xfrm>
+              <a:prstGeom prst="rect">
+                <a:avLst/>
+              </a:prstGeom>
+            </p:spPr>
+            <p:txBody>
+              <a:bodyPr vert="horz" lIns="91440" tIns="45720" rIns="91440" bIns="45720" rtlCol="0" anchor="ctr">
+                <a:normAutofit/>
+              </a:bodyPr>
+              <a:lstStyle>
+                <a:lvl1pPr marL="228600" indent="-228600" algn="l" defTabSz="914400" rtl="0" eaLnBrk="1" latinLnBrk="0" hangingPunct="1">
+                  <a:lnSpc>
+                    <a:spcPct val="90000"/>
+                  </a:lnSpc>
+                  <a:spcBef>
+                    <a:spcPts val="1000"/>
+                  </a:spcBef>
+                  <a:buFont typeface="Arial" panose="020B0604020202020204" pitchFamily="34" charset="0"/>
+                  <a:buChar char="•"/>
+                  <a:defRPr sz="2800" kern="1200">
+                    <a:solidFill>
+                      <a:schemeClr val="tx1"/>
+                    </a:solidFill>
+                    <a:latin typeface="+mn-lt"/>
+                    <a:ea typeface="+mn-ea"/>
+                    <a:cs typeface="+mn-cs"/>
+                  </a:defRPr>
+                </a:lvl1pPr>
+                <a:lvl2pPr marL="685800" indent="-228600" algn="l" defTabSz="914400" rtl="0" eaLnBrk="1" latinLnBrk="0" hangingPunct="1">
+                  <a:lnSpc>
+                    <a:spcPct val="90000"/>
+                  </a:lnSpc>
+                  <a:spcBef>
+                    <a:spcPts val="500"/>
+                  </a:spcBef>
+                  <a:buFont typeface="Arial" panose="020B0604020202020204" pitchFamily="34" charset="0"/>
+                  <a:buChar char="•"/>
+                  <a:defRPr sz="2400" kern="1200">
+                    <a:solidFill>
+                      <a:schemeClr val="tx1"/>
+                    </a:solidFill>
+                    <a:latin typeface="+mn-lt"/>
+                    <a:ea typeface="+mn-ea"/>
+                    <a:cs typeface="+mn-cs"/>
+                  </a:defRPr>
+                </a:lvl2pPr>
+                <a:lvl3pPr marL="1143000" indent="-228600" algn="l" defTabSz="914400" rtl="0" eaLnBrk="1" latinLnBrk="0" hangingPunct="1">
+                  <a:lnSpc>
+                    <a:spcPct val="90000"/>
+                  </a:lnSpc>
+                  <a:spcBef>
+                    <a:spcPts val="500"/>
+                  </a:spcBef>
+                  <a:buFont typeface="Arial" panose="020B0604020202020204" pitchFamily="34" charset="0"/>
+                  <a:buChar char="•"/>
+                  <a:defRPr sz="2000" kern="1200">
+                    <a:solidFill>
+                      <a:schemeClr val="tx1"/>
+                    </a:solidFill>
+                    <a:latin typeface="+mn-lt"/>
+                    <a:ea typeface="+mn-ea"/>
+                    <a:cs typeface="+mn-cs"/>
+                  </a:defRPr>
+                </a:lvl3pPr>
+                <a:lvl4pPr marL="1600200" indent="-228600" algn="l" defTabSz="914400" rtl="0" eaLnBrk="1" latinLnBrk="0" hangingPunct="1">
+                  <a:lnSpc>
+                    <a:spcPct val="90000"/>
+                  </a:lnSpc>
+                  <a:spcBef>
+                    <a:spcPts val="500"/>
+                  </a:spcBef>
+                  <a:buFont typeface="Arial" panose="020B0604020202020204" pitchFamily="34" charset="0"/>
+                  <a:buChar char="•"/>
+                  <a:defRPr sz="1800" kern="1200">
+                    <a:solidFill>
+                      <a:schemeClr val="tx1"/>
+                    </a:solidFill>
+                    <a:latin typeface="+mn-lt"/>
+                    <a:ea typeface="+mn-ea"/>
+                    <a:cs typeface="+mn-cs"/>
+                  </a:defRPr>
+                </a:lvl4pPr>
+                <a:lvl5pPr marL="2057400" indent="-228600" algn="l" defTabSz="914400" rtl="0" eaLnBrk="1" latinLnBrk="0" hangingPunct="1">
+                  <a:lnSpc>
+                    <a:spcPct val="90000"/>
+                  </a:lnSpc>
+                  <a:spcBef>
+                    <a:spcPts val="500"/>
+                  </a:spcBef>
+                  <a:buFont typeface="Arial" panose="020B0604020202020204" pitchFamily="34" charset="0"/>
+                  <a:buChar char="•"/>
+                  <a:defRPr sz="1800" kern="1200">
+                    <a:solidFill>
+                      <a:schemeClr val="tx1"/>
+                    </a:solidFill>
+                    <a:latin typeface="+mn-lt"/>
+                    <a:ea typeface="+mn-ea"/>
+                    <a:cs typeface="+mn-cs"/>
+                  </a:defRPr>
+                </a:lvl5pPr>
+                <a:lvl6pPr marL="2514600" indent="-228600" algn="l" defTabSz="914400" rtl="0" eaLnBrk="1" latinLnBrk="0" hangingPunct="1">
+                  <a:lnSpc>
+                    <a:spcPct val="90000"/>
+                  </a:lnSpc>
+                  <a:spcBef>
+                    <a:spcPts val="500"/>
+                  </a:spcBef>
+                  <a:buFont typeface="Arial" panose="020B0604020202020204" pitchFamily="34" charset="0"/>
+                  <a:buChar char="•"/>
+                  <a:defRPr sz="1800" kern="1200">
+                    <a:solidFill>
+                      <a:schemeClr val="tx1"/>
+                    </a:solidFill>
+                    <a:latin typeface="+mn-lt"/>
+                    <a:ea typeface="+mn-ea"/>
+                    <a:cs typeface="+mn-cs"/>
+                  </a:defRPr>
+                </a:lvl6pPr>
+                <a:lvl7pPr marL="2971800" indent="-228600" algn="l" defTabSz="914400" rtl="0" eaLnBrk="1" latinLnBrk="0" hangingPunct="1">
+                  <a:lnSpc>
+                    <a:spcPct val="90000"/>
+                  </a:lnSpc>
+                  <a:spcBef>
+                    <a:spcPts val="500"/>
+                  </a:spcBef>
+                  <a:buFont typeface="Arial" panose="020B0604020202020204" pitchFamily="34" charset="0"/>
+                  <a:buChar char="•"/>
+                  <a:defRPr sz="1800" kern="1200">
+                    <a:solidFill>
+                      <a:schemeClr val="tx1"/>
+                    </a:solidFill>
+                    <a:latin typeface="+mn-lt"/>
+                    <a:ea typeface="+mn-ea"/>
+                    <a:cs typeface="+mn-cs"/>
+                  </a:defRPr>
+                </a:lvl7pPr>
+                <a:lvl8pPr marL="3429000" indent="-228600" algn="l" defTabSz="914400" rtl="0" eaLnBrk="1" latinLnBrk="0" hangingPunct="1">
+                  <a:lnSpc>
+                    <a:spcPct val="90000"/>
+                  </a:lnSpc>
+                  <a:spcBef>
+                    <a:spcPts val="500"/>
+                  </a:spcBef>
+                  <a:buFont typeface="Arial" panose="020B0604020202020204" pitchFamily="34" charset="0"/>
+                  <a:buChar char="•"/>
+                  <a:defRPr sz="1800" kern="1200">
+                    <a:solidFill>
+                      <a:schemeClr val="tx1"/>
+                    </a:solidFill>
+                    <a:latin typeface="+mn-lt"/>
+                    <a:ea typeface="+mn-ea"/>
+                    <a:cs typeface="+mn-cs"/>
+                  </a:defRPr>
+                </a:lvl8pPr>
+                <a:lvl9pPr marL="3886200" indent="-228600" algn="l" defTabSz="914400" rtl="0" eaLnBrk="1" latinLnBrk="0" hangingPunct="1">
+                  <a:lnSpc>
+                    <a:spcPct val="90000"/>
+                  </a:lnSpc>
+                  <a:spcBef>
+                    <a:spcPts val="500"/>
+                  </a:spcBef>
+                  <a:buFont typeface="Arial" panose="020B0604020202020204" pitchFamily="34" charset="0"/>
+                  <a:buChar char="•"/>
+                  <a:defRPr sz="1800" kern="1200">
+                    <a:solidFill>
+                      <a:schemeClr val="tx1"/>
+                    </a:solidFill>
+                    <a:latin typeface="+mn-lt"/>
+                    <a:ea typeface="+mn-ea"/>
+                    <a:cs typeface="+mn-cs"/>
+                  </a:defRPr>
+                </a:lvl9pPr>
+              </a:lstStyle>
+              <a:p>
+                <a:pPr marL="0" indent="0" algn="ctr">
+                  <a:buFont typeface="Arial" panose="020B0604020202020204" pitchFamily="34" charset="0"/>
+                  <a:buNone/>
+                </a:pPr>
+                <a:r>
+                  <a:rPr lang="en-US" sz="2400" dirty="0" smtClean="0"/>
+                  <a:t>Score</a:t>
+                </a:r>
+                <a:endParaRPr lang="en-US" sz="2400" dirty="0"/>
+              </a:p>
+            </p:txBody>
+          </p:sp>
+        </p:grpSp>
+        <p:sp>
+          <p:nvSpPr>
+            <p:cNvPr id="37" name="Rectangle 36"/>
+            <p:cNvSpPr/>
+            <p:nvPr/>
+          </p:nvSpPr>
+          <p:spPr>
+            <a:xfrm>
+              <a:off x="5645492" y="153314"/>
+              <a:ext cx="5470635" cy="3421381"/>
+            </a:xfrm>
+            <a:prstGeom prst="rect">
+              <a:avLst/>
+            </a:prstGeom>
+            <a:solidFill>
+              <a:schemeClr val="bg1">
+                <a:lumMod val="50000"/>
+                <a:alpha val="71000"/>
+              </a:schemeClr>
+            </a:solidFill>
+            <a:ln>
+              <a:solidFill>
+                <a:schemeClr val="accent1"/>
+              </a:solidFill>
+            </a:ln>
+          </p:spPr>
+          <p:style>
+            <a:lnRef idx="2">
+              <a:schemeClr val="accent6"/>
+            </a:lnRef>
+            <a:fillRef idx="1">
+              <a:schemeClr val="lt1"/>
+            </a:fillRef>
+            <a:effectRef idx="0">
+              <a:schemeClr val="accent6"/>
+            </a:effectRef>
+            <a:fontRef idx="minor">
+              <a:schemeClr val="dk1"/>
+            </a:fontRef>
+          </p:style>
+          <p:txBody>
+            <a:bodyPr rtlCol="0" anchor="t"/>
+            <a:lstStyle/>
+            <a:p>
+              <a:pPr algn="ctr"/>
+              <a:endParaRPr lang="en-US" dirty="0"/>
+            </a:p>
+          </p:txBody>
+        </p:sp>
+        <p:sp>
+          <p:nvSpPr>
+            <p:cNvPr id="45" name="Content Placeholder 2"/>
+            <p:cNvSpPr txBox="1">
+              <a:spLocks/>
+            </p:cNvSpPr>
+            <p:nvPr/>
+          </p:nvSpPr>
+          <p:spPr>
+            <a:xfrm>
+              <a:off x="6519434" y="1188466"/>
+              <a:ext cx="3700294" cy="699906"/>
+            </a:xfrm>
+            <a:prstGeom prst="rect">
+              <a:avLst/>
+            </a:prstGeom>
+          </p:spPr>
+          <p:txBody>
+            <a:bodyPr vert="horz" lIns="91440" tIns="45720" rIns="91440" bIns="45720" rtlCol="0" anchor="ctr">
+              <a:normAutofit/>
+            </a:bodyPr>
+            <a:lstStyle>
+              <a:lvl1pPr marL="228600" indent="-228600" algn="l" defTabSz="914400" rtl="0" eaLnBrk="1" latinLnBrk="0" hangingPunct="1">
+                <a:lnSpc>
+                  <a:spcPct val="90000"/>
+                </a:lnSpc>
+                <a:spcBef>
+                  <a:spcPts val="1000"/>
+                </a:spcBef>
+                <a:buFont typeface="Arial" panose="020B0604020202020204" pitchFamily="34" charset="0"/>
+                <a:buChar char="•"/>
+                <a:defRPr sz="2800" kern="1200">
+                  <a:solidFill>
+                    <a:schemeClr val="tx1"/>
+                  </a:solidFill>
+                  <a:latin typeface="+mn-lt"/>
+                  <a:ea typeface="+mn-ea"/>
+                  <a:cs typeface="+mn-cs"/>
+                </a:defRPr>
+              </a:lvl1pPr>
+              <a:lvl2pPr marL="685800" indent="-228600" algn="l" defTabSz="914400" rtl="0" eaLnBrk="1" latinLnBrk="0" hangingPunct="1">
+                <a:lnSpc>
+                  <a:spcPct val="90000"/>
+                </a:lnSpc>
+                <a:spcBef>
+                  <a:spcPts val="500"/>
+                </a:spcBef>
+                <a:buFont typeface="Arial" panose="020B0604020202020204" pitchFamily="34" charset="0"/>
+                <a:buChar char="•"/>
+                <a:defRPr sz="2400" kern="1200">
+                  <a:solidFill>
+                    <a:schemeClr val="tx1"/>
+                  </a:solidFill>
+                  <a:latin typeface="+mn-lt"/>
+                  <a:ea typeface="+mn-ea"/>
+                  <a:cs typeface="+mn-cs"/>
+                </a:defRPr>
+              </a:lvl2pPr>
+              <a:lvl3pPr marL="1143000" indent="-228600" algn="l" defTabSz="914400" rtl="0" eaLnBrk="1" latinLnBrk="0" hangingPunct="1">
+                <a:lnSpc>
+                  <a:spcPct val="90000"/>
+                </a:lnSpc>
+                <a:spcBef>
+                  <a:spcPts val="500"/>
+                </a:spcBef>
+                <a:buFont typeface="Arial" panose="020B0604020202020204" pitchFamily="34" charset="0"/>
+                <a:buChar char="•"/>
+                <a:defRPr sz="2000" kern="1200">
+                  <a:solidFill>
+                    <a:schemeClr val="tx1"/>
+                  </a:solidFill>
+                  <a:latin typeface="+mn-lt"/>
+                  <a:ea typeface="+mn-ea"/>
+                  <a:cs typeface="+mn-cs"/>
+                </a:defRPr>
+              </a:lvl3pPr>
+              <a:lvl4pPr marL="1600200" indent="-228600" algn="l" defTabSz="914400" rtl="0" eaLnBrk="1" latinLnBrk="0" hangingPunct="1">
+                <a:lnSpc>
+                  <a:spcPct val="90000"/>
+                </a:lnSpc>
+                <a:spcBef>
+                  <a:spcPts val="500"/>
+                </a:spcBef>
+                <a:buFont typeface="Arial" panose="020B0604020202020204" pitchFamily="34" charset="0"/>
+                <a:buChar char="•"/>
+                <a:defRPr sz="1800" kern="1200">
+                  <a:solidFill>
+                    <a:schemeClr val="tx1"/>
+                  </a:solidFill>
+                  <a:latin typeface="+mn-lt"/>
+                  <a:ea typeface="+mn-ea"/>
+                  <a:cs typeface="+mn-cs"/>
+                </a:defRPr>
+              </a:lvl4pPr>
+              <a:lvl5pPr marL="2057400" indent="-228600" algn="l" defTabSz="914400" rtl="0" eaLnBrk="1" latinLnBrk="0" hangingPunct="1">
+                <a:lnSpc>
+                  <a:spcPct val="90000"/>
+                </a:lnSpc>
+                <a:spcBef>
+                  <a:spcPts val="500"/>
+                </a:spcBef>
+                <a:buFont typeface="Arial" panose="020B0604020202020204" pitchFamily="34" charset="0"/>
+                <a:buChar char="•"/>
+                <a:defRPr sz="1800" kern="1200">
+                  <a:solidFill>
+                    <a:schemeClr val="tx1"/>
+                  </a:solidFill>
+                  <a:latin typeface="+mn-lt"/>
+                  <a:ea typeface="+mn-ea"/>
+                  <a:cs typeface="+mn-cs"/>
+                </a:defRPr>
+              </a:lvl5pPr>
+              <a:lvl6pPr marL="2514600" indent="-228600" algn="l" defTabSz="914400" rtl="0" eaLnBrk="1" latinLnBrk="0" hangingPunct="1">
+                <a:lnSpc>
+                  <a:spcPct val="90000"/>
+                </a:lnSpc>
+                <a:spcBef>
+                  <a:spcPts val="500"/>
+                </a:spcBef>
+                <a:buFont typeface="Arial" panose="020B0604020202020204" pitchFamily="34" charset="0"/>
+                <a:buChar char="•"/>
+                <a:defRPr sz="1800" kern="1200">
+                  <a:solidFill>
+                    <a:schemeClr val="tx1"/>
+                  </a:solidFill>
+                  <a:latin typeface="+mn-lt"/>
+                  <a:ea typeface="+mn-ea"/>
+                  <a:cs typeface="+mn-cs"/>
+                </a:defRPr>
+              </a:lvl6pPr>
+              <a:lvl7pPr marL="2971800" indent="-228600" algn="l" defTabSz="914400" rtl="0" eaLnBrk="1" latinLnBrk="0" hangingPunct="1">
+                <a:lnSpc>
+                  <a:spcPct val="90000"/>
+                </a:lnSpc>
+                <a:spcBef>
+                  <a:spcPts val="500"/>
+                </a:spcBef>
+                <a:buFont typeface="Arial" panose="020B0604020202020204" pitchFamily="34" charset="0"/>
+                <a:buChar char="•"/>
+                <a:defRPr sz="1800" kern="1200">
+                  <a:solidFill>
+                    <a:schemeClr val="tx1"/>
+                  </a:solidFill>
+                  <a:latin typeface="+mn-lt"/>
+                  <a:ea typeface="+mn-ea"/>
+                  <a:cs typeface="+mn-cs"/>
+                </a:defRPr>
+              </a:lvl7pPr>
+              <a:lvl8pPr marL="3429000" indent="-228600" algn="l" defTabSz="914400" rtl="0" eaLnBrk="1" latinLnBrk="0" hangingPunct="1">
+                <a:lnSpc>
+                  <a:spcPct val="90000"/>
+                </a:lnSpc>
+                <a:spcBef>
+                  <a:spcPts val="500"/>
+                </a:spcBef>
+                <a:buFont typeface="Arial" panose="020B0604020202020204" pitchFamily="34" charset="0"/>
+                <a:buChar char="•"/>
+                <a:defRPr sz="1800" kern="1200">
+                  <a:solidFill>
+                    <a:schemeClr val="tx1"/>
+                  </a:solidFill>
+                  <a:latin typeface="+mn-lt"/>
+                  <a:ea typeface="+mn-ea"/>
+                  <a:cs typeface="+mn-cs"/>
+                </a:defRPr>
+              </a:lvl8pPr>
+              <a:lvl9pPr marL="3886200" indent="-228600" algn="l" defTabSz="914400" rtl="0" eaLnBrk="1" latinLnBrk="0" hangingPunct="1">
+                <a:lnSpc>
+                  <a:spcPct val="90000"/>
+                </a:lnSpc>
+                <a:spcBef>
+                  <a:spcPts val="500"/>
+                </a:spcBef>
+                <a:buFont typeface="Arial" panose="020B0604020202020204" pitchFamily="34" charset="0"/>
+                <a:buChar char="•"/>
+                <a:defRPr sz="1800" kern="1200">
+                  <a:solidFill>
+                    <a:schemeClr val="tx1"/>
+                  </a:solidFill>
+                  <a:latin typeface="+mn-lt"/>
+                  <a:ea typeface="+mn-ea"/>
+                  <a:cs typeface="+mn-cs"/>
+                </a:defRPr>
+              </a:lvl9pPr>
+            </a:lstStyle>
+            <a:p>
+              <a:pPr marL="0" indent="0" algn="ctr">
+                <a:buFont typeface="Arial" panose="020B0604020202020204" pitchFamily="34" charset="0"/>
+                <a:buNone/>
+              </a:pPr>
+              <a:r>
+                <a:rPr lang="en-US" sz="2400" b="1" dirty="0" smtClean="0">
+                  <a:solidFill>
+                    <a:schemeClr val="bg1"/>
+                  </a:solidFill>
+                </a:rPr>
+                <a:t>Press start to resume</a:t>
+              </a:r>
+              <a:endParaRPr lang="en-US" sz="2400" b="1" dirty="0">
+                <a:solidFill>
+                  <a:schemeClr val="bg1"/>
+                </a:solidFill>
+              </a:endParaRPr>
+            </a:p>
+          </p:txBody>
+        </p:sp>
+      </p:grpSp>
+    </p:spTree>
+    <p:extLst>
+      <p:ext uri="{BB962C8B-B14F-4D97-AF65-F5344CB8AC3E}">
+        <p14:creationId xmlns:p14="http://schemas.microsoft.com/office/powerpoint/2010/main" val="3069343693"/>
+      </p:ext>
+    </p:extLst>
+  </p:cSld>
+  <p:clrMapOvr>
+    <a:masterClrMapping/>
+  </p:clrMapOvr>
+  <p:timing>
+    <p:tnLst>
+      <p:par>
+        <p:cTn id="1" dur="indefinite" restart="never" nodeType="tmRoot"/>
+      </p:par>
+    </p:tnLst>
+  </p:timing>
 </p:sld>
 </file>
 

--- a/Witch Ball mind map.pptx
+++ b/Witch Ball mind map.pptx
@@ -5,7 +5,7 @@
     <p:sldMasterId id="2147483648" r:id="rId1"/>
   </p:sldMasterIdLst>
   <p:notesMasterIdLst>
-    <p:notesMasterId r:id="rId11"/>
+    <p:notesMasterId r:id="rId15"/>
   </p:notesMasterIdLst>
   <p:sldIdLst>
     <p:sldId id="256" r:id="rId2"/>
@@ -17,6 +17,10 @@
     <p:sldId id="262" r:id="rId8"/>
     <p:sldId id="263" r:id="rId9"/>
     <p:sldId id="264" r:id="rId10"/>
+    <p:sldId id="265" r:id="rId11"/>
+    <p:sldId id="266" r:id="rId12"/>
+    <p:sldId id="267" r:id="rId13"/>
+    <p:sldId id="268" r:id="rId14"/>
   </p:sldIdLst>
   <p:sldSz cx="12192000" cy="6858000"/>
   <p:notesSz cx="6858000" cy="9144000"/>
@@ -205,7 +209,7 @@
           <a:p>
             <a:fld id="{432EB83A-2125-4C75-8665-EE86B460C6D7}" type="datetimeFigureOut">
               <a:rPr lang="en-US" smtClean="0"/>
-              <a:t>7/9/2019</a:t>
+              <a:t>7/18/2019</a:t>
             </a:fld>
             <a:endParaRPr lang="en-US"/>
           </a:p>
@@ -1280,7 +1284,7 @@
           <a:p>
             <a:fld id="{2379F4E2-D73C-4C40-A6C8-9D172A2712F9}" type="datetimeFigureOut">
               <a:rPr lang="en-US" smtClean="0"/>
-              <a:t>7/9/2019</a:t>
+              <a:t>7/18/2019</a:t>
             </a:fld>
             <a:endParaRPr lang="en-US"/>
           </a:p>
@@ -1450,7 +1454,7 @@
           <a:p>
             <a:fld id="{2379F4E2-D73C-4C40-A6C8-9D172A2712F9}" type="datetimeFigureOut">
               <a:rPr lang="en-US" smtClean="0"/>
-              <a:t>7/9/2019</a:t>
+              <a:t>7/18/2019</a:t>
             </a:fld>
             <a:endParaRPr lang="en-US"/>
           </a:p>
@@ -1630,7 +1634,7 @@
           <a:p>
             <a:fld id="{2379F4E2-D73C-4C40-A6C8-9D172A2712F9}" type="datetimeFigureOut">
               <a:rPr lang="en-US" smtClean="0"/>
-              <a:t>7/9/2019</a:t>
+              <a:t>7/18/2019</a:t>
             </a:fld>
             <a:endParaRPr lang="en-US"/>
           </a:p>
@@ -1800,7 +1804,7 @@
           <a:p>
             <a:fld id="{2379F4E2-D73C-4C40-A6C8-9D172A2712F9}" type="datetimeFigureOut">
               <a:rPr lang="en-US" smtClean="0"/>
-              <a:t>7/9/2019</a:t>
+              <a:t>7/18/2019</a:t>
             </a:fld>
             <a:endParaRPr lang="en-US"/>
           </a:p>
@@ -2046,7 +2050,7 @@
           <a:p>
             <a:fld id="{2379F4E2-D73C-4C40-A6C8-9D172A2712F9}" type="datetimeFigureOut">
               <a:rPr lang="en-US" smtClean="0"/>
-              <a:t>7/9/2019</a:t>
+              <a:t>7/18/2019</a:t>
             </a:fld>
             <a:endParaRPr lang="en-US"/>
           </a:p>
@@ -2278,7 +2282,7 @@
           <a:p>
             <a:fld id="{2379F4E2-D73C-4C40-A6C8-9D172A2712F9}" type="datetimeFigureOut">
               <a:rPr lang="en-US" smtClean="0"/>
-              <a:t>7/9/2019</a:t>
+              <a:t>7/18/2019</a:t>
             </a:fld>
             <a:endParaRPr lang="en-US"/>
           </a:p>
@@ -2645,7 +2649,7 @@
           <a:p>
             <a:fld id="{2379F4E2-D73C-4C40-A6C8-9D172A2712F9}" type="datetimeFigureOut">
               <a:rPr lang="en-US" smtClean="0"/>
-              <a:t>7/9/2019</a:t>
+              <a:t>7/18/2019</a:t>
             </a:fld>
             <a:endParaRPr lang="en-US"/>
           </a:p>
@@ -2763,7 +2767,7 @@
           <a:p>
             <a:fld id="{2379F4E2-D73C-4C40-A6C8-9D172A2712F9}" type="datetimeFigureOut">
               <a:rPr lang="en-US" smtClean="0"/>
-              <a:t>7/9/2019</a:t>
+              <a:t>7/18/2019</a:t>
             </a:fld>
             <a:endParaRPr lang="en-US"/>
           </a:p>
@@ -2858,7 +2862,7 @@
           <a:p>
             <a:fld id="{2379F4E2-D73C-4C40-A6C8-9D172A2712F9}" type="datetimeFigureOut">
               <a:rPr lang="en-US" smtClean="0"/>
-              <a:t>7/9/2019</a:t>
+              <a:t>7/18/2019</a:t>
             </a:fld>
             <a:endParaRPr lang="en-US"/>
           </a:p>
@@ -3135,7 +3139,7 @@
           <a:p>
             <a:fld id="{2379F4E2-D73C-4C40-A6C8-9D172A2712F9}" type="datetimeFigureOut">
               <a:rPr lang="en-US" smtClean="0"/>
-              <a:t>7/9/2019</a:t>
+              <a:t>7/18/2019</a:t>
             </a:fld>
             <a:endParaRPr lang="en-US"/>
           </a:p>
@@ -3388,7 +3392,7 @@
           <a:p>
             <a:fld id="{2379F4E2-D73C-4C40-A6C8-9D172A2712F9}" type="datetimeFigureOut">
               <a:rPr lang="en-US" smtClean="0"/>
-              <a:t>7/9/2019</a:t>
+              <a:t>7/18/2019</a:t>
             </a:fld>
             <a:endParaRPr lang="en-US"/>
           </a:p>
@@ -3601,7 +3605,7 @@
           <a:p>
             <a:fld id="{2379F4E2-D73C-4C40-A6C8-9D172A2712F9}" type="datetimeFigureOut">
               <a:rPr lang="en-US" smtClean="0"/>
-              <a:t>7/9/2019</a:t>
+              <a:t>7/18/2019</a:t>
             </a:fld>
             <a:endParaRPr lang="en-US"/>
           </a:p>
@@ -4048,6 +4052,5860 @@
     <p:extLst>
       <p:ext uri="{BB962C8B-B14F-4D97-AF65-F5344CB8AC3E}">
         <p14:creationId xmlns:p14="http://schemas.microsoft.com/office/powerpoint/2010/main" val="183375380"/>
+      </p:ext>
+    </p:extLst>
+  </p:cSld>
+  <p:clrMapOvr>
+    <a:masterClrMapping/>
+  </p:clrMapOvr>
+</p:sld>
+</file>
+
+<file path=ppt/slides/slide10.xml><?xml version="1.0" encoding="utf-8"?>
+<p:sld xmlns:a="http://schemas.openxmlformats.org/drawingml/2006/main" xmlns:r="http://schemas.openxmlformats.org/officeDocument/2006/relationships" xmlns:p="http://schemas.openxmlformats.org/presentationml/2006/main">
+  <p:cSld>
+    <p:spTree>
+      <p:nvGrpSpPr>
+        <p:cNvPr id="1" name=""/>
+        <p:cNvGrpSpPr/>
+        <p:nvPr/>
+      </p:nvGrpSpPr>
+      <p:grpSpPr>
+        <a:xfrm>
+          <a:off x="0" y="0"/>
+          <a:ext cx="0" cy="0"/>
+          <a:chOff x="0" y="0"/>
+          <a:chExt cx="0" cy="0"/>
+        </a:xfrm>
+      </p:grpSpPr>
+      <p:cxnSp>
+        <p:nvCxnSpPr>
+          <p:cNvPr id="105" name="Straight Connector 104"/>
+          <p:cNvCxnSpPr>
+            <a:stCxn id="19" idx="2"/>
+            <a:endCxn id="104" idx="6"/>
+          </p:cNvCxnSpPr>
+          <p:nvPr/>
+        </p:nvCxnSpPr>
+        <p:spPr>
+          <a:xfrm flipH="1">
+            <a:off x="6387620" y="5291791"/>
+            <a:ext cx="1999127" cy="352696"/>
+          </a:xfrm>
+          <a:prstGeom prst="line">
+            <a:avLst/>
+          </a:prstGeom>
+          <a:ln w="28575"/>
+        </p:spPr>
+        <p:style>
+          <a:lnRef idx="3">
+            <a:schemeClr val="dk1"/>
+          </a:lnRef>
+          <a:fillRef idx="0">
+            <a:schemeClr val="dk1"/>
+          </a:fillRef>
+          <a:effectRef idx="2">
+            <a:schemeClr val="dk1"/>
+          </a:effectRef>
+          <a:fontRef idx="minor">
+            <a:schemeClr val="tx1"/>
+          </a:fontRef>
+        </p:style>
+      </p:cxnSp>
+      <p:sp>
+        <p:nvSpPr>
+          <p:cNvPr id="5" name="Rounded Rectangle 4"/>
+          <p:cNvSpPr/>
+          <p:nvPr/>
+        </p:nvSpPr>
+        <p:spPr>
+          <a:xfrm>
+            <a:off x="4004960" y="3165314"/>
+            <a:ext cx="1240972" cy="518805"/>
+          </a:xfrm>
+          <a:prstGeom prst="roundRect">
+            <a:avLst/>
+          </a:prstGeom>
+        </p:spPr>
+        <p:style>
+          <a:lnRef idx="2">
+            <a:schemeClr val="accent3">
+              <a:shade val="50000"/>
+            </a:schemeClr>
+          </a:lnRef>
+          <a:fillRef idx="1">
+            <a:schemeClr val="accent3"/>
+          </a:fillRef>
+          <a:effectRef idx="0">
+            <a:schemeClr val="accent3"/>
+          </a:effectRef>
+          <a:fontRef idx="minor">
+            <a:schemeClr val="lt1"/>
+          </a:fontRef>
+        </p:style>
+        <p:txBody>
+          <a:bodyPr rtlCol="0" anchor="ctr"/>
+          <a:lstStyle/>
+          <a:p>
+            <a:pPr algn="ctr"/>
+            <a:r>
+              <a:rPr lang="en-US" dirty="0" smtClean="0"/>
+              <a:t>Witch</a:t>
+            </a:r>
+            <a:endParaRPr lang="en-US" dirty="0"/>
+          </a:p>
+        </p:txBody>
+      </p:sp>
+      <p:cxnSp>
+        <p:nvCxnSpPr>
+          <p:cNvPr id="10" name="Straight Connector 9"/>
+          <p:cNvCxnSpPr>
+            <a:stCxn id="6" idx="2"/>
+            <a:endCxn id="5" idx="3"/>
+          </p:cNvCxnSpPr>
+          <p:nvPr/>
+        </p:nvCxnSpPr>
+        <p:spPr>
+          <a:xfrm flipH="1">
+            <a:off x="5245932" y="1920636"/>
+            <a:ext cx="3274308" cy="1504081"/>
+          </a:xfrm>
+          <a:prstGeom prst="line">
+            <a:avLst/>
+          </a:prstGeom>
+          <a:ln w="28575"/>
+        </p:spPr>
+        <p:style>
+          <a:lnRef idx="3">
+            <a:schemeClr val="dk1"/>
+          </a:lnRef>
+          <a:fillRef idx="0">
+            <a:schemeClr val="dk1"/>
+          </a:fillRef>
+          <a:effectRef idx="2">
+            <a:schemeClr val="dk1"/>
+          </a:effectRef>
+          <a:fontRef idx="minor">
+            <a:schemeClr val="tx1"/>
+          </a:fontRef>
+        </p:style>
+      </p:cxnSp>
+      <p:cxnSp>
+        <p:nvCxnSpPr>
+          <p:cNvPr id="20" name="Straight Connector 19"/>
+          <p:cNvCxnSpPr>
+            <a:stCxn id="19" idx="2"/>
+            <a:endCxn id="5" idx="3"/>
+          </p:cNvCxnSpPr>
+          <p:nvPr/>
+        </p:nvCxnSpPr>
+        <p:spPr>
+          <a:xfrm flipH="1" flipV="1">
+            <a:off x="5245932" y="3424717"/>
+            <a:ext cx="3140815" cy="1867074"/>
+          </a:xfrm>
+          <a:prstGeom prst="line">
+            <a:avLst/>
+          </a:prstGeom>
+          <a:ln w="28575"/>
+        </p:spPr>
+        <p:style>
+          <a:lnRef idx="3">
+            <a:schemeClr val="dk1"/>
+          </a:lnRef>
+          <a:fillRef idx="0">
+            <a:schemeClr val="dk1"/>
+          </a:fillRef>
+          <a:effectRef idx="2">
+            <a:schemeClr val="dk1"/>
+          </a:effectRef>
+          <a:fontRef idx="minor">
+            <a:schemeClr val="tx1"/>
+          </a:fontRef>
+        </p:style>
+      </p:cxnSp>
+      <p:sp>
+        <p:nvSpPr>
+          <p:cNvPr id="6" name="Oval 5"/>
+          <p:cNvSpPr/>
+          <p:nvPr/>
+        </p:nvSpPr>
+        <p:spPr>
+          <a:xfrm>
+            <a:off x="8520240" y="1567939"/>
+            <a:ext cx="1397726" cy="705393"/>
+          </a:xfrm>
+          <a:prstGeom prst="ellipse">
+            <a:avLst/>
+          </a:prstGeom>
+        </p:spPr>
+        <p:style>
+          <a:lnRef idx="3">
+            <a:schemeClr val="lt1"/>
+          </a:lnRef>
+          <a:fillRef idx="1">
+            <a:schemeClr val="accent5"/>
+          </a:fillRef>
+          <a:effectRef idx="1">
+            <a:schemeClr val="accent5"/>
+          </a:effectRef>
+          <a:fontRef idx="minor">
+            <a:schemeClr val="lt1"/>
+          </a:fontRef>
+        </p:style>
+        <p:txBody>
+          <a:bodyPr rtlCol="0" anchor="ctr"/>
+          <a:lstStyle/>
+          <a:p>
+            <a:pPr algn="ctr"/>
+            <a:r>
+              <a:rPr lang="en-US" dirty="0" smtClean="0"/>
+              <a:t>Expression</a:t>
+            </a:r>
+            <a:endParaRPr lang="en-US" dirty="0"/>
+          </a:p>
+        </p:txBody>
+      </p:sp>
+      <p:sp>
+        <p:nvSpPr>
+          <p:cNvPr id="31" name="Oval 30"/>
+          <p:cNvSpPr/>
+          <p:nvPr/>
+        </p:nvSpPr>
+        <p:spPr>
+          <a:xfrm>
+            <a:off x="6829589" y="157154"/>
+            <a:ext cx="1397726" cy="705393"/>
+          </a:xfrm>
+          <a:prstGeom prst="ellipse">
+            <a:avLst/>
+          </a:prstGeom>
+        </p:spPr>
+        <p:style>
+          <a:lnRef idx="3">
+            <a:schemeClr val="lt1"/>
+          </a:lnRef>
+          <a:fillRef idx="1">
+            <a:schemeClr val="accent5"/>
+          </a:fillRef>
+          <a:effectRef idx="1">
+            <a:schemeClr val="accent5"/>
+          </a:effectRef>
+          <a:fontRef idx="minor">
+            <a:schemeClr val="lt1"/>
+          </a:fontRef>
+        </p:style>
+        <p:txBody>
+          <a:bodyPr rtlCol="0" anchor="ctr"/>
+          <a:lstStyle/>
+          <a:p>
+            <a:pPr algn="ctr"/>
+            <a:r>
+              <a:rPr lang="en-US" dirty="0" smtClean="0"/>
+              <a:t>Happy</a:t>
+            </a:r>
+            <a:endParaRPr lang="en-US" dirty="0"/>
+          </a:p>
+        </p:txBody>
+      </p:sp>
+      <p:sp>
+        <p:nvSpPr>
+          <p:cNvPr id="32" name="Oval 31"/>
+          <p:cNvSpPr/>
+          <p:nvPr/>
+        </p:nvSpPr>
+        <p:spPr>
+          <a:xfrm>
+            <a:off x="6829589" y="862547"/>
+            <a:ext cx="1397726" cy="705393"/>
+          </a:xfrm>
+          <a:prstGeom prst="ellipse">
+            <a:avLst/>
+          </a:prstGeom>
+        </p:spPr>
+        <p:style>
+          <a:lnRef idx="3">
+            <a:schemeClr val="lt1"/>
+          </a:lnRef>
+          <a:fillRef idx="1">
+            <a:schemeClr val="accent5"/>
+          </a:fillRef>
+          <a:effectRef idx="1">
+            <a:schemeClr val="accent5"/>
+          </a:effectRef>
+          <a:fontRef idx="minor">
+            <a:schemeClr val="lt1"/>
+          </a:fontRef>
+        </p:style>
+        <p:txBody>
+          <a:bodyPr rtlCol="0" anchor="ctr"/>
+          <a:lstStyle/>
+          <a:p>
+            <a:pPr algn="ctr"/>
+            <a:r>
+              <a:rPr lang="en-US" dirty="0" smtClean="0"/>
+              <a:t>Sad</a:t>
+            </a:r>
+            <a:endParaRPr lang="en-US" dirty="0"/>
+          </a:p>
+        </p:txBody>
+      </p:sp>
+      <p:sp>
+        <p:nvSpPr>
+          <p:cNvPr id="34" name="Oval 33"/>
+          <p:cNvSpPr/>
+          <p:nvPr/>
+        </p:nvSpPr>
+        <p:spPr>
+          <a:xfrm>
+            <a:off x="6829589" y="1567940"/>
+            <a:ext cx="1397726" cy="705393"/>
+          </a:xfrm>
+          <a:prstGeom prst="ellipse">
+            <a:avLst/>
+          </a:prstGeom>
+        </p:spPr>
+        <p:style>
+          <a:lnRef idx="3">
+            <a:schemeClr val="lt1"/>
+          </a:lnRef>
+          <a:fillRef idx="1">
+            <a:schemeClr val="accent5"/>
+          </a:fillRef>
+          <a:effectRef idx="1">
+            <a:schemeClr val="accent5"/>
+          </a:effectRef>
+          <a:fontRef idx="minor">
+            <a:schemeClr val="lt1"/>
+          </a:fontRef>
+        </p:style>
+        <p:txBody>
+          <a:bodyPr rtlCol="0" anchor="ctr"/>
+          <a:lstStyle/>
+          <a:p>
+            <a:pPr algn="ctr"/>
+            <a:r>
+              <a:rPr lang="en-US" dirty="0" smtClean="0"/>
+              <a:t>Laugh</a:t>
+            </a:r>
+            <a:endParaRPr lang="en-US" dirty="0"/>
+          </a:p>
+        </p:txBody>
+      </p:sp>
+      <p:sp>
+        <p:nvSpPr>
+          <p:cNvPr id="35" name="Oval 34"/>
+          <p:cNvSpPr/>
+          <p:nvPr/>
+        </p:nvSpPr>
+        <p:spPr>
+          <a:xfrm>
+            <a:off x="6829589" y="2273333"/>
+            <a:ext cx="1397726" cy="705393"/>
+          </a:xfrm>
+          <a:prstGeom prst="ellipse">
+            <a:avLst/>
+          </a:prstGeom>
+        </p:spPr>
+        <p:style>
+          <a:lnRef idx="3">
+            <a:schemeClr val="lt1"/>
+          </a:lnRef>
+          <a:fillRef idx="1">
+            <a:schemeClr val="accent5"/>
+          </a:fillRef>
+          <a:effectRef idx="1">
+            <a:schemeClr val="accent5"/>
+          </a:effectRef>
+          <a:fontRef idx="minor">
+            <a:schemeClr val="lt1"/>
+          </a:fontRef>
+        </p:style>
+        <p:txBody>
+          <a:bodyPr rtlCol="0" anchor="ctr"/>
+          <a:lstStyle/>
+          <a:p>
+            <a:pPr algn="ctr"/>
+            <a:r>
+              <a:rPr lang="en-US" dirty="0" smtClean="0"/>
+              <a:t>Cry</a:t>
+            </a:r>
+            <a:endParaRPr lang="en-US" dirty="0"/>
+          </a:p>
+        </p:txBody>
+      </p:sp>
+      <p:sp>
+        <p:nvSpPr>
+          <p:cNvPr id="40" name="Oval 39"/>
+          <p:cNvSpPr/>
+          <p:nvPr/>
+        </p:nvSpPr>
+        <p:spPr>
+          <a:xfrm>
+            <a:off x="10255059" y="157153"/>
+            <a:ext cx="1397726" cy="705393"/>
+          </a:xfrm>
+          <a:prstGeom prst="ellipse">
+            <a:avLst/>
+          </a:prstGeom>
+        </p:spPr>
+        <p:style>
+          <a:lnRef idx="3">
+            <a:schemeClr val="lt1"/>
+          </a:lnRef>
+          <a:fillRef idx="1">
+            <a:schemeClr val="accent5"/>
+          </a:fillRef>
+          <a:effectRef idx="1">
+            <a:schemeClr val="accent5"/>
+          </a:effectRef>
+          <a:fontRef idx="minor">
+            <a:schemeClr val="lt1"/>
+          </a:fontRef>
+        </p:style>
+        <p:txBody>
+          <a:bodyPr rtlCol="0" anchor="ctr"/>
+          <a:lstStyle/>
+          <a:p>
+            <a:pPr algn="ctr"/>
+            <a:r>
+              <a:rPr lang="en-US" dirty="0" smtClean="0"/>
+              <a:t>Agree</a:t>
+            </a:r>
+            <a:endParaRPr lang="en-US" dirty="0"/>
+          </a:p>
+        </p:txBody>
+      </p:sp>
+      <p:sp>
+        <p:nvSpPr>
+          <p:cNvPr id="41" name="Oval 40"/>
+          <p:cNvSpPr/>
+          <p:nvPr/>
+        </p:nvSpPr>
+        <p:spPr>
+          <a:xfrm>
+            <a:off x="10255059" y="862547"/>
+            <a:ext cx="1397726" cy="705393"/>
+          </a:xfrm>
+          <a:prstGeom prst="ellipse">
+            <a:avLst/>
+          </a:prstGeom>
+        </p:spPr>
+        <p:style>
+          <a:lnRef idx="3">
+            <a:schemeClr val="lt1"/>
+          </a:lnRef>
+          <a:fillRef idx="1">
+            <a:schemeClr val="accent5"/>
+          </a:fillRef>
+          <a:effectRef idx="1">
+            <a:schemeClr val="accent5"/>
+          </a:effectRef>
+          <a:fontRef idx="minor">
+            <a:schemeClr val="lt1"/>
+          </a:fontRef>
+        </p:style>
+        <p:txBody>
+          <a:bodyPr rtlCol="0" anchor="ctr"/>
+          <a:lstStyle/>
+          <a:p>
+            <a:pPr algn="ctr"/>
+            <a:r>
+              <a:rPr lang="en-US" dirty="0" smtClean="0"/>
+              <a:t>Disagree</a:t>
+            </a:r>
+            <a:endParaRPr lang="en-US" dirty="0"/>
+          </a:p>
+        </p:txBody>
+      </p:sp>
+      <p:sp>
+        <p:nvSpPr>
+          <p:cNvPr id="17" name="Oval 16"/>
+          <p:cNvSpPr/>
+          <p:nvPr/>
+        </p:nvSpPr>
+        <p:spPr>
+          <a:xfrm>
+            <a:off x="10252381" y="1567940"/>
+            <a:ext cx="1397726" cy="705393"/>
+          </a:xfrm>
+          <a:prstGeom prst="ellipse">
+            <a:avLst/>
+          </a:prstGeom>
+        </p:spPr>
+        <p:style>
+          <a:lnRef idx="3">
+            <a:schemeClr val="lt1"/>
+          </a:lnRef>
+          <a:fillRef idx="1">
+            <a:schemeClr val="accent5"/>
+          </a:fillRef>
+          <a:effectRef idx="1">
+            <a:schemeClr val="accent5"/>
+          </a:effectRef>
+          <a:fontRef idx="minor">
+            <a:schemeClr val="lt1"/>
+          </a:fontRef>
+        </p:style>
+        <p:txBody>
+          <a:bodyPr rtlCol="0" anchor="ctr"/>
+          <a:lstStyle/>
+          <a:p>
+            <a:pPr algn="ctr"/>
+            <a:r>
+              <a:rPr lang="en-US" dirty="0" smtClean="0"/>
+              <a:t>Surprise</a:t>
+            </a:r>
+            <a:endParaRPr lang="en-US" dirty="0"/>
+          </a:p>
+        </p:txBody>
+      </p:sp>
+      <p:sp>
+        <p:nvSpPr>
+          <p:cNvPr id="18" name="Oval 17"/>
+          <p:cNvSpPr/>
+          <p:nvPr/>
+        </p:nvSpPr>
+        <p:spPr>
+          <a:xfrm>
+            <a:off x="10252381" y="2273333"/>
+            <a:ext cx="1397726" cy="705393"/>
+          </a:xfrm>
+          <a:prstGeom prst="ellipse">
+            <a:avLst/>
+          </a:prstGeom>
+        </p:spPr>
+        <p:style>
+          <a:lnRef idx="3">
+            <a:schemeClr val="lt1"/>
+          </a:lnRef>
+          <a:fillRef idx="1">
+            <a:schemeClr val="accent5"/>
+          </a:fillRef>
+          <a:effectRef idx="1">
+            <a:schemeClr val="accent5"/>
+          </a:effectRef>
+          <a:fontRef idx="minor">
+            <a:schemeClr val="lt1"/>
+          </a:fontRef>
+        </p:style>
+        <p:txBody>
+          <a:bodyPr rtlCol="0" anchor="ctr"/>
+          <a:lstStyle/>
+          <a:p>
+            <a:pPr algn="ctr"/>
+            <a:r>
+              <a:rPr lang="en-US" dirty="0" smtClean="0"/>
+              <a:t>Idle</a:t>
+            </a:r>
+            <a:endParaRPr lang="en-US" dirty="0"/>
+          </a:p>
+        </p:txBody>
+      </p:sp>
+      <p:sp>
+        <p:nvSpPr>
+          <p:cNvPr id="21" name="Oval 20"/>
+          <p:cNvSpPr/>
+          <p:nvPr/>
+        </p:nvSpPr>
+        <p:spPr>
+          <a:xfrm>
+            <a:off x="10252381" y="2978726"/>
+            <a:ext cx="1397726" cy="705393"/>
+          </a:xfrm>
+          <a:prstGeom prst="ellipse">
+            <a:avLst/>
+          </a:prstGeom>
+        </p:spPr>
+        <p:style>
+          <a:lnRef idx="3">
+            <a:schemeClr val="lt1"/>
+          </a:lnRef>
+          <a:fillRef idx="1">
+            <a:schemeClr val="accent5"/>
+          </a:fillRef>
+          <a:effectRef idx="1">
+            <a:schemeClr val="accent5"/>
+          </a:effectRef>
+          <a:fontRef idx="minor">
+            <a:schemeClr val="lt1"/>
+          </a:fontRef>
+        </p:style>
+        <p:txBody>
+          <a:bodyPr rtlCol="0" anchor="ctr"/>
+          <a:lstStyle/>
+          <a:p>
+            <a:pPr algn="ctr"/>
+            <a:r>
+              <a:rPr lang="en-US" dirty="0" smtClean="0"/>
+              <a:t>Boring</a:t>
+            </a:r>
+            <a:endParaRPr lang="en-US" dirty="0"/>
+          </a:p>
+        </p:txBody>
+      </p:sp>
+      <p:sp>
+        <p:nvSpPr>
+          <p:cNvPr id="22" name="Oval 21"/>
+          <p:cNvSpPr/>
+          <p:nvPr/>
+        </p:nvSpPr>
+        <p:spPr>
+          <a:xfrm>
+            <a:off x="6829589" y="2978726"/>
+            <a:ext cx="1397726" cy="705393"/>
+          </a:xfrm>
+          <a:prstGeom prst="ellipse">
+            <a:avLst/>
+          </a:prstGeom>
+        </p:spPr>
+        <p:style>
+          <a:lnRef idx="3">
+            <a:schemeClr val="lt1"/>
+          </a:lnRef>
+          <a:fillRef idx="1">
+            <a:schemeClr val="accent5"/>
+          </a:fillRef>
+          <a:effectRef idx="1">
+            <a:schemeClr val="accent5"/>
+          </a:effectRef>
+          <a:fontRef idx="minor">
+            <a:schemeClr val="lt1"/>
+          </a:fontRef>
+        </p:style>
+        <p:txBody>
+          <a:bodyPr rtlCol="0" anchor="ctr"/>
+          <a:lstStyle/>
+          <a:p>
+            <a:pPr algn="ctr"/>
+            <a:r>
+              <a:rPr lang="en-US" dirty="0" smtClean="0"/>
+              <a:t>Screaming</a:t>
+            </a:r>
+            <a:endParaRPr lang="en-US" dirty="0"/>
+          </a:p>
+        </p:txBody>
+      </p:sp>
+      <p:cxnSp>
+        <p:nvCxnSpPr>
+          <p:cNvPr id="23" name="Straight Connector 22"/>
+          <p:cNvCxnSpPr>
+            <a:stCxn id="6" idx="2"/>
+            <a:endCxn id="31" idx="6"/>
+          </p:cNvCxnSpPr>
+          <p:nvPr/>
+        </p:nvCxnSpPr>
+        <p:spPr>
+          <a:xfrm flipH="1" flipV="1">
+            <a:off x="8227315" y="509851"/>
+            <a:ext cx="292925" cy="1410785"/>
+          </a:xfrm>
+          <a:prstGeom prst="line">
+            <a:avLst/>
+          </a:prstGeom>
+          <a:ln w="28575"/>
+        </p:spPr>
+        <p:style>
+          <a:lnRef idx="3">
+            <a:schemeClr val="dk1"/>
+          </a:lnRef>
+          <a:fillRef idx="0">
+            <a:schemeClr val="dk1"/>
+          </a:fillRef>
+          <a:effectRef idx="2">
+            <a:schemeClr val="dk1"/>
+          </a:effectRef>
+          <a:fontRef idx="minor">
+            <a:schemeClr val="tx1"/>
+          </a:fontRef>
+        </p:style>
+      </p:cxnSp>
+      <p:cxnSp>
+        <p:nvCxnSpPr>
+          <p:cNvPr id="26" name="Straight Connector 25"/>
+          <p:cNvCxnSpPr>
+            <a:stCxn id="6" idx="2"/>
+            <a:endCxn id="32" idx="6"/>
+          </p:cNvCxnSpPr>
+          <p:nvPr/>
+        </p:nvCxnSpPr>
+        <p:spPr>
+          <a:xfrm flipH="1" flipV="1">
+            <a:off x="8227315" y="1215244"/>
+            <a:ext cx="292925" cy="705392"/>
+          </a:xfrm>
+          <a:prstGeom prst="line">
+            <a:avLst/>
+          </a:prstGeom>
+          <a:ln w="28575"/>
+        </p:spPr>
+        <p:style>
+          <a:lnRef idx="3">
+            <a:schemeClr val="dk1"/>
+          </a:lnRef>
+          <a:fillRef idx="0">
+            <a:schemeClr val="dk1"/>
+          </a:fillRef>
+          <a:effectRef idx="2">
+            <a:schemeClr val="dk1"/>
+          </a:effectRef>
+          <a:fontRef idx="minor">
+            <a:schemeClr val="tx1"/>
+          </a:fontRef>
+        </p:style>
+      </p:cxnSp>
+      <p:cxnSp>
+        <p:nvCxnSpPr>
+          <p:cNvPr id="29" name="Straight Connector 28"/>
+          <p:cNvCxnSpPr>
+            <a:stCxn id="6" idx="2"/>
+            <a:endCxn id="34" idx="6"/>
+          </p:cNvCxnSpPr>
+          <p:nvPr/>
+        </p:nvCxnSpPr>
+        <p:spPr>
+          <a:xfrm flipH="1">
+            <a:off x="8227315" y="1920636"/>
+            <a:ext cx="292925" cy="1"/>
+          </a:xfrm>
+          <a:prstGeom prst="line">
+            <a:avLst/>
+          </a:prstGeom>
+          <a:ln w="28575"/>
+        </p:spPr>
+        <p:style>
+          <a:lnRef idx="3">
+            <a:schemeClr val="dk1"/>
+          </a:lnRef>
+          <a:fillRef idx="0">
+            <a:schemeClr val="dk1"/>
+          </a:fillRef>
+          <a:effectRef idx="2">
+            <a:schemeClr val="dk1"/>
+          </a:effectRef>
+          <a:fontRef idx="minor">
+            <a:schemeClr val="tx1"/>
+          </a:fontRef>
+        </p:style>
+      </p:cxnSp>
+      <p:cxnSp>
+        <p:nvCxnSpPr>
+          <p:cNvPr id="33" name="Straight Connector 32"/>
+          <p:cNvCxnSpPr>
+            <a:stCxn id="6" idx="2"/>
+            <a:endCxn id="35" idx="6"/>
+          </p:cNvCxnSpPr>
+          <p:nvPr/>
+        </p:nvCxnSpPr>
+        <p:spPr>
+          <a:xfrm flipH="1">
+            <a:off x="8227315" y="1920636"/>
+            <a:ext cx="292925" cy="705394"/>
+          </a:xfrm>
+          <a:prstGeom prst="line">
+            <a:avLst/>
+          </a:prstGeom>
+          <a:ln w="28575"/>
+        </p:spPr>
+        <p:style>
+          <a:lnRef idx="3">
+            <a:schemeClr val="dk1"/>
+          </a:lnRef>
+          <a:fillRef idx="0">
+            <a:schemeClr val="dk1"/>
+          </a:fillRef>
+          <a:effectRef idx="2">
+            <a:schemeClr val="dk1"/>
+          </a:effectRef>
+          <a:fontRef idx="minor">
+            <a:schemeClr val="tx1"/>
+          </a:fontRef>
+        </p:style>
+      </p:cxnSp>
+      <p:cxnSp>
+        <p:nvCxnSpPr>
+          <p:cNvPr id="42" name="Straight Connector 41"/>
+          <p:cNvCxnSpPr>
+            <a:stCxn id="6" idx="2"/>
+            <a:endCxn id="22" idx="6"/>
+          </p:cNvCxnSpPr>
+          <p:nvPr/>
+        </p:nvCxnSpPr>
+        <p:spPr>
+          <a:xfrm flipH="1">
+            <a:off x="8227315" y="1920636"/>
+            <a:ext cx="292925" cy="1410787"/>
+          </a:xfrm>
+          <a:prstGeom prst="line">
+            <a:avLst/>
+          </a:prstGeom>
+          <a:ln w="28575"/>
+        </p:spPr>
+        <p:style>
+          <a:lnRef idx="3">
+            <a:schemeClr val="dk1"/>
+          </a:lnRef>
+          <a:fillRef idx="0">
+            <a:schemeClr val="dk1"/>
+          </a:fillRef>
+          <a:effectRef idx="2">
+            <a:schemeClr val="dk1"/>
+          </a:effectRef>
+          <a:fontRef idx="minor">
+            <a:schemeClr val="tx1"/>
+          </a:fontRef>
+        </p:style>
+      </p:cxnSp>
+      <p:cxnSp>
+        <p:nvCxnSpPr>
+          <p:cNvPr id="43" name="Straight Connector 42"/>
+          <p:cNvCxnSpPr>
+            <a:stCxn id="17" idx="2"/>
+            <a:endCxn id="6" idx="6"/>
+          </p:cNvCxnSpPr>
+          <p:nvPr/>
+        </p:nvCxnSpPr>
+        <p:spPr>
+          <a:xfrm flipH="1" flipV="1">
+            <a:off x="9917966" y="1920636"/>
+            <a:ext cx="334415" cy="1"/>
+          </a:xfrm>
+          <a:prstGeom prst="line">
+            <a:avLst/>
+          </a:prstGeom>
+          <a:ln w="28575"/>
+        </p:spPr>
+        <p:style>
+          <a:lnRef idx="3">
+            <a:schemeClr val="dk1"/>
+          </a:lnRef>
+          <a:fillRef idx="0">
+            <a:schemeClr val="dk1"/>
+          </a:fillRef>
+          <a:effectRef idx="2">
+            <a:schemeClr val="dk1"/>
+          </a:effectRef>
+          <a:fontRef idx="minor">
+            <a:schemeClr val="tx1"/>
+          </a:fontRef>
+        </p:style>
+      </p:cxnSp>
+      <p:cxnSp>
+        <p:nvCxnSpPr>
+          <p:cNvPr id="44" name="Straight Connector 43"/>
+          <p:cNvCxnSpPr>
+            <a:stCxn id="6" idx="6"/>
+            <a:endCxn id="18" idx="2"/>
+          </p:cNvCxnSpPr>
+          <p:nvPr/>
+        </p:nvCxnSpPr>
+        <p:spPr>
+          <a:xfrm>
+            <a:off x="9917966" y="1920636"/>
+            <a:ext cx="334415" cy="705394"/>
+          </a:xfrm>
+          <a:prstGeom prst="line">
+            <a:avLst/>
+          </a:prstGeom>
+          <a:ln w="28575"/>
+        </p:spPr>
+        <p:style>
+          <a:lnRef idx="3">
+            <a:schemeClr val="dk1"/>
+          </a:lnRef>
+          <a:fillRef idx="0">
+            <a:schemeClr val="dk1"/>
+          </a:fillRef>
+          <a:effectRef idx="2">
+            <a:schemeClr val="dk1"/>
+          </a:effectRef>
+          <a:fontRef idx="minor">
+            <a:schemeClr val="tx1"/>
+          </a:fontRef>
+        </p:style>
+      </p:cxnSp>
+      <p:cxnSp>
+        <p:nvCxnSpPr>
+          <p:cNvPr id="45" name="Straight Connector 44"/>
+          <p:cNvCxnSpPr>
+            <a:stCxn id="6" idx="6"/>
+            <a:endCxn id="21" idx="2"/>
+          </p:cNvCxnSpPr>
+          <p:nvPr/>
+        </p:nvCxnSpPr>
+        <p:spPr>
+          <a:xfrm>
+            <a:off x="9917966" y="1920636"/>
+            <a:ext cx="334415" cy="1410787"/>
+          </a:xfrm>
+          <a:prstGeom prst="line">
+            <a:avLst/>
+          </a:prstGeom>
+          <a:ln w="28575"/>
+        </p:spPr>
+        <p:style>
+          <a:lnRef idx="3">
+            <a:schemeClr val="dk1"/>
+          </a:lnRef>
+          <a:fillRef idx="0">
+            <a:schemeClr val="dk1"/>
+          </a:fillRef>
+          <a:effectRef idx="2">
+            <a:schemeClr val="dk1"/>
+          </a:effectRef>
+          <a:fontRef idx="minor">
+            <a:schemeClr val="tx1"/>
+          </a:fontRef>
+        </p:style>
+      </p:cxnSp>
+      <p:cxnSp>
+        <p:nvCxnSpPr>
+          <p:cNvPr id="48" name="Straight Connector 47"/>
+          <p:cNvCxnSpPr>
+            <a:stCxn id="41" idx="2"/>
+            <a:endCxn id="6" idx="6"/>
+          </p:cNvCxnSpPr>
+          <p:nvPr/>
+        </p:nvCxnSpPr>
+        <p:spPr>
+          <a:xfrm flipH="1">
+            <a:off x="9917966" y="1215244"/>
+            <a:ext cx="337093" cy="705392"/>
+          </a:xfrm>
+          <a:prstGeom prst="line">
+            <a:avLst/>
+          </a:prstGeom>
+          <a:ln w="28575"/>
+        </p:spPr>
+        <p:style>
+          <a:lnRef idx="3">
+            <a:schemeClr val="dk1"/>
+          </a:lnRef>
+          <a:fillRef idx="0">
+            <a:schemeClr val="dk1"/>
+          </a:fillRef>
+          <a:effectRef idx="2">
+            <a:schemeClr val="dk1"/>
+          </a:effectRef>
+          <a:fontRef idx="minor">
+            <a:schemeClr val="tx1"/>
+          </a:fontRef>
+        </p:style>
+      </p:cxnSp>
+      <p:cxnSp>
+        <p:nvCxnSpPr>
+          <p:cNvPr id="51" name="Straight Connector 50"/>
+          <p:cNvCxnSpPr>
+            <a:stCxn id="40" idx="2"/>
+            <a:endCxn id="6" idx="6"/>
+          </p:cNvCxnSpPr>
+          <p:nvPr/>
+        </p:nvCxnSpPr>
+        <p:spPr>
+          <a:xfrm flipH="1">
+            <a:off x="9917966" y="509850"/>
+            <a:ext cx="337093" cy="1410786"/>
+          </a:xfrm>
+          <a:prstGeom prst="line">
+            <a:avLst/>
+          </a:prstGeom>
+          <a:ln w="28575"/>
+        </p:spPr>
+        <p:style>
+          <a:lnRef idx="3">
+            <a:schemeClr val="dk1"/>
+          </a:lnRef>
+          <a:fillRef idx="0">
+            <a:schemeClr val="dk1"/>
+          </a:fillRef>
+          <a:effectRef idx="2">
+            <a:schemeClr val="dk1"/>
+          </a:effectRef>
+          <a:fontRef idx="minor">
+            <a:schemeClr val="tx1"/>
+          </a:fontRef>
+        </p:style>
+      </p:cxnSp>
+      <p:sp>
+        <p:nvSpPr>
+          <p:cNvPr id="19" name="Oval 18"/>
+          <p:cNvSpPr/>
+          <p:nvPr/>
+        </p:nvSpPr>
+        <p:spPr>
+          <a:xfrm>
+            <a:off x="8386747" y="4939094"/>
+            <a:ext cx="1397726" cy="705393"/>
+          </a:xfrm>
+          <a:prstGeom prst="ellipse">
+            <a:avLst/>
+          </a:prstGeom>
+        </p:spPr>
+        <p:style>
+          <a:lnRef idx="3">
+            <a:schemeClr val="lt1"/>
+          </a:lnRef>
+          <a:fillRef idx="1">
+            <a:schemeClr val="accent5"/>
+          </a:fillRef>
+          <a:effectRef idx="1">
+            <a:schemeClr val="accent5"/>
+          </a:effectRef>
+          <a:fontRef idx="minor">
+            <a:schemeClr val="lt1"/>
+          </a:fontRef>
+        </p:style>
+        <p:txBody>
+          <a:bodyPr rtlCol="0" anchor="ctr"/>
+          <a:lstStyle/>
+          <a:p>
+            <a:pPr algn="ctr"/>
+            <a:r>
+              <a:rPr lang="en-US" dirty="0" smtClean="0"/>
+              <a:t>Activity</a:t>
+            </a:r>
+            <a:endParaRPr lang="en-US" dirty="0"/>
+          </a:p>
+        </p:txBody>
+      </p:sp>
+      <p:sp>
+        <p:nvSpPr>
+          <p:cNvPr id="36" name="Oval 35"/>
+          <p:cNvSpPr/>
+          <p:nvPr/>
+        </p:nvSpPr>
+        <p:spPr>
+          <a:xfrm>
+            <a:off x="10252381" y="3881006"/>
+            <a:ext cx="1397726" cy="705393"/>
+          </a:xfrm>
+          <a:prstGeom prst="ellipse">
+            <a:avLst/>
+          </a:prstGeom>
+        </p:spPr>
+        <p:style>
+          <a:lnRef idx="3">
+            <a:schemeClr val="lt1"/>
+          </a:lnRef>
+          <a:fillRef idx="1">
+            <a:schemeClr val="accent5"/>
+          </a:fillRef>
+          <a:effectRef idx="1">
+            <a:schemeClr val="accent5"/>
+          </a:effectRef>
+          <a:fontRef idx="minor">
+            <a:schemeClr val="lt1"/>
+          </a:fontRef>
+        </p:style>
+        <p:txBody>
+          <a:bodyPr rtlCol="0" anchor="ctr"/>
+          <a:lstStyle/>
+          <a:p>
+            <a:pPr algn="ctr"/>
+            <a:r>
+              <a:rPr lang="en-US" dirty="0" smtClean="0"/>
+              <a:t>Shoot</a:t>
+            </a:r>
+            <a:endParaRPr lang="en-US" dirty="0"/>
+          </a:p>
+        </p:txBody>
+      </p:sp>
+      <p:sp>
+        <p:nvSpPr>
+          <p:cNvPr id="37" name="Oval 36"/>
+          <p:cNvSpPr/>
+          <p:nvPr/>
+        </p:nvSpPr>
+        <p:spPr>
+          <a:xfrm>
+            <a:off x="10252381" y="4586399"/>
+            <a:ext cx="1397726" cy="705393"/>
+          </a:xfrm>
+          <a:prstGeom prst="ellipse">
+            <a:avLst/>
+          </a:prstGeom>
+        </p:spPr>
+        <p:style>
+          <a:lnRef idx="3">
+            <a:schemeClr val="lt1"/>
+          </a:lnRef>
+          <a:fillRef idx="1">
+            <a:schemeClr val="accent5"/>
+          </a:fillRef>
+          <a:effectRef idx="1">
+            <a:schemeClr val="accent5"/>
+          </a:effectRef>
+          <a:fontRef idx="minor">
+            <a:schemeClr val="lt1"/>
+          </a:fontRef>
+        </p:style>
+        <p:txBody>
+          <a:bodyPr rtlCol="0" anchor="ctr"/>
+          <a:lstStyle/>
+          <a:p>
+            <a:pPr algn="ctr"/>
+            <a:r>
+              <a:rPr lang="en-US" dirty="0" smtClean="0"/>
+              <a:t>Pass</a:t>
+            </a:r>
+            <a:endParaRPr lang="en-US" dirty="0"/>
+          </a:p>
+        </p:txBody>
+      </p:sp>
+      <p:sp>
+        <p:nvSpPr>
+          <p:cNvPr id="38" name="Oval 37"/>
+          <p:cNvSpPr/>
+          <p:nvPr/>
+        </p:nvSpPr>
+        <p:spPr>
+          <a:xfrm>
+            <a:off x="10252381" y="5291792"/>
+            <a:ext cx="1397726" cy="705393"/>
+          </a:xfrm>
+          <a:prstGeom prst="ellipse">
+            <a:avLst/>
+          </a:prstGeom>
+        </p:spPr>
+        <p:style>
+          <a:lnRef idx="3">
+            <a:schemeClr val="lt1"/>
+          </a:lnRef>
+          <a:fillRef idx="1">
+            <a:schemeClr val="accent5"/>
+          </a:fillRef>
+          <a:effectRef idx="1">
+            <a:schemeClr val="accent5"/>
+          </a:effectRef>
+          <a:fontRef idx="minor">
+            <a:schemeClr val="lt1"/>
+          </a:fontRef>
+        </p:style>
+        <p:txBody>
+          <a:bodyPr rtlCol="0" anchor="ctr"/>
+          <a:lstStyle/>
+          <a:p>
+            <a:pPr algn="ctr"/>
+            <a:r>
+              <a:rPr lang="en-US" dirty="0" smtClean="0"/>
+              <a:t>Tackle</a:t>
+            </a:r>
+            <a:endParaRPr lang="en-US" dirty="0"/>
+          </a:p>
+        </p:txBody>
+      </p:sp>
+      <p:sp>
+        <p:nvSpPr>
+          <p:cNvPr id="39" name="Oval 38"/>
+          <p:cNvSpPr/>
+          <p:nvPr/>
+        </p:nvSpPr>
+        <p:spPr>
+          <a:xfrm>
+            <a:off x="10252381" y="5997185"/>
+            <a:ext cx="1397726" cy="705393"/>
+          </a:xfrm>
+          <a:prstGeom prst="ellipse">
+            <a:avLst/>
+          </a:prstGeom>
+        </p:spPr>
+        <p:style>
+          <a:lnRef idx="3">
+            <a:schemeClr val="lt1"/>
+          </a:lnRef>
+          <a:fillRef idx="1">
+            <a:schemeClr val="accent5"/>
+          </a:fillRef>
+          <a:effectRef idx="1">
+            <a:schemeClr val="accent5"/>
+          </a:effectRef>
+          <a:fontRef idx="minor">
+            <a:schemeClr val="lt1"/>
+          </a:fontRef>
+        </p:style>
+        <p:txBody>
+          <a:bodyPr rtlCol="0" anchor="ctr"/>
+          <a:lstStyle/>
+          <a:p>
+            <a:pPr algn="ctr"/>
+            <a:r>
+              <a:rPr lang="en-US" dirty="0" smtClean="0"/>
+              <a:t>Tackled</a:t>
+            </a:r>
+            <a:endParaRPr lang="en-US" dirty="0"/>
+          </a:p>
+        </p:txBody>
+      </p:sp>
+      <p:cxnSp>
+        <p:nvCxnSpPr>
+          <p:cNvPr id="55" name="Straight Connector 54"/>
+          <p:cNvCxnSpPr>
+            <a:stCxn id="36" idx="2"/>
+            <a:endCxn id="19" idx="6"/>
+          </p:cNvCxnSpPr>
+          <p:nvPr/>
+        </p:nvCxnSpPr>
+        <p:spPr>
+          <a:xfrm flipH="1">
+            <a:off x="9784473" y="4233703"/>
+            <a:ext cx="467908" cy="1058088"/>
+          </a:xfrm>
+          <a:prstGeom prst="line">
+            <a:avLst/>
+          </a:prstGeom>
+          <a:ln w="28575"/>
+        </p:spPr>
+        <p:style>
+          <a:lnRef idx="3">
+            <a:schemeClr val="dk1"/>
+          </a:lnRef>
+          <a:fillRef idx="0">
+            <a:schemeClr val="dk1"/>
+          </a:fillRef>
+          <a:effectRef idx="2">
+            <a:schemeClr val="dk1"/>
+          </a:effectRef>
+          <a:fontRef idx="minor">
+            <a:schemeClr val="tx1"/>
+          </a:fontRef>
+        </p:style>
+      </p:cxnSp>
+      <p:sp>
+        <p:nvSpPr>
+          <p:cNvPr id="61" name="Oval 60"/>
+          <p:cNvSpPr/>
+          <p:nvPr/>
+        </p:nvSpPr>
+        <p:spPr>
+          <a:xfrm>
+            <a:off x="6521113" y="3881005"/>
+            <a:ext cx="1397726" cy="705393"/>
+          </a:xfrm>
+          <a:prstGeom prst="ellipse">
+            <a:avLst/>
+          </a:prstGeom>
+        </p:spPr>
+        <p:style>
+          <a:lnRef idx="3">
+            <a:schemeClr val="lt1"/>
+          </a:lnRef>
+          <a:fillRef idx="1">
+            <a:schemeClr val="accent5"/>
+          </a:fillRef>
+          <a:effectRef idx="1">
+            <a:schemeClr val="accent5"/>
+          </a:effectRef>
+          <a:fontRef idx="minor">
+            <a:schemeClr val="lt1"/>
+          </a:fontRef>
+        </p:style>
+        <p:txBody>
+          <a:bodyPr rtlCol="0" anchor="ctr"/>
+          <a:lstStyle/>
+          <a:p>
+            <a:pPr algn="ctr"/>
+            <a:r>
+              <a:rPr lang="en-US" dirty="0" smtClean="0"/>
+              <a:t>Intercept</a:t>
+            </a:r>
+            <a:endParaRPr lang="en-US" dirty="0"/>
+          </a:p>
+        </p:txBody>
+      </p:sp>
+      <p:sp>
+        <p:nvSpPr>
+          <p:cNvPr id="62" name="Oval 61"/>
+          <p:cNvSpPr/>
+          <p:nvPr/>
+        </p:nvSpPr>
+        <p:spPr>
+          <a:xfrm>
+            <a:off x="6521113" y="4586398"/>
+            <a:ext cx="1397726" cy="705393"/>
+          </a:xfrm>
+          <a:prstGeom prst="ellipse">
+            <a:avLst/>
+          </a:prstGeom>
+        </p:spPr>
+        <p:style>
+          <a:lnRef idx="3">
+            <a:schemeClr val="lt1"/>
+          </a:lnRef>
+          <a:fillRef idx="1">
+            <a:schemeClr val="accent5"/>
+          </a:fillRef>
+          <a:effectRef idx="1">
+            <a:schemeClr val="accent5"/>
+          </a:effectRef>
+          <a:fontRef idx="minor">
+            <a:schemeClr val="lt1"/>
+          </a:fontRef>
+        </p:style>
+        <p:txBody>
+          <a:bodyPr rtlCol="0" anchor="ctr"/>
+          <a:lstStyle/>
+          <a:p>
+            <a:pPr algn="ctr"/>
+            <a:r>
+              <a:rPr lang="en-US" dirty="0" smtClean="0"/>
+              <a:t>Block</a:t>
+            </a:r>
+            <a:endParaRPr lang="en-US" dirty="0"/>
+          </a:p>
+        </p:txBody>
+      </p:sp>
+      <p:sp>
+        <p:nvSpPr>
+          <p:cNvPr id="63" name="Oval 62"/>
+          <p:cNvSpPr/>
+          <p:nvPr/>
+        </p:nvSpPr>
+        <p:spPr>
+          <a:xfrm>
+            <a:off x="6521113" y="5291791"/>
+            <a:ext cx="1397726" cy="705393"/>
+          </a:xfrm>
+          <a:prstGeom prst="ellipse">
+            <a:avLst/>
+          </a:prstGeom>
+        </p:spPr>
+        <p:style>
+          <a:lnRef idx="3">
+            <a:schemeClr val="lt1"/>
+          </a:lnRef>
+          <a:fillRef idx="1">
+            <a:schemeClr val="accent5"/>
+          </a:fillRef>
+          <a:effectRef idx="1">
+            <a:schemeClr val="accent5"/>
+          </a:effectRef>
+          <a:fontRef idx="minor">
+            <a:schemeClr val="lt1"/>
+          </a:fontRef>
+        </p:style>
+        <p:txBody>
+          <a:bodyPr rtlCol="0" anchor="ctr"/>
+          <a:lstStyle/>
+          <a:p>
+            <a:pPr algn="ctr"/>
+            <a:r>
+              <a:rPr lang="en-US" dirty="0" smtClean="0"/>
+              <a:t>Stunned</a:t>
+            </a:r>
+            <a:endParaRPr lang="en-US" dirty="0"/>
+          </a:p>
+        </p:txBody>
+      </p:sp>
+      <p:sp>
+        <p:nvSpPr>
+          <p:cNvPr id="64" name="Oval 63"/>
+          <p:cNvSpPr/>
+          <p:nvPr/>
+        </p:nvSpPr>
+        <p:spPr>
+          <a:xfrm>
+            <a:off x="6521113" y="5997184"/>
+            <a:ext cx="1397726" cy="705393"/>
+          </a:xfrm>
+          <a:prstGeom prst="ellipse">
+            <a:avLst/>
+          </a:prstGeom>
+        </p:spPr>
+        <p:style>
+          <a:lnRef idx="3">
+            <a:schemeClr val="lt1"/>
+          </a:lnRef>
+          <a:fillRef idx="1">
+            <a:schemeClr val="accent5"/>
+          </a:fillRef>
+          <a:effectRef idx="1">
+            <a:schemeClr val="accent5"/>
+          </a:effectRef>
+          <a:fontRef idx="minor">
+            <a:schemeClr val="lt1"/>
+          </a:fontRef>
+        </p:style>
+        <p:txBody>
+          <a:bodyPr rtlCol="0" anchor="ctr"/>
+          <a:lstStyle/>
+          <a:p>
+            <a:pPr algn="ctr"/>
+            <a:r>
+              <a:rPr lang="en-US" dirty="0" smtClean="0"/>
+              <a:t>Scoring</a:t>
+            </a:r>
+            <a:endParaRPr lang="en-US" dirty="0"/>
+          </a:p>
+        </p:txBody>
+      </p:sp>
+      <p:cxnSp>
+        <p:nvCxnSpPr>
+          <p:cNvPr id="65" name="Straight Connector 64"/>
+          <p:cNvCxnSpPr>
+            <a:stCxn id="37" idx="2"/>
+            <a:endCxn id="19" idx="6"/>
+          </p:cNvCxnSpPr>
+          <p:nvPr/>
+        </p:nvCxnSpPr>
+        <p:spPr>
+          <a:xfrm flipH="1">
+            <a:off x="9784473" y="4939096"/>
+            <a:ext cx="467908" cy="352695"/>
+          </a:xfrm>
+          <a:prstGeom prst="line">
+            <a:avLst/>
+          </a:prstGeom>
+          <a:ln w="28575"/>
+        </p:spPr>
+        <p:style>
+          <a:lnRef idx="3">
+            <a:schemeClr val="dk1"/>
+          </a:lnRef>
+          <a:fillRef idx="0">
+            <a:schemeClr val="dk1"/>
+          </a:fillRef>
+          <a:effectRef idx="2">
+            <a:schemeClr val="dk1"/>
+          </a:effectRef>
+          <a:fontRef idx="minor">
+            <a:schemeClr val="tx1"/>
+          </a:fontRef>
+        </p:style>
+      </p:cxnSp>
+      <p:cxnSp>
+        <p:nvCxnSpPr>
+          <p:cNvPr id="68" name="Straight Connector 67"/>
+          <p:cNvCxnSpPr>
+            <a:stCxn id="38" idx="2"/>
+            <a:endCxn id="19" idx="6"/>
+          </p:cNvCxnSpPr>
+          <p:nvPr/>
+        </p:nvCxnSpPr>
+        <p:spPr>
+          <a:xfrm flipH="1" flipV="1">
+            <a:off x="9784473" y="5291791"/>
+            <a:ext cx="467908" cy="352698"/>
+          </a:xfrm>
+          <a:prstGeom prst="line">
+            <a:avLst/>
+          </a:prstGeom>
+          <a:ln w="28575"/>
+        </p:spPr>
+        <p:style>
+          <a:lnRef idx="3">
+            <a:schemeClr val="dk1"/>
+          </a:lnRef>
+          <a:fillRef idx="0">
+            <a:schemeClr val="dk1"/>
+          </a:fillRef>
+          <a:effectRef idx="2">
+            <a:schemeClr val="dk1"/>
+          </a:effectRef>
+          <a:fontRef idx="minor">
+            <a:schemeClr val="tx1"/>
+          </a:fontRef>
+        </p:style>
+      </p:cxnSp>
+      <p:cxnSp>
+        <p:nvCxnSpPr>
+          <p:cNvPr id="71" name="Straight Connector 70"/>
+          <p:cNvCxnSpPr>
+            <a:stCxn id="39" idx="2"/>
+            <a:endCxn id="19" idx="6"/>
+          </p:cNvCxnSpPr>
+          <p:nvPr/>
+        </p:nvCxnSpPr>
+        <p:spPr>
+          <a:xfrm flipH="1" flipV="1">
+            <a:off x="9784473" y="5291791"/>
+            <a:ext cx="467908" cy="1058091"/>
+          </a:xfrm>
+          <a:prstGeom prst="line">
+            <a:avLst/>
+          </a:prstGeom>
+          <a:ln w="28575"/>
+        </p:spPr>
+        <p:style>
+          <a:lnRef idx="3">
+            <a:schemeClr val="dk1"/>
+          </a:lnRef>
+          <a:fillRef idx="0">
+            <a:schemeClr val="dk1"/>
+          </a:fillRef>
+          <a:effectRef idx="2">
+            <a:schemeClr val="dk1"/>
+          </a:effectRef>
+          <a:fontRef idx="minor">
+            <a:schemeClr val="tx1"/>
+          </a:fontRef>
+        </p:style>
+      </p:cxnSp>
+      <p:cxnSp>
+        <p:nvCxnSpPr>
+          <p:cNvPr id="74" name="Straight Connector 73"/>
+          <p:cNvCxnSpPr>
+            <a:stCxn id="61" idx="6"/>
+            <a:endCxn id="19" idx="2"/>
+          </p:cNvCxnSpPr>
+          <p:nvPr/>
+        </p:nvCxnSpPr>
+        <p:spPr>
+          <a:xfrm>
+            <a:off x="7918839" y="4233702"/>
+            <a:ext cx="467908" cy="1058089"/>
+          </a:xfrm>
+          <a:prstGeom prst="line">
+            <a:avLst/>
+          </a:prstGeom>
+          <a:ln w="28575"/>
+        </p:spPr>
+        <p:style>
+          <a:lnRef idx="3">
+            <a:schemeClr val="dk1"/>
+          </a:lnRef>
+          <a:fillRef idx="0">
+            <a:schemeClr val="dk1"/>
+          </a:fillRef>
+          <a:effectRef idx="2">
+            <a:schemeClr val="dk1"/>
+          </a:effectRef>
+          <a:fontRef idx="minor">
+            <a:schemeClr val="tx1"/>
+          </a:fontRef>
+        </p:style>
+      </p:cxnSp>
+      <p:cxnSp>
+        <p:nvCxnSpPr>
+          <p:cNvPr id="77" name="Straight Connector 76"/>
+          <p:cNvCxnSpPr>
+            <a:stCxn id="62" idx="6"/>
+            <a:endCxn id="19" idx="2"/>
+          </p:cNvCxnSpPr>
+          <p:nvPr/>
+        </p:nvCxnSpPr>
+        <p:spPr>
+          <a:xfrm>
+            <a:off x="7918839" y="4939095"/>
+            <a:ext cx="467908" cy="352696"/>
+          </a:xfrm>
+          <a:prstGeom prst="line">
+            <a:avLst/>
+          </a:prstGeom>
+          <a:ln w="28575"/>
+        </p:spPr>
+        <p:style>
+          <a:lnRef idx="3">
+            <a:schemeClr val="dk1"/>
+          </a:lnRef>
+          <a:fillRef idx="0">
+            <a:schemeClr val="dk1"/>
+          </a:fillRef>
+          <a:effectRef idx="2">
+            <a:schemeClr val="dk1"/>
+          </a:effectRef>
+          <a:fontRef idx="minor">
+            <a:schemeClr val="tx1"/>
+          </a:fontRef>
+        </p:style>
+      </p:cxnSp>
+      <p:cxnSp>
+        <p:nvCxnSpPr>
+          <p:cNvPr id="79" name="Straight Connector 78"/>
+          <p:cNvCxnSpPr>
+            <a:stCxn id="63" idx="6"/>
+            <a:endCxn id="19" idx="2"/>
+          </p:cNvCxnSpPr>
+          <p:nvPr/>
+        </p:nvCxnSpPr>
+        <p:spPr>
+          <a:xfrm flipV="1">
+            <a:off x="7918839" y="5291791"/>
+            <a:ext cx="467908" cy="352697"/>
+          </a:xfrm>
+          <a:prstGeom prst="line">
+            <a:avLst/>
+          </a:prstGeom>
+          <a:ln w="28575"/>
+        </p:spPr>
+        <p:style>
+          <a:lnRef idx="3">
+            <a:schemeClr val="dk1"/>
+          </a:lnRef>
+          <a:fillRef idx="0">
+            <a:schemeClr val="dk1"/>
+          </a:fillRef>
+          <a:effectRef idx="2">
+            <a:schemeClr val="dk1"/>
+          </a:effectRef>
+          <a:fontRef idx="minor">
+            <a:schemeClr val="tx1"/>
+          </a:fontRef>
+        </p:style>
+      </p:cxnSp>
+      <p:cxnSp>
+        <p:nvCxnSpPr>
+          <p:cNvPr id="81" name="Straight Connector 80"/>
+          <p:cNvCxnSpPr>
+            <a:stCxn id="64" idx="6"/>
+            <a:endCxn id="19" idx="2"/>
+          </p:cNvCxnSpPr>
+          <p:nvPr/>
+        </p:nvCxnSpPr>
+        <p:spPr>
+          <a:xfrm flipV="1">
+            <a:off x="7918839" y="5291791"/>
+            <a:ext cx="467908" cy="1058090"/>
+          </a:xfrm>
+          <a:prstGeom prst="line">
+            <a:avLst/>
+          </a:prstGeom>
+          <a:ln w="28575"/>
+        </p:spPr>
+        <p:style>
+          <a:lnRef idx="3">
+            <a:schemeClr val="dk1"/>
+          </a:lnRef>
+          <a:fillRef idx="0">
+            <a:schemeClr val="dk1"/>
+          </a:fillRef>
+          <a:effectRef idx="2">
+            <a:schemeClr val="dk1"/>
+          </a:effectRef>
+          <a:fontRef idx="minor">
+            <a:schemeClr val="tx1"/>
+          </a:fontRef>
+        </p:style>
+      </p:cxnSp>
+      <p:sp>
+        <p:nvSpPr>
+          <p:cNvPr id="104" name="Oval 103"/>
+          <p:cNvSpPr/>
+          <p:nvPr/>
+        </p:nvSpPr>
+        <p:spPr>
+          <a:xfrm>
+            <a:off x="4989894" y="5291790"/>
+            <a:ext cx="1397726" cy="705393"/>
+          </a:xfrm>
+          <a:prstGeom prst="ellipse">
+            <a:avLst/>
+          </a:prstGeom>
+        </p:spPr>
+        <p:style>
+          <a:lnRef idx="3">
+            <a:schemeClr val="lt1"/>
+          </a:lnRef>
+          <a:fillRef idx="1">
+            <a:schemeClr val="accent5"/>
+          </a:fillRef>
+          <a:effectRef idx="1">
+            <a:schemeClr val="accent5"/>
+          </a:effectRef>
+          <a:fontRef idx="minor">
+            <a:schemeClr val="lt1"/>
+          </a:fontRef>
+        </p:style>
+        <p:txBody>
+          <a:bodyPr rtlCol="0" anchor="ctr"/>
+          <a:lstStyle/>
+          <a:p>
+            <a:pPr algn="ctr"/>
+            <a:r>
+              <a:rPr lang="en-US" dirty="0" smtClean="0"/>
+              <a:t>Falling</a:t>
+            </a:r>
+            <a:endParaRPr lang="en-US" dirty="0"/>
+          </a:p>
+        </p:txBody>
+      </p:sp>
+      <p:sp>
+        <p:nvSpPr>
+          <p:cNvPr id="110" name="Oval 109"/>
+          <p:cNvSpPr/>
+          <p:nvPr/>
+        </p:nvSpPr>
+        <p:spPr>
+          <a:xfrm>
+            <a:off x="3435887" y="1352332"/>
+            <a:ext cx="1397726" cy="705393"/>
+          </a:xfrm>
+          <a:prstGeom prst="ellipse">
+            <a:avLst/>
+          </a:prstGeom>
+        </p:spPr>
+        <p:style>
+          <a:lnRef idx="3">
+            <a:schemeClr val="lt1"/>
+          </a:lnRef>
+          <a:fillRef idx="1">
+            <a:schemeClr val="accent5"/>
+          </a:fillRef>
+          <a:effectRef idx="1">
+            <a:schemeClr val="accent5"/>
+          </a:effectRef>
+          <a:fontRef idx="minor">
+            <a:schemeClr val="lt1"/>
+          </a:fontRef>
+        </p:style>
+        <p:txBody>
+          <a:bodyPr rtlCol="0" anchor="ctr"/>
+          <a:lstStyle/>
+          <a:p>
+            <a:pPr algn="ctr"/>
+            <a:r>
+              <a:rPr lang="en-US" dirty="0" smtClean="0"/>
+              <a:t>Skills [ ]</a:t>
+            </a:r>
+            <a:endParaRPr lang="en-US" dirty="0"/>
+          </a:p>
+        </p:txBody>
+      </p:sp>
+      <p:sp>
+        <p:nvSpPr>
+          <p:cNvPr id="111" name="Oval 110"/>
+          <p:cNvSpPr/>
+          <p:nvPr/>
+        </p:nvSpPr>
+        <p:spPr>
+          <a:xfrm>
+            <a:off x="1932951" y="1352333"/>
+            <a:ext cx="1397726" cy="705393"/>
+          </a:xfrm>
+          <a:prstGeom prst="ellipse">
+            <a:avLst/>
+          </a:prstGeom>
+        </p:spPr>
+        <p:style>
+          <a:lnRef idx="3">
+            <a:schemeClr val="lt1"/>
+          </a:lnRef>
+          <a:fillRef idx="1">
+            <a:schemeClr val="accent5"/>
+          </a:fillRef>
+          <a:effectRef idx="1">
+            <a:schemeClr val="accent5"/>
+          </a:effectRef>
+          <a:fontRef idx="minor">
+            <a:schemeClr val="lt1"/>
+          </a:fontRef>
+        </p:style>
+        <p:txBody>
+          <a:bodyPr rtlCol="0" anchor="ctr"/>
+          <a:lstStyle/>
+          <a:p>
+            <a:pPr algn="ctr"/>
+            <a:r>
+              <a:rPr lang="en-US" dirty="0" smtClean="0"/>
+              <a:t>Types</a:t>
+            </a:r>
+            <a:endParaRPr lang="en-US" dirty="0"/>
+          </a:p>
+        </p:txBody>
+      </p:sp>
+      <p:sp>
+        <p:nvSpPr>
+          <p:cNvPr id="112" name="Oval 111"/>
+          <p:cNvSpPr/>
+          <p:nvPr/>
+        </p:nvSpPr>
+        <p:spPr>
+          <a:xfrm>
+            <a:off x="355168" y="247597"/>
+            <a:ext cx="1397726" cy="705393"/>
+          </a:xfrm>
+          <a:prstGeom prst="ellipse">
+            <a:avLst/>
+          </a:prstGeom>
+        </p:spPr>
+        <p:style>
+          <a:lnRef idx="3">
+            <a:schemeClr val="lt1"/>
+          </a:lnRef>
+          <a:fillRef idx="1">
+            <a:schemeClr val="accent5"/>
+          </a:fillRef>
+          <a:effectRef idx="1">
+            <a:schemeClr val="accent5"/>
+          </a:effectRef>
+          <a:fontRef idx="minor">
+            <a:schemeClr val="lt1"/>
+          </a:fontRef>
+        </p:style>
+        <p:txBody>
+          <a:bodyPr rtlCol="0" anchor="ctr"/>
+          <a:lstStyle/>
+          <a:p>
+            <a:pPr algn="ctr"/>
+            <a:r>
+              <a:rPr lang="en-US" dirty="0" smtClean="0"/>
+              <a:t>Damage</a:t>
+            </a:r>
+            <a:endParaRPr lang="en-US" dirty="0"/>
+          </a:p>
+        </p:txBody>
+      </p:sp>
+      <p:sp>
+        <p:nvSpPr>
+          <p:cNvPr id="113" name="Oval 112"/>
+          <p:cNvSpPr/>
+          <p:nvPr/>
+        </p:nvSpPr>
+        <p:spPr>
+          <a:xfrm>
+            <a:off x="355168" y="955840"/>
+            <a:ext cx="1397726" cy="705393"/>
+          </a:xfrm>
+          <a:prstGeom prst="ellipse">
+            <a:avLst/>
+          </a:prstGeom>
+        </p:spPr>
+        <p:style>
+          <a:lnRef idx="3">
+            <a:schemeClr val="lt1"/>
+          </a:lnRef>
+          <a:fillRef idx="1">
+            <a:schemeClr val="accent5"/>
+          </a:fillRef>
+          <a:effectRef idx="1">
+            <a:schemeClr val="accent5"/>
+          </a:effectRef>
+          <a:fontRef idx="minor">
+            <a:schemeClr val="lt1"/>
+          </a:fontRef>
+        </p:style>
+        <p:txBody>
+          <a:bodyPr rtlCol="0" anchor="ctr"/>
+          <a:lstStyle/>
+          <a:p>
+            <a:pPr algn="ctr"/>
+            <a:r>
+              <a:rPr lang="en-US" dirty="0" smtClean="0"/>
+              <a:t>Heal</a:t>
+            </a:r>
+            <a:endParaRPr lang="en-US" dirty="0"/>
+          </a:p>
+        </p:txBody>
+      </p:sp>
+      <p:sp>
+        <p:nvSpPr>
+          <p:cNvPr id="114" name="Oval 113"/>
+          <p:cNvSpPr/>
+          <p:nvPr/>
+        </p:nvSpPr>
+        <p:spPr>
+          <a:xfrm>
+            <a:off x="355168" y="1661233"/>
+            <a:ext cx="1397726" cy="705393"/>
+          </a:xfrm>
+          <a:prstGeom prst="ellipse">
+            <a:avLst/>
+          </a:prstGeom>
+        </p:spPr>
+        <p:style>
+          <a:lnRef idx="3">
+            <a:schemeClr val="lt1"/>
+          </a:lnRef>
+          <a:fillRef idx="1">
+            <a:schemeClr val="accent5"/>
+          </a:fillRef>
+          <a:effectRef idx="1">
+            <a:schemeClr val="accent5"/>
+          </a:effectRef>
+          <a:fontRef idx="minor">
+            <a:schemeClr val="lt1"/>
+          </a:fontRef>
+        </p:style>
+        <p:txBody>
+          <a:bodyPr rtlCol="0" anchor="ctr"/>
+          <a:lstStyle/>
+          <a:p>
+            <a:pPr algn="ctr"/>
+            <a:r>
+              <a:rPr lang="en-US" dirty="0" smtClean="0"/>
+              <a:t>Power</a:t>
+            </a:r>
+            <a:endParaRPr lang="en-US" dirty="0"/>
+          </a:p>
+        </p:txBody>
+      </p:sp>
+      <p:sp>
+        <p:nvSpPr>
+          <p:cNvPr id="115" name="Oval 114"/>
+          <p:cNvSpPr/>
+          <p:nvPr/>
+        </p:nvSpPr>
+        <p:spPr>
+          <a:xfrm>
+            <a:off x="355168" y="2366626"/>
+            <a:ext cx="1397726" cy="705393"/>
+          </a:xfrm>
+          <a:prstGeom prst="ellipse">
+            <a:avLst/>
+          </a:prstGeom>
+        </p:spPr>
+        <p:style>
+          <a:lnRef idx="3">
+            <a:schemeClr val="lt1"/>
+          </a:lnRef>
+          <a:fillRef idx="1">
+            <a:schemeClr val="accent5"/>
+          </a:fillRef>
+          <a:effectRef idx="1">
+            <a:schemeClr val="accent5"/>
+          </a:effectRef>
+          <a:fontRef idx="minor">
+            <a:schemeClr val="lt1"/>
+          </a:fontRef>
+        </p:style>
+        <p:txBody>
+          <a:bodyPr rtlCol="0" anchor="ctr"/>
+          <a:lstStyle/>
+          <a:p>
+            <a:pPr algn="ctr"/>
+            <a:r>
+              <a:rPr lang="en-US" dirty="0" smtClean="0"/>
+              <a:t>Speed</a:t>
+            </a:r>
+            <a:endParaRPr lang="en-US" dirty="0"/>
+          </a:p>
+        </p:txBody>
+      </p:sp>
+      <p:cxnSp>
+        <p:nvCxnSpPr>
+          <p:cNvPr id="116" name="Straight Connector 115"/>
+          <p:cNvCxnSpPr>
+            <a:stCxn id="111" idx="6"/>
+            <a:endCxn id="110" idx="2"/>
+          </p:cNvCxnSpPr>
+          <p:nvPr/>
+        </p:nvCxnSpPr>
+        <p:spPr>
+          <a:xfrm flipV="1">
+            <a:off x="3330677" y="1705029"/>
+            <a:ext cx="105210" cy="1"/>
+          </a:xfrm>
+          <a:prstGeom prst="line">
+            <a:avLst/>
+          </a:prstGeom>
+          <a:ln w="28575"/>
+        </p:spPr>
+        <p:style>
+          <a:lnRef idx="3">
+            <a:schemeClr val="dk1"/>
+          </a:lnRef>
+          <a:fillRef idx="0">
+            <a:schemeClr val="dk1"/>
+          </a:fillRef>
+          <a:effectRef idx="2">
+            <a:schemeClr val="dk1"/>
+          </a:effectRef>
+          <a:fontRef idx="minor">
+            <a:schemeClr val="tx1"/>
+          </a:fontRef>
+        </p:style>
+      </p:cxnSp>
+      <p:cxnSp>
+        <p:nvCxnSpPr>
+          <p:cNvPr id="117" name="Straight Connector 116"/>
+          <p:cNvCxnSpPr>
+            <a:stCxn id="114" idx="6"/>
+            <a:endCxn id="111" idx="2"/>
+          </p:cNvCxnSpPr>
+          <p:nvPr/>
+        </p:nvCxnSpPr>
+        <p:spPr>
+          <a:xfrm flipV="1">
+            <a:off x="1752894" y="1705030"/>
+            <a:ext cx="180057" cy="308900"/>
+          </a:xfrm>
+          <a:prstGeom prst="line">
+            <a:avLst/>
+          </a:prstGeom>
+          <a:ln w="28575"/>
+        </p:spPr>
+        <p:style>
+          <a:lnRef idx="3">
+            <a:schemeClr val="dk1"/>
+          </a:lnRef>
+          <a:fillRef idx="0">
+            <a:schemeClr val="dk1"/>
+          </a:fillRef>
+          <a:effectRef idx="2">
+            <a:schemeClr val="dk1"/>
+          </a:effectRef>
+          <a:fontRef idx="minor">
+            <a:schemeClr val="tx1"/>
+          </a:fontRef>
+        </p:style>
+      </p:cxnSp>
+      <p:cxnSp>
+        <p:nvCxnSpPr>
+          <p:cNvPr id="118" name="Straight Connector 117"/>
+          <p:cNvCxnSpPr>
+            <a:stCxn id="115" idx="6"/>
+            <a:endCxn id="111" idx="2"/>
+          </p:cNvCxnSpPr>
+          <p:nvPr/>
+        </p:nvCxnSpPr>
+        <p:spPr>
+          <a:xfrm flipV="1">
+            <a:off x="1752894" y="1705030"/>
+            <a:ext cx="180057" cy="1014293"/>
+          </a:xfrm>
+          <a:prstGeom prst="line">
+            <a:avLst/>
+          </a:prstGeom>
+          <a:ln w="28575"/>
+        </p:spPr>
+        <p:style>
+          <a:lnRef idx="3">
+            <a:schemeClr val="dk1"/>
+          </a:lnRef>
+          <a:fillRef idx="0">
+            <a:schemeClr val="dk1"/>
+          </a:fillRef>
+          <a:effectRef idx="2">
+            <a:schemeClr val="dk1"/>
+          </a:effectRef>
+          <a:fontRef idx="minor">
+            <a:schemeClr val="tx1"/>
+          </a:fontRef>
+        </p:style>
+      </p:cxnSp>
+      <p:cxnSp>
+        <p:nvCxnSpPr>
+          <p:cNvPr id="119" name="Straight Connector 118"/>
+          <p:cNvCxnSpPr>
+            <a:stCxn id="113" idx="6"/>
+            <a:endCxn id="111" idx="2"/>
+          </p:cNvCxnSpPr>
+          <p:nvPr/>
+        </p:nvCxnSpPr>
+        <p:spPr>
+          <a:xfrm>
+            <a:off x="1752894" y="1308537"/>
+            <a:ext cx="180057" cy="396493"/>
+          </a:xfrm>
+          <a:prstGeom prst="line">
+            <a:avLst/>
+          </a:prstGeom>
+          <a:ln w="28575"/>
+        </p:spPr>
+        <p:style>
+          <a:lnRef idx="3">
+            <a:schemeClr val="dk1"/>
+          </a:lnRef>
+          <a:fillRef idx="0">
+            <a:schemeClr val="dk1"/>
+          </a:fillRef>
+          <a:effectRef idx="2">
+            <a:schemeClr val="dk1"/>
+          </a:effectRef>
+          <a:fontRef idx="minor">
+            <a:schemeClr val="tx1"/>
+          </a:fontRef>
+        </p:style>
+      </p:cxnSp>
+      <p:cxnSp>
+        <p:nvCxnSpPr>
+          <p:cNvPr id="120" name="Straight Connector 119"/>
+          <p:cNvCxnSpPr>
+            <a:stCxn id="112" idx="6"/>
+            <a:endCxn id="111" idx="2"/>
+          </p:cNvCxnSpPr>
+          <p:nvPr/>
+        </p:nvCxnSpPr>
+        <p:spPr>
+          <a:xfrm>
+            <a:off x="1752894" y="600294"/>
+            <a:ext cx="180057" cy="1104736"/>
+          </a:xfrm>
+          <a:prstGeom prst="line">
+            <a:avLst/>
+          </a:prstGeom>
+          <a:ln w="28575"/>
+        </p:spPr>
+        <p:style>
+          <a:lnRef idx="3">
+            <a:schemeClr val="dk1"/>
+          </a:lnRef>
+          <a:fillRef idx="0">
+            <a:schemeClr val="dk1"/>
+          </a:fillRef>
+          <a:effectRef idx="2">
+            <a:schemeClr val="dk1"/>
+          </a:effectRef>
+          <a:fontRef idx="minor">
+            <a:schemeClr val="tx1"/>
+          </a:fontRef>
+        </p:style>
+      </p:cxnSp>
+      <p:cxnSp>
+        <p:nvCxnSpPr>
+          <p:cNvPr id="123" name="Straight Connector 122"/>
+          <p:cNvCxnSpPr>
+            <a:stCxn id="110" idx="6"/>
+            <a:endCxn id="5" idx="1"/>
+          </p:cNvCxnSpPr>
+          <p:nvPr/>
+        </p:nvCxnSpPr>
+        <p:spPr>
+          <a:xfrm flipH="1">
+            <a:off x="4004960" y="1705029"/>
+            <a:ext cx="828653" cy="1719688"/>
+          </a:xfrm>
+          <a:prstGeom prst="line">
+            <a:avLst/>
+          </a:prstGeom>
+          <a:ln w="28575"/>
+        </p:spPr>
+        <p:style>
+          <a:lnRef idx="3">
+            <a:schemeClr val="dk1"/>
+          </a:lnRef>
+          <a:fillRef idx="0">
+            <a:schemeClr val="dk1"/>
+          </a:fillRef>
+          <a:effectRef idx="2">
+            <a:schemeClr val="dk1"/>
+          </a:effectRef>
+          <a:fontRef idx="minor">
+            <a:schemeClr val="tx1"/>
+          </a:fontRef>
+        </p:style>
+      </p:cxnSp>
+    </p:spTree>
+    <p:extLst>
+      <p:ext uri="{BB962C8B-B14F-4D97-AF65-F5344CB8AC3E}">
+        <p14:creationId xmlns:p14="http://schemas.microsoft.com/office/powerpoint/2010/main" val="406101172"/>
+      </p:ext>
+    </p:extLst>
+  </p:cSld>
+  <p:clrMapOvr>
+    <a:masterClrMapping/>
+  </p:clrMapOvr>
+</p:sld>
+</file>
+
+<file path=ppt/slides/slide11.xml><?xml version="1.0" encoding="utf-8"?>
+<p:sld xmlns:a="http://schemas.openxmlformats.org/drawingml/2006/main" xmlns:r="http://schemas.openxmlformats.org/officeDocument/2006/relationships" xmlns:p="http://schemas.openxmlformats.org/presentationml/2006/main">
+  <p:cSld>
+    <p:spTree>
+      <p:nvGrpSpPr>
+        <p:cNvPr id="1" name=""/>
+        <p:cNvGrpSpPr/>
+        <p:nvPr/>
+      </p:nvGrpSpPr>
+      <p:grpSpPr>
+        <a:xfrm>
+          <a:off x="0" y="0"/>
+          <a:ext cx="0" cy="0"/>
+          <a:chOff x="0" y="0"/>
+          <a:chExt cx="0" cy="0"/>
+        </a:xfrm>
+      </p:grpSpPr>
+      <p:sp>
+        <p:nvSpPr>
+          <p:cNvPr id="5" name="Rounded Rectangle 4"/>
+          <p:cNvSpPr/>
+          <p:nvPr/>
+        </p:nvSpPr>
+        <p:spPr>
+          <a:xfrm>
+            <a:off x="374687" y="3165314"/>
+            <a:ext cx="1240972" cy="518805"/>
+          </a:xfrm>
+          <a:prstGeom prst="roundRect">
+            <a:avLst/>
+          </a:prstGeom>
+        </p:spPr>
+        <p:style>
+          <a:lnRef idx="2">
+            <a:schemeClr val="accent3">
+              <a:shade val="50000"/>
+            </a:schemeClr>
+          </a:lnRef>
+          <a:fillRef idx="1">
+            <a:schemeClr val="accent3"/>
+          </a:fillRef>
+          <a:effectRef idx="0">
+            <a:schemeClr val="accent3"/>
+          </a:effectRef>
+          <a:fontRef idx="minor">
+            <a:schemeClr val="lt1"/>
+          </a:fontRef>
+        </p:style>
+        <p:txBody>
+          <a:bodyPr rtlCol="0" anchor="ctr"/>
+          <a:lstStyle/>
+          <a:p>
+            <a:pPr algn="ctr"/>
+            <a:r>
+              <a:rPr lang="en-US" dirty="0" smtClean="0"/>
+              <a:t>Ball</a:t>
+            </a:r>
+            <a:endParaRPr lang="en-US" dirty="0"/>
+          </a:p>
+        </p:txBody>
+      </p:sp>
+      <p:cxnSp>
+        <p:nvCxnSpPr>
+          <p:cNvPr id="10" name="Straight Connector 9"/>
+          <p:cNvCxnSpPr>
+            <a:stCxn id="6" idx="2"/>
+            <a:endCxn id="5" idx="3"/>
+          </p:cNvCxnSpPr>
+          <p:nvPr/>
+        </p:nvCxnSpPr>
+        <p:spPr>
+          <a:xfrm flipH="1">
+            <a:off x="1615659" y="1923650"/>
+            <a:ext cx="1173422" cy="1501067"/>
+          </a:xfrm>
+          <a:prstGeom prst="line">
+            <a:avLst/>
+          </a:prstGeom>
+          <a:ln w="28575"/>
+        </p:spPr>
+        <p:style>
+          <a:lnRef idx="3">
+            <a:schemeClr val="dk1"/>
+          </a:lnRef>
+          <a:fillRef idx="0">
+            <a:schemeClr val="dk1"/>
+          </a:fillRef>
+          <a:effectRef idx="2">
+            <a:schemeClr val="dk1"/>
+          </a:effectRef>
+          <a:fontRef idx="minor">
+            <a:schemeClr val="tx1"/>
+          </a:fontRef>
+        </p:style>
+      </p:cxnSp>
+      <p:sp>
+        <p:nvSpPr>
+          <p:cNvPr id="6" name="Oval 5"/>
+          <p:cNvSpPr/>
+          <p:nvPr/>
+        </p:nvSpPr>
+        <p:spPr>
+          <a:xfrm>
+            <a:off x="2789081" y="1570953"/>
+            <a:ext cx="1397726" cy="705393"/>
+          </a:xfrm>
+          <a:prstGeom prst="ellipse">
+            <a:avLst/>
+          </a:prstGeom>
+        </p:spPr>
+        <p:style>
+          <a:lnRef idx="3">
+            <a:schemeClr val="lt1"/>
+          </a:lnRef>
+          <a:fillRef idx="1">
+            <a:schemeClr val="accent5"/>
+          </a:fillRef>
+          <a:effectRef idx="1">
+            <a:schemeClr val="accent5"/>
+          </a:effectRef>
+          <a:fontRef idx="minor">
+            <a:schemeClr val="lt1"/>
+          </a:fontRef>
+        </p:style>
+        <p:txBody>
+          <a:bodyPr rtlCol="0" anchor="ctr"/>
+          <a:lstStyle/>
+          <a:p>
+            <a:pPr algn="ctr"/>
+            <a:r>
+              <a:rPr lang="en-US" dirty="0" smtClean="0"/>
+              <a:t>Dribble </a:t>
+            </a:r>
+            <a:endParaRPr lang="en-US" dirty="0"/>
+          </a:p>
+        </p:txBody>
+      </p:sp>
+      <p:sp>
+        <p:nvSpPr>
+          <p:cNvPr id="31" name="Oval 30"/>
+          <p:cNvSpPr/>
+          <p:nvPr/>
+        </p:nvSpPr>
+        <p:spPr>
+          <a:xfrm>
+            <a:off x="2646370" y="3165314"/>
+            <a:ext cx="1397726" cy="705393"/>
+          </a:xfrm>
+          <a:prstGeom prst="ellipse">
+            <a:avLst/>
+          </a:prstGeom>
+        </p:spPr>
+        <p:style>
+          <a:lnRef idx="3">
+            <a:schemeClr val="lt1"/>
+          </a:lnRef>
+          <a:fillRef idx="1">
+            <a:schemeClr val="accent5"/>
+          </a:fillRef>
+          <a:effectRef idx="1">
+            <a:schemeClr val="accent5"/>
+          </a:effectRef>
+          <a:fontRef idx="minor">
+            <a:schemeClr val="lt1"/>
+          </a:fontRef>
+        </p:style>
+        <p:txBody>
+          <a:bodyPr rtlCol="0" anchor="ctr"/>
+          <a:lstStyle/>
+          <a:p>
+            <a:pPr algn="ctr"/>
+            <a:r>
+              <a:rPr lang="en-US" dirty="0" smtClean="0"/>
+              <a:t>Hit Goal Pole</a:t>
+            </a:r>
+            <a:endParaRPr lang="en-US" dirty="0"/>
+          </a:p>
+        </p:txBody>
+      </p:sp>
+      <p:sp>
+        <p:nvSpPr>
+          <p:cNvPr id="32" name="Oval 31"/>
+          <p:cNvSpPr/>
+          <p:nvPr/>
+        </p:nvSpPr>
+        <p:spPr>
+          <a:xfrm>
+            <a:off x="2646370" y="3870707"/>
+            <a:ext cx="1397726" cy="705393"/>
+          </a:xfrm>
+          <a:prstGeom prst="ellipse">
+            <a:avLst/>
+          </a:prstGeom>
+        </p:spPr>
+        <p:style>
+          <a:lnRef idx="3">
+            <a:schemeClr val="lt1"/>
+          </a:lnRef>
+          <a:fillRef idx="1">
+            <a:schemeClr val="accent5"/>
+          </a:fillRef>
+          <a:effectRef idx="1">
+            <a:schemeClr val="accent5"/>
+          </a:effectRef>
+          <a:fontRef idx="minor">
+            <a:schemeClr val="lt1"/>
+          </a:fontRef>
+        </p:style>
+        <p:txBody>
+          <a:bodyPr rtlCol="0" anchor="ctr"/>
+          <a:lstStyle/>
+          <a:p>
+            <a:pPr algn="ctr"/>
+            <a:r>
+              <a:rPr lang="en-US" dirty="0" smtClean="0"/>
+              <a:t>Falling</a:t>
+            </a:r>
+            <a:endParaRPr lang="en-US" dirty="0"/>
+          </a:p>
+        </p:txBody>
+      </p:sp>
+      <p:sp>
+        <p:nvSpPr>
+          <p:cNvPr id="34" name="Oval 33"/>
+          <p:cNvSpPr/>
+          <p:nvPr/>
+        </p:nvSpPr>
+        <p:spPr>
+          <a:xfrm>
+            <a:off x="2646370" y="4576100"/>
+            <a:ext cx="1397726" cy="705393"/>
+          </a:xfrm>
+          <a:prstGeom prst="ellipse">
+            <a:avLst/>
+          </a:prstGeom>
+        </p:spPr>
+        <p:style>
+          <a:lnRef idx="3">
+            <a:schemeClr val="lt1"/>
+          </a:lnRef>
+          <a:fillRef idx="1">
+            <a:schemeClr val="accent5"/>
+          </a:fillRef>
+          <a:effectRef idx="1">
+            <a:schemeClr val="accent5"/>
+          </a:effectRef>
+          <a:fontRef idx="minor">
+            <a:schemeClr val="lt1"/>
+          </a:fontRef>
+        </p:style>
+        <p:txBody>
+          <a:bodyPr rtlCol="0" anchor="ctr"/>
+          <a:lstStyle/>
+          <a:p>
+            <a:pPr algn="ctr"/>
+            <a:r>
+              <a:rPr lang="en-US" dirty="0" smtClean="0"/>
+              <a:t>Kicked</a:t>
+            </a:r>
+            <a:endParaRPr lang="en-US" dirty="0"/>
+          </a:p>
+        </p:txBody>
+      </p:sp>
+      <p:sp>
+        <p:nvSpPr>
+          <p:cNvPr id="35" name="Oval 34"/>
+          <p:cNvSpPr/>
+          <p:nvPr/>
+        </p:nvSpPr>
+        <p:spPr>
+          <a:xfrm>
+            <a:off x="2646370" y="5281493"/>
+            <a:ext cx="1397726" cy="705393"/>
+          </a:xfrm>
+          <a:prstGeom prst="ellipse">
+            <a:avLst/>
+          </a:prstGeom>
+        </p:spPr>
+        <p:style>
+          <a:lnRef idx="3">
+            <a:schemeClr val="lt1"/>
+          </a:lnRef>
+          <a:fillRef idx="1">
+            <a:schemeClr val="accent5"/>
+          </a:fillRef>
+          <a:effectRef idx="1">
+            <a:schemeClr val="accent5"/>
+          </a:effectRef>
+          <a:fontRef idx="minor">
+            <a:schemeClr val="lt1"/>
+          </a:fontRef>
+        </p:style>
+        <p:txBody>
+          <a:bodyPr rtlCol="0" anchor="ctr"/>
+          <a:lstStyle/>
+          <a:p>
+            <a:pPr algn="ctr"/>
+            <a:r>
+              <a:rPr lang="en-US" dirty="0" smtClean="0"/>
+              <a:t>Controlled</a:t>
+            </a:r>
+            <a:endParaRPr lang="en-US" dirty="0"/>
+          </a:p>
+        </p:txBody>
+      </p:sp>
+      <p:sp>
+        <p:nvSpPr>
+          <p:cNvPr id="40" name="Oval 39"/>
+          <p:cNvSpPr/>
+          <p:nvPr/>
+        </p:nvSpPr>
+        <p:spPr>
+          <a:xfrm>
+            <a:off x="4523900" y="160167"/>
+            <a:ext cx="1397726" cy="705393"/>
+          </a:xfrm>
+          <a:prstGeom prst="ellipse">
+            <a:avLst/>
+          </a:prstGeom>
+        </p:spPr>
+        <p:style>
+          <a:lnRef idx="3">
+            <a:schemeClr val="lt1"/>
+          </a:lnRef>
+          <a:fillRef idx="1">
+            <a:schemeClr val="accent5"/>
+          </a:fillRef>
+          <a:effectRef idx="1">
+            <a:schemeClr val="accent5"/>
+          </a:effectRef>
+          <a:fontRef idx="minor">
+            <a:schemeClr val="lt1"/>
+          </a:fontRef>
+        </p:style>
+        <p:txBody>
+          <a:bodyPr rtlCol="0" anchor="ctr"/>
+          <a:lstStyle/>
+          <a:p>
+            <a:pPr algn="ctr"/>
+            <a:r>
+              <a:rPr lang="en-US" dirty="0" smtClean="0"/>
+              <a:t>Spring Grass</a:t>
+            </a:r>
+            <a:endParaRPr lang="en-US" dirty="0"/>
+          </a:p>
+        </p:txBody>
+      </p:sp>
+      <p:sp>
+        <p:nvSpPr>
+          <p:cNvPr id="41" name="Oval 40"/>
+          <p:cNvSpPr/>
+          <p:nvPr/>
+        </p:nvSpPr>
+        <p:spPr>
+          <a:xfrm>
+            <a:off x="4523900" y="865561"/>
+            <a:ext cx="1397726" cy="705393"/>
+          </a:xfrm>
+          <a:prstGeom prst="ellipse">
+            <a:avLst/>
+          </a:prstGeom>
+        </p:spPr>
+        <p:style>
+          <a:lnRef idx="3">
+            <a:schemeClr val="lt1"/>
+          </a:lnRef>
+          <a:fillRef idx="1">
+            <a:schemeClr val="accent5"/>
+          </a:fillRef>
+          <a:effectRef idx="1">
+            <a:schemeClr val="accent5"/>
+          </a:effectRef>
+          <a:fontRef idx="minor">
+            <a:schemeClr val="lt1"/>
+          </a:fontRef>
+        </p:style>
+        <p:txBody>
+          <a:bodyPr rtlCol="0" anchor="ctr"/>
+          <a:lstStyle/>
+          <a:p>
+            <a:pPr algn="ctr"/>
+            <a:r>
+              <a:rPr lang="en-US" dirty="0" smtClean="0"/>
+              <a:t>Autumn Leaf</a:t>
+            </a:r>
+            <a:endParaRPr lang="en-US" dirty="0"/>
+          </a:p>
+        </p:txBody>
+      </p:sp>
+      <p:sp>
+        <p:nvSpPr>
+          <p:cNvPr id="17" name="Oval 16"/>
+          <p:cNvSpPr/>
+          <p:nvPr/>
+        </p:nvSpPr>
+        <p:spPr>
+          <a:xfrm>
+            <a:off x="4521222" y="1570954"/>
+            <a:ext cx="1397726" cy="705393"/>
+          </a:xfrm>
+          <a:prstGeom prst="ellipse">
+            <a:avLst/>
+          </a:prstGeom>
+        </p:spPr>
+        <p:style>
+          <a:lnRef idx="3">
+            <a:schemeClr val="lt1"/>
+          </a:lnRef>
+          <a:fillRef idx="1">
+            <a:schemeClr val="accent5"/>
+          </a:fillRef>
+          <a:effectRef idx="1">
+            <a:schemeClr val="accent5"/>
+          </a:effectRef>
+          <a:fontRef idx="minor">
+            <a:schemeClr val="lt1"/>
+          </a:fontRef>
+        </p:style>
+        <p:txBody>
+          <a:bodyPr rtlCol="0" anchor="ctr"/>
+          <a:lstStyle/>
+          <a:p>
+            <a:pPr algn="ctr"/>
+            <a:r>
+              <a:rPr lang="en-US" dirty="0" smtClean="0"/>
+              <a:t>Summer Ground</a:t>
+            </a:r>
+            <a:endParaRPr lang="en-US" dirty="0"/>
+          </a:p>
+        </p:txBody>
+      </p:sp>
+      <p:sp>
+        <p:nvSpPr>
+          <p:cNvPr id="18" name="Oval 17"/>
+          <p:cNvSpPr/>
+          <p:nvPr/>
+        </p:nvSpPr>
+        <p:spPr>
+          <a:xfrm>
+            <a:off x="4521222" y="2276347"/>
+            <a:ext cx="1397726" cy="705393"/>
+          </a:xfrm>
+          <a:prstGeom prst="ellipse">
+            <a:avLst/>
+          </a:prstGeom>
+        </p:spPr>
+        <p:style>
+          <a:lnRef idx="3">
+            <a:schemeClr val="lt1"/>
+          </a:lnRef>
+          <a:fillRef idx="1">
+            <a:schemeClr val="accent5"/>
+          </a:fillRef>
+          <a:effectRef idx="1">
+            <a:schemeClr val="accent5"/>
+          </a:effectRef>
+          <a:fontRef idx="minor">
+            <a:schemeClr val="lt1"/>
+          </a:fontRef>
+        </p:style>
+        <p:txBody>
+          <a:bodyPr rtlCol="0" anchor="ctr"/>
+          <a:lstStyle/>
+          <a:p>
+            <a:pPr algn="ctr"/>
+            <a:r>
+              <a:rPr lang="en-US" dirty="0" smtClean="0"/>
+              <a:t>Winter Snow</a:t>
+            </a:r>
+            <a:endParaRPr lang="en-US" dirty="0"/>
+          </a:p>
+        </p:txBody>
+      </p:sp>
+      <p:sp>
+        <p:nvSpPr>
+          <p:cNvPr id="22" name="Oval 21"/>
+          <p:cNvSpPr/>
+          <p:nvPr/>
+        </p:nvSpPr>
+        <p:spPr>
+          <a:xfrm>
+            <a:off x="2646370" y="5986886"/>
+            <a:ext cx="1397726" cy="705393"/>
+          </a:xfrm>
+          <a:prstGeom prst="ellipse">
+            <a:avLst/>
+          </a:prstGeom>
+        </p:spPr>
+        <p:style>
+          <a:lnRef idx="3">
+            <a:schemeClr val="lt1"/>
+          </a:lnRef>
+          <a:fillRef idx="1">
+            <a:schemeClr val="accent5"/>
+          </a:fillRef>
+          <a:effectRef idx="1">
+            <a:schemeClr val="accent5"/>
+          </a:effectRef>
+          <a:fontRef idx="minor">
+            <a:schemeClr val="lt1"/>
+          </a:fontRef>
+        </p:style>
+        <p:txBody>
+          <a:bodyPr rtlCol="0" anchor="ctr"/>
+          <a:lstStyle/>
+          <a:p>
+            <a:pPr algn="ctr"/>
+            <a:r>
+              <a:rPr lang="en-US" dirty="0" smtClean="0"/>
+              <a:t>Rage</a:t>
+            </a:r>
+            <a:endParaRPr lang="en-US" dirty="0"/>
+          </a:p>
+        </p:txBody>
+      </p:sp>
+      <p:cxnSp>
+        <p:nvCxnSpPr>
+          <p:cNvPr id="43" name="Straight Connector 42"/>
+          <p:cNvCxnSpPr>
+            <a:stCxn id="17" idx="2"/>
+            <a:endCxn id="6" idx="6"/>
+          </p:cNvCxnSpPr>
+          <p:nvPr/>
+        </p:nvCxnSpPr>
+        <p:spPr>
+          <a:xfrm flipH="1" flipV="1">
+            <a:off x="4186807" y="1923650"/>
+            <a:ext cx="334415" cy="1"/>
+          </a:xfrm>
+          <a:prstGeom prst="line">
+            <a:avLst/>
+          </a:prstGeom>
+          <a:ln w="28575"/>
+        </p:spPr>
+        <p:style>
+          <a:lnRef idx="3">
+            <a:schemeClr val="dk1"/>
+          </a:lnRef>
+          <a:fillRef idx="0">
+            <a:schemeClr val="dk1"/>
+          </a:fillRef>
+          <a:effectRef idx="2">
+            <a:schemeClr val="dk1"/>
+          </a:effectRef>
+          <a:fontRef idx="minor">
+            <a:schemeClr val="tx1"/>
+          </a:fontRef>
+        </p:style>
+      </p:cxnSp>
+      <p:cxnSp>
+        <p:nvCxnSpPr>
+          <p:cNvPr id="44" name="Straight Connector 43"/>
+          <p:cNvCxnSpPr>
+            <a:stCxn id="6" idx="6"/>
+            <a:endCxn id="18" idx="2"/>
+          </p:cNvCxnSpPr>
+          <p:nvPr/>
+        </p:nvCxnSpPr>
+        <p:spPr>
+          <a:xfrm>
+            <a:off x="4186807" y="1923650"/>
+            <a:ext cx="334415" cy="705394"/>
+          </a:xfrm>
+          <a:prstGeom prst="line">
+            <a:avLst/>
+          </a:prstGeom>
+          <a:ln w="28575"/>
+        </p:spPr>
+        <p:style>
+          <a:lnRef idx="3">
+            <a:schemeClr val="dk1"/>
+          </a:lnRef>
+          <a:fillRef idx="0">
+            <a:schemeClr val="dk1"/>
+          </a:fillRef>
+          <a:effectRef idx="2">
+            <a:schemeClr val="dk1"/>
+          </a:effectRef>
+          <a:fontRef idx="minor">
+            <a:schemeClr val="tx1"/>
+          </a:fontRef>
+        </p:style>
+      </p:cxnSp>
+      <p:cxnSp>
+        <p:nvCxnSpPr>
+          <p:cNvPr id="48" name="Straight Connector 47"/>
+          <p:cNvCxnSpPr>
+            <a:stCxn id="41" idx="2"/>
+            <a:endCxn id="6" idx="6"/>
+          </p:cNvCxnSpPr>
+          <p:nvPr/>
+        </p:nvCxnSpPr>
+        <p:spPr>
+          <a:xfrm flipH="1">
+            <a:off x="4186807" y="1218258"/>
+            <a:ext cx="337093" cy="705392"/>
+          </a:xfrm>
+          <a:prstGeom prst="line">
+            <a:avLst/>
+          </a:prstGeom>
+          <a:ln w="28575"/>
+        </p:spPr>
+        <p:style>
+          <a:lnRef idx="3">
+            <a:schemeClr val="dk1"/>
+          </a:lnRef>
+          <a:fillRef idx="0">
+            <a:schemeClr val="dk1"/>
+          </a:fillRef>
+          <a:effectRef idx="2">
+            <a:schemeClr val="dk1"/>
+          </a:effectRef>
+          <a:fontRef idx="minor">
+            <a:schemeClr val="tx1"/>
+          </a:fontRef>
+        </p:style>
+      </p:cxnSp>
+      <p:cxnSp>
+        <p:nvCxnSpPr>
+          <p:cNvPr id="51" name="Straight Connector 50"/>
+          <p:cNvCxnSpPr>
+            <a:stCxn id="40" idx="2"/>
+            <a:endCxn id="6" idx="6"/>
+          </p:cNvCxnSpPr>
+          <p:nvPr/>
+        </p:nvCxnSpPr>
+        <p:spPr>
+          <a:xfrm flipH="1">
+            <a:off x="4186807" y="512864"/>
+            <a:ext cx="337093" cy="1410786"/>
+          </a:xfrm>
+          <a:prstGeom prst="line">
+            <a:avLst/>
+          </a:prstGeom>
+          <a:ln w="28575"/>
+        </p:spPr>
+        <p:style>
+          <a:lnRef idx="3">
+            <a:schemeClr val="dk1"/>
+          </a:lnRef>
+          <a:fillRef idx="0">
+            <a:schemeClr val="dk1"/>
+          </a:fillRef>
+          <a:effectRef idx="2">
+            <a:schemeClr val="dk1"/>
+          </a:effectRef>
+          <a:fontRef idx="minor">
+            <a:schemeClr val="tx1"/>
+          </a:fontRef>
+        </p:style>
+      </p:cxnSp>
+      <p:cxnSp>
+        <p:nvCxnSpPr>
+          <p:cNvPr id="49" name="Straight Connector 48"/>
+          <p:cNvCxnSpPr>
+            <a:stCxn id="31" idx="2"/>
+            <a:endCxn id="5" idx="3"/>
+          </p:cNvCxnSpPr>
+          <p:nvPr/>
+        </p:nvCxnSpPr>
+        <p:spPr>
+          <a:xfrm flipH="1" flipV="1">
+            <a:off x="1615659" y="3424717"/>
+            <a:ext cx="1030711" cy="93294"/>
+          </a:xfrm>
+          <a:prstGeom prst="line">
+            <a:avLst/>
+          </a:prstGeom>
+          <a:ln w="28575"/>
+        </p:spPr>
+        <p:style>
+          <a:lnRef idx="3">
+            <a:schemeClr val="dk1"/>
+          </a:lnRef>
+          <a:fillRef idx="0">
+            <a:schemeClr val="dk1"/>
+          </a:fillRef>
+          <a:effectRef idx="2">
+            <a:schemeClr val="dk1"/>
+          </a:effectRef>
+          <a:fontRef idx="minor">
+            <a:schemeClr val="tx1"/>
+          </a:fontRef>
+        </p:style>
+      </p:cxnSp>
+      <p:cxnSp>
+        <p:nvCxnSpPr>
+          <p:cNvPr id="52" name="Straight Connector 51"/>
+          <p:cNvCxnSpPr>
+            <a:stCxn id="32" idx="2"/>
+            <a:endCxn id="5" idx="3"/>
+          </p:cNvCxnSpPr>
+          <p:nvPr/>
+        </p:nvCxnSpPr>
+        <p:spPr>
+          <a:xfrm flipH="1" flipV="1">
+            <a:off x="1615659" y="3424717"/>
+            <a:ext cx="1030711" cy="798687"/>
+          </a:xfrm>
+          <a:prstGeom prst="line">
+            <a:avLst/>
+          </a:prstGeom>
+          <a:ln w="28575"/>
+        </p:spPr>
+        <p:style>
+          <a:lnRef idx="3">
+            <a:schemeClr val="dk1"/>
+          </a:lnRef>
+          <a:fillRef idx="0">
+            <a:schemeClr val="dk1"/>
+          </a:fillRef>
+          <a:effectRef idx="2">
+            <a:schemeClr val="dk1"/>
+          </a:effectRef>
+          <a:fontRef idx="minor">
+            <a:schemeClr val="tx1"/>
+          </a:fontRef>
+        </p:style>
+      </p:cxnSp>
+      <p:cxnSp>
+        <p:nvCxnSpPr>
+          <p:cNvPr id="54" name="Straight Connector 53"/>
+          <p:cNvCxnSpPr>
+            <a:stCxn id="34" idx="2"/>
+            <a:endCxn id="5" idx="3"/>
+          </p:cNvCxnSpPr>
+          <p:nvPr/>
+        </p:nvCxnSpPr>
+        <p:spPr>
+          <a:xfrm flipH="1" flipV="1">
+            <a:off x="1615659" y="3424717"/>
+            <a:ext cx="1030711" cy="1504080"/>
+          </a:xfrm>
+          <a:prstGeom prst="line">
+            <a:avLst/>
+          </a:prstGeom>
+          <a:ln w="28575"/>
+        </p:spPr>
+        <p:style>
+          <a:lnRef idx="3">
+            <a:schemeClr val="dk1"/>
+          </a:lnRef>
+          <a:fillRef idx="0">
+            <a:schemeClr val="dk1"/>
+          </a:fillRef>
+          <a:effectRef idx="2">
+            <a:schemeClr val="dk1"/>
+          </a:effectRef>
+          <a:fontRef idx="minor">
+            <a:schemeClr val="tx1"/>
+          </a:fontRef>
+        </p:style>
+      </p:cxnSp>
+      <p:cxnSp>
+        <p:nvCxnSpPr>
+          <p:cNvPr id="57" name="Straight Connector 56"/>
+          <p:cNvCxnSpPr>
+            <a:stCxn id="35" idx="2"/>
+            <a:endCxn id="5" idx="3"/>
+          </p:cNvCxnSpPr>
+          <p:nvPr/>
+        </p:nvCxnSpPr>
+        <p:spPr>
+          <a:xfrm flipH="1" flipV="1">
+            <a:off x="1615659" y="3424717"/>
+            <a:ext cx="1030711" cy="2209473"/>
+          </a:xfrm>
+          <a:prstGeom prst="line">
+            <a:avLst/>
+          </a:prstGeom>
+          <a:ln w="28575"/>
+        </p:spPr>
+        <p:style>
+          <a:lnRef idx="3">
+            <a:schemeClr val="dk1"/>
+          </a:lnRef>
+          <a:fillRef idx="0">
+            <a:schemeClr val="dk1"/>
+          </a:fillRef>
+          <a:effectRef idx="2">
+            <a:schemeClr val="dk1"/>
+          </a:effectRef>
+          <a:fontRef idx="minor">
+            <a:schemeClr val="tx1"/>
+          </a:fontRef>
+        </p:style>
+      </p:cxnSp>
+      <p:cxnSp>
+        <p:nvCxnSpPr>
+          <p:cNvPr id="60" name="Straight Connector 59"/>
+          <p:cNvCxnSpPr>
+            <a:stCxn id="22" idx="2"/>
+            <a:endCxn id="5" idx="3"/>
+          </p:cNvCxnSpPr>
+          <p:nvPr/>
+        </p:nvCxnSpPr>
+        <p:spPr>
+          <a:xfrm flipH="1" flipV="1">
+            <a:off x="1615659" y="3424717"/>
+            <a:ext cx="1030711" cy="2914866"/>
+          </a:xfrm>
+          <a:prstGeom prst="line">
+            <a:avLst/>
+          </a:prstGeom>
+          <a:ln w="28575"/>
+        </p:spPr>
+        <p:style>
+          <a:lnRef idx="3">
+            <a:schemeClr val="dk1"/>
+          </a:lnRef>
+          <a:fillRef idx="0">
+            <a:schemeClr val="dk1"/>
+          </a:fillRef>
+          <a:effectRef idx="2">
+            <a:schemeClr val="dk1"/>
+          </a:effectRef>
+          <a:fontRef idx="minor">
+            <a:schemeClr val="tx1"/>
+          </a:fontRef>
+        </p:style>
+      </p:cxnSp>
+      <p:sp>
+        <p:nvSpPr>
+          <p:cNvPr id="70" name="Rounded Rectangle 69"/>
+          <p:cNvSpPr/>
+          <p:nvPr/>
+        </p:nvSpPr>
+        <p:spPr>
+          <a:xfrm>
+            <a:off x="6574591" y="1713743"/>
+            <a:ext cx="1240972" cy="518805"/>
+          </a:xfrm>
+          <a:prstGeom prst="roundRect">
+            <a:avLst/>
+          </a:prstGeom>
+        </p:spPr>
+        <p:style>
+          <a:lnRef idx="2">
+            <a:schemeClr val="accent3">
+              <a:shade val="50000"/>
+            </a:schemeClr>
+          </a:lnRef>
+          <a:fillRef idx="1">
+            <a:schemeClr val="accent3"/>
+          </a:fillRef>
+          <a:effectRef idx="0">
+            <a:schemeClr val="accent3"/>
+          </a:effectRef>
+          <a:fontRef idx="minor">
+            <a:schemeClr val="lt1"/>
+          </a:fontRef>
+        </p:style>
+        <p:txBody>
+          <a:bodyPr rtlCol="0" anchor="ctr"/>
+          <a:lstStyle/>
+          <a:p>
+            <a:pPr algn="ctr"/>
+            <a:r>
+              <a:rPr lang="en-US" dirty="0" smtClean="0"/>
+              <a:t>Skill</a:t>
+            </a:r>
+            <a:endParaRPr lang="en-US" dirty="0"/>
+          </a:p>
+        </p:txBody>
+      </p:sp>
+      <p:sp>
+        <p:nvSpPr>
+          <p:cNvPr id="72" name="Oval 71"/>
+          <p:cNvSpPr/>
+          <p:nvPr/>
+        </p:nvSpPr>
+        <p:spPr>
+          <a:xfrm>
+            <a:off x="8079813" y="1923648"/>
+            <a:ext cx="1397726" cy="705393"/>
+          </a:xfrm>
+          <a:prstGeom prst="ellipse">
+            <a:avLst/>
+          </a:prstGeom>
+        </p:spPr>
+        <p:style>
+          <a:lnRef idx="3">
+            <a:schemeClr val="lt1"/>
+          </a:lnRef>
+          <a:fillRef idx="1">
+            <a:schemeClr val="accent5"/>
+          </a:fillRef>
+          <a:effectRef idx="1">
+            <a:schemeClr val="accent5"/>
+          </a:effectRef>
+          <a:fontRef idx="minor">
+            <a:schemeClr val="lt1"/>
+          </a:fontRef>
+        </p:style>
+        <p:txBody>
+          <a:bodyPr rtlCol="0" anchor="ctr"/>
+          <a:lstStyle/>
+          <a:p>
+            <a:pPr algn="ctr"/>
+            <a:r>
+              <a:rPr lang="en-US" dirty="0" smtClean="0"/>
+              <a:t>Types</a:t>
+            </a:r>
+            <a:endParaRPr lang="en-US" dirty="0"/>
+          </a:p>
+        </p:txBody>
+      </p:sp>
+      <p:sp>
+        <p:nvSpPr>
+          <p:cNvPr id="73" name="Oval 72"/>
+          <p:cNvSpPr/>
+          <p:nvPr/>
+        </p:nvSpPr>
+        <p:spPr>
+          <a:xfrm>
+            <a:off x="9741789" y="818912"/>
+            <a:ext cx="1397726" cy="705393"/>
+          </a:xfrm>
+          <a:prstGeom prst="ellipse">
+            <a:avLst/>
+          </a:prstGeom>
+        </p:spPr>
+        <p:style>
+          <a:lnRef idx="3">
+            <a:schemeClr val="lt1"/>
+          </a:lnRef>
+          <a:fillRef idx="1">
+            <a:schemeClr val="accent5"/>
+          </a:fillRef>
+          <a:effectRef idx="1">
+            <a:schemeClr val="accent5"/>
+          </a:effectRef>
+          <a:fontRef idx="minor">
+            <a:schemeClr val="lt1"/>
+          </a:fontRef>
+        </p:style>
+        <p:txBody>
+          <a:bodyPr rtlCol="0" anchor="ctr"/>
+          <a:lstStyle/>
+          <a:p>
+            <a:pPr algn="ctr"/>
+            <a:r>
+              <a:rPr lang="en-US" dirty="0" smtClean="0"/>
+              <a:t>Damage</a:t>
+            </a:r>
+            <a:endParaRPr lang="en-US" dirty="0"/>
+          </a:p>
+        </p:txBody>
+      </p:sp>
+      <p:sp>
+        <p:nvSpPr>
+          <p:cNvPr id="75" name="Oval 74"/>
+          <p:cNvSpPr/>
+          <p:nvPr/>
+        </p:nvSpPr>
+        <p:spPr>
+          <a:xfrm>
+            <a:off x="9741789" y="1527155"/>
+            <a:ext cx="1397726" cy="705393"/>
+          </a:xfrm>
+          <a:prstGeom prst="ellipse">
+            <a:avLst/>
+          </a:prstGeom>
+        </p:spPr>
+        <p:style>
+          <a:lnRef idx="3">
+            <a:schemeClr val="lt1"/>
+          </a:lnRef>
+          <a:fillRef idx="1">
+            <a:schemeClr val="accent5"/>
+          </a:fillRef>
+          <a:effectRef idx="1">
+            <a:schemeClr val="accent5"/>
+          </a:effectRef>
+          <a:fontRef idx="minor">
+            <a:schemeClr val="lt1"/>
+          </a:fontRef>
+        </p:style>
+        <p:txBody>
+          <a:bodyPr rtlCol="0" anchor="ctr"/>
+          <a:lstStyle/>
+          <a:p>
+            <a:pPr algn="ctr"/>
+            <a:r>
+              <a:rPr lang="en-US" dirty="0" smtClean="0"/>
+              <a:t>Heal</a:t>
+            </a:r>
+            <a:endParaRPr lang="en-US" dirty="0"/>
+          </a:p>
+        </p:txBody>
+      </p:sp>
+      <p:sp>
+        <p:nvSpPr>
+          <p:cNvPr id="76" name="Oval 75"/>
+          <p:cNvSpPr/>
+          <p:nvPr/>
+        </p:nvSpPr>
+        <p:spPr>
+          <a:xfrm>
+            <a:off x="9741789" y="2232548"/>
+            <a:ext cx="1397726" cy="705393"/>
+          </a:xfrm>
+          <a:prstGeom prst="ellipse">
+            <a:avLst/>
+          </a:prstGeom>
+        </p:spPr>
+        <p:style>
+          <a:lnRef idx="3">
+            <a:schemeClr val="lt1"/>
+          </a:lnRef>
+          <a:fillRef idx="1">
+            <a:schemeClr val="accent5"/>
+          </a:fillRef>
+          <a:effectRef idx="1">
+            <a:schemeClr val="accent5"/>
+          </a:effectRef>
+          <a:fontRef idx="minor">
+            <a:schemeClr val="lt1"/>
+          </a:fontRef>
+        </p:style>
+        <p:txBody>
+          <a:bodyPr rtlCol="0" anchor="ctr"/>
+          <a:lstStyle/>
+          <a:p>
+            <a:pPr algn="ctr"/>
+            <a:r>
+              <a:rPr lang="en-US" dirty="0" smtClean="0"/>
+              <a:t>Power</a:t>
+            </a:r>
+            <a:endParaRPr lang="en-US" dirty="0"/>
+          </a:p>
+        </p:txBody>
+      </p:sp>
+      <p:sp>
+        <p:nvSpPr>
+          <p:cNvPr id="78" name="Oval 77"/>
+          <p:cNvSpPr/>
+          <p:nvPr/>
+        </p:nvSpPr>
+        <p:spPr>
+          <a:xfrm>
+            <a:off x="9741789" y="2937941"/>
+            <a:ext cx="1397726" cy="705393"/>
+          </a:xfrm>
+          <a:prstGeom prst="ellipse">
+            <a:avLst/>
+          </a:prstGeom>
+        </p:spPr>
+        <p:style>
+          <a:lnRef idx="3">
+            <a:schemeClr val="lt1"/>
+          </a:lnRef>
+          <a:fillRef idx="1">
+            <a:schemeClr val="accent5"/>
+          </a:fillRef>
+          <a:effectRef idx="1">
+            <a:schemeClr val="accent5"/>
+          </a:effectRef>
+          <a:fontRef idx="minor">
+            <a:schemeClr val="lt1"/>
+          </a:fontRef>
+        </p:style>
+        <p:txBody>
+          <a:bodyPr rtlCol="0" anchor="ctr"/>
+          <a:lstStyle/>
+          <a:p>
+            <a:pPr algn="ctr"/>
+            <a:r>
+              <a:rPr lang="en-US" dirty="0" smtClean="0"/>
+              <a:t>Speed</a:t>
+            </a:r>
+            <a:endParaRPr lang="en-US" dirty="0"/>
+          </a:p>
+        </p:txBody>
+      </p:sp>
+      <p:cxnSp>
+        <p:nvCxnSpPr>
+          <p:cNvPr id="80" name="Straight Connector 79"/>
+          <p:cNvCxnSpPr>
+            <a:stCxn id="72" idx="2"/>
+            <a:endCxn id="70" idx="3"/>
+          </p:cNvCxnSpPr>
+          <p:nvPr/>
+        </p:nvCxnSpPr>
+        <p:spPr>
+          <a:xfrm flipH="1" flipV="1">
+            <a:off x="7815563" y="1973146"/>
+            <a:ext cx="264250" cy="303199"/>
+          </a:xfrm>
+          <a:prstGeom prst="line">
+            <a:avLst/>
+          </a:prstGeom>
+          <a:ln w="28575"/>
+        </p:spPr>
+        <p:style>
+          <a:lnRef idx="3">
+            <a:schemeClr val="dk1"/>
+          </a:lnRef>
+          <a:fillRef idx="0">
+            <a:schemeClr val="dk1"/>
+          </a:fillRef>
+          <a:effectRef idx="2">
+            <a:schemeClr val="dk1"/>
+          </a:effectRef>
+          <a:fontRef idx="minor">
+            <a:schemeClr val="tx1"/>
+          </a:fontRef>
+        </p:style>
+      </p:cxnSp>
+      <p:cxnSp>
+        <p:nvCxnSpPr>
+          <p:cNvPr id="82" name="Straight Connector 81"/>
+          <p:cNvCxnSpPr>
+            <a:stCxn id="76" idx="2"/>
+            <a:endCxn id="72" idx="6"/>
+          </p:cNvCxnSpPr>
+          <p:nvPr/>
+        </p:nvCxnSpPr>
+        <p:spPr>
+          <a:xfrm flipH="1" flipV="1">
+            <a:off x="9477539" y="2276345"/>
+            <a:ext cx="264250" cy="308900"/>
+          </a:xfrm>
+          <a:prstGeom prst="line">
+            <a:avLst/>
+          </a:prstGeom>
+          <a:ln w="28575"/>
+        </p:spPr>
+        <p:style>
+          <a:lnRef idx="3">
+            <a:schemeClr val="dk1"/>
+          </a:lnRef>
+          <a:fillRef idx="0">
+            <a:schemeClr val="dk1"/>
+          </a:fillRef>
+          <a:effectRef idx="2">
+            <a:schemeClr val="dk1"/>
+          </a:effectRef>
+          <a:fontRef idx="minor">
+            <a:schemeClr val="tx1"/>
+          </a:fontRef>
+        </p:style>
+      </p:cxnSp>
+      <p:cxnSp>
+        <p:nvCxnSpPr>
+          <p:cNvPr id="83" name="Straight Connector 82"/>
+          <p:cNvCxnSpPr>
+            <a:stCxn id="78" idx="2"/>
+            <a:endCxn id="72" idx="6"/>
+          </p:cNvCxnSpPr>
+          <p:nvPr/>
+        </p:nvCxnSpPr>
+        <p:spPr>
+          <a:xfrm flipH="1" flipV="1">
+            <a:off x="9477539" y="2276345"/>
+            <a:ext cx="264250" cy="1014293"/>
+          </a:xfrm>
+          <a:prstGeom prst="line">
+            <a:avLst/>
+          </a:prstGeom>
+          <a:ln w="28575"/>
+        </p:spPr>
+        <p:style>
+          <a:lnRef idx="3">
+            <a:schemeClr val="dk1"/>
+          </a:lnRef>
+          <a:fillRef idx="0">
+            <a:schemeClr val="dk1"/>
+          </a:fillRef>
+          <a:effectRef idx="2">
+            <a:schemeClr val="dk1"/>
+          </a:effectRef>
+          <a:fontRef idx="minor">
+            <a:schemeClr val="tx1"/>
+          </a:fontRef>
+        </p:style>
+      </p:cxnSp>
+      <p:cxnSp>
+        <p:nvCxnSpPr>
+          <p:cNvPr id="85" name="Straight Connector 84"/>
+          <p:cNvCxnSpPr>
+            <a:stCxn id="75" idx="2"/>
+            <a:endCxn id="72" idx="6"/>
+          </p:cNvCxnSpPr>
+          <p:nvPr/>
+        </p:nvCxnSpPr>
+        <p:spPr>
+          <a:xfrm flipH="1">
+            <a:off x="9477539" y="1879852"/>
+            <a:ext cx="264250" cy="396493"/>
+          </a:xfrm>
+          <a:prstGeom prst="line">
+            <a:avLst/>
+          </a:prstGeom>
+          <a:ln w="28575"/>
+        </p:spPr>
+        <p:style>
+          <a:lnRef idx="3">
+            <a:schemeClr val="dk1"/>
+          </a:lnRef>
+          <a:fillRef idx="0">
+            <a:schemeClr val="dk1"/>
+          </a:fillRef>
+          <a:effectRef idx="2">
+            <a:schemeClr val="dk1"/>
+          </a:effectRef>
+          <a:fontRef idx="minor">
+            <a:schemeClr val="tx1"/>
+          </a:fontRef>
+        </p:style>
+      </p:cxnSp>
+      <p:cxnSp>
+        <p:nvCxnSpPr>
+          <p:cNvPr id="88" name="Straight Connector 87"/>
+          <p:cNvCxnSpPr>
+            <a:stCxn id="73" idx="2"/>
+            <a:endCxn id="72" idx="6"/>
+          </p:cNvCxnSpPr>
+          <p:nvPr/>
+        </p:nvCxnSpPr>
+        <p:spPr>
+          <a:xfrm flipH="1">
+            <a:off x="9477539" y="1171609"/>
+            <a:ext cx="264250" cy="1104736"/>
+          </a:xfrm>
+          <a:prstGeom prst="line">
+            <a:avLst/>
+          </a:prstGeom>
+          <a:ln w="28575"/>
+        </p:spPr>
+        <p:style>
+          <a:lnRef idx="3">
+            <a:schemeClr val="dk1"/>
+          </a:lnRef>
+          <a:fillRef idx="0">
+            <a:schemeClr val="dk1"/>
+          </a:fillRef>
+          <a:effectRef idx="2">
+            <a:schemeClr val="dk1"/>
+          </a:effectRef>
+          <a:fontRef idx="minor">
+            <a:schemeClr val="tx1"/>
+          </a:fontRef>
+        </p:style>
+      </p:cxnSp>
+      <p:sp>
+        <p:nvSpPr>
+          <p:cNvPr id="102" name="Rounded Rectangle 101"/>
+          <p:cNvSpPr/>
+          <p:nvPr/>
+        </p:nvSpPr>
+        <p:spPr>
+          <a:xfrm>
+            <a:off x="6574591" y="2369638"/>
+            <a:ext cx="1240972" cy="518805"/>
+          </a:xfrm>
+          <a:prstGeom prst="roundRect">
+            <a:avLst/>
+          </a:prstGeom>
+        </p:spPr>
+        <p:style>
+          <a:lnRef idx="2">
+            <a:schemeClr val="accent3">
+              <a:shade val="50000"/>
+            </a:schemeClr>
+          </a:lnRef>
+          <a:fillRef idx="1">
+            <a:schemeClr val="accent3"/>
+          </a:fillRef>
+          <a:effectRef idx="0">
+            <a:schemeClr val="accent3"/>
+          </a:effectRef>
+          <a:fontRef idx="minor">
+            <a:schemeClr val="lt1"/>
+          </a:fontRef>
+        </p:style>
+        <p:txBody>
+          <a:bodyPr rtlCol="0" anchor="ctr"/>
+          <a:lstStyle/>
+          <a:p>
+            <a:pPr algn="ctr"/>
+            <a:r>
+              <a:rPr lang="en-US" dirty="0" smtClean="0"/>
+              <a:t>Potions</a:t>
+            </a:r>
+            <a:endParaRPr lang="en-US" dirty="0"/>
+          </a:p>
+        </p:txBody>
+      </p:sp>
+      <p:cxnSp>
+        <p:nvCxnSpPr>
+          <p:cNvPr id="103" name="Straight Connector 102"/>
+          <p:cNvCxnSpPr>
+            <a:stCxn id="72" idx="2"/>
+            <a:endCxn id="102" idx="3"/>
+          </p:cNvCxnSpPr>
+          <p:nvPr/>
+        </p:nvCxnSpPr>
+        <p:spPr>
+          <a:xfrm flipH="1">
+            <a:off x="7815563" y="2276345"/>
+            <a:ext cx="264250" cy="352696"/>
+          </a:xfrm>
+          <a:prstGeom prst="line">
+            <a:avLst/>
+          </a:prstGeom>
+          <a:ln w="28575"/>
+        </p:spPr>
+        <p:style>
+          <a:lnRef idx="3">
+            <a:schemeClr val="dk1"/>
+          </a:lnRef>
+          <a:fillRef idx="0">
+            <a:schemeClr val="dk1"/>
+          </a:fillRef>
+          <a:effectRef idx="2">
+            <a:schemeClr val="dk1"/>
+          </a:effectRef>
+          <a:fontRef idx="minor">
+            <a:schemeClr val="tx1"/>
+          </a:fontRef>
+        </p:style>
+      </p:cxnSp>
+      <p:sp>
+        <p:nvSpPr>
+          <p:cNvPr id="106" name="Oval 105"/>
+          <p:cNvSpPr/>
+          <p:nvPr/>
+        </p:nvSpPr>
+        <p:spPr>
+          <a:xfrm>
+            <a:off x="8087598" y="2719323"/>
+            <a:ext cx="1397726" cy="705393"/>
+          </a:xfrm>
+          <a:prstGeom prst="ellipse">
+            <a:avLst/>
+          </a:prstGeom>
+        </p:spPr>
+        <p:style>
+          <a:lnRef idx="3">
+            <a:schemeClr val="lt1"/>
+          </a:lnRef>
+          <a:fillRef idx="1">
+            <a:schemeClr val="accent5"/>
+          </a:fillRef>
+          <a:effectRef idx="1">
+            <a:schemeClr val="accent5"/>
+          </a:effectRef>
+          <a:fontRef idx="minor">
+            <a:schemeClr val="lt1"/>
+          </a:fontRef>
+        </p:style>
+        <p:txBody>
+          <a:bodyPr rtlCol="0" anchor="ctr"/>
+          <a:lstStyle/>
+          <a:p>
+            <a:pPr algn="ctr"/>
+            <a:r>
+              <a:rPr lang="en-US" dirty="0" smtClean="0"/>
+              <a:t>Drinking</a:t>
+            </a:r>
+            <a:endParaRPr lang="en-US" dirty="0"/>
+          </a:p>
+        </p:txBody>
+      </p:sp>
+      <p:cxnSp>
+        <p:nvCxnSpPr>
+          <p:cNvPr id="107" name="Straight Connector 106"/>
+          <p:cNvCxnSpPr>
+            <a:stCxn id="106" idx="2"/>
+            <a:endCxn id="102" idx="3"/>
+          </p:cNvCxnSpPr>
+          <p:nvPr/>
+        </p:nvCxnSpPr>
+        <p:spPr>
+          <a:xfrm flipH="1" flipV="1">
+            <a:off x="7815563" y="2629041"/>
+            <a:ext cx="272035" cy="442979"/>
+          </a:xfrm>
+          <a:prstGeom prst="line">
+            <a:avLst/>
+          </a:prstGeom>
+          <a:ln w="28575"/>
+        </p:spPr>
+        <p:style>
+          <a:lnRef idx="3">
+            <a:schemeClr val="dk1"/>
+          </a:lnRef>
+          <a:fillRef idx="0">
+            <a:schemeClr val="dk1"/>
+          </a:fillRef>
+          <a:effectRef idx="2">
+            <a:schemeClr val="dk1"/>
+          </a:effectRef>
+          <a:fontRef idx="minor">
+            <a:schemeClr val="tx1"/>
+          </a:fontRef>
+        </p:style>
+      </p:cxnSp>
+      <p:cxnSp>
+        <p:nvCxnSpPr>
+          <p:cNvPr id="110" name="Straight Connector 109"/>
+          <p:cNvCxnSpPr>
+            <a:stCxn id="116" idx="2"/>
+            <a:endCxn id="102" idx="3"/>
+          </p:cNvCxnSpPr>
+          <p:nvPr/>
+        </p:nvCxnSpPr>
+        <p:spPr>
+          <a:xfrm flipH="1" flipV="1">
+            <a:off x="7815563" y="2629041"/>
+            <a:ext cx="277611" cy="1282450"/>
+          </a:xfrm>
+          <a:prstGeom prst="line">
+            <a:avLst/>
+          </a:prstGeom>
+          <a:ln w="28575"/>
+        </p:spPr>
+        <p:style>
+          <a:lnRef idx="3">
+            <a:schemeClr val="dk1"/>
+          </a:lnRef>
+          <a:fillRef idx="0">
+            <a:schemeClr val="dk1"/>
+          </a:fillRef>
+          <a:effectRef idx="2">
+            <a:schemeClr val="dk1"/>
+          </a:effectRef>
+          <a:fontRef idx="minor">
+            <a:schemeClr val="tx1"/>
+          </a:fontRef>
+        </p:style>
+      </p:cxnSp>
+      <p:sp>
+        <p:nvSpPr>
+          <p:cNvPr id="116" name="Oval 115"/>
+          <p:cNvSpPr/>
+          <p:nvPr/>
+        </p:nvSpPr>
+        <p:spPr>
+          <a:xfrm>
+            <a:off x="8093174" y="3558794"/>
+            <a:ext cx="1397726" cy="705393"/>
+          </a:xfrm>
+          <a:prstGeom prst="ellipse">
+            <a:avLst/>
+          </a:prstGeom>
+        </p:spPr>
+        <p:style>
+          <a:lnRef idx="3">
+            <a:schemeClr val="lt1"/>
+          </a:lnRef>
+          <a:fillRef idx="1">
+            <a:schemeClr val="accent5"/>
+          </a:fillRef>
+          <a:effectRef idx="1">
+            <a:schemeClr val="accent5"/>
+          </a:effectRef>
+          <a:fontRef idx="minor">
+            <a:schemeClr val="lt1"/>
+          </a:fontRef>
+        </p:style>
+        <p:txBody>
+          <a:bodyPr rtlCol="0" anchor="ctr"/>
+          <a:lstStyle/>
+          <a:p>
+            <a:pPr algn="ctr"/>
+            <a:r>
+              <a:rPr lang="en-US" dirty="0" smtClean="0"/>
+              <a:t>Dropping</a:t>
+            </a:r>
+            <a:endParaRPr lang="en-US" dirty="0"/>
+          </a:p>
+        </p:txBody>
+      </p:sp>
+    </p:spTree>
+    <p:extLst>
+      <p:ext uri="{BB962C8B-B14F-4D97-AF65-F5344CB8AC3E}">
+        <p14:creationId xmlns:p14="http://schemas.microsoft.com/office/powerpoint/2010/main" val="2031771665"/>
+      </p:ext>
+    </p:extLst>
+  </p:cSld>
+  <p:clrMapOvr>
+    <a:masterClrMapping/>
+  </p:clrMapOvr>
+</p:sld>
+</file>
+
+<file path=ppt/slides/slide12.xml><?xml version="1.0" encoding="utf-8"?>
+<p:sld xmlns:a="http://schemas.openxmlformats.org/drawingml/2006/main" xmlns:r="http://schemas.openxmlformats.org/officeDocument/2006/relationships" xmlns:p="http://schemas.openxmlformats.org/presentationml/2006/main">
+  <p:cSld>
+    <p:spTree>
+      <p:nvGrpSpPr>
+        <p:cNvPr id="1" name=""/>
+        <p:cNvGrpSpPr/>
+        <p:nvPr/>
+      </p:nvGrpSpPr>
+      <p:grpSpPr>
+        <a:xfrm>
+          <a:off x="0" y="0"/>
+          <a:ext cx="0" cy="0"/>
+          <a:chOff x="0" y="0"/>
+          <a:chExt cx="0" cy="0"/>
+        </a:xfrm>
+      </p:grpSpPr>
+      <p:sp>
+        <p:nvSpPr>
+          <p:cNvPr id="72" name="Oval 71"/>
+          <p:cNvSpPr/>
+          <p:nvPr/>
+        </p:nvSpPr>
+        <p:spPr>
+          <a:xfrm>
+            <a:off x="3298263" y="1388998"/>
+            <a:ext cx="1397726" cy="705393"/>
+          </a:xfrm>
+          <a:prstGeom prst="ellipse">
+            <a:avLst/>
+          </a:prstGeom>
+        </p:spPr>
+        <p:style>
+          <a:lnRef idx="3">
+            <a:schemeClr val="lt1"/>
+          </a:lnRef>
+          <a:fillRef idx="1">
+            <a:schemeClr val="accent5"/>
+          </a:fillRef>
+          <a:effectRef idx="1">
+            <a:schemeClr val="accent5"/>
+          </a:effectRef>
+          <a:fontRef idx="minor">
+            <a:schemeClr val="lt1"/>
+          </a:fontRef>
+        </p:style>
+        <p:txBody>
+          <a:bodyPr rtlCol="0" anchor="ctr"/>
+          <a:lstStyle/>
+          <a:p>
+            <a:pPr algn="ctr"/>
+            <a:r>
+              <a:rPr lang="en-US" dirty="0" smtClean="0"/>
+              <a:t>Audience</a:t>
+            </a:r>
+            <a:endParaRPr lang="en-US" dirty="0"/>
+          </a:p>
+        </p:txBody>
+      </p:sp>
+      <p:sp>
+        <p:nvSpPr>
+          <p:cNvPr id="73" name="Oval 72"/>
+          <p:cNvSpPr/>
+          <p:nvPr/>
+        </p:nvSpPr>
+        <p:spPr>
+          <a:xfrm>
+            <a:off x="4960239" y="284262"/>
+            <a:ext cx="1397726" cy="705393"/>
+          </a:xfrm>
+          <a:prstGeom prst="ellipse">
+            <a:avLst/>
+          </a:prstGeom>
+        </p:spPr>
+        <p:style>
+          <a:lnRef idx="3">
+            <a:schemeClr val="lt1"/>
+          </a:lnRef>
+          <a:fillRef idx="1">
+            <a:schemeClr val="accent5"/>
+          </a:fillRef>
+          <a:effectRef idx="1">
+            <a:schemeClr val="accent5"/>
+          </a:effectRef>
+          <a:fontRef idx="minor">
+            <a:schemeClr val="lt1"/>
+          </a:fontRef>
+        </p:style>
+        <p:txBody>
+          <a:bodyPr rtlCol="0" anchor="ctr"/>
+          <a:lstStyle/>
+          <a:p>
+            <a:pPr algn="ctr"/>
+            <a:r>
+              <a:rPr lang="en-US" dirty="0" smtClean="0"/>
+              <a:t>Clap</a:t>
+            </a:r>
+            <a:endParaRPr lang="en-US" dirty="0"/>
+          </a:p>
+        </p:txBody>
+      </p:sp>
+      <p:sp>
+        <p:nvSpPr>
+          <p:cNvPr id="75" name="Oval 74"/>
+          <p:cNvSpPr/>
+          <p:nvPr/>
+        </p:nvSpPr>
+        <p:spPr>
+          <a:xfrm>
+            <a:off x="4960239" y="992505"/>
+            <a:ext cx="1397726" cy="705393"/>
+          </a:xfrm>
+          <a:prstGeom prst="ellipse">
+            <a:avLst/>
+          </a:prstGeom>
+        </p:spPr>
+        <p:style>
+          <a:lnRef idx="3">
+            <a:schemeClr val="lt1"/>
+          </a:lnRef>
+          <a:fillRef idx="1">
+            <a:schemeClr val="accent5"/>
+          </a:fillRef>
+          <a:effectRef idx="1">
+            <a:schemeClr val="accent5"/>
+          </a:effectRef>
+          <a:fontRef idx="minor">
+            <a:schemeClr val="lt1"/>
+          </a:fontRef>
+        </p:style>
+        <p:txBody>
+          <a:bodyPr rtlCol="0" anchor="ctr"/>
+          <a:lstStyle/>
+          <a:p>
+            <a:pPr algn="ctr"/>
+            <a:r>
+              <a:rPr lang="en-US" dirty="0" smtClean="0"/>
+              <a:t>Boo</a:t>
+            </a:r>
+            <a:endParaRPr lang="en-US" dirty="0"/>
+          </a:p>
+        </p:txBody>
+      </p:sp>
+      <p:sp>
+        <p:nvSpPr>
+          <p:cNvPr id="76" name="Oval 75"/>
+          <p:cNvSpPr/>
+          <p:nvPr/>
+        </p:nvSpPr>
+        <p:spPr>
+          <a:xfrm>
+            <a:off x="4960239" y="1697898"/>
+            <a:ext cx="1397726" cy="705393"/>
+          </a:xfrm>
+          <a:prstGeom prst="ellipse">
+            <a:avLst/>
+          </a:prstGeom>
+        </p:spPr>
+        <p:style>
+          <a:lnRef idx="3">
+            <a:schemeClr val="lt1"/>
+          </a:lnRef>
+          <a:fillRef idx="1">
+            <a:schemeClr val="accent5"/>
+          </a:fillRef>
+          <a:effectRef idx="1">
+            <a:schemeClr val="accent5"/>
+          </a:effectRef>
+          <a:fontRef idx="minor">
+            <a:schemeClr val="lt1"/>
+          </a:fontRef>
+        </p:style>
+        <p:txBody>
+          <a:bodyPr rtlCol="0" anchor="ctr"/>
+          <a:lstStyle/>
+          <a:p>
+            <a:pPr algn="ctr"/>
+            <a:r>
+              <a:rPr lang="en-US" dirty="0" smtClean="0"/>
+              <a:t>Yay</a:t>
+            </a:r>
+            <a:endParaRPr lang="en-US" dirty="0"/>
+          </a:p>
+        </p:txBody>
+      </p:sp>
+      <p:sp>
+        <p:nvSpPr>
+          <p:cNvPr id="78" name="Oval 77"/>
+          <p:cNvSpPr/>
+          <p:nvPr/>
+        </p:nvSpPr>
+        <p:spPr>
+          <a:xfrm>
+            <a:off x="4960239" y="2403291"/>
+            <a:ext cx="1397726" cy="705393"/>
+          </a:xfrm>
+          <a:prstGeom prst="ellipse">
+            <a:avLst/>
+          </a:prstGeom>
+        </p:spPr>
+        <p:style>
+          <a:lnRef idx="3">
+            <a:schemeClr val="lt1"/>
+          </a:lnRef>
+          <a:fillRef idx="1">
+            <a:schemeClr val="accent5"/>
+          </a:fillRef>
+          <a:effectRef idx="1">
+            <a:schemeClr val="accent5"/>
+          </a:effectRef>
+          <a:fontRef idx="minor">
+            <a:schemeClr val="lt1"/>
+          </a:fontRef>
+        </p:style>
+        <p:txBody>
+          <a:bodyPr rtlCol="0" anchor="ctr"/>
+          <a:lstStyle/>
+          <a:p>
+            <a:pPr algn="ctr"/>
+            <a:r>
+              <a:rPr lang="en-US" dirty="0" smtClean="0"/>
+              <a:t>Laugh</a:t>
+            </a:r>
+            <a:endParaRPr lang="en-US" dirty="0"/>
+          </a:p>
+        </p:txBody>
+      </p:sp>
+      <p:cxnSp>
+        <p:nvCxnSpPr>
+          <p:cNvPr id="82" name="Straight Connector 81"/>
+          <p:cNvCxnSpPr>
+            <a:stCxn id="78" idx="2"/>
+            <a:endCxn id="72" idx="6"/>
+          </p:cNvCxnSpPr>
+          <p:nvPr/>
+        </p:nvCxnSpPr>
+        <p:spPr>
+          <a:xfrm flipH="1" flipV="1">
+            <a:off x="4695989" y="1741695"/>
+            <a:ext cx="264250" cy="1014293"/>
+          </a:xfrm>
+          <a:prstGeom prst="line">
+            <a:avLst/>
+          </a:prstGeom>
+          <a:ln w="28575"/>
+        </p:spPr>
+        <p:style>
+          <a:lnRef idx="3">
+            <a:schemeClr val="dk1"/>
+          </a:lnRef>
+          <a:fillRef idx="0">
+            <a:schemeClr val="dk1"/>
+          </a:fillRef>
+          <a:effectRef idx="2">
+            <a:schemeClr val="dk1"/>
+          </a:effectRef>
+          <a:fontRef idx="minor">
+            <a:schemeClr val="tx1"/>
+          </a:fontRef>
+        </p:style>
+      </p:cxnSp>
+      <p:cxnSp>
+        <p:nvCxnSpPr>
+          <p:cNvPr id="83" name="Straight Connector 82"/>
+          <p:cNvCxnSpPr>
+            <a:stCxn id="76" idx="2"/>
+            <a:endCxn id="72" idx="6"/>
+          </p:cNvCxnSpPr>
+          <p:nvPr/>
+        </p:nvCxnSpPr>
+        <p:spPr>
+          <a:xfrm flipH="1" flipV="1">
+            <a:off x="4695989" y="1741695"/>
+            <a:ext cx="264250" cy="308900"/>
+          </a:xfrm>
+          <a:prstGeom prst="line">
+            <a:avLst/>
+          </a:prstGeom>
+          <a:ln w="28575"/>
+        </p:spPr>
+        <p:style>
+          <a:lnRef idx="3">
+            <a:schemeClr val="dk1"/>
+          </a:lnRef>
+          <a:fillRef idx="0">
+            <a:schemeClr val="dk1"/>
+          </a:fillRef>
+          <a:effectRef idx="2">
+            <a:schemeClr val="dk1"/>
+          </a:effectRef>
+          <a:fontRef idx="minor">
+            <a:schemeClr val="tx1"/>
+          </a:fontRef>
+        </p:style>
+      </p:cxnSp>
+      <p:cxnSp>
+        <p:nvCxnSpPr>
+          <p:cNvPr id="85" name="Straight Connector 84"/>
+          <p:cNvCxnSpPr>
+            <a:stCxn id="75" idx="2"/>
+            <a:endCxn id="72" idx="6"/>
+          </p:cNvCxnSpPr>
+          <p:nvPr/>
+        </p:nvCxnSpPr>
+        <p:spPr>
+          <a:xfrm flipH="1">
+            <a:off x="4695989" y="1345202"/>
+            <a:ext cx="264250" cy="396493"/>
+          </a:xfrm>
+          <a:prstGeom prst="line">
+            <a:avLst/>
+          </a:prstGeom>
+          <a:ln w="28575"/>
+        </p:spPr>
+        <p:style>
+          <a:lnRef idx="3">
+            <a:schemeClr val="dk1"/>
+          </a:lnRef>
+          <a:fillRef idx="0">
+            <a:schemeClr val="dk1"/>
+          </a:fillRef>
+          <a:effectRef idx="2">
+            <a:schemeClr val="dk1"/>
+          </a:effectRef>
+          <a:fontRef idx="minor">
+            <a:schemeClr val="tx1"/>
+          </a:fontRef>
+        </p:style>
+      </p:cxnSp>
+      <p:cxnSp>
+        <p:nvCxnSpPr>
+          <p:cNvPr id="88" name="Straight Connector 87"/>
+          <p:cNvCxnSpPr>
+            <a:endCxn id="72" idx="6"/>
+          </p:cNvCxnSpPr>
+          <p:nvPr/>
+        </p:nvCxnSpPr>
+        <p:spPr>
+          <a:xfrm flipH="1">
+            <a:off x="4695989" y="768086"/>
+            <a:ext cx="264250" cy="973609"/>
+          </a:xfrm>
+          <a:prstGeom prst="line">
+            <a:avLst/>
+          </a:prstGeom>
+          <a:ln w="28575"/>
+        </p:spPr>
+        <p:style>
+          <a:lnRef idx="3">
+            <a:schemeClr val="dk1"/>
+          </a:lnRef>
+          <a:fillRef idx="0">
+            <a:schemeClr val="dk1"/>
+          </a:fillRef>
+          <a:effectRef idx="2">
+            <a:schemeClr val="dk1"/>
+          </a:effectRef>
+          <a:fontRef idx="minor">
+            <a:schemeClr val="tx1"/>
+          </a:fontRef>
+        </p:style>
+      </p:cxnSp>
+      <p:sp>
+        <p:nvSpPr>
+          <p:cNvPr id="102" name="Rounded Rectangle 101"/>
+          <p:cNvSpPr/>
+          <p:nvPr/>
+        </p:nvSpPr>
+        <p:spPr>
+          <a:xfrm>
+            <a:off x="1793041" y="2369638"/>
+            <a:ext cx="1240972" cy="518805"/>
+          </a:xfrm>
+          <a:prstGeom prst="roundRect">
+            <a:avLst/>
+          </a:prstGeom>
+        </p:spPr>
+        <p:style>
+          <a:lnRef idx="2">
+            <a:schemeClr val="accent3">
+              <a:shade val="50000"/>
+            </a:schemeClr>
+          </a:lnRef>
+          <a:fillRef idx="1">
+            <a:schemeClr val="accent3"/>
+          </a:fillRef>
+          <a:effectRef idx="0">
+            <a:schemeClr val="accent3"/>
+          </a:effectRef>
+          <a:fontRef idx="minor">
+            <a:schemeClr val="lt1"/>
+          </a:fontRef>
+        </p:style>
+        <p:txBody>
+          <a:bodyPr rtlCol="0" anchor="ctr"/>
+          <a:lstStyle/>
+          <a:p>
+            <a:pPr algn="ctr"/>
+            <a:r>
+              <a:rPr lang="en-US" dirty="0" smtClean="0"/>
+              <a:t>Environment</a:t>
+            </a:r>
+            <a:endParaRPr lang="en-US" dirty="0"/>
+          </a:p>
+        </p:txBody>
+      </p:sp>
+      <p:cxnSp>
+        <p:nvCxnSpPr>
+          <p:cNvPr id="103" name="Straight Connector 102"/>
+          <p:cNvCxnSpPr>
+            <a:stCxn id="72" idx="2"/>
+            <a:endCxn id="102" idx="3"/>
+          </p:cNvCxnSpPr>
+          <p:nvPr/>
+        </p:nvCxnSpPr>
+        <p:spPr>
+          <a:xfrm flipH="1">
+            <a:off x="3034013" y="1741695"/>
+            <a:ext cx="264250" cy="887346"/>
+          </a:xfrm>
+          <a:prstGeom prst="line">
+            <a:avLst/>
+          </a:prstGeom>
+          <a:ln w="28575"/>
+        </p:spPr>
+        <p:style>
+          <a:lnRef idx="3">
+            <a:schemeClr val="dk1"/>
+          </a:lnRef>
+          <a:fillRef idx="0">
+            <a:schemeClr val="dk1"/>
+          </a:fillRef>
+          <a:effectRef idx="2">
+            <a:schemeClr val="dk1"/>
+          </a:effectRef>
+          <a:fontRef idx="minor">
+            <a:schemeClr val="tx1"/>
+          </a:fontRef>
+        </p:style>
+      </p:cxnSp>
+      <p:sp>
+        <p:nvSpPr>
+          <p:cNvPr id="106" name="Oval 105"/>
+          <p:cNvSpPr/>
+          <p:nvPr/>
+        </p:nvSpPr>
+        <p:spPr>
+          <a:xfrm>
+            <a:off x="3306048" y="4333391"/>
+            <a:ext cx="1397726" cy="705393"/>
+          </a:xfrm>
+          <a:prstGeom prst="ellipse">
+            <a:avLst/>
+          </a:prstGeom>
+        </p:spPr>
+        <p:style>
+          <a:lnRef idx="3">
+            <a:schemeClr val="lt1"/>
+          </a:lnRef>
+          <a:fillRef idx="1">
+            <a:schemeClr val="accent5"/>
+          </a:fillRef>
+          <a:effectRef idx="1">
+            <a:schemeClr val="accent5"/>
+          </a:effectRef>
+          <a:fontRef idx="minor">
+            <a:schemeClr val="lt1"/>
+          </a:fontRef>
+        </p:style>
+        <p:txBody>
+          <a:bodyPr rtlCol="0" anchor="ctr"/>
+          <a:lstStyle/>
+          <a:p>
+            <a:pPr algn="ctr"/>
+            <a:r>
+              <a:rPr lang="en-US" dirty="0" smtClean="0"/>
+              <a:t>Tiles</a:t>
+            </a:r>
+            <a:endParaRPr lang="en-US" dirty="0"/>
+          </a:p>
+        </p:txBody>
+      </p:sp>
+      <p:cxnSp>
+        <p:nvCxnSpPr>
+          <p:cNvPr id="107" name="Straight Connector 106"/>
+          <p:cNvCxnSpPr>
+            <a:stCxn id="106" idx="2"/>
+            <a:endCxn id="102" idx="3"/>
+          </p:cNvCxnSpPr>
+          <p:nvPr/>
+        </p:nvCxnSpPr>
+        <p:spPr>
+          <a:xfrm flipH="1" flipV="1">
+            <a:off x="3034013" y="2629041"/>
+            <a:ext cx="272035" cy="2057047"/>
+          </a:xfrm>
+          <a:prstGeom prst="line">
+            <a:avLst/>
+          </a:prstGeom>
+          <a:ln w="28575"/>
+        </p:spPr>
+        <p:style>
+          <a:lnRef idx="3">
+            <a:schemeClr val="dk1"/>
+          </a:lnRef>
+          <a:fillRef idx="0">
+            <a:schemeClr val="dk1"/>
+          </a:fillRef>
+          <a:effectRef idx="2">
+            <a:schemeClr val="dk1"/>
+          </a:effectRef>
+          <a:fontRef idx="minor">
+            <a:schemeClr val="tx1"/>
+          </a:fontRef>
+        </p:style>
+      </p:cxnSp>
+      <p:sp>
+        <p:nvSpPr>
+          <p:cNvPr id="46" name="Oval 45"/>
+          <p:cNvSpPr/>
+          <p:nvPr/>
+        </p:nvSpPr>
+        <p:spPr>
+          <a:xfrm>
+            <a:off x="4960239" y="3544690"/>
+            <a:ext cx="1397726" cy="705393"/>
+          </a:xfrm>
+          <a:prstGeom prst="ellipse">
+            <a:avLst/>
+          </a:prstGeom>
+        </p:spPr>
+        <p:style>
+          <a:lnRef idx="3">
+            <a:schemeClr val="lt1"/>
+          </a:lnRef>
+          <a:fillRef idx="1">
+            <a:schemeClr val="accent5"/>
+          </a:fillRef>
+          <a:effectRef idx="1">
+            <a:schemeClr val="accent5"/>
+          </a:effectRef>
+          <a:fontRef idx="minor">
+            <a:schemeClr val="lt1"/>
+          </a:fontRef>
+        </p:style>
+        <p:txBody>
+          <a:bodyPr rtlCol="0" anchor="ctr"/>
+          <a:lstStyle/>
+          <a:p>
+            <a:pPr algn="ctr"/>
+            <a:r>
+              <a:rPr lang="en-US" dirty="0" smtClean="0"/>
+              <a:t>Type</a:t>
+            </a:r>
+            <a:endParaRPr lang="en-US" dirty="0"/>
+          </a:p>
+        </p:txBody>
+      </p:sp>
+      <p:sp>
+        <p:nvSpPr>
+          <p:cNvPr id="55" name="Oval 54"/>
+          <p:cNvSpPr/>
+          <p:nvPr/>
+        </p:nvSpPr>
+        <p:spPr>
+          <a:xfrm>
+            <a:off x="4960239" y="4333392"/>
+            <a:ext cx="1397726" cy="705393"/>
+          </a:xfrm>
+          <a:prstGeom prst="ellipse">
+            <a:avLst/>
+          </a:prstGeom>
+        </p:spPr>
+        <p:style>
+          <a:lnRef idx="3">
+            <a:schemeClr val="lt1"/>
+          </a:lnRef>
+          <a:fillRef idx="1">
+            <a:schemeClr val="accent5"/>
+          </a:fillRef>
+          <a:effectRef idx="1">
+            <a:schemeClr val="accent5"/>
+          </a:effectRef>
+          <a:fontRef idx="minor">
+            <a:schemeClr val="lt1"/>
+          </a:fontRef>
+        </p:style>
+        <p:txBody>
+          <a:bodyPr rtlCol="0" anchor="ctr"/>
+          <a:lstStyle/>
+          <a:p>
+            <a:pPr algn="ctr"/>
+            <a:r>
+              <a:rPr lang="en-US" dirty="0" smtClean="0"/>
+              <a:t>Effect</a:t>
+            </a:r>
+            <a:endParaRPr lang="en-US" dirty="0"/>
+          </a:p>
+        </p:txBody>
+      </p:sp>
+      <p:sp>
+        <p:nvSpPr>
+          <p:cNvPr id="56" name="Oval 55"/>
+          <p:cNvSpPr/>
+          <p:nvPr/>
+        </p:nvSpPr>
+        <p:spPr>
+          <a:xfrm>
+            <a:off x="4960239" y="5122094"/>
+            <a:ext cx="1397726" cy="705393"/>
+          </a:xfrm>
+          <a:prstGeom prst="ellipse">
+            <a:avLst/>
+          </a:prstGeom>
+        </p:spPr>
+        <p:style>
+          <a:lnRef idx="3">
+            <a:schemeClr val="lt1"/>
+          </a:lnRef>
+          <a:fillRef idx="1">
+            <a:schemeClr val="accent5"/>
+          </a:fillRef>
+          <a:effectRef idx="1">
+            <a:schemeClr val="accent5"/>
+          </a:effectRef>
+          <a:fontRef idx="minor">
+            <a:schemeClr val="lt1"/>
+          </a:fontRef>
+        </p:style>
+        <p:txBody>
+          <a:bodyPr rtlCol="0" anchor="ctr"/>
+          <a:lstStyle/>
+          <a:p>
+            <a:pPr algn="ctr"/>
+            <a:r>
+              <a:rPr lang="en-US" dirty="0" smtClean="0"/>
+              <a:t>Trigger Sign</a:t>
+            </a:r>
+            <a:endParaRPr lang="en-US" dirty="0"/>
+          </a:p>
+        </p:txBody>
+      </p:sp>
+      <p:cxnSp>
+        <p:nvCxnSpPr>
+          <p:cNvPr id="58" name="Straight Connector 57"/>
+          <p:cNvCxnSpPr>
+            <a:stCxn id="46" idx="2"/>
+            <a:endCxn id="106" idx="6"/>
+          </p:cNvCxnSpPr>
+          <p:nvPr/>
+        </p:nvCxnSpPr>
+        <p:spPr>
+          <a:xfrm flipH="1">
+            <a:off x="4703774" y="3897387"/>
+            <a:ext cx="256465" cy="788701"/>
+          </a:xfrm>
+          <a:prstGeom prst="line">
+            <a:avLst/>
+          </a:prstGeom>
+          <a:ln w="28575"/>
+        </p:spPr>
+        <p:style>
+          <a:lnRef idx="3">
+            <a:schemeClr val="dk1"/>
+          </a:lnRef>
+          <a:fillRef idx="0">
+            <a:schemeClr val="dk1"/>
+          </a:fillRef>
+          <a:effectRef idx="2">
+            <a:schemeClr val="dk1"/>
+          </a:effectRef>
+          <a:fontRef idx="minor">
+            <a:schemeClr val="tx1"/>
+          </a:fontRef>
+        </p:style>
+      </p:cxnSp>
+      <p:cxnSp>
+        <p:nvCxnSpPr>
+          <p:cNvPr id="59" name="Straight Connector 58"/>
+          <p:cNvCxnSpPr>
+            <a:stCxn id="56" idx="2"/>
+            <a:endCxn id="106" idx="6"/>
+          </p:cNvCxnSpPr>
+          <p:nvPr/>
+        </p:nvCxnSpPr>
+        <p:spPr>
+          <a:xfrm flipH="1" flipV="1">
+            <a:off x="4703774" y="4686088"/>
+            <a:ext cx="256465" cy="788703"/>
+          </a:xfrm>
+          <a:prstGeom prst="line">
+            <a:avLst/>
+          </a:prstGeom>
+          <a:ln w="28575"/>
+        </p:spPr>
+        <p:style>
+          <a:lnRef idx="3">
+            <a:schemeClr val="dk1"/>
+          </a:lnRef>
+          <a:fillRef idx="0">
+            <a:schemeClr val="dk1"/>
+          </a:fillRef>
+          <a:effectRef idx="2">
+            <a:schemeClr val="dk1"/>
+          </a:effectRef>
+          <a:fontRef idx="minor">
+            <a:schemeClr val="tx1"/>
+          </a:fontRef>
+        </p:style>
+      </p:cxnSp>
+      <p:cxnSp>
+        <p:nvCxnSpPr>
+          <p:cNvPr id="62" name="Straight Connector 61"/>
+          <p:cNvCxnSpPr>
+            <a:stCxn id="55" idx="2"/>
+            <a:endCxn id="106" idx="6"/>
+          </p:cNvCxnSpPr>
+          <p:nvPr/>
+        </p:nvCxnSpPr>
+        <p:spPr>
+          <a:xfrm flipH="1" flipV="1">
+            <a:off x="4703774" y="4686088"/>
+            <a:ext cx="256465" cy="1"/>
+          </a:xfrm>
+          <a:prstGeom prst="line">
+            <a:avLst/>
+          </a:prstGeom>
+          <a:ln w="28575"/>
+        </p:spPr>
+        <p:style>
+          <a:lnRef idx="3">
+            <a:schemeClr val="dk1"/>
+          </a:lnRef>
+          <a:fillRef idx="0">
+            <a:schemeClr val="dk1"/>
+          </a:fillRef>
+          <a:effectRef idx="2">
+            <a:schemeClr val="dk1"/>
+          </a:effectRef>
+          <a:fontRef idx="minor">
+            <a:schemeClr val="tx1"/>
+          </a:fontRef>
+        </p:style>
+      </p:cxnSp>
+      <p:sp>
+        <p:nvSpPr>
+          <p:cNvPr id="69" name="Oval 68"/>
+          <p:cNvSpPr/>
+          <p:nvPr/>
+        </p:nvSpPr>
+        <p:spPr>
+          <a:xfrm>
+            <a:off x="8361043" y="2369638"/>
+            <a:ext cx="1397726" cy="705393"/>
+          </a:xfrm>
+          <a:prstGeom prst="ellipse">
+            <a:avLst/>
+          </a:prstGeom>
+        </p:spPr>
+        <p:style>
+          <a:lnRef idx="3">
+            <a:schemeClr val="lt1"/>
+          </a:lnRef>
+          <a:fillRef idx="1">
+            <a:schemeClr val="accent5"/>
+          </a:fillRef>
+          <a:effectRef idx="1">
+            <a:schemeClr val="accent5"/>
+          </a:effectRef>
+          <a:fontRef idx="minor">
+            <a:schemeClr val="lt1"/>
+          </a:fontRef>
+        </p:style>
+        <p:txBody>
+          <a:bodyPr rtlCol="0" anchor="ctr"/>
+          <a:lstStyle/>
+          <a:p>
+            <a:pPr algn="ctr"/>
+            <a:r>
+              <a:rPr lang="en-US" dirty="0" smtClean="0"/>
+              <a:t>Falling Rock</a:t>
+            </a:r>
+            <a:endParaRPr lang="en-US" dirty="0"/>
+          </a:p>
+        </p:txBody>
+      </p:sp>
+      <p:sp>
+        <p:nvSpPr>
+          <p:cNvPr id="71" name="Oval 70"/>
+          <p:cNvSpPr/>
+          <p:nvPr/>
+        </p:nvSpPr>
+        <p:spPr>
+          <a:xfrm>
+            <a:off x="8361043" y="3075031"/>
+            <a:ext cx="1397726" cy="705393"/>
+          </a:xfrm>
+          <a:prstGeom prst="ellipse">
+            <a:avLst/>
+          </a:prstGeom>
+        </p:spPr>
+        <p:style>
+          <a:lnRef idx="3">
+            <a:schemeClr val="lt1"/>
+          </a:lnRef>
+          <a:fillRef idx="1">
+            <a:schemeClr val="accent5"/>
+          </a:fillRef>
+          <a:effectRef idx="1">
+            <a:schemeClr val="accent5"/>
+          </a:effectRef>
+          <a:fontRef idx="minor">
+            <a:schemeClr val="lt1"/>
+          </a:fontRef>
+        </p:style>
+        <p:txBody>
+          <a:bodyPr rtlCol="0" anchor="ctr"/>
+          <a:lstStyle/>
+          <a:p>
+            <a:pPr algn="ctr"/>
+            <a:r>
+              <a:rPr lang="en-US" dirty="0" smtClean="0"/>
+              <a:t>Shooter</a:t>
+            </a:r>
+            <a:endParaRPr lang="en-US" dirty="0"/>
+          </a:p>
+        </p:txBody>
+      </p:sp>
+      <p:sp>
+        <p:nvSpPr>
+          <p:cNvPr id="74" name="Oval 73"/>
+          <p:cNvSpPr/>
+          <p:nvPr/>
+        </p:nvSpPr>
+        <p:spPr>
+          <a:xfrm>
+            <a:off x="8361043" y="3780424"/>
+            <a:ext cx="1397726" cy="705393"/>
+          </a:xfrm>
+          <a:prstGeom prst="ellipse">
+            <a:avLst/>
+          </a:prstGeom>
+        </p:spPr>
+        <p:style>
+          <a:lnRef idx="3">
+            <a:schemeClr val="lt1"/>
+          </a:lnRef>
+          <a:fillRef idx="1">
+            <a:schemeClr val="accent5"/>
+          </a:fillRef>
+          <a:effectRef idx="1">
+            <a:schemeClr val="accent5"/>
+          </a:effectRef>
+          <a:fontRef idx="minor">
+            <a:schemeClr val="lt1"/>
+          </a:fontRef>
+        </p:style>
+        <p:txBody>
+          <a:bodyPr rtlCol="0" anchor="ctr"/>
+          <a:lstStyle/>
+          <a:p>
+            <a:pPr algn="ctr"/>
+            <a:r>
+              <a:rPr lang="en-US" dirty="0" smtClean="0"/>
+              <a:t>Spiky Slash</a:t>
+            </a:r>
+            <a:endParaRPr lang="en-US" dirty="0"/>
+          </a:p>
+        </p:txBody>
+      </p:sp>
+      <p:sp>
+        <p:nvSpPr>
+          <p:cNvPr id="77" name="Oval 76"/>
+          <p:cNvSpPr/>
+          <p:nvPr/>
+        </p:nvSpPr>
+        <p:spPr>
+          <a:xfrm>
+            <a:off x="8361043" y="4485817"/>
+            <a:ext cx="1397726" cy="705393"/>
+          </a:xfrm>
+          <a:prstGeom prst="ellipse">
+            <a:avLst/>
+          </a:prstGeom>
+        </p:spPr>
+        <p:style>
+          <a:lnRef idx="3">
+            <a:schemeClr val="lt1"/>
+          </a:lnRef>
+          <a:fillRef idx="1">
+            <a:schemeClr val="accent5"/>
+          </a:fillRef>
+          <a:effectRef idx="1">
+            <a:schemeClr val="accent5"/>
+          </a:effectRef>
+          <a:fontRef idx="minor">
+            <a:schemeClr val="lt1"/>
+          </a:fontRef>
+        </p:style>
+        <p:txBody>
+          <a:bodyPr rtlCol="0" anchor="ctr"/>
+          <a:lstStyle/>
+          <a:p>
+            <a:pPr algn="ctr"/>
+            <a:r>
+              <a:rPr lang="en-US" dirty="0" smtClean="0"/>
+              <a:t>Explode</a:t>
+            </a:r>
+            <a:endParaRPr lang="en-US" dirty="0"/>
+          </a:p>
+        </p:txBody>
+      </p:sp>
+      <p:sp>
+        <p:nvSpPr>
+          <p:cNvPr id="79" name="Oval 78"/>
+          <p:cNvSpPr/>
+          <p:nvPr/>
+        </p:nvSpPr>
+        <p:spPr>
+          <a:xfrm>
+            <a:off x="6731889" y="4333391"/>
+            <a:ext cx="1397726" cy="705393"/>
+          </a:xfrm>
+          <a:prstGeom prst="ellipse">
+            <a:avLst/>
+          </a:prstGeom>
+        </p:spPr>
+        <p:style>
+          <a:lnRef idx="3">
+            <a:schemeClr val="lt1"/>
+          </a:lnRef>
+          <a:fillRef idx="1">
+            <a:schemeClr val="accent5"/>
+          </a:fillRef>
+          <a:effectRef idx="1">
+            <a:schemeClr val="accent5"/>
+          </a:effectRef>
+          <a:fontRef idx="minor">
+            <a:schemeClr val="lt1"/>
+          </a:fontRef>
+        </p:style>
+        <p:txBody>
+          <a:bodyPr rtlCol="0" anchor="ctr"/>
+          <a:lstStyle/>
+          <a:p>
+            <a:pPr algn="ctr"/>
+            <a:r>
+              <a:rPr lang="en-US" dirty="0" smtClean="0"/>
+              <a:t>Rise</a:t>
+            </a:r>
+            <a:endParaRPr lang="en-US" dirty="0"/>
+          </a:p>
+        </p:txBody>
+      </p:sp>
+      <p:sp>
+        <p:nvSpPr>
+          <p:cNvPr id="81" name="Oval 80"/>
+          <p:cNvSpPr/>
+          <p:nvPr/>
+        </p:nvSpPr>
+        <p:spPr>
+          <a:xfrm>
+            <a:off x="6731889" y="5050937"/>
+            <a:ext cx="1397726" cy="705393"/>
+          </a:xfrm>
+          <a:prstGeom prst="ellipse">
+            <a:avLst/>
+          </a:prstGeom>
+        </p:spPr>
+        <p:style>
+          <a:lnRef idx="3">
+            <a:schemeClr val="lt1"/>
+          </a:lnRef>
+          <a:fillRef idx="1">
+            <a:schemeClr val="accent5"/>
+          </a:fillRef>
+          <a:effectRef idx="1">
+            <a:schemeClr val="accent5"/>
+          </a:effectRef>
+          <a:fontRef idx="minor">
+            <a:schemeClr val="lt1"/>
+          </a:fontRef>
+        </p:style>
+        <p:txBody>
+          <a:bodyPr rtlCol="0" anchor="ctr"/>
+          <a:lstStyle/>
+          <a:p>
+            <a:pPr algn="ctr"/>
+            <a:r>
+              <a:rPr lang="en-US" dirty="0" smtClean="0"/>
+              <a:t>Invisible</a:t>
+            </a:r>
+            <a:endParaRPr lang="en-US" dirty="0"/>
+          </a:p>
+        </p:txBody>
+      </p:sp>
+      <p:cxnSp>
+        <p:nvCxnSpPr>
+          <p:cNvPr id="84" name="Straight Connector 83"/>
+          <p:cNvCxnSpPr>
+            <a:stCxn id="79" idx="2"/>
+            <a:endCxn id="55" idx="6"/>
+          </p:cNvCxnSpPr>
+          <p:nvPr/>
+        </p:nvCxnSpPr>
+        <p:spPr>
+          <a:xfrm flipH="1">
+            <a:off x="6357965" y="4686088"/>
+            <a:ext cx="373924" cy="1"/>
+          </a:xfrm>
+          <a:prstGeom prst="line">
+            <a:avLst/>
+          </a:prstGeom>
+          <a:ln w="28575"/>
+        </p:spPr>
+        <p:style>
+          <a:lnRef idx="3">
+            <a:schemeClr val="dk1"/>
+          </a:lnRef>
+          <a:fillRef idx="0">
+            <a:schemeClr val="dk1"/>
+          </a:fillRef>
+          <a:effectRef idx="2">
+            <a:schemeClr val="dk1"/>
+          </a:effectRef>
+          <a:fontRef idx="minor">
+            <a:schemeClr val="tx1"/>
+          </a:fontRef>
+        </p:style>
+      </p:cxnSp>
+      <p:cxnSp>
+        <p:nvCxnSpPr>
+          <p:cNvPr id="86" name="Straight Connector 85"/>
+          <p:cNvCxnSpPr>
+            <a:stCxn id="81" idx="2"/>
+            <a:endCxn id="55" idx="6"/>
+          </p:cNvCxnSpPr>
+          <p:nvPr/>
+        </p:nvCxnSpPr>
+        <p:spPr>
+          <a:xfrm flipH="1" flipV="1">
+            <a:off x="6357965" y="4686089"/>
+            <a:ext cx="373924" cy="717545"/>
+          </a:xfrm>
+          <a:prstGeom prst="line">
+            <a:avLst/>
+          </a:prstGeom>
+          <a:ln w="28575"/>
+        </p:spPr>
+        <p:style>
+          <a:lnRef idx="3">
+            <a:schemeClr val="dk1"/>
+          </a:lnRef>
+          <a:fillRef idx="0">
+            <a:schemeClr val="dk1"/>
+          </a:fillRef>
+          <a:effectRef idx="2">
+            <a:schemeClr val="dk1"/>
+          </a:effectRef>
+          <a:fontRef idx="minor">
+            <a:schemeClr val="tx1"/>
+          </a:fontRef>
+        </p:style>
+      </p:cxnSp>
+      <p:cxnSp>
+        <p:nvCxnSpPr>
+          <p:cNvPr id="87" name="Straight Connector 86"/>
+          <p:cNvCxnSpPr>
+            <a:stCxn id="69" idx="2"/>
+            <a:endCxn id="46" idx="6"/>
+          </p:cNvCxnSpPr>
+          <p:nvPr/>
+        </p:nvCxnSpPr>
+        <p:spPr>
+          <a:xfrm flipH="1">
+            <a:off x="6357965" y="2722335"/>
+            <a:ext cx="2003078" cy="1175052"/>
+          </a:xfrm>
+          <a:prstGeom prst="line">
+            <a:avLst/>
+          </a:prstGeom>
+          <a:ln w="28575"/>
+        </p:spPr>
+        <p:style>
+          <a:lnRef idx="3">
+            <a:schemeClr val="dk1"/>
+          </a:lnRef>
+          <a:fillRef idx="0">
+            <a:schemeClr val="dk1"/>
+          </a:fillRef>
+          <a:effectRef idx="2">
+            <a:schemeClr val="dk1"/>
+          </a:effectRef>
+          <a:fontRef idx="minor">
+            <a:schemeClr val="tx1"/>
+          </a:fontRef>
+        </p:style>
+      </p:cxnSp>
+      <p:cxnSp>
+        <p:nvCxnSpPr>
+          <p:cNvPr id="89" name="Straight Connector 88"/>
+          <p:cNvCxnSpPr>
+            <a:stCxn id="71" idx="2"/>
+            <a:endCxn id="46" idx="6"/>
+          </p:cNvCxnSpPr>
+          <p:nvPr/>
+        </p:nvCxnSpPr>
+        <p:spPr>
+          <a:xfrm flipH="1">
+            <a:off x="6357965" y="3427728"/>
+            <a:ext cx="2003078" cy="469659"/>
+          </a:xfrm>
+          <a:prstGeom prst="line">
+            <a:avLst/>
+          </a:prstGeom>
+          <a:ln w="28575"/>
+        </p:spPr>
+        <p:style>
+          <a:lnRef idx="3">
+            <a:schemeClr val="dk1"/>
+          </a:lnRef>
+          <a:fillRef idx="0">
+            <a:schemeClr val="dk1"/>
+          </a:fillRef>
+          <a:effectRef idx="2">
+            <a:schemeClr val="dk1"/>
+          </a:effectRef>
+          <a:fontRef idx="minor">
+            <a:schemeClr val="tx1"/>
+          </a:fontRef>
+        </p:style>
+      </p:cxnSp>
+      <p:cxnSp>
+        <p:nvCxnSpPr>
+          <p:cNvPr id="90" name="Straight Connector 89"/>
+          <p:cNvCxnSpPr>
+            <a:stCxn id="74" idx="2"/>
+            <a:endCxn id="46" idx="6"/>
+          </p:cNvCxnSpPr>
+          <p:nvPr/>
+        </p:nvCxnSpPr>
+        <p:spPr>
+          <a:xfrm flipH="1" flipV="1">
+            <a:off x="6357965" y="3897387"/>
+            <a:ext cx="2003078" cy="235734"/>
+          </a:xfrm>
+          <a:prstGeom prst="line">
+            <a:avLst/>
+          </a:prstGeom>
+          <a:ln w="28575"/>
+        </p:spPr>
+        <p:style>
+          <a:lnRef idx="3">
+            <a:schemeClr val="dk1"/>
+          </a:lnRef>
+          <a:fillRef idx="0">
+            <a:schemeClr val="dk1"/>
+          </a:fillRef>
+          <a:effectRef idx="2">
+            <a:schemeClr val="dk1"/>
+          </a:effectRef>
+          <a:fontRef idx="minor">
+            <a:schemeClr val="tx1"/>
+          </a:fontRef>
+        </p:style>
+      </p:cxnSp>
+      <p:cxnSp>
+        <p:nvCxnSpPr>
+          <p:cNvPr id="92" name="Straight Connector 91"/>
+          <p:cNvCxnSpPr>
+            <a:stCxn id="77" idx="2"/>
+            <a:endCxn id="46" idx="6"/>
+          </p:cNvCxnSpPr>
+          <p:nvPr/>
+        </p:nvCxnSpPr>
+        <p:spPr>
+          <a:xfrm flipH="1" flipV="1">
+            <a:off x="6357965" y="3897387"/>
+            <a:ext cx="2003078" cy="941127"/>
+          </a:xfrm>
+          <a:prstGeom prst="line">
+            <a:avLst/>
+          </a:prstGeom>
+          <a:ln w="28575"/>
+        </p:spPr>
+        <p:style>
+          <a:lnRef idx="3">
+            <a:schemeClr val="dk1"/>
+          </a:lnRef>
+          <a:fillRef idx="0">
+            <a:schemeClr val="dk1"/>
+          </a:fillRef>
+          <a:effectRef idx="2">
+            <a:schemeClr val="dk1"/>
+          </a:effectRef>
+          <a:fontRef idx="minor">
+            <a:schemeClr val="tx1"/>
+          </a:fontRef>
+        </p:style>
+      </p:cxnSp>
+    </p:spTree>
+    <p:extLst>
+      <p:ext uri="{BB962C8B-B14F-4D97-AF65-F5344CB8AC3E}">
+        <p14:creationId xmlns:p14="http://schemas.microsoft.com/office/powerpoint/2010/main" val="1837384544"/>
+      </p:ext>
+    </p:extLst>
+  </p:cSld>
+  <p:clrMapOvr>
+    <a:masterClrMapping/>
+  </p:clrMapOvr>
+</p:sld>
+</file>
+
+<file path=ppt/slides/slide13.xml><?xml version="1.0" encoding="utf-8"?>
+<p:sld xmlns:a="http://schemas.openxmlformats.org/drawingml/2006/main" xmlns:r="http://schemas.openxmlformats.org/officeDocument/2006/relationships" xmlns:p="http://schemas.openxmlformats.org/presentationml/2006/main">
+  <p:cSld>
+    <p:spTree>
+      <p:nvGrpSpPr>
+        <p:cNvPr id="1" name=""/>
+        <p:cNvGrpSpPr/>
+        <p:nvPr/>
+      </p:nvGrpSpPr>
+      <p:grpSpPr>
+        <a:xfrm>
+          <a:off x="0" y="0"/>
+          <a:ext cx="0" cy="0"/>
+          <a:chOff x="0" y="0"/>
+          <a:chExt cx="0" cy="0"/>
+        </a:xfrm>
+      </p:grpSpPr>
+      <p:sp>
+        <p:nvSpPr>
+          <p:cNvPr id="73" name="Oval 72"/>
+          <p:cNvSpPr/>
+          <p:nvPr/>
+        </p:nvSpPr>
+        <p:spPr>
+          <a:xfrm>
+            <a:off x="2902839" y="2341662"/>
+            <a:ext cx="1397726" cy="705393"/>
+          </a:xfrm>
+          <a:prstGeom prst="ellipse">
+            <a:avLst/>
+          </a:prstGeom>
+        </p:spPr>
+        <p:style>
+          <a:lnRef idx="3">
+            <a:schemeClr val="lt1"/>
+          </a:lnRef>
+          <a:fillRef idx="1">
+            <a:schemeClr val="accent5"/>
+          </a:fillRef>
+          <a:effectRef idx="1">
+            <a:schemeClr val="accent5"/>
+          </a:effectRef>
+          <a:fontRef idx="minor">
+            <a:schemeClr val="lt1"/>
+          </a:fontRef>
+        </p:style>
+        <p:txBody>
+          <a:bodyPr rtlCol="0" anchor="ctr"/>
+          <a:lstStyle/>
+          <a:p>
+            <a:pPr algn="ctr"/>
+            <a:r>
+              <a:rPr lang="en-US" dirty="0" smtClean="0"/>
+              <a:t>Clicked</a:t>
+            </a:r>
+            <a:endParaRPr lang="en-US" dirty="0"/>
+          </a:p>
+        </p:txBody>
+      </p:sp>
+      <p:sp>
+        <p:nvSpPr>
+          <p:cNvPr id="75" name="Oval 74"/>
+          <p:cNvSpPr/>
+          <p:nvPr/>
+        </p:nvSpPr>
+        <p:spPr>
+          <a:xfrm>
+            <a:off x="2902839" y="3049905"/>
+            <a:ext cx="1397726" cy="705393"/>
+          </a:xfrm>
+          <a:prstGeom prst="ellipse">
+            <a:avLst/>
+          </a:prstGeom>
+        </p:spPr>
+        <p:style>
+          <a:lnRef idx="3">
+            <a:schemeClr val="lt1"/>
+          </a:lnRef>
+          <a:fillRef idx="1">
+            <a:schemeClr val="accent5"/>
+          </a:fillRef>
+          <a:effectRef idx="1">
+            <a:schemeClr val="accent5"/>
+          </a:effectRef>
+          <a:fontRef idx="minor">
+            <a:schemeClr val="lt1"/>
+          </a:fontRef>
+        </p:style>
+        <p:txBody>
+          <a:bodyPr rtlCol="0" anchor="ctr"/>
+          <a:lstStyle/>
+          <a:p>
+            <a:pPr algn="ctr"/>
+            <a:r>
+              <a:rPr lang="en-US" dirty="0" smtClean="0"/>
+              <a:t>Release</a:t>
+            </a:r>
+            <a:endParaRPr lang="en-US" dirty="0"/>
+          </a:p>
+        </p:txBody>
+      </p:sp>
+      <p:sp>
+        <p:nvSpPr>
+          <p:cNvPr id="76" name="Oval 75"/>
+          <p:cNvSpPr/>
+          <p:nvPr/>
+        </p:nvSpPr>
+        <p:spPr>
+          <a:xfrm>
+            <a:off x="2902839" y="3755298"/>
+            <a:ext cx="1397726" cy="705393"/>
+          </a:xfrm>
+          <a:prstGeom prst="ellipse">
+            <a:avLst/>
+          </a:prstGeom>
+        </p:spPr>
+        <p:style>
+          <a:lnRef idx="3">
+            <a:schemeClr val="lt1"/>
+          </a:lnRef>
+          <a:fillRef idx="1">
+            <a:schemeClr val="accent5"/>
+          </a:fillRef>
+          <a:effectRef idx="1">
+            <a:schemeClr val="accent5"/>
+          </a:effectRef>
+          <a:fontRef idx="minor">
+            <a:schemeClr val="lt1"/>
+          </a:fontRef>
+        </p:style>
+        <p:txBody>
+          <a:bodyPr rtlCol="0" anchor="ctr"/>
+          <a:lstStyle/>
+          <a:p>
+            <a:pPr algn="ctr"/>
+            <a:r>
+              <a:rPr lang="en-US" dirty="0" smtClean="0"/>
+              <a:t>Earthquake</a:t>
+            </a:r>
+            <a:endParaRPr lang="en-US" dirty="0"/>
+          </a:p>
+        </p:txBody>
+      </p:sp>
+      <p:cxnSp>
+        <p:nvCxnSpPr>
+          <p:cNvPr id="83" name="Straight Connector 82"/>
+          <p:cNvCxnSpPr>
+            <a:stCxn id="76" idx="2"/>
+            <a:endCxn id="102" idx="3"/>
+          </p:cNvCxnSpPr>
+          <p:nvPr/>
+        </p:nvCxnSpPr>
+        <p:spPr>
+          <a:xfrm flipH="1" flipV="1">
+            <a:off x="2150228" y="3402601"/>
+            <a:ext cx="752611" cy="705394"/>
+          </a:xfrm>
+          <a:prstGeom prst="line">
+            <a:avLst/>
+          </a:prstGeom>
+          <a:ln w="28575"/>
+        </p:spPr>
+        <p:style>
+          <a:lnRef idx="3">
+            <a:schemeClr val="dk1"/>
+          </a:lnRef>
+          <a:fillRef idx="0">
+            <a:schemeClr val="dk1"/>
+          </a:fillRef>
+          <a:effectRef idx="2">
+            <a:schemeClr val="dk1"/>
+          </a:effectRef>
+          <a:fontRef idx="minor">
+            <a:schemeClr val="tx1"/>
+          </a:fontRef>
+        </p:style>
+      </p:cxnSp>
+      <p:cxnSp>
+        <p:nvCxnSpPr>
+          <p:cNvPr id="85" name="Straight Connector 84"/>
+          <p:cNvCxnSpPr>
+            <a:stCxn id="75" idx="2"/>
+            <a:endCxn id="102" idx="3"/>
+          </p:cNvCxnSpPr>
+          <p:nvPr/>
+        </p:nvCxnSpPr>
+        <p:spPr>
+          <a:xfrm flipH="1" flipV="1">
+            <a:off x="2150228" y="3402601"/>
+            <a:ext cx="752611" cy="1"/>
+          </a:xfrm>
+          <a:prstGeom prst="line">
+            <a:avLst/>
+          </a:prstGeom>
+          <a:ln w="28575"/>
+        </p:spPr>
+        <p:style>
+          <a:lnRef idx="3">
+            <a:schemeClr val="dk1"/>
+          </a:lnRef>
+          <a:fillRef idx="0">
+            <a:schemeClr val="dk1"/>
+          </a:fillRef>
+          <a:effectRef idx="2">
+            <a:schemeClr val="dk1"/>
+          </a:effectRef>
+          <a:fontRef idx="minor">
+            <a:schemeClr val="tx1"/>
+          </a:fontRef>
+        </p:style>
+      </p:cxnSp>
+      <p:cxnSp>
+        <p:nvCxnSpPr>
+          <p:cNvPr id="88" name="Straight Connector 87"/>
+          <p:cNvCxnSpPr>
+            <a:stCxn id="73" idx="2"/>
+          </p:cNvCxnSpPr>
+          <p:nvPr/>
+        </p:nvCxnSpPr>
+        <p:spPr>
+          <a:xfrm flipH="1">
+            <a:off x="2150229" y="2694359"/>
+            <a:ext cx="752610" cy="705392"/>
+          </a:xfrm>
+          <a:prstGeom prst="line">
+            <a:avLst/>
+          </a:prstGeom>
+          <a:ln w="28575"/>
+        </p:spPr>
+        <p:style>
+          <a:lnRef idx="3">
+            <a:schemeClr val="dk1"/>
+          </a:lnRef>
+          <a:fillRef idx="0">
+            <a:schemeClr val="dk1"/>
+          </a:fillRef>
+          <a:effectRef idx="2">
+            <a:schemeClr val="dk1"/>
+          </a:effectRef>
+          <a:fontRef idx="minor">
+            <a:schemeClr val="tx1"/>
+          </a:fontRef>
+        </p:style>
+      </p:cxnSp>
+      <p:sp>
+        <p:nvSpPr>
+          <p:cNvPr id="102" name="Rounded Rectangle 101"/>
+          <p:cNvSpPr/>
+          <p:nvPr/>
+        </p:nvSpPr>
+        <p:spPr>
+          <a:xfrm>
+            <a:off x="909256" y="3143198"/>
+            <a:ext cx="1240972" cy="518805"/>
+          </a:xfrm>
+          <a:prstGeom prst="roundRect">
+            <a:avLst/>
+          </a:prstGeom>
+        </p:spPr>
+        <p:style>
+          <a:lnRef idx="2">
+            <a:schemeClr val="accent3">
+              <a:shade val="50000"/>
+            </a:schemeClr>
+          </a:lnRef>
+          <a:fillRef idx="1">
+            <a:schemeClr val="accent3"/>
+          </a:fillRef>
+          <a:effectRef idx="0">
+            <a:schemeClr val="accent3"/>
+          </a:effectRef>
+          <a:fontRef idx="minor">
+            <a:schemeClr val="lt1"/>
+          </a:fontRef>
+        </p:style>
+        <p:txBody>
+          <a:bodyPr rtlCol="0" anchor="ctr"/>
+          <a:lstStyle/>
+          <a:p>
+            <a:pPr algn="ctr"/>
+            <a:r>
+              <a:rPr lang="en-US" dirty="0" smtClean="0"/>
+              <a:t>UI</a:t>
+            </a:r>
+            <a:endParaRPr lang="en-US" dirty="0"/>
+          </a:p>
+        </p:txBody>
+      </p:sp>
+      <p:sp>
+        <p:nvSpPr>
+          <p:cNvPr id="37" name="Oval 36"/>
+          <p:cNvSpPr/>
+          <p:nvPr/>
+        </p:nvSpPr>
+        <p:spPr>
+          <a:xfrm>
+            <a:off x="2902839" y="1539531"/>
+            <a:ext cx="1397726" cy="705393"/>
+          </a:xfrm>
+          <a:prstGeom prst="ellipse">
+            <a:avLst/>
+          </a:prstGeom>
+        </p:spPr>
+        <p:style>
+          <a:lnRef idx="3">
+            <a:schemeClr val="lt1"/>
+          </a:lnRef>
+          <a:fillRef idx="1">
+            <a:schemeClr val="accent5"/>
+          </a:fillRef>
+          <a:effectRef idx="1">
+            <a:schemeClr val="accent5"/>
+          </a:effectRef>
+          <a:fontRef idx="minor">
+            <a:schemeClr val="lt1"/>
+          </a:fontRef>
+        </p:style>
+        <p:txBody>
+          <a:bodyPr rtlCol="0" anchor="ctr"/>
+          <a:lstStyle/>
+          <a:p>
+            <a:pPr algn="ctr"/>
+            <a:r>
+              <a:rPr lang="en-US" dirty="0" smtClean="0"/>
+              <a:t>Star/ Pause (sucked)</a:t>
+            </a:r>
+            <a:endParaRPr lang="en-US" dirty="0"/>
+          </a:p>
+        </p:txBody>
+      </p:sp>
+      <p:cxnSp>
+        <p:nvCxnSpPr>
+          <p:cNvPr id="39" name="Straight Connector 38"/>
+          <p:cNvCxnSpPr>
+            <a:stCxn id="37" idx="2"/>
+            <a:endCxn id="102" idx="3"/>
+          </p:cNvCxnSpPr>
+          <p:nvPr/>
+        </p:nvCxnSpPr>
+        <p:spPr>
+          <a:xfrm flipH="1">
+            <a:off x="2150228" y="1892228"/>
+            <a:ext cx="752611" cy="1510373"/>
+          </a:xfrm>
+          <a:prstGeom prst="line">
+            <a:avLst/>
+          </a:prstGeom>
+          <a:ln w="28575"/>
+        </p:spPr>
+        <p:style>
+          <a:lnRef idx="3">
+            <a:schemeClr val="dk1"/>
+          </a:lnRef>
+          <a:fillRef idx="0">
+            <a:schemeClr val="dk1"/>
+          </a:fillRef>
+          <a:effectRef idx="2">
+            <a:schemeClr val="dk1"/>
+          </a:effectRef>
+          <a:fontRef idx="minor">
+            <a:schemeClr val="tx1"/>
+          </a:fontRef>
+        </p:style>
+      </p:cxnSp>
+      <p:sp>
+        <p:nvSpPr>
+          <p:cNvPr id="42" name="Oval 41"/>
+          <p:cNvSpPr/>
+          <p:nvPr/>
+        </p:nvSpPr>
+        <p:spPr>
+          <a:xfrm>
+            <a:off x="7046758" y="2245519"/>
+            <a:ext cx="1397726" cy="705393"/>
+          </a:xfrm>
+          <a:prstGeom prst="ellipse">
+            <a:avLst/>
+          </a:prstGeom>
+        </p:spPr>
+        <p:style>
+          <a:lnRef idx="3">
+            <a:schemeClr val="lt1"/>
+          </a:lnRef>
+          <a:fillRef idx="1">
+            <a:schemeClr val="accent5"/>
+          </a:fillRef>
+          <a:effectRef idx="1">
+            <a:schemeClr val="accent5"/>
+          </a:effectRef>
+          <a:fontRef idx="minor">
+            <a:schemeClr val="lt1"/>
+          </a:fontRef>
+        </p:style>
+        <p:txBody>
+          <a:bodyPr rtlCol="0" anchor="ctr"/>
+          <a:lstStyle/>
+          <a:p>
+            <a:pPr algn="ctr"/>
+            <a:r>
+              <a:rPr lang="en-US" dirty="0" smtClean="0"/>
+              <a:t>Snow</a:t>
+            </a:r>
+            <a:endParaRPr lang="en-US" dirty="0"/>
+          </a:p>
+        </p:txBody>
+      </p:sp>
+      <p:sp>
+        <p:nvSpPr>
+          <p:cNvPr id="43" name="Oval 42"/>
+          <p:cNvSpPr/>
+          <p:nvPr/>
+        </p:nvSpPr>
+        <p:spPr>
+          <a:xfrm>
+            <a:off x="7046758" y="2953762"/>
+            <a:ext cx="1397726" cy="705393"/>
+          </a:xfrm>
+          <a:prstGeom prst="ellipse">
+            <a:avLst/>
+          </a:prstGeom>
+        </p:spPr>
+        <p:style>
+          <a:lnRef idx="3">
+            <a:schemeClr val="lt1"/>
+          </a:lnRef>
+          <a:fillRef idx="1">
+            <a:schemeClr val="accent5"/>
+          </a:fillRef>
+          <a:effectRef idx="1">
+            <a:schemeClr val="accent5"/>
+          </a:effectRef>
+          <a:fontRef idx="minor">
+            <a:schemeClr val="lt1"/>
+          </a:fontRef>
+        </p:style>
+        <p:txBody>
+          <a:bodyPr rtlCol="0" anchor="ctr"/>
+          <a:lstStyle/>
+          <a:p>
+            <a:pPr algn="ctr"/>
+            <a:r>
+              <a:rPr lang="en-US" dirty="0" smtClean="0"/>
+              <a:t>Storm</a:t>
+            </a:r>
+            <a:endParaRPr lang="en-US" dirty="0"/>
+          </a:p>
+        </p:txBody>
+      </p:sp>
+      <p:sp>
+        <p:nvSpPr>
+          <p:cNvPr id="44" name="Oval 43"/>
+          <p:cNvSpPr/>
+          <p:nvPr/>
+        </p:nvSpPr>
+        <p:spPr>
+          <a:xfrm>
+            <a:off x="7046758" y="3659155"/>
+            <a:ext cx="1397726" cy="705393"/>
+          </a:xfrm>
+          <a:prstGeom prst="ellipse">
+            <a:avLst/>
+          </a:prstGeom>
+        </p:spPr>
+        <p:style>
+          <a:lnRef idx="3">
+            <a:schemeClr val="lt1"/>
+          </a:lnRef>
+          <a:fillRef idx="1">
+            <a:schemeClr val="accent5"/>
+          </a:fillRef>
+          <a:effectRef idx="1">
+            <a:schemeClr val="accent5"/>
+          </a:effectRef>
+          <a:fontRef idx="minor">
+            <a:schemeClr val="lt1"/>
+          </a:fontRef>
+        </p:style>
+        <p:txBody>
+          <a:bodyPr rtlCol="0" anchor="ctr"/>
+          <a:lstStyle/>
+          <a:p>
+            <a:pPr algn="ctr"/>
+            <a:r>
+              <a:rPr lang="en-US" dirty="0" smtClean="0"/>
+              <a:t>Wind</a:t>
+            </a:r>
+            <a:endParaRPr lang="en-US" dirty="0"/>
+          </a:p>
+        </p:txBody>
+      </p:sp>
+      <p:cxnSp>
+        <p:nvCxnSpPr>
+          <p:cNvPr id="45" name="Straight Connector 44"/>
+          <p:cNvCxnSpPr>
+            <a:stCxn id="44" idx="2"/>
+            <a:endCxn id="49" idx="3"/>
+          </p:cNvCxnSpPr>
+          <p:nvPr/>
+        </p:nvCxnSpPr>
+        <p:spPr>
+          <a:xfrm flipH="1" flipV="1">
+            <a:off x="6294147" y="3306458"/>
+            <a:ext cx="752611" cy="705394"/>
+          </a:xfrm>
+          <a:prstGeom prst="line">
+            <a:avLst/>
+          </a:prstGeom>
+          <a:ln w="28575"/>
+        </p:spPr>
+        <p:style>
+          <a:lnRef idx="3">
+            <a:schemeClr val="dk1"/>
+          </a:lnRef>
+          <a:fillRef idx="0">
+            <a:schemeClr val="dk1"/>
+          </a:fillRef>
+          <a:effectRef idx="2">
+            <a:schemeClr val="dk1"/>
+          </a:effectRef>
+          <a:fontRef idx="minor">
+            <a:schemeClr val="tx1"/>
+          </a:fontRef>
+        </p:style>
+      </p:cxnSp>
+      <p:cxnSp>
+        <p:nvCxnSpPr>
+          <p:cNvPr id="47" name="Straight Connector 46"/>
+          <p:cNvCxnSpPr>
+            <a:stCxn id="43" idx="2"/>
+            <a:endCxn id="49" idx="3"/>
+          </p:cNvCxnSpPr>
+          <p:nvPr/>
+        </p:nvCxnSpPr>
+        <p:spPr>
+          <a:xfrm flipH="1" flipV="1">
+            <a:off x="6294147" y="3306458"/>
+            <a:ext cx="752611" cy="1"/>
+          </a:xfrm>
+          <a:prstGeom prst="line">
+            <a:avLst/>
+          </a:prstGeom>
+          <a:ln w="28575"/>
+        </p:spPr>
+        <p:style>
+          <a:lnRef idx="3">
+            <a:schemeClr val="dk1"/>
+          </a:lnRef>
+          <a:fillRef idx="0">
+            <a:schemeClr val="dk1"/>
+          </a:fillRef>
+          <a:effectRef idx="2">
+            <a:schemeClr val="dk1"/>
+          </a:effectRef>
+          <a:fontRef idx="minor">
+            <a:schemeClr val="tx1"/>
+          </a:fontRef>
+        </p:style>
+      </p:cxnSp>
+      <p:cxnSp>
+        <p:nvCxnSpPr>
+          <p:cNvPr id="48" name="Straight Connector 47"/>
+          <p:cNvCxnSpPr>
+            <a:stCxn id="42" idx="2"/>
+          </p:cNvCxnSpPr>
+          <p:nvPr/>
+        </p:nvCxnSpPr>
+        <p:spPr>
+          <a:xfrm flipH="1">
+            <a:off x="6294148" y="2598216"/>
+            <a:ext cx="752610" cy="705392"/>
+          </a:xfrm>
+          <a:prstGeom prst="line">
+            <a:avLst/>
+          </a:prstGeom>
+          <a:ln w="28575"/>
+        </p:spPr>
+        <p:style>
+          <a:lnRef idx="3">
+            <a:schemeClr val="dk1"/>
+          </a:lnRef>
+          <a:fillRef idx="0">
+            <a:schemeClr val="dk1"/>
+          </a:fillRef>
+          <a:effectRef idx="2">
+            <a:schemeClr val="dk1"/>
+          </a:effectRef>
+          <a:fontRef idx="minor">
+            <a:schemeClr val="tx1"/>
+          </a:fontRef>
+        </p:style>
+      </p:cxnSp>
+      <p:sp>
+        <p:nvSpPr>
+          <p:cNvPr id="49" name="Rounded Rectangle 48"/>
+          <p:cNvSpPr/>
+          <p:nvPr/>
+        </p:nvSpPr>
+        <p:spPr>
+          <a:xfrm>
+            <a:off x="5053175" y="3047055"/>
+            <a:ext cx="1240972" cy="518805"/>
+          </a:xfrm>
+          <a:prstGeom prst="roundRect">
+            <a:avLst/>
+          </a:prstGeom>
+        </p:spPr>
+        <p:style>
+          <a:lnRef idx="2">
+            <a:schemeClr val="accent3">
+              <a:shade val="50000"/>
+            </a:schemeClr>
+          </a:lnRef>
+          <a:fillRef idx="1">
+            <a:schemeClr val="accent3"/>
+          </a:fillRef>
+          <a:effectRef idx="0">
+            <a:schemeClr val="accent3"/>
+          </a:effectRef>
+          <a:fontRef idx="minor">
+            <a:schemeClr val="lt1"/>
+          </a:fontRef>
+        </p:style>
+        <p:txBody>
+          <a:bodyPr rtlCol="0" anchor="ctr"/>
+          <a:lstStyle/>
+          <a:p>
+            <a:pPr algn="ctr"/>
+            <a:r>
+              <a:rPr lang="en-US" dirty="0" smtClean="0"/>
+              <a:t>Weather</a:t>
+            </a:r>
+            <a:endParaRPr lang="en-US" dirty="0"/>
+          </a:p>
+        </p:txBody>
+      </p:sp>
+      <p:sp>
+        <p:nvSpPr>
+          <p:cNvPr id="50" name="Oval 49"/>
+          <p:cNvSpPr/>
+          <p:nvPr/>
+        </p:nvSpPr>
+        <p:spPr>
+          <a:xfrm>
+            <a:off x="7046758" y="1443388"/>
+            <a:ext cx="1397726" cy="705393"/>
+          </a:xfrm>
+          <a:prstGeom prst="ellipse">
+            <a:avLst/>
+          </a:prstGeom>
+        </p:spPr>
+        <p:style>
+          <a:lnRef idx="3">
+            <a:schemeClr val="lt1"/>
+          </a:lnRef>
+          <a:fillRef idx="1">
+            <a:schemeClr val="accent5"/>
+          </a:fillRef>
+          <a:effectRef idx="1">
+            <a:schemeClr val="accent5"/>
+          </a:effectRef>
+          <a:fontRef idx="minor">
+            <a:schemeClr val="lt1"/>
+          </a:fontRef>
+        </p:style>
+        <p:txBody>
+          <a:bodyPr rtlCol="0" anchor="ctr"/>
+          <a:lstStyle/>
+          <a:p>
+            <a:pPr algn="ctr"/>
+            <a:r>
+              <a:rPr lang="en-US" dirty="0" smtClean="0"/>
+              <a:t>Rain</a:t>
+            </a:r>
+            <a:endParaRPr lang="en-US" dirty="0"/>
+          </a:p>
+        </p:txBody>
+      </p:sp>
+      <p:cxnSp>
+        <p:nvCxnSpPr>
+          <p:cNvPr id="51" name="Straight Connector 50"/>
+          <p:cNvCxnSpPr>
+            <a:stCxn id="50" idx="2"/>
+            <a:endCxn id="49" idx="3"/>
+          </p:cNvCxnSpPr>
+          <p:nvPr/>
+        </p:nvCxnSpPr>
+        <p:spPr>
+          <a:xfrm flipH="1">
+            <a:off x="6294147" y="1796085"/>
+            <a:ext cx="752611" cy="1510373"/>
+          </a:xfrm>
+          <a:prstGeom prst="line">
+            <a:avLst/>
+          </a:prstGeom>
+          <a:ln w="28575"/>
+        </p:spPr>
+        <p:style>
+          <a:lnRef idx="3">
+            <a:schemeClr val="dk1"/>
+          </a:lnRef>
+          <a:fillRef idx="0">
+            <a:schemeClr val="dk1"/>
+          </a:fillRef>
+          <a:effectRef idx="2">
+            <a:schemeClr val="dk1"/>
+          </a:effectRef>
+          <a:fontRef idx="minor">
+            <a:schemeClr val="tx1"/>
+          </a:fontRef>
+        </p:style>
+      </p:cxnSp>
+      <p:sp>
+        <p:nvSpPr>
+          <p:cNvPr id="52" name="Oval 51"/>
+          <p:cNvSpPr/>
+          <p:nvPr/>
+        </p:nvSpPr>
+        <p:spPr>
+          <a:xfrm>
+            <a:off x="7047738" y="4364548"/>
+            <a:ext cx="1397726" cy="705393"/>
+          </a:xfrm>
+          <a:prstGeom prst="ellipse">
+            <a:avLst/>
+          </a:prstGeom>
+        </p:spPr>
+        <p:style>
+          <a:lnRef idx="3">
+            <a:schemeClr val="lt1"/>
+          </a:lnRef>
+          <a:fillRef idx="1">
+            <a:schemeClr val="accent5"/>
+          </a:fillRef>
+          <a:effectRef idx="1">
+            <a:schemeClr val="accent5"/>
+          </a:effectRef>
+          <a:fontRef idx="minor">
+            <a:schemeClr val="lt1"/>
+          </a:fontRef>
+        </p:style>
+        <p:txBody>
+          <a:bodyPr rtlCol="0" anchor="ctr"/>
+          <a:lstStyle/>
+          <a:p>
+            <a:pPr algn="ctr"/>
+            <a:r>
+              <a:rPr lang="en-US" dirty="0" smtClean="0"/>
+              <a:t>Night</a:t>
+            </a:r>
+            <a:endParaRPr lang="en-US" dirty="0"/>
+          </a:p>
+        </p:txBody>
+      </p:sp>
+      <p:sp>
+        <p:nvSpPr>
+          <p:cNvPr id="53" name="Oval 52"/>
+          <p:cNvSpPr/>
+          <p:nvPr/>
+        </p:nvSpPr>
+        <p:spPr>
+          <a:xfrm>
+            <a:off x="7048718" y="5069941"/>
+            <a:ext cx="1397726" cy="705393"/>
+          </a:xfrm>
+          <a:prstGeom prst="ellipse">
+            <a:avLst/>
+          </a:prstGeom>
+        </p:spPr>
+        <p:style>
+          <a:lnRef idx="3">
+            <a:schemeClr val="lt1"/>
+          </a:lnRef>
+          <a:fillRef idx="1">
+            <a:schemeClr val="accent5"/>
+          </a:fillRef>
+          <a:effectRef idx="1">
+            <a:schemeClr val="accent5"/>
+          </a:effectRef>
+          <a:fontRef idx="minor">
+            <a:schemeClr val="lt1"/>
+          </a:fontRef>
+        </p:style>
+        <p:txBody>
+          <a:bodyPr rtlCol="0" anchor="ctr"/>
+          <a:lstStyle/>
+          <a:p>
+            <a:pPr algn="ctr"/>
+            <a:r>
+              <a:rPr lang="en-US" dirty="0" smtClean="0"/>
+              <a:t>Ghostly</a:t>
+            </a:r>
+            <a:endParaRPr lang="en-US" dirty="0"/>
+          </a:p>
+        </p:txBody>
+      </p:sp>
+      <p:cxnSp>
+        <p:nvCxnSpPr>
+          <p:cNvPr id="54" name="Straight Connector 53"/>
+          <p:cNvCxnSpPr>
+            <a:endCxn id="49" idx="3"/>
+          </p:cNvCxnSpPr>
+          <p:nvPr/>
+        </p:nvCxnSpPr>
+        <p:spPr>
+          <a:xfrm flipH="1" flipV="1">
+            <a:off x="6294147" y="3306458"/>
+            <a:ext cx="751631" cy="1407936"/>
+          </a:xfrm>
+          <a:prstGeom prst="line">
+            <a:avLst/>
+          </a:prstGeom>
+          <a:ln w="28575"/>
+        </p:spPr>
+        <p:style>
+          <a:lnRef idx="3">
+            <a:schemeClr val="dk1"/>
+          </a:lnRef>
+          <a:fillRef idx="0">
+            <a:schemeClr val="dk1"/>
+          </a:fillRef>
+          <a:effectRef idx="2">
+            <a:schemeClr val="dk1"/>
+          </a:effectRef>
+          <a:fontRef idx="minor">
+            <a:schemeClr val="tx1"/>
+          </a:fontRef>
+        </p:style>
+      </p:cxnSp>
+      <p:cxnSp>
+        <p:nvCxnSpPr>
+          <p:cNvPr id="57" name="Straight Connector 56"/>
+          <p:cNvCxnSpPr>
+            <a:stCxn id="53" idx="2"/>
+            <a:endCxn id="49" idx="3"/>
+          </p:cNvCxnSpPr>
+          <p:nvPr/>
+        </p:nvCxnSpPr>
+        <p:spPr>
+          <a:xfrm flipH="1" flipV="1">
+            <a:off x="6294147" y="3306458"/>
+            <a:ext cx="754571" cy="2116180"/>
+          </a:xfrm>
+          <a:prstGeom prst="line">
+            <a:avLst/>
+          </a:prstGeom>
+          <a:ln w="28575"/>
+        </p:spPr>
+        <p:style>
+          <a:lnRef idx="3">
+            <a:schemeClr val="dk1"/>
+          </a:lnRef>
+          <a:fillRef idx="0">
+            <a:schemeClr val="dk1"/>
+          </a:fillRef>
+          <a:effectRef idx="2">
+            <a:schemeClr val="dk1"/>
+          </a:effectRef>
+          <a:fontRef idx="minor">
+            <a:schemeClr val="tx1"/>
+          </a:fontRef>
+        </p:style>
+      </p:cxnSp>
+      <p:sp>
+        <p:nvSpPr>
+          <p:cNvPr id="24" name="Oval 23"/>
+          <p:cNvSpPr/>
+          <p:nvPr/>
+        </p:nvSpPr>
+        <p:spPr>
+          <a:xfrm>
+            <a:off x="2900879" y="4460690"/>
+            <a:ext cx="1397726" cy="705393"/>
+          </a:xfrm>
+          <a:prstGeom prst="ellipse">
+            <a:avLst/>
+          </a:prstGeom>
+        </p:spPr>
+        <p:style>
+          <a:lnRef idx="3">
+            <a:schemeClr val="lt1"/>
+          </a:lnRef>
+          <a:fillRef idx="1">
+            <a:schemeClr val="accent5"/>
+          </a:fillRef>
+          <a:effectRef idx="1">
+            <a:schemeClr val="accent5"/>
+          </a:effectRef>
+          <a:fontRef idx="minor">
+            <a:schemeClr val="lt1"/>
+          </a:fontRef>
+        </p:style>
+        <p:txBody>
+          <a:bodyPr rtlCol="0" anchor="ctr"/>
+          <a:lstStyle/>
+          <a:p>
+            <a:pPr algn="ctr"/>
+            <a:r>
+              <a:rPr lang="en-US" dirty="0" smtClean="0"/>
+              <a:t>Go</a:t>
+            </a:r>
+            <a:endParaRPr lang="en-US" dirty="0"/>
+          </a:p>
+        </p:txBody>
+      </p:sp>
+      <p:sp>
+        <p:nvSpPr>
+          <p:cNvPr id="25" name="Oval 24"/>
+          <p:cNvSpPr/>
+          <p:nvPr/>
+        </p:nvSpPr>
+        <p:spPr>
+          <a:xfrm>
+            <a:off x="2900879" y="5166081"/>
+            <a:ext cx="1397726" cy="705393"/>
+          </a:xfrm>
+          <a:prstGeom prst="ellipse">
+            <a:avLst/>
+          </a:prstGeom>
+        </p:spPr>
+        <p:style>
+          <a:lnRef idx="3">
+            <a:schemeClr val="lt1"/>
+          </a:lnRef>
+          <a:fillRef idx="1">
+            <a:schemeClr val="accent5"/>
+          </a:fillRef>
+          <a:effectRef idx="1">
+            <a:schemeClr val="accent5"/>
+          </a:effectRef>
+          <a:fontRef idx="minor">
+            <a:schemeClr val="lt1"/>
+          </a:fontRef>
+        </p:style>
+        <p:txBody>
+          <a:bodyPr rtlCol="0" anchor="ctr"/>
+          <a:lstStyle/>
+          <a:p>
+            <a:pPr algn="ctr"/>
+            <a:r>
+              <a:rPr lang="en-US" dirty="0" smtClean="0"/>
+              <a:t>Time’s up</a:t>
+            </a:r>
+            <a:endParaRPr lang="en-US" dirty="0"/>
+          </a:p>
+        </p:txBody>
+      </p:sp>
+      <p:cxnSp>
+        <p:nvCxnSpPr>
+          <p:cNvPr id="26" name="Straight Connector 25"/>
+          <p:cNvCxnSpPr>
+            <a:stCxn id="24" idx="2"/>
+            <a:endCxn id="102" idx="3"/>
+          </p:cNvCxnSpPr>
+          <p:nvPr/>
+        </p:nvCxnSpPr>
+        <p:spPr>
+          <a:xfrm flipH="1" flipV="1">
+            <a:off x="2150228" y="3402601"/>
+            <a:ext cx="750651" cy="1410786"/>
+          </a:xfrm>
+          <a:prstGeom prst="line">
+            <a:avLst/>
+          </a:prstGeom>
+          <a:ln w="28575"/>
+        </p:spPr>
+        <p:style>
+          <a:lnRef idx="3">
+            <a:schemeClr val="dk1"/>
+          </a:lnRef>
+          <a:fillRef idx="0">
+            <a:schemeClr val="dk1"/>
+          </a:fillRef>
+          <a:effectRef idx="2">
+            <a:schemeClr val="dk1"/>
+          </a:effectRef>
+          <a:fontRef idx="minor">
+            <a:schemeClr val="tx1"/>
+          </a:fontRef>
+        </p:style>
+      </p:cxnSp>
+      <p:cxnSp>
+        <p:nvCxnSpPr>
+          <p:cNvPr id="29" name="Straight Connector 28"/>
+          <p:cNvCxnSpPr>
+            <a:stCxn id="25" idx="2"/>
+            <a:endCxn id="102" idx="3"/>
+          </p:cNvCxnSpPr>
+          <p:nvPr/>
+        </p:nvCxnSpPr>
+        <p:spPr>
+          <a:xfrm flipH="1" flipV="1">
+            <a:off x="2150228" y="3402601"/>
+            <a:ext cx="750651" cy="2116177"/>
+          </a:xfrm>
+          <a:prstGeom prst="line">
+            <a:avLst/>
+          </a:prstGeom>
+          <a:ln w="28575"/>
+        </p:spPr>
+        <p:style>
+          <a:lnRef idx="3">
+            <a:schemeClr val="dk1"/>
+          </a:lnRef>
+          <a:fillRef idx="0">
+            <a:schemeClr val="dk1"/>
+          </a:fillRef>
+          <a:effectRef idx="2">
+            <a:schemeClr val="dk1"/>
+          </a:effectRef>
+          <a:fontRef idx="minor">
+            <a:schemeClr val="tx1"/>
+          </a:fontRef>
+        </p:style>
+      </p:cxnSp>
+    </p:spTree>
+    <p:extLst>
+      <p:ext uri="{BB962C8B-B14F-4D97-AF65-F5344CB8AC3E}">
+        <p14:creationId xmlns:p14="http://schemas.microsoft.com/office/powerpoint/2010/main" val="323804376"/>
       </p:ext>
     </p:extLst>
   </p:cSld>

--- a/Witch Ball mind map.pptx
+++ b/Witch Ball mind map.pptx
@@ -5,7 +5,7 @@
     <p:sldMasterId id="2147483648" r:id="rId1"/>
   </p:sldMasterIdLst>
   <p:notesMasterIdLst>
-    <p:notesMasterId r:id="rId15"/>
+    <p:notesMasterId r:id="rId16"/>
   </p:notesMasterIdLst>
   <p:sldIdLst>
     <p:sldId id="256" r:id="rId2"/>
@@ -21,6 +21,7 @@
     <p:sldId id="266" r:id="rId12"/>
     <p:sldId id="267" r:id="rId13"/>
     <p:sldId id="268" r:id="rId14"/>
+    <p:sldId id="269" r:id="rId15"/>
   </p:sldIdLst>
   <p:sldSz cx="12192000" cy="6858000"/>
   <p:notesSz cx="6858000" cy="9144000"/>
@@ -209,7 +210,7 @@
           <a:p>
             <a:fld id="{432EB83A-2125-4C75-8665-EE86B460C6D7}" type="datetimeFigureOut">
               <a:rPr lang="en-US" smtClean="0"/>
-              <a:t>7/18/2019</a:t>
+              <a:t>8/7/2019</a:t>
             </a:fld>
             <a:endParaRPr lang="en-US"/>
           </a:p>
@@ -1284,7 +1285,7 @@
           <a:p>
             <a:fld id="{2379F4E2-D73C-4C40-A6C8-9D172A2712F9}" type="datetimeFigureOut">
               <a:rPr lang="en-US" smtClean="0"/>
-              <a:t>7/18/2019</a:t>
+              <a:t>8/7/2019</a:t>
             </a:fld>
             <a:endParaRPr lang="en-US"/>
           </a:p>
@@ -1454,7 +1455,7 @@
           <a:p>
             <a:fld id="{2379F4E2-D73C-4C40-A6C8-9D172A2712F9}" type="datetimeFigureOut">
               <a:rPr lang="en-US" smtClean="0"/>
-              <a:t>7/18/2019</a:t>
+              <a:t>8/7/2019</a:t>
             </a:fld>
             <a:endParaRPr lang="en-US"/>
           </a:p>
@@ -1634,7 +1635,7 @@
           <a:p>
             <a:fld id="{2379F4E2-D73C-4C40-A6C8-9D172A2712F9}" type="datetimeFigureOut">
               <a:rPr lang="en-US" smtClean="0"/>
-              <a:t>7/18/2019</a:t>
+              <a:t>8/7/2019</a:t>
             </a:fld>
             <a:endParaRPr lang="en-US"/>
           </a:p>
@@ -1804,7 +1805,7 @@
           <a:p>
             <a:fld id="{2379F4E2-D73C-4C40-A6C8-9D172A2712F9}" type="datetimeFigureOut">
               <a:rPr lang="en-US" smtClean="0"/>
-              <a:t>7/18/2019</a:t>
+              <a:t>8/7/2019</a:t>
             </a:fld>
             <a:endParaRPr lang="en-US"/>
           </a:p>
@@ -2050,7 +2051,7 @@
           <a:p>
             <a:fld id="{2379F4E2-D73C-4C40-A6C8-9D172A2712F9}" type="datetimeFigureOut">
               <a:rPr lang="en-US" smtClean="0"/>
-              <a:t>7/18/2019</a:t>
+              <a:t>8/7/2019</a:t>
             </a:fld>
             <a:endParaRPr lang="en-US"/>
           </a:p>
@@ -2282,7 +2283,7 @@
           <a:p>
             <a:fld id="{2379F4E2-D73C-4C40-A6C8-9D172A2712F9}" type="datetimeFigureOut">
               <a:rPr lang="en-US" smtClean="0"/>
-              <a:t>7/18/2019</a:t>
+              <a:t>8/7/2019</a:t>
             </a:fld>
             <a:endParaRPr lang="en-US"/>
           </a:p>
@@ -2649,7 +2650,7 @@
           <a:p>
             <a:fld id="{2379F4E2-D73C-4C40-A6C8-9D172A2712F9}" type="datetimeFigureOut">
               <a:rPr lang="en-US" smtClean="0"/>
-              <a:t>7/18/2019</a:t>
+              <a:t>8/7/2019</a:t>
             </a:fld>
             <a:endParaRPr lang="en-US"/>
           </a:p>
@@ -2767,7 +2768,7 @@
           <a:p>
             <a:fld id="{2379F4E2-D73C-4C40-A6C8-9D172A2712F9}" type="datetimeFigureOut">
               <a:rPr lang="en-US" smtClean="0"/>
-              <a:t>7/18/2019</a:t>
+              <a:t>8/7/2019</a:t>
             </a:fld>
             <a:endParaRPr lang="en-US"/>
           </a:p>
@@ -2862,7 +2863,7 @@
           <a:p>
             <a:fld id="{2379F4E2-D73C-4C40-A6C8-9D172A2712F9}" type="datetimeFigureOut">
               <a:rPr lang="en-US" smtClean="0"/>
-              <a:t>7/18/2019</a:t>
+              <a:t>8/7/2019</a:t>
             </a:fld>
             <a:endParaRPr lang="en-US"/>
           </a:p>
@@ -3139,7 +3140,7 @@
           <a:p>
             <a:fld id="{2379F4E2-D73C-4C40-A6C8-9D172A2712F9}" type="datetimeFigureOut">
               <a:rPr lang="en-US" smtClean="0"/>
-              <a:t>7/18/2019</a:t>
+              <a:t>8/7/2019</a:t>
             </a:fld>
             <a:endParaRPr lang="en-US"/>
           </a:p>
@@ -3392,7 +3393,7 @@
           <a:p>
             <a:fld id="{2379F4E2-D73C-4C40-A6C8-9D172A2712F9}" type="datetimeFigureOut">
               <a:rPr lang="en-US" smtClean="0"/>
-              <a:t>7/18/2019</a:t>
+              <a:t>8/7/2019</a:t>
             </a:fld>
             <a:endParaRPr lang="en-US"/>
           </a:p>
@@ -3605,7 +3606,7 @@
           <a:p>
             <a:fld id="{2379F4E2-D73C-4C40-A6C8-9D172A2712F9}" type="datetimeFigureOut">
               <a:rPr lang="en-US" smtClean="0"/>
-              <a:t>7/18/2019</a:t>
+              <a:t>8/7/2019</a:t>
             </a:fld>
             <a:endParaRPr lang="en-US"/>
           </a:p>
@@ -9915,6 +9916,102 @@
 </p:sld>
 </file>
 
+<file path=ppt/slides/slide14.xml><?xml version="1.0" encoding="utf-8"?>
+<p:sld xmlns:a="http://schemas.openxmlformats.org/drawingml/2006/main" xmlns:r="http://schemas.openxmlformats.org/officeDocument/2006/relationships" xmlns:p="http://schemas.openxmlformats.org/presentationml/2006/main">
+  <p:cSld>
+    <p:spTree>
+      <p:nvGrpSpPr>
+        <p:cNvPr id="1" name=""/>
+        <p:cNvGrpSpPr/>
+        <p:nvPr/>
+      </p:nvGrpSpPr>
+      <p:grpSpPr>
+        <a:xfrm>
+          <a:off x="0" y="0"/>
+          <a:ext cx="0" cy="0"/>
+          <a:chOff x="0" y="0"/>
+          <a:chExt cx="0" cy="0"/>
+        </a:xfrm>
+      </p:grpSpPr>
+      <p:sp>
+        <p:nvSpPr>
+          <p:cNvPr id="2" name="Title 1"/>
+          <p:cNvSpPr>
+            <a:spLocks noGrp="1"/>
+          </p:cNvSpPr>
+          <p:nvPr>
+            <p:ph type="title"/>
+          </p:nvPr>
+        </p:nvSpPr>
+        <p:spPr/>
+        <p:txBody>
+          <a:bodyPr/>
+          <a:lstStyle/>
+          <a:p>
+            <a:r>
+              <a:rPr lang="en-US" dirty="0" smtClean="0"/>
+              <a:t>Animation FX</a:t>
+            </a:r>
+            <a:endParaRPr lang="en-US" dirty="0"/>
+          </a:p>
+        </p:txBody>
+      </p:sp>
+      <p:sp>
+        <p:nvSpPr>
+          <p:cNvPr id="3" name="Content Placeholder 2"/>
+          <p:cNvSpPr>
+            <a:spLocks noGrp="1"/>
+          </p:cNvSpPr>
+          <p:nvPr>
+            <p:ph idx="1"/>
+          </p:nvPr>
+        </p:nvSpPr>
+        <p:spPr/>
+        <p:txBody>
+          <a:bodyPr/>
+          <a:lstStyle/>
+          <a:p>
+            <a:r>
+              <a:rPr lang="en-US" dirty="0" smtClean="0"/>
+              <a:t>Character</a:t>
+            </a:r>
+          </a:p>
+          <a:p>
+            <a:r>
+              <a:rPr lang="en-US" dirty="0" smtClean="0"/>
+              <a:t>Ball</a:t>
+            </a:r>
+          </a:p>
+          <a:p>
+            <a:r>
+              <a:rPr lang="en-US" dirty="0" smtClean="0"/>
+              <a:t>Tile</a:t>
+            </a:r>
+          </a:p>
+          <a:p>
+            <a:r>
+              <a:rPr lang="en-US" dirty="0" smtClean="0"/>
+              <a:t>Weather</a:t>
+            </a:r>
+          </a:p>
+          <a:p>
+            <a:endParaRPr lang="en-US" dirty="0"/>
+          </a:p>
+        </p:txBody>
+      </p:sp>
+    </p:spTree>
+    <p:extLst>
+      <p:ext uri="{BB962C8B-B14F-4D97-AF65-F5344CB8AC3E}">
+        <p14:creationId xmlns:p14="http://schemas.microsoft.com/office/powerpoint/2010/main" val="902257334"/>
+      </p:ext>
+    </p:extLst>
+  </p:cSld>
+  <p:clrMapOvr>
+    <a:masterClrMapping/>
+  </p:clrMapOvr>
+</p:sld>
+</file>
+
 <file path=ppt/slides/slide2.xml><?xml version="1.0" encoding="utf-8"?>
 <p:sld xmlns:a="http://schemas.openxmlformats.org/drawingml/2006/main" xmlns:r="http://schemas.openxmlformats.org/officeDocument/2006/relationships" xmlns:p="http://schemas.openxmlformats.org/presentationml/2006/main">
   <p:cSld>

--- a/Witch Ball mind map.pptx
+++ b/Witch Ball mind map.pptx
@@ -210,7 +210,7 @@
           <a:p>
             <a:fld id="{432EB83A-2125-4C75-8665-EE86B460C6D7}" type="datetimeFigureOut">
               <a:rPr lang="en-US" smtClean="0"/>
-              <a:t>8/7/2019</a:t>
+              <a:t>8/14/2019</a:t>
             </a:fld>
             <a:endParaRPr lang="en-US"/>
           </a:p>
@@ -1285,7 +1285,7 @@
           <a:p>
             <a:fld id="{2379F4E2-D73C-4C40-A6C8-9D172A2712F9}" type="datetimeFigureOut">
               <a:rPr lang="en-US" smtClean="0"/>
-              <a:t>8/7/2019</a:t>
+              <a:t>8/14/2019</a:t>
             </a:fld>
             <a:endParaRPr lang="en-US"/>
           </a:p>
@@ -1455,7 +1455,7 @@
           <a:p>
             <a:fld id="{2379F4E2-D73C-4C40-A6C8-9D172A2712F9}" type="datetimeFigureOut">
               <a:rPr lang="en-US" smtClean="0"/>
-              <a:t>8/7/2019</a:t>
+              <a:t>8/14/2019</a:t>
             </a:fld>
             <a:endParaRPr lang="en-US"/>
           </a:p>
@@ -1635,7 +1635,7 @@
           <a:p>
             <a:fld id="{2379F4E2-D73C-4C40-A6C8-9D172A2712F9}" type="datetimeFigureOut">
               <a:rPr lang="en-US" smtClean="0"/>
-              <a:t>8/7/2019</a:t>
+              <a:t>8/14/2019</a:t>
             </a:fld>
             <a:endParaRPr lang="en-US"/>
           </a:p>
@@ -1805,7 +1805,7 @@
           <a:p>
             <a:fld id="{2379F4E2-D73C-4C40-A6C8-9D172A2712F9}" type="datetimeFigureOut">
               <a:rPr lang="en-US" smtClean="0"/>
-              <a:t>8/7/2019</a:t>
+              <a:t>8/14/2019</a:t>
             </a:fld>
             <a:endParaRPr lang="en-US"/>
           </a:p>
@@ -2051,7 +2051,7 @@
           <a:p>
             <a:fld id="{2379F4E2-D73C-4C40-A6C8-9D172A2712F9}" type="datetimeFigureOut">
               <a:rPr lang="en-US" smtClean="0"/>
-              <a:t>8/7/2019</a:t>
+              <a:t>8/14/2019</a:t>
             </a:fld>
             <a:endParaRPr lang="en-US"/>
           </a:p>
@@ -2283,7 +2283,7 @@
           <a:p>
             <a:fld id="{2379F4E2-D73C-4C40-A6C8-9D172A2712F9}" type="datetimeFigureOut">
               <a:rPr lang="en-US" smtClean="0"/>
-              <a:t>8/7/2019</a:t>
+              <a:t>8/14/2019</a:t>
             </a:fld>
             <a:endParaRPr lang="en-US"/>
           </a:p>
@@ -2650,7 +2650,7 @@
           <a:p>
             <a:fld id="{2379F4E2-D73C-4C40-A6C8-9D172A2712F9}" type="datetimeFigureOut">
               <a:rPr lang="en-US" smtClean="0"/>
-              <a:t>8/7/2019</a:t>
+              <a:t>8/14/2019</a:t>
             </a:fld>
             <a:endParaRPr lang="en-US"/>
           </a:p>
@@ -2768,7 +2768,7 @@
           <a:p>
             <a:fld id="{2379F4E2-D73C-4C40-A6C8-9D172A2712F9}" type="datetimeFigureOut">
               <a:rPr lang="en-US" smtClean="0"/>
-              <a:t>8/7/2019</a:t>
+              <a:t>8/14/2019</a:t>
             </a:fld>
             <a:endParaRPr lang="en-US"/>
           </a:p>
@@ -2863,7 +2863,7 @@
           <a:p>
             <a:fld id="{2379F4E2-D73C-4C40-A6C8-9D172A2712F9}" type="datetimeFigureOut">
               <a:rPr lang="en-US" smtClean="0"/>
-              <a:t>8/7/2019</a:t>
+              <a:t>8/14/2019</a:t>
             </a:fld>
             <a:endParaRPr lang="en-US"/>
           </a:p>
@@ -3140,7 +3140,7 @@
           <a:p>
             <a:fld id="{2379F4E2-D73C-4C40-A6C8-9D172A2712F9}" type="datetimeFigureOut">
               <a:rPr lang="en-US" smtClean="0"/>
-              <a:t>8/7/2019</a:t>
+              <a:t>8/14/2019</a:t>
             </a:fld>
             <a:endParaRPr lang="en-US"/>
           </a:p>
@@ -3393,7 +3393,7 @@
           <a:p>
             <a:fld id="{2379F4E2-D73C-4C40-A6C8-9D172A2712F9}" type="datetimeFigureOut">
               <a:rPr lang="en-US" smtClean="0"/>
-              <a:t>8/7/2019</a:t>
+              <a:t>8/14/2019</a:t>
             </a:fld>
             <a:endParaRPr lang="en-US"/>
           </a:p>
@@ -3606,7 +3606,7 @@
           <a:p>
             <a:fld id="{2379F4E2-D73C-4C40-A6C8-9D172A2712F9}" type="datetimeFigureOut">
               <a:rPr lang="en-US" smtClean="0"/>
-              <a:t>8/7/2019</a:t>
+              <a:t>8/14/2019</a:t>
             </a:fld>
             <a:endParaRPr lang="en-US"/>
           </a:p>
@@ -9968,7 +9968,9 @@
         </p:nvSpPr>
         <p:spPr/>
         <p:txBody>
-          <a:bodyPr/>
+          <a:bodyPr>
+            <a:normAutofit fontScale="85000" lnSpcReduction="20000"/>
+          </a:bodyPr>
           <a:lstStyle/>
           <a:p>
             <a:r>
@@ -9977,10 +9979,68 @@
             </a:r>
           </a:p>
           <a:p>
+            <a:pPr lvl="1"/>
+            <a:r>
+              <a:rPr lang="en-US" dirty="0" smtClean="0"/>
+              <a:t>Jump dust/smoke, Move wind/smoke</a:t>
+            </a:r>
+          </a:p>
+          <a:p>
+            <a:pPr lvl="1"/>
+            <a:r>
+              <a:rPr lang="en-US" dirty="0" smtClean="0"/>
+              <a:t>Light magic, heavy magic</a:t>
+            </a:r>
+          </a:p>
+          <a:p>
+            <a:pPr lvl="1"/>
+            <a:r>
+              <a:rPr lang="en-US" dirty="0" smtClean="0"/>
+              <a:t>Shoot hit bright yellow, pass hit white, Tackle yellow/bright, Follow smoke</a:t>
+            </a:r>
+          </a:p>
+          <a:p>
+            <a:pPr lvl="1"/>
+            <a:r>
+              <a:rPr lang="en-US" dirty="0" smtClean="0"/>
+              <a:t>Tackled hit red, </a:t>
+            </a:r>
+          </a:p>
+          <a:p>
+            <a:pPr lvl="1"/>
+            <a:r>
+              <a:rPr lang="en-US" dirty="0" smtClean="0"/>
+              <a:t>Stun poison</a:t>
+            </a:r>
+          </a:p>
+          <a:p>
+            <a:pPr lvl="1"/>
+            <a:r>
+              <a:rPr lang="en-US" dirty="0" smtClean="0"/>
+              <a:t>Celebration firework</a:t>
+            </a:r>
+          </a:p>
+          <a:p>
+            <a:pPr lvl="1"/>
+            <a:r>
+              <a:rPr lang="en-US" dirty="0" smtClean="0"/>
+              <a:t>Fallen resurrection </a:t>
+            </a:r>
+            <a:endParaRPr lang="en-US" dirty="0" smtClean="0"/>
+          </a:p>
+          <a:p>
             <a:r>
               <a:rPr lang="en-US" dirty="0" smtClean="0"/>
               <a:t>Ball</a:t>
             </a:r>
+          </a:p>
+          <a:p>
+            <a:pPr lvl="1"/>
+            <a:r>
+              <a:rPr lang="en-US" dirty="0" smtClean="0"/>
+              <a:t>Rage fire,</a:t>
+            </a:r>
+            <a:endParaRPr lang="en-US" dirty="0" smtClean="0"/>
           </a:p>
           <a:p>
             <a:r>
@@ -9989,12 +10049,25 @@
             </a:r>
           </a:p>
           <a:p>
+            <a:pPr lvl="1"/>
+            <a:r>
+              <a:rPr lang="en-US" dirty="0" smtClean="0"/>
+              <a:t>Explosion </a:t>
+            </a:r>
+            <a:endParaRPr lang="en-US" dirty="0" smtClean="0"/>
+          </a:p>
+          <a:p>
             <a:r>
               <a:rPr lang="en-US" dirty="0" smtClean="0"/>
               <a:t>Weather</a:t>
             </a:r>
           </a:p>
           <a:p>
+            <a:pPr lvl="1"/>
+            <a:r>
+              <a:rPr lang="en-US" dirty="0" smtClean="0"/>
+              <a:t>Rain, ember, bats, bird/ fallen leaf, snow</a:t>
+            </a:r>
             <a:endParaRPr lang="en-US" dirty="0"/>
           </a:p>
         </p:txBody>
